--- a/docs/presentation/Presentation.pptx
+++ b/docs/presentation/Presentation.pptx
@@ -10,20 +10,23 @@
     <p:sldId id="258" r:id="rId4"/>
     <p:sldId id="262" r:id="rId5"/>
     <p:sldId id="264" r:id="rId6"/>
-    <p:sldId id="267" r:id="rId7"/>
-    <p:sldId id="259" r:id="rId8"/>
-    <p:sldId id="265" r:id="rId9"/>
-    <p:sldId id="266" r:id="rId10"/>
-    <p:sldId id="269" r:id="rId11"/>
-    <p:sldId id="270" r:id="rId12"/>
-    <p:sldId id="271" r:id="rId13"/>
-    <p:sldId id="272" r:id="rId14"/>
-    <p:sldId id="273" r:id="rId15"/>
-    <p:sldId id="274" r:id="rId16"/>
-    <p:sldId id="275" r:id="rId17"/>
-    <p:sldId id="276" r:id="rId18"/>
-    <p:sldId id="260" r:id="rId19"/>
-    <p:sldId id="261" r:id="rId20"/>
+    <p:sldId id="278" r:id="rId7"/>
+    <p:sldId id="279" r:id="rId8"/>
+    <p:sldId id="267" r:id="rId9"/>
+    <p:sldId id="259" r:id="rId10"/>
+    <p:sldId id="265" r:id="rId11"/>
+    <p:sldId id="266" r:id="rId12"/>
+    <p:sldId id="269" r:id="rId13"/>
+    <p:sldId id="270" r:id="rId14"/>
+    <p:sldId id="271" r:id="rId15"/>
+    <p:sldId id="272" r:id="rId16"/>
+    <p:sldId id="273" r:id="rId17"/>
+    <p:sldId id="274" r:id="rId18"/>
+    <p:sldId id="277" r:id="rId19"/>
+    <p:sldId id="275" r:id="rId20"/>
+    <p:sldId id="276" r:id="rId21"/>
+    <p:sldId id="260" r:id="rId22"/>
+    <p:sldId id="261" r:id="rId23"/>
   </p:sldIdLst>
   <p:sldSz cx="12192000" cy="6858000"/>
   <p:notesSz cx="6858000" cy="9144000"/>
@@ -133,6 +136,7 @@
 <file path=ppt/revisionInfo.xml><?xml version="1.0" encoding="utf-8"?>
 <p1510:revInfo xmlns:a="http://schemas.openxmlformats.org/drawingml/2006/main" xmlns:r="http://schemas.openxmlformats.org/officeDocument/2006/relationships" xmlns:p1510="http://schemas.microsoft.com/office/powerpoint/2015/10/main">
   <p1510:revLst>
+    <p1510:client id="{011DFB8F-CD22-4A71-985B-928F94C1CE07}" v="425" dt="2020-04-04T09:16:59.742"/>
     <p1510:client id="{1160FAA9-F999-4E44-9E74-425A0C1DC568}" v="1223" dt="2020-02-17T14:44:16.976"/>
     <p1510:client id="{1AA8C00A-21E9-487B-9FFB-3B0D252F9148}" v="1706" dt="2020-02-24T16:31:04.614"/>
     <p1510:client id="{20423B53-5D3F-42C1-A728-93E76E8B30A8}" v="3033" dt="2020-03-30T10:53:26.520"/>
@@ -145,6 +149,1246 @@
     <p1510:client id="{D0024680-6A6C-4C2C-9317-51B80E01B98A}" v="2863" dt="2020-02-14T15:52:35.637"/>
   </p1510:revLst>
 </p1510:revInfo>
+</file>
+
+<file path=ppt/changesInfos/changesInfo1.xml><?xml version="1.0" encoding="utf-8"?>
+<pc:chgInfo xmlns:a="http://schemas.openxmlformats.org/drawingml/2006/main" xmlns:r="http://schemas.openxmlformats.org/officeDocument/2006/relationships" xmlns:ac="http://schemas.microsoft.com/office/drawing/2013/main/command" xmlns:pc="http://schemas.microsoft.com/office/powerpoint/2013/main/command">
+  <pc:docChgLst>
+    <pc:chgData name="Harsha Ky" userId="51654b9f203ea89d" providerId="Windows Live" clId="Web-{2D5470B4-B7C2-416A-BF9E-2F5E3EB17E3F}"/>
+    <pc:docChg chg="modSld">
+      <pc:chgData name="Harsha Ky" userId="51654b9f203ea89d" providerId="Windows Live" clId="Web-{2D5470B4-B7C2-416A-BF9E-2F5E3EB17E3F}" dt="2020-02-26T10:25:20.069" v="425" actId="20577"/>
+      <pc:docMkLst>
+        <pc:docMk/>
+      </pc:docMkLst>
+      <pc:sldChg chg="modSp">
+        <pc:chgData name="Harsha Ky" userId="51654b9f203ea89d" providerId="Windows Live" clId="Web-{2D5470B4-B7C2-416A-BF9E-2F5E3EB17E3F}" dt="2020-02-26T10:25:18.366" v="423" actId="20577"/>
+        <pc:sldMkLst>
+          <pc:docMk/>
+          <pc:sldMk cId="682909928" sldId="268"/>
+        </pc:sldMkLst>
+        <pc:spChg chg="mod">
+          <ac:chgData name="Harsha Ky" userId="51654b9f203ea89d" providerId="Windows Live" clId="Web-{2D5470B4-B7C2-416A-BF9E-2F5E3EB17E3F}" dt="2020-02-26T10:25:18.366" v="423" actId="20577"/>
+          <ac:spMkLst>
+            <pc:docMk/>
+            <pc:sldMk cId="682909928" sldId="268"/>
+            <ac:spMk id="3" creationId="{CAEDD0D8-A3C3-480E-873E-2C1BC04CA086}"/>
+          </ac:spMkLst>
+        </pc:spChg>
+      </pc:sldChg>
+    </pc:docChg>
+  </pc:docChgLst>
+  <pc:docChgLst>
+    <pc:chgData name="Harsha Ky" userId="51654b9f203ea89d" providerId="Windows Live" clId="Web-{D0024680-6A6C-4C2C-9317-51B80E01B98A}"/>
+    <pc:docChg chg="addSld modSld">
+      <pc:chgData name="Harsha Ky" userId="51654b9f203ea89d" providerId="Windows Live" clId="Web-{D0024680-6A6C-4C2C-9317-51B80E01B98A}" dt="2020-02-14T15:52:35.637" v="2857" actId="20577"/>
+      <pc:docMkLst>
+        <pc:docMk/>
+      </pc:docMkLst>
+      <pc:sldChg chg="modSp">
+        <pc:chgData name="Harsha Ky" userId="51654b9f203ea89d" providerId="Windows Live" clId="Web-{D0024680-6A6C-4C2C-9317-51B80E01B98A}" dt="2020-02-14T15:13:57.647" v="701" actId="20577"/>
+        <pc:sldMkLst>
+          <pc:docMk/>
+          <pc:sldMk cId="2775838959" sldId="258"/>
+        </pc:sldMkLst>
+        <pc:spChg chg="mod">
+          <ac:chgData name="Harsha Ky" userId="51654b9f203ea89d" providerId="Windows Live" clId="Web-{D0024680-6A6C-4C2C-9317-51B80E01B98A}" dt="2020-02-14T15:13:57.647" v="701" actId="20577"/>
+          <ac:spMkLst>
+            <pc:docMk/>
+            <pc:sldMk cId="2775838959" sldId="258"/>
+            <ac:spMk id="2" creationId="{0EB23F6D-AF81-4C6E-A900-63024BF2F910}"/>
+          </ac:spMkLst>
+        </pc:spChg>
+      </pc:sldChg>
+      <pc:sldChg chg="modSp new">
+        <pc:chgData name="Harsha Ky" userId="51654b9f203ea89d" providerId="Windows Live" clId="Web-{D0024680-6A6C-4C2C-9317-51B80E01B98A}" dt="2020-02-14T15:13:45.490" v="678" actId="20577"/>
+        <pc:sldMkLst>
+          <pc:docMk/>
+          <pc:sldMk cId="4070865485" sldId="262"/>
+        </pc:sldMkLst>
+        <pc:spChg chg="mod">
+          <ac:chgData name="Harsha Ky" userId="51654b9f203ea89d" providerId="Windows Live" clId="Web-{D0024680-6A6C-4C2C-9317-51B80E01B98A}" dt="2020-02-14T14:49:46.488" v="33" actId="20577"/>
+          <ac:spMkLst>
+            <pc:docMk/>
+            <pc:sldMk cId="4070865485" sldId="262"/>
+            <ac:spMk id="2" creationId="{5010472A-8ECF-4004-8EDA-CF5F0590ACA5}"/>
+          </ac:spMkLst>
+        </pc:spChg>
+        <pc:spChg chg="mod">
+          <ac:chgData name="Harsha Ky" userId="51654b9f203ea89d" providerId="Windows Live" clId="Web-{D0024680-6A6C-4C2C-9317-51B80E01B98A}" dt="2020-02-14T15:13:45.490" v="678" actId="20577"/>
+          <ac:spMkLst>
+            <pc:docMk/>
+            <pc:sldMk cId="4070865485" sldId="262"/>
+            <ac:spMk id="3" creationId="{65640DC7-3A11-4AAD-A7EA-E95CE584DCCC}"/>
+          </ac:spMkLst>
+        </pc:spChg>
+      </pc:sldChg>
+      <pc:sldChg chg="modSp new">
+        <pc:chgData name="Harsha Ky" userId="51654b9f203ea89d" providerId="Windows Live" clId="Web-{D0024680-6A6C-4C2C-9317-51B80E01B98A}" dt="2020-02-14T15:19:17.323" v="1580" actId="20577"/>
+        <pc:sldMkLst>
+          <pc:docMk/>
+          <pc:sldMk cId="1111107165" sldId="263"/>
+        </pc:sldMkLst>
+        <pc:spChg chg="mod">
+          <ac:chgData name="Harsha Ky" userId="51654b9f203ea89d" providerId="Windows Live" clId="Web-{D0024680-6A6C-4C2C-9317-51B80E01B98A}" dt="2020-02-14T15:15:00.351" v="724" actId="20577"/>
+          <ac:spMkLst>
+            <pc:docMk/>
+            <pc:sldMk cId="1111107165" sldId="263"/>
+            <ac:spMk id="2" creationId="{BEA02F87-4406-4AE7-80D8-B38B389B8AF2}"/>
+          </ac:spMkLst>
+        </pc:spChg>
+        <pc:spChg chg="mod">
+          <ac:chgData name="Harsha Ky" userId="51654b9f203ea89d" providerId="Windows Live" clId="Web-{D0024680-6A6C-4C2C-9317-51B80E01B98A}" dt="2020-02-14T15:19:17.323" v="1580" actId="20577"/>
+          <ac:spMkLst>
+            <pc:docMk/>
+            <pc:sldMk cId="1111107165" sldId="263"/>
+            <ac:spMk id="3" creationId="{DE3E18F3-CBA2-4749-A22C-66CC458D344C}"/>
+          </ac:spMkLst>
+        </pc:spChg>
+      </pc:sldChg>
+      <pc:sldChg chg="modSp new">
+        <pc:chgData name="Harsha Ky" userId="51654b9f203ea89d" providerId="Windows Live" clId="Web-{D0024680-6A6C-4C2C-9317-51B80E01B98A}" dt="2020-02-14T15:35:49.506" v="1605" actId="20577"/>
+        <pc:sldMkLst>
+          <pc:docMk/>
+          <pc:sldMk cId="4224461443" sldId="264"/>
+        </pc:sldMkLst>
+        <pc:spChg chg="mod">
+          <ac:chgData name="Harsha Ky" userId="51654b9f203ea89d" providerId="Windows Live" clId="Web-{D0024680-6A6C-4C2C-9317-51B80E01B98A}" dt="2020-02-14T15:35:49.506" v="1605" actId="20577"/>
+          <ac:spMkLst>
+            <pc:docMk/>
+            <pc:sldMk cId="4224461443" sldId="264"/>
+            <ac:spMk id="2" creationId="{C603E5F4-7E03-4E91-9A58-BA2D31F6C255}"/>
+          </ac:spMkLst>
+        </pc:spChg>
+      </pc:sldChg>
+      <pc:sldChg chg="modSp new">
+        <pc:chgData name="Harsha Ky" userId="51654b9f203ea89d" providerId="Windows Live" clId="Web-{D0024680-6A6C-4C2C-9317-51B80E01B98A}" dt="2020-02-14T15:50:58.074" v="2806" actId="20577"/>
+        <pc:sldMkLst>
+          <pc:docMk/>
+          <pc:sldMk cId="2983497765" sldId="265"/>
+        </pc:sldMkLst>
+        <pc:spChg chg="mod">
+          <ac:chgData name="Harsha Ky" userId="51654b9f203ea89d" providerId="Windows Live" clId="Web-{D0024680-6A6C-4C2C-9317-51B80E01B98A}" dt="2020-02-14T15:37:21.101" v="1627" actId="20577"/>
+          <ac:spMkLst>
+            <pc:docMk/>
+            <pc:sldMk cId="2983497765" sldId="265"/>
+            <ac:spMk id="2" creationId="{0A0A8516-F7DA-4EBC-AED9-C26542E6F857}"/>
+          </ac:spMkLst>
+        </pc:spChg>
+        <pc:spChg chg="mod">
+          <ac:chgData name="Harsha Ky" userId="51654b9f203ea89d" providerId="Windows Live" clId="Web-{D0024680-6A6C-4C2C-9317-51B80E01B98A}" dt="2020-02-14T15:50:58.074" v="2806" actId="20577"/>
+          <ac:spMkLst>
+            <pc:docMk/>
+            <pc:sldMk cId="2983497765" sldId="265"/>
+            <ac:spMk id="3" creationId="{6992825B-62A6-4488-8566-CC0944726E6A}"/>
+          </ac:spMkLst>
+        </pc:spChg>
+      </pc:sldChg>
+      <pc:sldChg chg="modSp new">
+        <pc:chgData name="Harsha Ky" userId="51654b9f203ea89d" providerId="Windows Live" clId="Web-{D0024680-6A6C-4C2C-9317-51B80E01B98A}" dt="2020-02-14T15:52:33.731" v="2855" actId="20577"/>
+        <pc:sldMkLst>
+          <pc:docMk/>
+          <pc:sldMk cId="4109507159" sldId="266"/>
+        </pc:sldMkLst>
+        <pc:spChg chg="mod">
+          <ac:chgData name="Harsha Ky" userId="51654b9f203ea89d" providerId="Windows Live" clId="Web-{D0024680-6A6C-4C2C-9317-51B80E01B98A}" dt="2020-02-14T15:51:55.059" v="2828" actId="20577"/>
+          <ac:spMkLst>
+            <pc:docMk/>
+            <pc:sldMk cId="4109507159" sldId="266"/>
+            <ac:spMk id="2" creationId="{EF06EA2A-5335-41A7-B88A-5440702D3A5C}"/>
+          </ac:spMkLst>
+        </pc:spChg>
+        <pc:spChg chg="mod">
+          <ac:chgData name="Harsha Ky" userId="51654b9f203ea89d" providerId="Windows Live" clId="Web-{D0024680-6A6C-4C2C-9317-51B80E01B98A}" dt="2020-02-14T15:52:33.731" v="2855" actId="20577"/>
+          <ac:spMkLst>
+            <pc:docMk/>
+            <pc:sldMk cId="4109507159" sldId="266"/>
+            <ac:spMk id="3" creationId="{829A0375-0F36-4FC5-94C5-2BD1EF3C4534}"/>
+          </ac:spMkLst>
+        </pc:spChg>
+      </pc:sldChg>
+    </pc:docChg>
+  </pc:docChgLst>
+  <pc:docChgLst>
+    <pc:chgData name="Harsha Ky" userId="51654b9f203ea89d" providerId="Windows Live" clId="Web-{20423B53-5D3F-42C1-A728-93E76E8B30A8}"/>
+    <pc:docChg chg="addSld delSld modSld">
+      <pc:chgData name="Harsha Ky" userId="51654b9f203ea89d" providerId="Windows Live" clId="Web-{20423B53-5D3F-42C1-A728-93E76E8B30A8}" dt="2020-03-30T10:53:26.520" v="3012"/>
+      <pc:docMkLst>
+        <pc:docMk/>
+      </pc:docMkLst>
+      <pc:sldChg chg="modSp del">
+        <pc:chgData name="Harsha Ky" userId="51654b9f203ea89d" providerId="Windows Live" clId="Web-{20423B53-5D3F-42C1-A728-93E76E8B30A8}" dt="2020-03-30T10:53:26.520" v="3012"/>
+        <pc:sldMkLst>
+          <pc:docMk/>
+          <pc:sldMk cId="682909928" sldId="268"/>
+        </pc:sldMkLst>
+        <pc:spChg chg="mod">
+          <ac:chgData name="Harsha Ky" userId="51654b9f203ea89d" providerId="Windows Live" clId="Web-{20423B53-5D3F-42C1-A728-93E76E8B30A8}" dt="2020-03-30T10:53:24.442" v="3009" actId="20577"/>
+          <ac:spMkLst>
+            <pc:docMk/>
+            <pc:sldMk cId="682909928" sldId="268"/>
+            <ac:spMk id="3" creationId="{CAEDD0D8-A3C3-480E-873E-2C1BC04CA086}"/>
+          </ac:spMkLst>
+        </pc:spChg>
+      </pc:sldChg>
+      <pc:sldChg chg="addSp modSp new">
+        <pc:chgData name="Harsha Ky" userId="51654b9f203ea89d" providerId="Windows Live" clId="Web-{20423B53-5D3F-42C1-A728-93E76E8B30A8}" dt="2020-03-30T09:51:25.985" v="33" actId="20577"/>
+        <pc:sldMkLst>
+          <pc:docMk/>
+          <pc:sldMk cId="608533324" sldId="269"/>
+        </pc:sldMkLst>
+        <pc:spChg chg="add mod">
+          <ac:chgData name="Harsha Ky" userId="51654b9f203ea89d" providerId="Windows Live" clId="Web-{20423B53-5D3F-42C1-A728-93E76E8B30A8}" dt="2020-03-30T09:51:25.985" v="33" actId="20577"/>
+          <ac:spMkLst>
+            <pc:docMk/>
+            <pc:sldMk cId="608533324" sldId="269"/>
+            <ac:spMk id="4" creationId="{A8BA48F2-ECF0-46FC-8D6D-83BE11E91723}"/>
+          </ac:spMkLst>
+        </pc:spChg>
+        <pc:picChg chg="add mod">
+          <ac:chgData name="Harsha Ky" userId="51654b9f203ea89d" providerId="Windows Live" clId="Web-{20423B53-5D3F-42C1-A728-93E76E8B30A8}" dt="2020-03-30T09:51:06.235" v="19" actId="14100"/>
+          <ac:picMkLst>
+            <pc:docMk/>
+            <pc:sldMk cId="608533324" sldId="269"/>
+            <ac:picMk id="2" creationId="{254E2AA7-AD54-4183-B5E7-AA9CBC44E2AD}"/>
+          </ac:picMkLst>
+        </pc:picChg>
+      </pc:sldChg>
+      <pc:sldChg chg="addSp delSp modSp new del">
+        <pc:chgData name="Harsha Ky" userId="51654b9f203ea89d" providerId="Windows Live" clId="Web-{20423B53-5D3F-42C1-A728-93E76E8B30A8}" dt="2020-03-30T09:49:59.672" v="11"/>
+        <pc:sldMkLst>
+          <pc:docMk/>
+          <pc:sldMk cId="742609291" sldId="269"/>
+        </pc:sldMkLst>
+        <pc:spChg chg="del mod">
+          <ac:chgData name="Harsha Ky" userId="51654b9f203ea89d" providerId="Windows Live" clId="Web-{20423B53-5D3F-42C1-A728-93E76E8B30A8}" dt="2020-03-30T09:49:56.422" v="10"/>
+          <ac:spMkLst>
+            <pc:docMk/>
+            <pc:sldMk cId="742609291" sldId="269"/>
+            <ac:spMk id="2" creationId="{36FB8952-A975-40F7-9905-87C976938F89}"/>
+          </ac:spMkLst>
+        </pc:spChg>
+        <pc:spChg chg="del">
+          <ac:chgData name="Harsha Ky" userId="51654b9f203ea89d" providerId="Windows Live" clId="Web-{20423B53-5D3F-42C1-A728-93E76E8B30A8}" dt="2020-03-30T09:49:32.188" v="6"/>
+          <ac:spMkLst>
+            <pc:docMk/>
+            <pc:sldMk cId="742609291" sldId="269"/>
+            <ac:spMk id="3" creationId="{DC769BCE-777A-4FDA-96EC-B9285EB9F02A}"/>
+          </ac:spMkLst>
+        </pc:spChg>
+        <pc:spChg chg="add mod">
+          <ac:chgData name="Harsha Ky" userId="51654b9f203ea89d" providerId="Windows Live" clId="Web-{20423B53-5D3F-42C1-A728-93E76E8B30A8}" dt="2020-03-30T09:49:56.422" v="10"/>
+          <ac:spMkLst>
+            <pc:docMk/>
+            <pc:sldMk cId="742609291" sldId="269"/>
+            <ac:spMk id="7" creationId="{E7BD4CC3-BFE4-4606-9EFA-D50F9CDC7D8E}"/>
+          </ac:spMkLst>
+        </pc:spChg>
+        <pc:picChg chg="add mod ord">
+          <ac:chgData name="Harsha Ky" userId="51654b9f203ea89d" providerId="Windows Live" clId="Web-{20423B53-5D3F-42C1-A728-93E76E8B30A8}" dt="2020-03-30T09:49:46.329" v="9" actId="1076"/>
+          <ac:picMkLst>
+            <pc:docMk/>
+            <pc:sldMk cId="742609291" sldId="269"/>
+            <ac:picMk id="4" creationId="{A50403F4-5BFE-4C27-AA3C-362908FB7C80}"/>
+          </ac:picMkLst>
+        </pc:picChg>
+      </pc:sldChg>
+      <pc:sldChg chg="addSp modSp new">
+        <pc:chgData name="Harsha Ky" userId="51654b9f203ea89d" providerId="Windows Live" clId="Web-{20423B53-5D3F-42C1-A728-93E76E8B30A8}" dt="2020-03-30T10:04:08.269" v="63" actId="14100"/>
+        <pc:sldMkLst>
+          <pc:docMk/>
+          <pc:sldMk cId="309574019" sldId="270"/>
+        </pc:sldMkLst>
+        <pc:spChg chg="add mod">
+          <ac:chgData name="Harsha Ky" userId="51654b9f203ea89d" providerId="Windows Live" clId="Web-{20423B53-5D3F-42C1-A728-93E76E8B30A8}" dt="2020-03-30T09:51:53.360" v="60" actId="14100"/>
+          <ac:spMkLst>
+            <pc:docMk/>
+            <pc:sldMk cId="309574019" sldId="270"/>
+            <ac:spMk id="2" creationId="{A8BA48F2-ECF0-46FC-8D6D-83BE11E91723}"/>
+          </ac:spMkLst>
+        </pc:spChg>
+        <pc:picChg chg="add mod">
+          <ac:chgData name="Harsha Ky" userId="51654b9f203ea89d" providerId="Windows Live" clId="Web-{20423B53-5D3F-42C1-A728-93E76E8B30A8}" dt="2020-03-30T10:04:08.269" v="63" actId="14100"/>
+          <ac:picMkLst>
+            <pc:docMk/>
+            <pc:sldMk cId="309574019" sldId="270"/>
+            <ac:picMk id="3" creationId="{C0471691-9AE0-41BB-8F24-BF13A248E70D}"/>
+          </ac:picMkLst>
+        </pc:picChg>
+      </pc:sldChg>
+      <pc:sldChg chg="modSp new">
+        <pc:chgData name="Harsha Ky" userId="51654b9f203ea89d" providerId="Windows Live" clId="Web-{20423B53-5D3F-42C1-A728-93E76E8B30A8}" dt="2020-03-30T10:20:52.467" v="1848" actId="20577"/>
+        <pc:sldMkLst>
+          <pc:docMk/>
+          <pc:sldMk cId="956708869" sldId="271"/>
+        </pc:sldMkLst>
+        <pc:spChg chg="mod">
+          <ac:chgData name="Harsha Ky" userId="51654b9f203ea89d" providerId="Windows Live" clId="Web-{20423B53-5D3F-42C1-A728-93E76E8B30A8}" dt="2020-03-30T10:05:44.723" v="93" actId="20577"/>
+          <ac:spMkLst>
+            <pc:docMk/>
+            <pc:sldMk cId="956708869" sldId="271"/>
+            <ac:spMk id="2" creationId="{21797F86-3438-47FD-B5D2-6D9FE8A47798}"/>
+          </ac:spMkLst>
+        </pc:spChg>
+        <pc:spChg chg="mod">
+          <ac:chgData name="Harsha Ky" userId="51654b9f203ea89d" providerId="Windows Live" clId="Web-{20423B53-5D3F-42C1-A728-93E76E8B30A8}" dt="2020-03-30T10:20:52.467" v="1848" actId="20577"/>
+          <ac:spMkLst>
+            <pc:docMk/>
+            <pc:sldMk cId="956708869" sldId="271"/>
+            <ac:spMk id="3" creationId="{A6B7715D-E06D-4D95-B469-78B00FEE1280}"/>
+          </ac:spMkLst>
+        </pc:spChg>
+      </pc:sldChg>
+      <pc:sldChg chg="new del">
+        <pc:chgData name="Harsha Ky" userId="51654b9f203ea89d" providerId="Windows Live" clId="Web-{20423B53-5D3F-42C1-A728-93E76E8B30A8}" dt="2020-03-30T10:05:27.691" v="65"/>
+        <pc:sldMkLst>
+          <pc:docMk/>
+          <pc:sldMk cId="1054420920" sldId="271"/>
+        </pc:sldMkLst>
+      </pc:sldChg>
+      <pc:sldChg chg="addSp modSp new">
+        <pc:chgData name="Harsha Ky" userId="51654b9f203ea89d" providerId="Windows Live" clId="Web-{20423B53-5D3F-42C1-A728-93E76E8B30A8}" dt="2020-03-30T10:22:19.327" v="1910" actId="14100"/>
+        <pc:sldMkLst>
+          <pc:docMk/>
+          <pc:sldMk cId="2452716225" sldId="272"/>
+        </pc:sldMkLst>
+        <pc:spChg chg="mod">
+          <ac:chgData name="Harsha Ky" userId="51654b9f203ea89d" providerId="Windows Live" clId="Web-{20423B53-5D3F-42C1-A728-93E76E8B30A8}" dt="2020-03-30T10:21:11.280" v="1885" actId="20577"/>
+          <ac:spMkLst>
+            <pc:docMk/>
+            <pc:sldMk cId="2452716225" sldId="272"/>
+            <ac:spMk id="2" creationId="{62700633-8410-42C7-8E8C-D0A31453D838}"/>
+          </ac:spMkLst>
+        </pc:spChg>
+        <pc:spChg chg="mod">
+          <ac:chgData name="Harsha Ky" userId="51654b9f203ea89d" providerId="Windows Live" clId="Web-{20423B53-5D3F-42C1-A728-93E76E8B30A8}" dt="2020-03-30T10:22:04.905" v="1905" actId="20577"/>
+          <ac:spMkLst>
+            <pc:docMk/>
+            <pc:sldMk cId="2452716225" sldId="272"/>
+            <ac:spMk id="3" creationId="{D26B32AC-8E2D-4BEA-A55D-D382D388926E}"/>
+          </ac:spMkLst>
+        </pc:spChg>
+        <pc:picChg chg="add mod">
+          <ac:chgData name="Harsha Ky" userId="51654b9f203ea89d" providerId="Windows Live" clId="Web-{20423B53-5D3F-42C1-A728-93E76E8B30A8}" dt="2020-03-30T10:22:19.327" v="1910" actId="14100"/>
+          <ac:picMkLst>
+            <pc:docMk/>
+            <pc:sldMk cId="2452716225" sldId="272"/>
+            <ac:picMk id="4" creationId="{6A55683E-5C9F-4C72-8B61-97DBEB66F59B}"/>
+          </ac:picMkLst>
+        </pc:picChg>
+      </pc:sldChg>
+      <pc:sldChg chg="addSp modSp new">
+        <pc:chgData name="Harsha Ky" userId="51654b9f203ea89d" providerId="Windows Live" clId="Web-{20423B53-5D3F-42C1-A728-93E76E8B30A8}" dt="2020-03-30T10:39:42.891" v="2575" actId="14100"/>
+        <pc:sldMkLst>
+          <pc:docMk/>
+          <pc:sldMk cId="2902629462" sldId="273"/>
+        </pc:sldMkLst>
+        <pc:spChg chg="mod">
+          <ac:chgData name="Harsha Ky" userId="51654b9f203ea89d" providerId="Windows Live" clId="Web-{20423B53-5D3F-42C1-A728-93E76E8B30A8}" dt="2020-03-30T10:23:15.765" v="1949" actId="20577"/>
+          <ac:spMkLst>
+            <pc:docMk/>
+            <pc:sldMk cId="2902629462" sldId="273"/>
+            <ac:spMk id="2" creationId="{48C7C7BF-D634-46B5-BC7D-E71F3F3A95A8}"/>
+          </ac:spMkLst>
+        </pc:spChg>
+        <pc:spChg chg="mod">
+          <ac:chgData name="Harsha Ky" userId="51654b9f203ea89d" providerId="Windows Live" clId="Web-{20423B53-5D3F-42C1-A728-93E76E8B30A8}" dt="2020-03-30T10:39:32.156" v="2571" actId="20577"/>
+          <ac:spMkLst>
+            <pc:docMk/>
+            <pc:sldMk cId="2902629462" sldId="273"/>
+            <ac:spMk id="3" creationId="{D554E955-374B-44BD-AFC8-6585ED543466}"/>
+          </ac:spMkLst>
+        </pc:spChg>
+        <pc:picChg chg="add mod">
+          <ac:chgData name="Harsha Ky" userId="51654b9f203ea89d" providerId="Windows Live" clId="Web-{20423B53-5D3F-42C1-A728-93E76E8B30A8}" dt="2020-03-30T10:39:42.891" v="2575" actId="14100"/>
+          <ac:picMkLst>
+            <pc:docMk/>
+            <pc:sldMk cId="2902629462" sldId="273"/>
+            <ac:picMk id="4" creationId="{7C34FC55-9E1D-4711-BF6D-A583B6267261}"/>
+          </ac:picMkLst>
+        </pc:picChg>
+      </pc:sldChg>
+      <pc:sldChg chg="modSp new">
+        <pc:chgData name="Harsha Ky" userId="51654b9f203ea89d" providerId="Windows Live" clId="Web-{20423B53-5D3F-42C1-A728-93E76E8B30A8}" dt="2020-03-30T10:43:21.001" v="2712" actId="20577"/>
+        <pc:sldMkLst>
+          <pc:docMk/>
+          <pc:sldMk cId="4080191169" sldId="274"/>
+        </pc:sldMkLst>
+        <pc:spChg chg="mod">
+          <ac:chgData name="Harsha Ky" userId="51654b9f203ea89d" providerId="Windows Live" clId="Web-{20423B53-5D3F-42C1-A728-93E76E8B30A8}" dt="2020-03-30T10:40:44.469" v="2609" actId="20577"/>
+          <ac:spMkLst>
+            <pc:docMk/>
+            <pc:sldMk cId="4080191169" sldId="274"/>
+            <ac:spMk id="2" creationId="{EA55D31E-4E7C-4BAB-B34E-50C0C342A4E4}"/>
+          </ac:spMkLst>
+        </pc:spChg>
+        <pc:spChg chg="mod">
+          <ac:chgData name="Harsha Ky" userId="51654b9f203ea89d" providerId="Windows Live" clId="Web-{20423B53-5D3F-42C1-A728-93E76E8B30A8}" dt="2020-03-30T10:43:21.001" v="2712" actId="20577"/>
+          <ac:spMkLst>
+            <pc:docMk/>
+            <pc:sldMk cId="4080191169" sldId="274"/>
+            <ac:spMk id="3" creationId="{82E3D54E-A396-47DF-BE45-4BAE98D141E4}"/>
+          </ac:spMkLst>
+        </pc:spChg>
+      </pc:sldChg>
+      <pc:sldChg chg="addSp modSp add replId">
+        <pc:chgData name="Harsha Ky" userId="51654b9f203ea89d" providerId="Windows Live" clId="Web-{20423B53-5D3F-42C1-A728-93E76E8B30A8}" dt="2020-03-30T10:45:37.002" v="2731" actId="1076"/>
+        <pc:sldMkLst>
+          <pc:docMk/>
+          <pc:sldMk cId="1917577779" sldId="275"/>
+        </pc:sldMkLst>
+        <pc:spChg chg="mod">
+          <ac:chgData name="Harsha Ky" userId="51654b9f203ea89d" providerId="Windows Live" clId="Web-{20423B53-5D3F-42C1-A728-93E76E8B30A8}" dt="2020-03-30T10:45:26.986" v="2725" actId="20577"/>
+          <ac:spMkLst>
+            <pc:docMk/>
+            <pc:sldMk cId="1917577779" sldId="275"/>
+            <ac:spMk id="3" creationId="{82E3D54E-A396-47DF-BE45-4BAE98D141E4}"/>
+          </ac:spMkLst>
+        </pc:spChg>
+        <pc:picChg chg="add mod">
+          <ac:chgData name="Harsha Ky" userId="51654b9f203ea89d" providerId="Windows Live" clId="Web-{20423B53-5D3F-42C1-A728-93E76E8B30A8}" dt="2020-03-30T10:45:37.002" v="2731" actId="1076"/>
+          <ac:picMkLst>
+            <pc:docMk/>
+            <pc:sldMk cId="1917577779" sldId="275"/>
+            <ac:picMk id="4" creationId="{5A8E4678-E3CE-470E-9095-26FAA59B09C9}"/>
+          </ac:picMkLst>
+        </pc:picChg>
+      </pc:sldChg>
+      <pc:sldChg chg="new del">
+        <pc:chgData name="Harsha Ky" userId="51654b9f203ea89d" providerId="Windows Live" clId="Web-{20423B53-5D3F-42C1-A728-93E76E8B30A8}" dt="2020-03-30T10:43:25.814" v="2715"/>
+        <pc:sldMkLst>
+          <pc:docMk/>
+          <pc:sldMk cId="2456715572" sldId="275"/>
+        </pc:sldMkLst>
+      </pc:sldChg>
+      <pc:sldChg chg="addSp modSp new">
+        <pc:chgData name="Harsha Ky" userId="51654b9f203ea89d" providerId="Windows Live" clId="Web-{20423B53-5D3F-42C1-A728-93E76E8B30A8}" dt="2020-03-30T10:52:32.066" v="3008" actId="14100"/>
+        <pc:sldMkLst>
+          <pc:docMk/>
+          <pc:sldMk cId="283725290" sldId="276"/>
+        </pc:sldMkLst>
+        <pc:spChg chg="add mod">
+          <ac:chgData name="Harsha Ky" userId="51654b9f203ea89d" providerId="Windows Live" clId="Web-{20423B53-5D3F-42C1-A728-93E76E8B30A8}" dt="2020-03-30T10:51:25.488" v="2946" actId="14100"/>
+          <ac:spMkLst>
+            <pc:docMk/>
+            <pc:sldMk cId="283725290" sldId="276"/>
+            <ac:spMk id="3" creationId="{900F47E2-996A-4093-B753-EB3793C2C685}"/>
+          </ac:spMkLst>
+        </pc:spChg>
+        <pc:spChg chg="add mod">
+          <ac:chgData name="Harsha Ky" userId="51654b9f203ea89d" providerId="Windows Live" clId="Web-{20423B53-5D3F-42C1-A728-93E76E8B30A8}" dt="2020-03-30T10:52:05.941" v="3005" actId="14100"/>
+          <ac:spMkLst>
+            <pc:docMk/>
+            <pc:sldMk cId="283725290" sldId="276"/>
+            <ac:spMk id="6" creationId="{E91D52DD-31FD-4CED-A2FF-D1B65ABB87BE}"/>
+          </ac:spMkLst>
+        </pc:spChg>
+        <pc:picChg chg="add mod">
+          <ac:chgData name="Harsha Ky" userId="51654b9f203ea89d" providerId="Windows Live" clId="Web-{20423B53-5D3F-42C1-A728-93E76E8B30A8}" dt="2020-03-30T10:50:47.566" v="2871" actId="14100"/>
+          <ac:picMkLst>
+            <pc:docMk/>
+            <pc:sldMk cId="283725290" sldId="276"/>
+            <ac:picMk id="4" creationId="{4B8034ED-FD4E-4E94-B6B9-B2215E325447}"/>
+          </ac:picMkLst>
+        </pc:picChg>
+        <pc:picChg chg="add mod">
+          <ac:chgData name="Harsha Ky" userId="51654b9f203ea89d" providerId="Windows Live" clId="Web-{20423B53-5D3F-42C1-A728-93E76E8B30A8}" dt="2020-03-30T10:52:32.066" v="3008" actId="14100"/>
+          <ac:picMkLst>
+            <pc:docMk/>
+            <pc:sldMk cId="283725290" sldId="276"/>
+            <ac:picMk id="7" creationId="{77872856-6500-4B12-944A-D20AB603D9B0}"/>
+          </ac:picMkLst>
+        </pc:picChg>
+      </pc:sldChg>
+      <pc:sldChg chg="addSp delSp modSp new del">
+        <pc:chgData name="Harsha Ky" userId="51654b9f203ea89d" providerId="Windows Live" clId="Web-{20423B53-5D3F-42C1-A728-93E76E8B30A8}" dt="2020-03-30T10:49:40.066" v="2861"/>
+        <pc:sldMkLst>
+          <pc:docMk/>
+          <pc:sldMk cId="683250391" sldId="276"/>
+        </pc:sldMkLst>
+        <pc:spChg chg="mod">
+          <ac:chgData name="Harsha Ky" userId="51654b9f203ea89d" providerId="Windows Live" clId="Web-{20423B53-5D3F-42C1-A728-93E76E8B30A8}" dt="2020-03-30T10:48:39.846" v="2828" actId="20577"/>
+          <ac:spMkLst>
+            <pc:docMk/>
+            <pc:sldMk cId="683250391" sldId="276"/>
+            <ac:spMk id="2" creationId="{44D297C7-2C7E-4DA6-AEF7-C7E0BC9089ED}"/>
+          </ac:spMkLst>
+        </pc:spChg>
+        <pc:spChg chg="del">
+          <ac:chgData name="Harsha Ky" userId="51654b9f203ea89d" providerId="Windows Live" clId="Web-{20423B53-5D3F-42C1-A728-93E76E8B30A8}" dt="2020-03-30T10:49:24.331" v="2857"/>
+          <ac:spMkLst>
+            <pc:docMk/>
+            <pc:sldMk cId="683250391" sldId="276"/>
+            <ac:spMk id="3" creationId="{3F17F342-08E6-436C-AB2C-3F4B4D9D33E9}"/>
+          </ac:spMkLst>
+        </pc:spChg>
+        <pc:spChg chg="mod">
+          <ac:chgData name="Harsha Ky" userId="51654b9f203ea89d" providerId="Windows Live" clId="Web-{20423B53-5D3F-42C1-A728-93E76E8B30A8}" dt="2020-03-30T10:49:04.190" v="2855" actId="20577"/>
+          <ac:spMkLst>
+            <pc:docMk/>
+            <pc:sldMk cId="683250391" sldId="276"/>
+            <ac:spMk id="4" creationId="{82875C14-9C41-41B6-BBA6-D0CC72224B45}"/>
+          </ac:spMkLst>
+        </pc:spChg>
+        <pc:spChg chg="add mod">
+          <ac:chgData name="Harsha Ky" userId="51654b9f203ea89d" providerId="Windows Live" clId="Web-{20423B53-5D3F-42C1-A728-93E76E8B30A8}" dt="2020-03-30T10:49:34.909" v="2860"/>
+          <ac:spMkLst>
+            <pc:docMk/>
+            <pc:sldMk cId="683250391" sldId="276"/>
+            <ac:spMk id="8" creationId="{33E33CD0-EC7E-4E4B-914F-63FDFDD10F82}"/>
+          </ac:spMkLst>
+        </pc:spChg>
+        <pc:picChg chg="add del mod ord modCrop">
+          <ac:chgData name="Harsha Ky" userId="51654b9f203ea89d" providerId="Windows Live" clId="Web-{20423B53-5D3F-42C1-A728-93E76E8B30A8}" dt="2020-03-30T10:49:34.909" v="2860"/>
+          <ac:picMkLst>
+            <pc:docMk/>
+            <pc:sldMk cId="683250391" sldId="276"/>
+            <ac:picMk id="5" creationId="{252E57D3-8950-4036-8E38-8504FE4F7F94}"/>
+          </ac:picMkLst>
+        </pc:picChg>
+      </pc:sldChg>
+      <pc:sldChg chg="modSp new del">
+        <pc:chgData name="Harsha Ky" userId="51654b9f203ea89d" providerId="Windows Live" clId="Web-{20423B53-5D3F-42C1-A728-93E76E8B30A8}" dt="2020-03-30T10:48:00.565" v="2785"/>
+        <pc:sldMkLst>
+          <pc:docMk/>
+          <pc:sldMk cId="2047841598" sldId="276"/>
+        </pc:sldMkLst>
+        <pc:spChg chg="mod">
+          <ac:chgData name="Harsha Ky" userId="51654b9f203ea89d" providerId="Windows Live" clId="Web-{20423B53-5D3F-42C1-A728-93E76E8B30A8}" dt="2020-03-30T10:46:51.237" v="2764" actId="20577"/>
+          <ac:spMkLst>
+            <pc:docMk/>
+            <pc:sldMk cId="2047841598" sldId="276"/>
+            <ac:spMk id="2" creationId="{87A3465C-6B40-4E4E-90F9-571D38EAC9EC}"/>
+          </ac:spMkLst>
+        </pc:spChg>
+        <pc:spChg chg="mod">
+          <ac:chgData name="Harsha Ky" userId="51654b9f203ea89d" providerId="Windows Live" clId="Web-{20423B53-5D3F-42C1-A728-93E76E8B30A8}" dt="2020-03-30T10:48:00.534" v="2783" actId="20577"/>
+          <ac:spMkLst>
+            <pc:docMk/>
+            <pc:sldMk cId="2047841598" sldId="276"/>
+            <ac:spMk id="3" creationId="{59634213-E391-4088-AC45-49D92F557C72}"/>
+          </ac:spMkLst>
+        </pc:spChg>
+      </pc:sldChg>
+      <pc:sldChg chg="new del">
+        <pc:chgData name="Harsha Ky" userId="51654b9f203ea89d" providerId="Windows Live" clId="Web-{20423B53-5D3F-42C1-A728-93E76E8B30A8}" dt="2020-03-30T10:48:06.643" v="2787"/>
+        <pc:sldMkLst>
+          <pc:docMk/>
+          <pc:sldMk cId="4028341414" sldId="276"/>
+        </pc:sldMkLst>
+      </pc:sldChg>
+    </pc:docChg>
+  </pc:docChgLst>
+  <pc:docChgLst>
+    <pc:chgData name="Harsha Ky" userId="51654b9f203ea89d" providerId="Windows Live" clId="Web-{011DFB8F-CD22-4A71-985B-928F94C1CE07}"/>
+    <pc:docChg chg="addSld modSld">
+      <pc:chgData name="Harsha Ky" userId="51654b9f203ea89d" providerId="Windows Live" clId="Web-{011DFB8F-CD22-4A71-985B-928F94C1CE07}" dt="2020-04-04T09:16:59.742" v="420" actId="20577"/>
+      <pc:docMkLst>
+        <pc:docMk/>
+      </pc:docMkLst>
+      <pc:sldChg chg="modSp">
+        <pc:chgData name="Harsha Ky" userId="51654b9f203ea89d" providerId="Windows Live" clId="Web-{011DFB8F-CD22-4A71-985B-928F94C1CE07}" dt="2020-04-04T08:55:25.218" v="74" actId="14100"/>
+        <pc:sldMkLst>
+          <pc:docMk/>
+          <pc:sldMk cId="608533324" sldId="269"/>
+        </pc:sldMkLst>
+        <pc:picChg chg="mod">
+          <ac:chgData name="Harsha Ky" userId="51654b9f203ea89d" providerId="Windows Live" clId="Web-{011DFB8F-CD22-4A71-985B-928F94C1CE07}" dt="2020-04-04T08:55:25.218" v="74" actId="14100"/>
+          <ac:picMkLst>
+            <pc:docMk/>
+            <pc:sldMk cId="608533324" sldId="269"/>
+            <ac:picMk id="2" creationId="{254E2AA7-AD54-4183-B5E7-AA9CBC44E2AD}"/>
+          </ac:picMkLst>
+        </pc:picChg>
+      </pc:sldChg>
+      <pc:sldChg chg="modSp">
+        <pc:chgData name="Harsha Ky" userId="51654b9f203ea89d" providerId="Windows Live" clId="Web-{011DFB8F-CD22-4A71-985B-928F94C1CE07}" dt="2020-04-04T08:52:58.640" v="4" actId="20577"/>
+        <pc:sldMkLst>
+          <pc:docMk/>
+          <pc:sldMk cId="956708869" sldId="271"/>
+        </pc:sldMkLst>
+        <pc:spChg chg="mod">
+          <ac:chgData name="Harsha Ky" userId="51654b9f203ea89d" providerId="Windows Live" clId="Web-{011DFB8F-CD22-4A71-985B-928F94C1CE07}" dt="2020-04-04T08:52:58.640" v="4" actId="20577"/>
+          <ac:spMkLst>
+            <pc:docMk/>
+            <pc:sldMk cId="956708869" sldId="271"/>
+            <ac:spMk id="3" creationId="{A6B7715D-E06D-4D95-B469-78B00FEE1280}"/>
+          </ac:spMkLst>
+        </pc:spChg>
+      </pc:sldChg>
+      <pc:sldChg chg="modSp">
+        <pc:chgData name="Harsha Ky" userId="51654b9f203ea89d" providerId="Windows Live" clId="Web-{011DFB8F-CD22-4A71-985B-928F94C1CE07}" dt="2020-04-04T08:53:09.687" v="7" actId="20577"/>
+        <pc:sldMkLst>
+          <pc:docMk/>
+          <pc:sldMk cId="2902629462" sldId="273"/>
+        </pc:sldMkLst>
+        <pc:spChg chg="mod">
+          <ac:chgData name="Harsha Ky" userId="51654b9f203ea89d" providerId="Windows Live" clId="Web-{011DFB8F-CD22-4A71-985B-928F94C1CE07}" dt="2020-04-04T08:53:09.687" v="7" actId="20577"/>
+          <ac:spMkLst>
+            <pc:docMk/>
+            <pc:sldMk cId="2902629462" sldId="273"/>
+            <ac:spMk id="3" creationId="{D554E955-374B-44BD-AFC8-6585ED543466}"/>
+          </ac:spMkLst>
+        </pc:spChg>
+      </pc:sldChg>
+      <pc:sldChg chg="modSp">
+        <pc:chgData name="Harsha Ky" userId="51654b9f203ea89d" providerId="Windows Live" clId="Web-{011DFB8F-CD22-4A71-985B-928F94C1CE07}" dt="2020-04-04T08:55:03.327" v="69" actId="20577"/>
+        <pc:sldMkLst>
+          <pc:docMk/>
+          <pc:sldMk cId="4080191169" sldId="274"/>
+        </pc:sldMkLst>
+        <pc:spChg chg="mod">
+          <ac:chgData name="Harsha Ky" userId="51654b9f203ea89d" providerId="Windows Live" clId="Web-{011DFB8F-CD22-4A71-985B-928F94C1CE07}" dt="2020-04-04T08:55:03.327" v="69" actId="20577"/>
+          <ac:spMkLst>
+            <pc:docMk/>
+            <pc:sldMk cId="4080191169" sldId="274"/>
+            <ac:spMk id="3" creationId="{82E3D54E-A396-47DF-BE45-4BAE98D141E4}"/>
+          </ac:spMkLst>
+        </pc:spChg>
+      </pc:sldChg>
+      <pc:sldChg chg="modSp new">
+        <pc:chgData name="Harsha Ky" userId="51654b9f203ea89d" providerId="Windows Live" clId="Web-{011DFB8F-CD22-4A71-985B-928F94C1CE07}" dt="2020-04-04T08:55:09.624" v="71" actId="20577"/>
+        <pc:sldMkLst>
+          <pc:docMk/>
+          <pc:sldMk cId="2725251063" sldId="277"/>
+        </pc:sldMkLst>
+        <pc:spChg chg="mod">
+          <ac:chgData name="Harsha Ky" userId="51654b9f203ea89d" providerId="Windows Live" clId="Web-{011DFB8F-CD22-4A71-985B-928F94C1CE07}" dt="2020-04-04T08:53:32.937" v="42" actId="20577"/>
+          <ac:spMkLst>
+            <pc:docMk/>
+            <pc:sldMk cId="2725251063" sldId="277"/>
+            <ac:spMk id="2" creationId="{1758B9CA-6DA7-4C56-B38D-2F52987D4CE2}"/>
+          </ac:spMkLst>
+        </pc:spChg>
+        <pc:spChg chg="mod">
+          <ac:chgData name="Harsha Ky" userId="51654b9f203ea89d" providerId="Windows Live" clId="Web-{011DFB8F-CD22-4A71-985B-928F94C1CE07}" dt="2020-04-04T08:55:09.624" v="71" actId="20577"/>
+          <ac:spMkLst>
+            <pc:docMk/>
+            <pc:sldMk cId="2725251063" sldId="277"/>
+            <ac:spMk id="3" creationId="{BE666ADA-1836-4154-9E47-88ED99B0E97A}"/>
+          </ac:spMkLst>
+        </pc:spChg>
+      </pc:sldChg>
+      <pc:sldChg chg="modSp new">
+        <pc:chgData name="Harsha Ky" userId="51654b9f203ea89d" providerId="Windows Live" clId="Web-{011DFB8F-CD22-4A71-985B-928F94C1CE07}" dt="2020-04-04T09:06:51.557" v="183" actId="20577"/>
+        <pc:sldMkLst>
+          <pc:docMk/>
+          <pc:sldMk cId="2846483295" sldId="278"/>
+        </pc:sldMkLst>
+        <pc:spChg chg="mod">
+          <ac:chgData name="Harsha Ky" userId="51654b9f203ea89d" providerId="Windows Live" clId="Web-{011DFB8F-CD22-4A71-985B-928F94C1CE07}" dt="2020-04-04T09:04:56.136" v="87" actId="20577"/>
+          <ac:spMkLst>
+            <pc:docMk/>
+            <pc:sldMk cId="2846483295" sldId="278"/>
+            <ac:spMk id="2" creationId="{74FD4279-7E5C-4DB3-A420-E6C1EA8F4AB8}"/>
+          </ac:spMkLst>
+        </pc:spChg>
+        <pc:spChg chg="mod">
+          <ac:chgData name="Harsha Ky" userId="51654b9f203ea89d" providerId="Windows Live" clId="Web-{011DFB8F-CD22-4A71-985B-928F94C1CE07}" dt="2020-04-04T09:06:51.557" v="183" actId="20577"/>
+          <ac:spMkLst>
+            <pc:docMk/>
+            <pc:sldMk cId="2846483295" sldId="278"/>
+            <ac:spMk id="3" creationId="{36E3F302-050D-49A8-BBF6-0528D7A171B1}"/>
+          </ac:spMkLst>
+        </pc:spChg>
+      </pc:sldChg>
+      <pc:sldChg chg="modSp new">
+        <pc:chgData name="Harsha Ky" userId="51654b9f203ea89d" providerId="Windows Live" clId="Web-{011DFB8F-CD22-4A71-985B-928F94C1CE07}" dt="2020-04-04T09:16:59.710" v="419" actId="20577"/>
+        <pc:sldMkLst>
+          <pc:docMk/>
+          <pc:sldMk cId="2136355373" sldId="279"/>
+        </pc:sldMkLst>
+        <pc:spChg chg="mod">
+          <ac:chgData name="Harsha Ky" userId="51654b9f203ea89d" providerId="Windows Live" clId="Web-{011DFB8F-CD22-4A71-985B-928F94C1CE07}" dt="2020-04-04T09:08:06.213" v="215" actId="20577"/>
+          <ac:spMkLst>
+            <pc:docMk/>
+            <pc:sldMk cId="2136355373" sldId="279"/>
+            <ac:spMk id="2" creationId="{E6483948-4089-4AD3-8C97-90E9C69E8D31}"/>
+          </ac:spMkLst>
+        </pc:spChg>
+        <pc:spChg chg="mod">
+          <ac:chgData name="Harsha Ky" userId="51654b9f203ea89d" providerId="Windows Live" clId="Web-{011DFB8F-CD22-4A71-985B-928F94C1CE07}" dt="2020-04-04T09:16:59.710" v="419" actId="20577"/>
+          <ac:spMkLst>
+            <pc:docMk/>
+            <pc:sldMk cId="2136355373" sldId="279"/>
+            <ac:spMk id="3" creationId="{2D53A7E2-773C-4AE0-83F0-737E07E893DC}"/>
+          </ac:spMkLst>
+        </pc:spChg>
+      </pc:sldChg>
+    </pc:docChg>
+  </pc:docChgLst>
+  <pc:docChgLst>
+    <pc:chgData name="Harsha Ky" userId="51654b9f203ea89d" providerId="Windows Live" clId="Web-{9E95AE69-D439-4F7B-9DC9-FDF50A79AC93}"/>
+    <pc:docChg chg="addSld delSld modSld">
+      <pc:chgData name="Harsha Ky" userId="51654b9f203ea89d" providerId="Windows Live" clId="Web-{9E95AE69-D439-4F7B-9DC9-FDF50A79AC93}" dt="2020-03-29T08:24:21.112" v="34"/>
+      <pc:docMkLst>
+        <pc:docMk/>
+      </pc:docMkLst>
+      <pc:sldChg chg="modSp new del">
+        <pc:chgData name="Harsha Ky" userId="51654b9f203ea89d" providerId="Windows Live" clId="Web-{9E95AE69-D439-4F7B-9DC9-FDF50A79AC93}" dt="2020-03-29T08:24:21.112" v="34"/>
+        <pc:sldMkLst>
+          <pc:docMk/>
+          <pc:sldMk cId="594935765" sldId="269"/>
+        </pc:sldMkLst>
+        <pc:spChg chg="mod">
+          <ac:chgData name="Harsha Ky" userId="51654b9f203ea89d" providerId="Windows Live" clId="Web-{9E95AE69-D439-4F7B-9DC9-FDF50A79AC93}" dt="2020-03-29T08:17:32.094" v="5" actId="20577"/>
+          <ac:spMkLst>
+            <pc:docMk/>
+            <pc:sldMk cId="594935765" sldId="269"/>
+            <ac:spMk id="2" creationId="{1C0A7C92-E4A8-4BC5-B517-4610367AC44A}"/>
+          </ac:spMkLst>
+        </pc:spChg>
+        <pc:spChg chg="mod">
+          <ac:chgData name="Harsha Ky" userId="51654b9f203ea89d" providerId="Windows Live" clId="Web-{9E95AE69-D439-4F7B-9DC9-FDF50A79AC93}" dt="2020-03-29T08:24:20.112" v="32" actId="20577"/>
+          <ac:spMkLst>
+            <pc:docMk/>
+            <pc:sldMk cId="594935765" sldId="269"/>
+            <ac:spMk id="3" creationId="{23BDD64C-3BE5-466A-B770-EC19029E212F}"/>
+          </ac:spMkLst>
+        </pc:spChg>
+      </pc:sldChg>
+    </pc:docChg>
+  </pc:docChgLst>
+  <pc:docChgLst>
+    <pc:chgData name="Harsha Ky" userId="51654b9f203ea89d" providerId="Windows Live" clId="Web-{1AA8C00A-21E9-487B-9FFB-3B0D252F9148}"/>
+    <pc:docChg chg="addSld modSld">
+      <pc:chgData name="Harsha Ky" userId="51654b9f203ea89d" providerId="Windows Live" clId="Web-{1AA8C00A-21E9-487B-9FFB-3B0D252F9148}" dt="2020-02-24T16:31:04.614" v="1701" actId="20577"/>
+      <pc:docMkLst>
+        <pc:docMk/>
+      </pc:docMkLst>
+      <pc:sldChg chg="modSp">
+        <pc:chgData name="Harsha Ky" userId="51654b9f203ea89d" providerId="Windows Live" clId="Web-{1AA8C00A-21E9-487B-9FFB-3B0D252F9148}" dt="2020-02-24T16:19:57.657" v="501" actId="20577"/>
+        <pc:sldMkLst>
+          <pc:docMk/>
+          <pc:sldMk cId="4070865485" sldId="262"/>
+        </pc:sldMkLst>
+        <pc:spChg chg="mod">
+          <ac:chgData name="Harsha Ky" userId="51654b9f203ea89d" providerId="Windows Live" clId="Web-{1AA8C00A-21E9-487B-9FFB-3B0D252F9148}" dt="2020-02-24T16:19:57.657" v="501" actId="20577"/>
+          <ac:spMkLst>
+            <pc:docMk/>
+            <pc:sldMk cId="4070865485" sldId="262"/>
+            <ac:spMk id="3" creationId="{65640DC7-3A11-4AAD-A7EA-E95CE584DCCC}"/>
+          </ac:spMkLst>
+        </pc:spChg>
+      </pc:sldChg>
+      <pc:sldChg chg="modSp">
+        <pc:chgData name="Harsha Ky" userId="51654b9f203ea89d" providerId="Windows Live" clId="Web-{1AA8C00A-21E9-487B-9FFB-3B0D252F9148}" dt="2020-02-24T16:21:30.627" v="617" actId="20577"/>
+        <pc:sldMkLst>
+          <pc:docMk/>
+          <pc:sldMk cId="4224461443" sldId="264"/>
+        </pc:sldMkLst>
+        <pc:spChg chg="mod">
+          <ac:chgData name="Harsha Ky" userId="51654b9f203ea89d" providerId="Windows Live" clId="Web-{1AA8C00A-21E9-487B-9FFB-3B0D252F9148}" dt="2020-02-24T16:21:30.627" v="617" actId="20577"/>
+          <ac:spMkLst>
+            <pc:docMk/>
+            <pc:sldMk cId="4224461443" sldId="264"/>
+            <ac:spMk id="3" creationId="{082142D9-7288-44D9-B983-9EC873349898}"/>
+          </ac:spMkLst>
+        </pc:spChg>
+      </pc:sldChg>
+      <pc:sldChg chg="modSp new">
+        <pc:chgData name="Harsha Ky" userId="51654b9f203ea89d" providerId="Windows Live" clId="Web-{1AA8C00A-21E9-487B-9FFB-3B0D252F9148}" dt="2020-02-24T16:31:04.598" v="1700" actId="20577"/>
+        <pc:sldMkLst>
+          <pc:docMk/>
+          <pc:sldMk cId="1853761156" sldId="267"/>
+        </pc:sldMkLst>
+        <pc:spChg chg="mod">
+          <ac:chgData name="Harsha Ky" userId="51654b9f203ea89d" providerId="Windows Live" clId="Web-{1AA8C00A-21E9-487B-9FFB-3B0D252F9148}" dt="2020-02-24T16:21:38.721" v="624" actId="20577"/>
+          <ac:spMkLst>
+            <pc:docMk/>
+            <pc:sldMk cId="1853761156" sldId="267"/>
+            <ac:spMk id="2" creationId="{CAC2C6F0-F013-47F9-9A65-7E7EDACF829C}"/>
+          </ac:spMkLst>
+        </pc:spChg>
+        <pc:spChg chg="mod">
+          <ac:chgData name="Harsha Ky" userId="51654b9f203ea89d" providerId="Windows Live" clId="Web-{1AA8C00A-21E9-487B-9FFB-3B0D252F9148}" dt="2020-02-24T16:31:04.598" v="1700" actId="20577"/>
+          <ac:spMkLst>
+            <pc:docMk/>
+            <pc:sldMk cId="1853761156" sldId="267"/>
+            <ac:spMk id="3" creationId="{7015AAE9-DED0-4583-93D7-F25216D9058F}"/>
+          </ac:spMkLst>
+        </pc:spChg>
+      </pc:sldChg>
+    </pc:docChg>
+  </pc:docChgLst>
+  <pc:docChgLst>
+    <pc:chgData name="Harsha Ky" userId="51654b9f203ea89d" providerId="Windows Live" clId="Web-{CD649366-30A7-412D-8605-5CBD1A566ADE}"/>
+    <pc:docChg chg="addSld delSld modSld sldOrd">
+      <pc:chgData name="Harsha Ky" userId="51654b9f203ea89d" providerId="Windows Live" clId="Web-{CD649366-30A7-412D-8605-5CBD1A566ADE}" dt="2020-02-26T10:22:40.245" v="1071" actId="20577"/>
+      <pc:docMkLst>
+        <pc:docMk/>
+      </pc:docMkLst>
+      <pc:sldChg chg="modSp">
+        <pc:chgData name="Harsha Ky" userId="51654b9f203ea89d" providerId="Windows Live" clId="Web-{CD649366-30A7-412D-8605-5CBD1A566ADE}" dt="2020-02-26T08:52:34.990" v="10"/>
+        <pc:sldMkLst>
+          <pc:docMk/>
+          <pc:sldMk cId="3085881011" sldId="257"/>
+        </pc:sldMkLst>
+        <pc:spChg chg="mod">
+          <ac:chgData name="Harsha Ky" userId="51654b9f203ea89d" providerId="Windows Live" clId="Web-{CD649366-30A7-412D-8605-5CBD1A566ADE}" dt="2020-02-26T08:52:34.990" v="10"/>
+          <ac:spMkLst>
+            <pc:docMk/>
+            <pc:sldMk cId="3085881011" sldId="257"/>
+            <ac:spMk id="3" creationId="{E87AB376-CC3B-4787-B404-735EBF109E79}"/>
+          </ac:spMkLst>
+        </pc:spChg>
+      </pc:sldChg>
+      <pc:sldChg chg="ord">
+        <pc:chgData name="Harsha Ky" userId="51654b9f203ea89d" providerId="Windows Live" clId="Web-{CD649366-30A7-412D-8605-5CBD1A566ADE}" dt="2020-02-26T08:53:15.052" v="31"/>
+        <pc:sldMkLst>
+          <pc:docMk/>
+          <pc:sldMk cId="2775838959" sldId="258"/>
+        </pc:sldMkLst>
+      </pc:sldChg>
+      <pc:sldChg chg="modSp">
+        <pc:chgData name="Harsha Ky" userId="51654b9f203ea89d" providerId="Windows Live" clId="Web-{CD649366-30A7-412D-8605-5CBD1A566ADE}" dt="2020-02-26T09:07:45.952" v="818" actId="20577"/>
+        <pc:sldMkLst>
+          <pc:docMk/>
+          <pc:sldMk cId="4070865485" sldId="262"/>
+        </pc:sldMkLst>
+        <pc:spChg chg="mod">
+          <ac:chgData name="Harsha Ky" userId="51654b9f203ea89d" providerId="Windows Live" clId="Web-{CD649366-30A7-412D-8605-5CBD1A566ADE}" dt="2020-02-26T09:07:45.952" v="818" actId="20577"/>
+          <ac:spMkLst>
+            <pc:docMk/>
+            <pc:sldMk cId="4070865485" sldId="262"/>
+            <ac:spMk id="3" creationId="{65640DC7-3A11-4AAD-A7EA-E95CE584DCCC}"/>
+          </ac:spMkLst>
+        </pc:spChg>
+      </pc:sldChg>
+      <pc:sldChg chg="modSp del">
+        <pc:chgData name="Harsha Ky" userId="51654b9f203ea89d" providerId="Windows Live" clId="Web-{CD649366-30A7-412D-8605-5CBD1A566ADE}" dt="2020-02-26T09:07:49.139" v="820"/>
+        <pc:sldMkLst>
+          <pc:docMk/>
+          <pc:sldMk cId="1111107165" sldId="263"/>
+        </pc:sldMkLst>
+        <pc:spChg chg="mod">
+          <ac:chgData name="Harsha Ky" userId="51654b9f203ea89d" providerId="Windows Live" clId="Web-{CD649366-30A7-412D-8605-5CBD1A566ADE}" dt="2020-02-26T09:07:34.670" v="807" actId="20577"/>
+          <ac:spMkLst>
+            <pc:docMk/>
+            <pc:sldMk cId="1111107165" sldId="263"/>
+            <ac:spMk id="3" creationId="{DE3E18F3-CBA2-4749-A22C-66CC458D344C}"/>
+          </ac:spMkLst>
+        </pc:spChg>
+      </pc:sldChg>
+      <pc:sldChg chg="modSp">
+        <pc:chgData name="Harsha Ky" userId="51654b9f203ea89d" providerId="Windows Live" clId="Web-{CD649366-30A7-412D-8605-5CBD1A566ADE}" dt="2020-02-26T08:54:31.788" v="61" actId="20577"/>
+        <pc:sldMkLst>
+          <pc:docMk/>
+          <pc:sldMk cId="4224461443" sldId="264"/>
+        </pc:sldMkLst>
+        <pc:spChg chg="mod">
+          <ac:chgData name="Harsha Ky" userId="51654b9f203ea89d" providerId="Windows Live" clId="Web-{CD649366-30A7-412D-8605-5CBD1A566ADE}" dt="2020-02-26T08:54:31.788" v="61" actId="20577"/>
+          <ac:spMkLst>
+            <pc:docMk/>
+            <pc:sldMk cId="4224461443" sldId="264"/>
+            <ac:spMk id="3" creationId="{082142D9-7288-44D9-B983-9EC873349898}"/>
+          </ac:spMkLst>
+        </pc:spChg>
+      </pc:sldChg>
+      <pc:sldChg chg="modSp">
+        <pc:chgData name="Harsha Ky" userId="51654b9f203ea89d" providerId="Windows Live" clId="Web-{CD649366-30A7-412D-8605-5CBD1A566ADE}" dt="2020-02-26T08:54:54.897" v="70" actId="20577"/>
+        <pc:sldMkLst>
+          <pc:docMk/>
+          <pc:sldMk cId="2983497765" sldId="265"/>
+        </pc:sldMkLst>
+        <pc:spChg chg="mod">
+          <ac:chgData name="Harsha Ky" userId="51654b9f203ea89d" providerId="Windows Live" clId="Web-{CD649366-30A7-412D-8605-5CBD1A566ADE}" dt="2020-02-26T08:54:54.897" v="70" actId="20577"/>
+          <ac:spMkLst>
+            <pc:docMk/>
+            <pc:sldMk cId="2983497765" sldId="265"/>
+            <ac:spMk id="3" creationId="{6992825B-62A6-4488-8566-CC0944726E6A}"/>
+          </ac:spMkLst>
+        </pc:spChg>
+      </pc:sldChg>
+      <pc:sldChg chg="modSp">
+        <pc:chgData name="Harsha Ky" userId="51654b9f203ea89d" providerId="Windows Live" clId="Web-{CD649366-30A7-412D-8605-5CBD1A566ADE}" dt="2020-02-26T10:18:53.776" v="837" actId="20577"/>
+        <pc:sldMkLst>
+          <pc:docMk/>
+          <pc:sldMk cId="4109507159" sldId="266"/>
+        </pc:sldMkLst>
+        <pc:spChg chg="mod">
+          <ac:chgData name="Harsha Ky" userId="51654b9f203ea89d" providerId="Windows Live" clId="Web-{CD649366-30A7-412D-8605-5CBD1A566ADE}" dt="2020-02-26T10:18:53.776" v="837" actId="20577"/>
+          <ac:spMkLst>
+            <pc:docMk/>
+            <pc:sldMk cId="4109507159" sldId="266"/>
+            <ac:spMk id="3" creationId="{829A0375-0F36-4FC5-94C5-2BD1EF3C4534}"/>
+          </ac:spMkLst>
+        </pc:spChg>
+      </pc:sldChg>
+      <pc:sldChg chg="modSp">
+        <pc:chgData name="Harsha Ky" userId="51654b9f203ea89d" providerId="Windows Live" clId="Web-{CD649366-30A7-412D-8605-5CBD1A566ADE}" dt="2020-02-26T10:17:42.588" v="829" actId="20577"/>
+        <pc:sldMkLst>
+          <pc:docMk/>
+          <pc:sldMk cId="1853761156" sldId="267"/>
+        </pc:sldMkLst>
+        <pc:spChg chg="mod">
+          <ac:chgData name="Harsha Ky" userId="51654b9f203ea89d" providerId="Windows Live" clId="Web-{CD649366-30A7-412D-8605-5CBD1A566ADE}" dt="2020-02-26T10:17:42.588" v="829" actId="20577"/>
+          <ac:spMkLst>
+            <pc:docMk/>
+            <pc:sldMk cId="1853761156" sldId="267"/>
+            <ac:spMk id="3" creationId="{7015AAE9-DED0-4583-93D7-F25216D9058F}"/>
+          </ac:spMkLst>
+        </pc:spChg>
+      </pc:sldChg>
+      <pc:sldChg chg="modSp new">
+        <pc:chgData name="Harsha Ky" userId="51654b9f203ea89d" providerId="Windows Live" clId="Web-{CD649366-30A7-412D-8605-5CBD1A566ADE}" dt="2020-02-26T10:22:40.230" v="1070" actId="20577"/>
+        <pc:sldMkLst>
+          <pc:docMk/>
+          <pc:sldMk cId="682909928" sldId="268"/>
+        </pc:sldMkLst>
+        <pc:spChg chg="mod">
+          <ac:chgData name="Harsha Ky" userId="51654b9f203ea89d" providerId="Windows Live" clId="Web-{CD649366-30A7-412D-8605-5CBD1A566ADE}" dt="2020-02-26T10:19:50.432" v="851" actId="20577"/>
+          <ac:spMkLst>
+            <pc:docMk/>
+            <pc:sldMk cId="682909928" sldId="268"/>
+            <ac:spMk id="2" creationId="{021CCEDC-8866-4ED2-9B81-72694EDB3841}"/>
+          </ac:spMkLst>
+        </pc:spChg>
+        <pc:spChg chg="mod">
+          <ac:chgData name="Harsha Ky" userId="51654b9f203ea89d" providerId="Windows Live" clId="Web-{CD649366-30A7-412D-8605-5CBD1A566ADE}" dt="2020-02-26T10:22:40.230" v="1070" actId="20577"/>
+          <ac:spMkLst>
+            <pc:docMk/>
+            <pc:sldMk cId="682909928" sldId="268"/>
+            <ac:spMk id="3" creationId="{CAEDD0D8-A3C3-480E-873E-2C1BC04CA086}"/>
+          </ac:spMkLst>
+        </pc:spChg>
+      </pc:sldChg>
+    </pc:docChg>
+  </pc:docChgLst>
+  <pc:docChgLst>
+    <pc:chgData name="Harsha Ky" userId="51654b9f203ea89d" providerId="Windows Live" clId="Web-{64FF0B97-F6D2-4476-A64B-538B9E443636}"/>
+    <pc:docChg chg="addSld modSld">
+      <pc:chgData name="Harsha Ky" userId="51654b9f203ea89d" providerId="Windows Live" clId="Web-{64FF0B97-F6D2-4476-A64B-538B9E443636}" dt="2020-01-24T16:44:16.232" v="3763" actId="20577"/>
+      <pc:docMkLst>
+        <pc:docMk/>
+      </pc:docMkLst>
+      <pc:sldChg chg="addSp delSp modSp">
+        <pc:chgData name="Harsha Ky" userId="51654b9f203ea89d" providerId="Windows Live" clId="Web-{64FF0B97-F6D2-4476-A64B-538B9E443636}" dt="2020-01-24T16:44:12.029" v="3761" actId="20577"/>
+        <pc:sldMkLst>
+          <pc:docMk/>
+          <pc:sldMk cId="109857222" sldId="256"/>
+        </pc:sldMkLst>
+        <pc:spChg chg="mod">
+          <ac:chgData name="Harsha Ky" userId="51654b9f203ea89d" providerId="Windows Live" clId="Web-{64FF0B97-F6D2-4476-A64B-538B9E443636}" dt="2020-01-24T16:44:12.029" v="3761" actId="20577"/>
+          <ac:spMkLst>
+            <pc:docMk/>
+            <pc:sldMk cId="109857222" sldId="256"/>
+            <ac:spMk id="2" creationId="{00000000-0000-0000-0000-000000000000}"/>
+          </ac:spMkLst>
+        </pc:spChg>
+        <pc:spChg chg="add del mod">
+          <ac:chgData name="Harsha Ky" userId="51654b9f203ea89d" providerId="Windows Live" clId="Web-{64FF0B97-F6D2-4476-A64B-538B9E443636}" dt="2020-01-24T16:23:23.196" v="1781"/>
+          <ac:spMkLst>
+            <pc:docMk/>
+            <pc:sldMk cId="109857222" sldId="256"/>
+            <ac:spMk id="3" creationId="{00000000-0000-0000-0000-000000000000}"/>
+          </ac:spMkLst>
+        </pc:spChg>
+        <pc:spChg chg="add mod">
+          <ac:chgData name="Harsha Ky" userId="51654b9f203ea89d" providerId="Windows Live" clId="Web-{64FF0B97-F6D2-4476-A64B-538B9E443636}" dt="2020-01-24T16:05:17.064" v="335" actId="20577"/>
+          <ac:spMkLst>
+            <pc:docMk/>
+            <pc:sldMk cId="109857222" sldId="256"/>
+            <ac:spMk id="4" creationId="{2B7196F5-A11A-41C3-B9DC-C12F8C0383FC}"/>
+          </ac:spMkLst>
+        </pc:spChg>
+        <pc:spChg chg="add mod">
+          <ac:chgData name="Harsha Ky" userId="51654b9f203ea89d" providerId="Windows Live" clId="Web-{64FF0B97-F6D2-4476-A64B-538B9E443636}" dt="2020-01-24T16:04:47.627" v="334" actId="1076"/>
+          <ac:spMkLst>
+            <pc:docMk/>
+            <pc:sldMk cId="109857222" sldId="256"/>
+            <ac:spMk id="5" creationId="{E7B050E4-25DD-49C7-90D1-B3BD6ED1656F}"/>
+          </ac:spMkLst>
+        </pc:spChg>
+      </pc:sldChg>
+      <pc:sldChg chg="modSp new">
+        <pc:chgData name="Harsha Ky" userId="51654b9f203ea89d" providerId="Windows Live" clId="Web-{64FF0B97-F6D2-4476-A64B-538B9E443636}" dt="2020-01-24T16:19:03.555" v="1369" actId="20577"/>
+        <pc:sldMkLst>
+          <pc:docMk/>
+          <pc:sldMk cId="3085881011" sldId="257"/>
+        </pc:sldMkLst>
+        <pc:spChg chg="mod">
+          <ac:chgData name="Harsha Ky" userId="51654b9f203ea89d" providerId="Windows Live" clId="Web-{64FF0B97-F6D2-4476-A64B-538B9E443636}" dt="2020-01-24T16:05:51.518" v="343" actId="20577"/>
+          <ac:spMkLst>
+            <pc:docMk/>
+            <pc:sldMk cId="3085881011" sldId="257"/>
+            <ac:spMk id="2" creationId="{8E4F941D-56C2-4C7C-9FB3-63D044E24749}"/>
+          </ac:spMkLst>
+        </pc:spChg>
+        <pc:spChg chg="mod">
+          <ac:chgData name="Harsha Ky" userId="51654b9f203ea89d" providerId="Windows Live" clId="Web-{64FF0B97-F6D2-4476-A64B-538B9E443636}" dt="2020-01-24T16:19:03.555" v="1369" actId="20577"/>
+          <ac:spMkLst>
+            <pc:docMk/>
+            <pc:sldMk cId="3085881011" sldId="257"/>
+            <ac:spMk id="3" creationId="{E87AB376-CC3B-4787-B404-735EBF109E79}"/>
+          </ac:spMkLst>
+        </pc:spChg>
+      </pc:sldChg>
+      <pc:sldChg chg="addSp delSp modSp new">
+        <pc:chgData name="Harsha Ky" userId="51654b9f203ea89d" providerId="Windows Live" clId="Web-{64FF0B97-F6D2-4476-A64B-538B9E443636}" dt="2020-01-24T16:22:50.087" v="1778" actId="20577"/>
+        <pc:sldMkLst>
+          <pc:docMk/>
+          <pc:sldMk cId="2775838959" sldId="258"/>
+        </pc:sldMkLst>
+        <pc:spChg chg="mod">
+          <ac:chgData name="Harsha Ky" userId="51654b9f203ea89d" providerId="Windows Live" clId="Web-{64FF0B97-F6D2-4476-A64B-538B9E443636}" dt="2020-01-24T16:19:19.055" v="1386" actId="20577"/>
+          <ac:spMkLst>
+            <pc:docMk/>
+            <pc:sldMk cId="2775838959" sldId="258"/>
+            <ac:spMk id="2" creationId="{0EB23F6D-AF81-4C6E-A900-63024BF2F910}"/>
+          </ac:spMkLst>
+        </pc:spChg>
+        <pc:spChg chg="del">
+          <ac:chgData name="Harsha Ky" userId="51654b9f203ea89d" providerId="Windows Live" clId="Web-{64FF0B97-F6D2-4476-A64B-538B9E443636}" dt="2020-01-24T16:19:31.118" v="1389"/>
+          <ac:spMkLst>
+            <pc:docMk/>
+            <pc:sldMk cId="2775838959" sldId="258"/>
+            <ac:spMk id="3" creationId="{FD9DECD9-1031-46ED-9112-477C9ED864C9}"/>
+          </ac:spMkLst>
+        </pc:spChg>
+        <pc:spChg chg="add mod">
+          <ac:chgData name="Harsha Ky" userId="51654b9f203ea89d" providerId="Windows Live" clId="Web-{64FF0B97-F6D2-4476-A64B-538B9E443636}" dt="2020-01-24T16:22:50.087" v="1778" actId="20577"/>
+          <ac:spMkLst>
+            <pc:docMk/>
+            <pc:sldMk cId="2775838959" sldId="258"/>
+            <ac:spMk id="6" creationId="{89FF2F55-F978-44B3-A7F8-A4CEAE32E85C}"/>
+          </ac:spMkLst>
+        </pc:spChg>
+        <pc:picChg chg="add mod ord">
+          <ac:chgData name="Harsha Ky" userId="51654b9f203ea89d" providerId="Windows Live" clId="Web-{64FF0B97-F6D2-4476-A64B-538B9E443636}" dt="2020-01-24T16:19:53.196" v="1390" actId="1076"/>
+          <ac:picMkLst>
+            <pc:docMk/>
+            <pc:sldMk cId="2775838959" sldId="258"/>
+            <ac:picMk id="4" creationId="{23FE1FAB-6242-43C9-B77F-0C55C77E2B17}"/>
+          </ac:picMkLst>
+        </pc:picChg>
+      </pc:sldChg>
+      <pc:sldChg chg="modSp new">
+        <pc:chgData name="Harsha Ky" userId="51654b9f203ea89d" providerId="Windows Live" clId="Web-{64FF0B97-F6D2-4476-A64B-538B9E443636}" dt="2020-01-24T16:34:36.791" v="2526" actId="20577"/>
+        <pc:sldMkLst>
+          <pc:docMk/>
+          <pc:sldMk cId="4183685459" sldId="259"/>
+        </pc:sldMkLst>
+        <pc:spChg chg="mod">
+          <ac:chgData name="Harsha Ky" userId="51654b9f203ea89d" providerId="Windows Live" clId="Web-{64FF0B97-F6D2-4476-A64B-538B9E443636}" dt="2020-01-24T16:23:56.446" v="1824" actId="20577"/>
+          <ac:spMkLst>
+            <pc:docMk/>
+            <pc:sldMk cId="4183685459" sldId="259"/>
+            <ac:spMk id="2" creationId="{43A314C0-77B3-4A77-B8FE-74F30F1D1AC3}"/>
+          </ac:spMkLst>
+        </pc:spChg>
+        <pc:spChg chg="mod">
+          <ac:chgData name="Harsha Ky" userId="51654b9f203ea89d" providerId="Windows Live" clId="Web-{64FF0B97-F6D2-4476-A64B-538B9E443636}" dt="2020-01-24T16:34:36.791" v="2526" actId="20577"/>
+          <ac:spMkLst>
+            <pc:docMk/>
+            <pc:sldMk cId="4183685459" sldId="259"/>
+            <ac:spMk id="3" creationId="{F99C5E96-510A-4259-A1A2-129A3D5AA8B7}"/>
+          </ac:spMkLst>
+        </pc:spChg>
+      </pc:sldChg>
+      <pc:sldChg chg="modSp new">
+        <pc:chgData name="Harsha Ky" userId="51654b9f203ea89d" providerId="Windows Live" clId="Web-{64FF0B97-F6D2-4476-A64B-538B9E443636}" dt="2020-01-24T16:42:44.638" v="3723" actId="20577"/>
+        <pc:sldMkLst>
+          <pc:docMk/>
+          <pc:sldMk cId="3897002874" sldId="260"/>
+        </pc:sldMkLst>
+        <pc:spChg chg="mod">
+          <ac:chgData name="Harsha Ky" userId="51654b9f203ea89d" providerId="Windows Live" clId="Web-{64FF0B97-F6D2-4476-A64B-538B9E443636}" dt="2020-01-24T16:35:10.026" v="2552" actId="20577"/>
+          <ac:spMkLst>
+            <pc:docMk/>
+            <pc:sldMk cId="3897002874" sldId="260"/>
+            <ac:spMk id="2" creationId="{350DDB70-5B17-4513-8494-85E398FE04B8}"/>
+          </ac:spMkLst>
+        </pc:spChg>
+        <pc:spChg chg="mod">
+          <ac:chgData name="Harsha Ky" userId="51654b9f203ea89d" providerId="Windows Live" clId="Web-{64FF0B97-F6D2-4476-A64B-538B9E443636}" dt="2020-01-24T16:42:44.638" v="3723" actId="20577"/>
+          <ac:spMkLst>
+            <pc:docMk/>
+            <pc:sldMk cId="3897002874" sldId="260"/>
+            <ac:spMk id="3" creationId="{36354896-F079-4D93-8F1C-7A9B390A1B48}"/>
+          </ac:spMkLst>
+        </pc:spChg>
+      </pc:sldChg>
+      <pc:sldChg chg="modSp new">
+        <pc:chgData name="Harsha Ky" userId="51654b9f203ea89d" providerId="Windows Live" clId="Web-{64FF0B97-F6D2-4476-A64B-538B9E443636}" dt="2020-01-24T16:43:48.310" v="3748" actId="20577"/>
+        <pc:sldMkLst>
+          <pc:docMk/>
+          <pc:sldMk cId="4205046399" sldId="261"/>
+        </pc:sldMkLst>
+        <pc:spChg chg="mod">
+          <ac:chgData name="Harsha Ky" userId="51654b9f203ea89d" providerId="Windows Live" clId="Web-{64FF0B97-F6D2-4476-A64B-538B9E443636}" dt="2020-01-24T16:43:48.310" v="3748" actId="20577"/>
+          <ac:spMkLst>
+            <pc:docMk/>
+            <pc:sldMk cId="4205046399" sldId="261"/>
+            <ac:spMk id="2" creationId="{33410B07-CA37-4D38-B4A0-176A3903F8E0}"/>
+          </ac:spMkLst>
+        </pc:spChg>
+      </pc:sldChg>
+    </pc:docChg>
+  </pc:docChgLst>
+  <pc:docChgLst>
+    <pc:chgData name="Harsha Ky" userId="51654b9f203ea89d" providerId="Windows Live" clId="Web-{88AEB5F3-CAE5-4B99-AE53-89C14A09FB99}"/>
+    <pc:docChg chg="modSld">
+      <pc:chgData name="Harsha Ky" userId="51654b9f203ea89d" providerId="Windows Live" clId="Web-{88AEB5F3-CAE5-4B99-AE53-89C14A09FB99}" dt="2020-02-01T09:01:49.276" v="1026" actId="20577"/>
+      <pc:docMkLst>
+        <pc:docMk/>
+      </pc:docMkLst>
+      <pc:sldChg chg="delSp modSp">
+        <pc:chgData name="Harsha Ky" userId="51654b9f203ea89d" providerId="Windows Live" clId="Web-{88AEB5F3-CAE5-4B99-AE53-89C14A09FB99}" dt="2020-02-01T08:08:39.178" v="128" actId="20577"/>
+        <pc:sldMkLst>
+          <pc:docMk/>
+          <pc:sldMk cId="109857222" sldId="256"/>
+        </pc:sldMkLst>
+        <pc:spChg chg="mod">
+          <ac:chgData name="Harsha Ky" userId="51654b9f203ea89d" providerId="Windows Live" clId="Web-{88AEB5F3-CAE5-4B99-AE53-89C14A09FB99}" dt="2020-02-01T08:08:39.178" v="128" actId="20577"/>
+          <ac:spMkLst>
+            <pc:docMk/>
+            <pc:sldMk cId="109857222" sldId="256"/>
+            <ac:spMk id="2" creationId="{00000000-0000-0000-0000-000000000000}"/>
+          </ac:spMkLst>
+        </pc:spChg>
+        <pc:spChg chg="del">
+          <ac:chgData name="Harsha Ky" userId="51654b9f203ea89d" providerId="Windows Live" clId="Web-{88AEB5F3-CAE5-4B99-AE53-89C14A09FB99}" dt="2020-02-01T06:57:38.199" v="0"/>
+          <ac:spMkLst>
+            <pc:docMk/>
+            <pc:sldMk cId="109857222" sldId="256"/>
+            <ac:spMk id="3" creationId="{00000000-0000-0000-0000-000000000000}"/>
+          </ac:spMkLst>
+        </pc:spChg>
+        <pc:spChg chg="mod">
+          <ac:chgData name="Harsha Ky" userId="51654b9f203ea89d" providerId="Windows Live" clId="Web-{88AEB5F3-CAE5-4B99-AE53-89C14A09FB99}" dt="2020-02-01T06:58:53.465" v="5" actId="20577"/>
+          <ac:spMkLst>
+            <pc:docMk/>
+            <pc:sldMk cId="109857222" sldId="256"/>
+            <ac:spMk id="5" creationId="{E7B050E4-25DD-49C7-90D1-B3BD6ED1656F}"/>
+          </ac:spMkLst>
+        </pc:spChg>
+      </pc:sldChg>
+      <pc:sldChg chg="modSp">
+        <pc:chgData name="Harsha Ky" userId="51654b9f203ea89d" providerId="Windows Live" clId="Web-{88AEB5F3-CAE5-4B99-AE53-89C14A09FB99}" dt="2020-02-01T08:13:50.775" v="680" actId="20577"/>
+        <pc:sldMkLst>
+          <pc:docMk/>
+          <pc:sldMk cId="3085881011" sldId="257"/>
+        </pc:sldMkLst>
+        <pc:spChg chg="mod">
+          <ac:chgData name="Harsha Ky" userId="51654b9f203ea89d" providerId="Windows Live" clId="Web-{88AEB5F3-CAE5-4B99-AE53-89C14A09FB99}" dt="2020-02-01T08:13:50.775" v="680" actId="20577"/>
+          <ac:spMkLst>
+            <pc:docMk/>
+            <pc:sldMk cId="3085881011" sldId="257"/>
+            <ac:spMk id="3" creationId="{E87AB376-CC3B-4787-B404-735EBF109E79}"/>
+          </ac:spMkLst>
+        </pc:spChg>
+      </pc:sldChg>
+      <pc:sldChg chg="modSp">
+        <pc:chgData name="Harsha Ky" userId="51654b9f203ea89d" providerId="Windows Live" clId="Web-{88AEB5F3-CAE5-4B99-AE53-89C14A09FB99}" dt="2020-02-01T09:01:46.229" v="1024" actId="20577"/>
+        <pc:sldMkLst>
+          <pc:docMk/>
+          <pc:sldMk cId="2775838959" sldId="258"/>
+        </pc:sldMkLst>
+        <pc:spChg chg="mod">
+          <ac:chgData name="Harsha Ky" userId="51654b9f203ea89d" providerId="Windows Live" clId="Web-{88AEB5F3-CAE5-4B99-AE53-89C14A09FB99}" dt="2020-02-01T09:01:46.229" v="1024" actId="20577"/>
+          <ac:spMkLst>
+            <pc:docMk/>
+            <pc:sldMk cId="2775838959" sldId="258"/>
+            <ac:spMk id="2" creationId="{0EB23F6D-AF81-4C6E-A900-63024BF2F910}"/>
+          </ac:spMkLst>
+        </pc:spChg>
+      </pc:sldChg>
+      <pc:sldChg chg="modSp">
+        <pc:chgData name="Harsha Ky" userId="51654b9f203ea89d" providerId="Windows Live" clId="Web-{88AEB5F3-CAE5-4B99-AE53-89C14A09FB99}" dt="2020-02-01T08:18:25.450" v="897" actId="20577"/>
+        <pc:sldMkLst>
+          <pc:docMk/>
+          <pc:sldMk cId="4183685459" sldId="259"/>
+        </pc:sldMkLst>
+        <pc:spChg chg="mod">
+          <ac:chgData name="Harsha Ky" userId="51654b9f203ea89d" providerId="Windows Live" clId="Web-{88AEB5F3-CAE5-4B99-AE53-89C14A09FB99}" dt="2020-02-01T08:18:25.450" v="897" actId="20577"/>
+          <ac:spMkLst>
+            <pc:docMk/>
+            <pc:sldMk cId="4183685459" sldId="259"/>
+            <ac:spMk id="3" creationId="{F99C5E96-510A-4259-A1A2-129A3D5AA8B7}"/>
+          </ac:spMkLst>
+        </pc:spChg>
+      </pc:sldChg>
+      <pc:sldChg chg="modSp">
+        <pc:chgData name="Harsha Ky" userId="51654b9f203ea89d" providerId="Windows Live" clId="Web-{88AEB5F3-CAE5-4B99-AE53-89C14A09FB99}" dt="2020-02-01T08:19:45.664" v="998" actId="20577"/>
+        <pc:sldMkLst>
+          <pc:docMk/>
+          <pc:sldMk cId="3897002874" sldId="260"/>
+        </pc:sldMkLst>
+        <pc:spChg chg="mod">
+          <ac:chgData name="Harsha Ky" userId="51654b9f203ea89d" providerId="Windows Live" clId="Web-{88AEB5F3-CAE5-4B99-AE53-89C14A09FB99}" dt="2020-02-01T08:19:45.664" v="998" actId="20577"/>
+          <ac:spMkLst>
+            <pc:docMk/>
+            <pc:sldMk cId="3897002874" sldId="260"/>
+            <ac:spMk id="3" creationId="{36354896-F079-4D93-8F1C-7A9B390A1B48}"/>
+          </ac:spMkLst>
+        </pc:spChg>
+      </pc:sldChg>
+    </pc:docChg>
+  </pc:docChgLst>
+  <pc:docChgLst>
+    <pc:chgData name="Harsha Ky" userId="51654b9f203ea89d" providerId="Windows Live" clId="Web-{970F2756-6D48-4F87-AD03-74F0E83451BF}"/>
+    <pc:docChg chg="modSld">
+      <pc:chgData name="Harsha Ky" userId="51654b9f203ea89d" providerId="Windows Live" clId="Web-{970F2756-6D48-4F87-AD03-74F0E83451BF}" dt="2020-02-01T05:49:25.680" v="38" actId="20577"/>
+      <pc:docMkLst>
+        <pc:docMk/>
+      </pc:docMkLst>
+      <pc:sldChg chg="modSp">
+        <pc:chgData name="Harsha Ky" userId="51654b9f203ea89d" providerId="Windows Live" clId="Web-{970F2756-6D48-4F87-AD03-74F0E83451BF}" dt="2020-02-01T05:49:12.914" v="36" actId="20577"/>
+        <pc:sldMkLst>
+          <pc:docMk/>
+          <pc:sldMk cId="4183685459" sldId="259"/>
+        </pc:sldMkLst>
+        <pc:spChg chg="mod">
+          <ac:chgData name="Harsha Ky" userId="51654b9f203ea89d" providerId="Windows Live" clId="Web-{970F2756-6D48-4F87-AD03-74F0E83451BF}" dt="2020-02-01T05:49:12.914" v="36" actId="20577"/>
+          <ac:spMkLst>
+            <pc:docMk/>
+            <pc:sldMk cId="4183685459" sldId="259"/>
+            <ac:spMk id="3" creationId="{F99C5E96-510A-4259-A1A2-129A3D5AA8B7}"/>
+          </ac:spMkLst>
+        </pc:spChg>
+      </pc:sldChg>
+    </pc:docChg>
+  </pc:docChgLst>
+  <pc:docChgLst>
+    <pc:chgData name="Harsha Ky" userId="51654b9f203ea89d" providerId="Windows Live" clId="Web-{1160FAA9-F999-4E44-9E74-425A0C1DC568}"/>
+    <pc:docChg chg="modSld">
+      <pc:chgData name="Harsha Ky" userId="51654b9f203ea89d" providerId="Windows Live" clId="Web-{1160FAA9-F999-4E44-9E74-425A0C1DC568}" dt="2020-02-17T14:44:16.976" v="1222" actId="20577"/>
+      <pc:docMkLst>
+        <pc:docMk/>
+      </pc:docMkLst>
+      <pc:sldChg chg="modSp">
+        <pc:chgData name="Harsha Ky" userId="51654b9f203ea89d" providerId="Windows Live" clId="Web-{1160FAA9-F999-4E44-9E74-425A0C1DC568}" dt="2020-02-17T14:39:46.881" v="740" actId="20577"/>
+        <pc:sldMkLst>
+          <pc:docMk/>
+          <pc:sldMk cId="4224461443" sldId="264"/>
+        </pc:sldMkLst>
+        <pc:spChg chg="mod">
+          <ac:chgData name="Harsha Ky" userId="51654b9f203ea89d" providerId="Windows Live" clId="Web-{1160FAA9-F999-4E44-9E74-425A0C1DC568}" dt="2020-02-17T14:39:46.881" v="740" actId="20577"/>
+          <ac:spMkLst>
+            <pc:docMk/>
+            <pc:sldMk cId="4224461443" sldId="264"/>
+            <ac:spMk id="3" creationId="{082142D9-7288-44D9-B983-9EC873349898}"/>
+          </ac:spMkLst>
+        </pc:spChg>
+      </pc:sldChg>
+      <pc:sldChg chg="modSp">
+        <pc:chgData name="Harsha Ky" userId="51654b9f203ea89d" providerId="Windows Live" clId="Web-{1160FAA9-F999-4E44-9E74-425A0C1DC568}" dt="2020-02-17T14:44:16.976" v="1221" actId="20577"/>
+        <pc:sldMkLst>
+          <pc:docMk/>
+          <pc:sldMk cId="4109507159" sldId="266"/>
+        </pc:sldMkLst>
+        <pc:spChg chg="mod">
+          <ac:chgData name="Harsha Ky" userId="51654b9f203ea89d" providerId="Windows Live" clId="Web-{1160FAA9-F999-4E44-9E74-425A0C1DC568}" dt="2020-02-17T14:44:16.976" v="1221" actId="20577"/>
+          <ac:spMkLst>
+            <pc:docMk/>
+            <pc:sldMk cId="4109507159" sldId="266"/>
+            <ac:spMk id="3" creationId="{829A0375-0F36-4FC5-94C5-2BD1EF3C4534}"/>
+          </ac:spMkLst>
+        </pc:spChg>
+      </pc:sldChg>
+    </pc:docChg>
+  </pc:docChgLst>
+</pc:chgInfo>
 </file>
 
 <file path=ppt/slideLayouts/slideLayout1.xml><?xml version="1.0" encoding="utf-8"?>
@@ -278,7 +1522,7 @@
           <a:p>
             <a:fld id="{846CE7D5-CF57-46EF-B807-FDD0502418D4}" type="datetimeFigureOut">
               <a:rPr lang="en-US" smtClean="0"/>
-              <a:t>3/30/2020</a:t>
+              <a:t>4/4/2020</a:t>
             </a:fld>
             <a:endParaRPr lang="en-US"/>
           </a:p>
@@ -448,7 +1692,7 @@
           <a:p>
             <a:fld id="{846CE7D5-CF57-46EF-B807-FDD0502418D4}" type="datetimeFigureOut">
               <a:rPr lang="en-US" smtClean="0"/>
-              <a:t>3/30/2020</a:t>
+              <a:t>4/4/2020</a:t>
             </a:fld>
             <a:endParaRPr lang="en-US"/>
           </a:p>
@@ -628,7 +1872,7 @@
           <a:p>
             <a:fld id="{846CE7D5-CF57-46EF-B807-FDD0502418D4}" type="datetimeFigureOut">
               <a:rPr lang="en-US" smtClean="0"/>
-              <a:t>3/30/2020</a:t>
+              <a:t>4/4/2020</a:t>
             </a:fld>
             <a:endParaRPr lang="en-US"/>
           </a:p>
@@ -798,7 +2042,7 @@
           <a:p>
             <a:fld id="{846CE7D5-CF57-46EF-B807-FDD0502418D4}" type="datetimeFigureOut">
               <a:rPr lang="en-US" smtClean="0"/>
-              <a:t>3/30/2020</a:t>
+              <a:t>4/4/2020</a:t>
             </a:fld>
             <a:endParaRPr lang="en-US"/>
           </a:p>
@@ -1044,7 +2288,7 @@
           <a:p>
             <a:fld id="{846CE7D5-CF57-46EF-B807-FDD0502418D4}" type="datetimeFigureOut">
               <a:rPr lang="en-US" smtClean="0"/>
-              <a:t>3/30/2020</a:t>
+              <a:t>4/4/2020</a:t>
             </a:fld>
             <a:endParaRPr lang="en-US"/>
           </a:p>
@@ -1276,7 +2520,7 @@
           <a:p>
             <a:fld id="{846CE7D5-CF57-46EF-B807-FDD0502418D4}" type="datetimeFigureOut">
               <a:rPr lang="en-US" smtClean="0"/>
-              <a:t>3/30/2020</a:t>
+              <a:t>4/4/2020</a:t>
             </a:fld>
             <a:endParaRPr lang="en-US"/>
           </a:p>
@@ -1643,7 +2887,7 @@
           <a:p>
             <a:fld id="{846CE7D5-CF57-46EF-B807-FDD0502418D4}" type="datetimeFigureOut">
               <a:rPr lang="en-US" smtClean="0"/>
-              <a:t>3/30/2020</a:t>
+              <a:t>4/4/2020</a:t>
             </a:fld>
             <a:endParaRPr lang="en-US"/>
           </a:p>
@@ -1761,7 +3005,7 @@
           <a:p>
             <a:fld id="{846CE7D5-CF57-46EF-B807-FDD0502418D4}" type="datetimeFigureOut">
               <a:rPr lang="en-US" smtClean="0"/>
-              <a:t>3/30/2020</a:t>
+              <a:t>4/4/2020</a:t>
             </a:fld>
             <a:endParaRPr lang="en-US"/>
           </a:p>
@@ -1856,7 +3100,7 @@
           <a:p>
             <a:fld id="{846CE7D5-CF57-46EF-B807-FDD0502418D4}" type="datetimeFigureOut">
               <a:rPr lang="en-US" smtClean="0"/>
-              <a:t>3/30/2020</a:t>
+              <a:t>4/4/2020</a:t>
             </a:fld>
             <a:endParaRPr lang="en-US"/>
           </a:p>
@@ -2133,7 +3377,7 @@
           <a:p>
             <a:fld id="{846CE7D5-CF57-46EF-B807-FDD0502418D4}" type="datetimeFigureOut">
               <a:rPr lang="en-US" smtClean="0"/>
-              <a:t>3/30/2020</a:t>
+              <a:t>4/4/2020</a:t>
             </a:fld>
             <a:endParaRPr lang="en-US"/>
           </a:p>
@@ -2390,7 +3634,7 @@
           <a:p>
             <a:fld id="{846CE7D5-CF57-46EF-B807-FDD0502418D4}" type="datetimeFigureOut">
               <a:rPr lang="en-US" smtClean="0"/>
-              <a:t>3/30/2020</a:t>
+              <a:t>4/4/2020</a:t>
             </a:fld>
             <a:endParaRPr lang="en-US"/>
           </a:p>
@@ -2603,7 +3847,7 @@
           <a:p>
             <a:fld id="{846CE7D5-CF57-46EF-B807-FDD0502418D4}" type="datetimeFigureOut">
               <a:rPr lang="en-US" smtClean="0"/>
-              <a:t>3/30/2020</a:t>
+              <a:t>4/4/2020</a:t>
             </a:fld>
             <a:endParaRPr lang="en-US"/>
           </a:p>
@@ -3247,6 +4491,339 @@
           <a:chExt cx="0" cy="0"/>
         </a:xfrm>
       </p:grpSpPr>
+      <p:sp>
+        <p:nvSpPr>
+          <p:cNvPr id="2" name="Title 1">
+            <a:extLst>
+              <a:ext uri="{FF2B5EF4-FFF2-40B4-BE49-F238E27FC236}">
+                <a16:creationId xmlns:a16="http://schemas.microsoft.com/office/drawing/2014/main" id="{0A0A8516-F7DA-4EBC-AED9-C26542E6F857}"/>
+              </a:ext>
+            </a:extLst>
+          </p:cNvPr>
+          <p:cNvSpPr>
+            <a:spLocks noGrp="1"/>
+          </p:cNvSpPr>
+          <p:nvPr>
+            <p:ph type="title"/>
+          </p:nvPr>
+        </p:nvSpPr>
+        <p:spPr/>
+        <p:txBody>
+          <a:bodyPr/>
+          <a:lstStyle/>
+          <a:p>
+            <a:pPr algn="ctr"/>
+            <a:r>
+              <a:rPr lang="en-US">
+                <a:cs typeface="Calibri Light"/>
+              </a:rPr>
+              <a:t>Functional Requirements</a:t>
+            </a:r>
+            <a:endParaRPr lang="en-US" dirty="0">
+              <a:cs typeface="Calibri Light"/>
+            </a:endParaRPr>
+          </a:p>
+        </p:txBody>
+      </p:sp>
+      <p:sp>
+        <p:nvSpPr>
+          <p:cNvPr id="3" name="Content Placeholder 2">
+            <a:extLst>
+              <a:ext uri="{FF2B5EF4-FFF2-40B4-BE49-F238E27FC236}">
+                <a16:creationId xmlns:a16="http://schemas.microsoft.com/office/drawing/2014/main" id="{6992825B-62A6-4488-8566-CC0944726E6A}"/>
+              </a:ext>
+            </a:extLst>
+          </p:cNvPr>
+          <p:cNvSpPr>
+            <a:spLocks noGrp="1"/>
+          </p:cNvSpPr>
+          <p:nvPr>
+            <p:ph idx="1"/>
+          </p:nvPr>
+        </p:nvSpPr>
+        <p:spPr/>
+        <p:txBody>
+          <a:bodyPr vert="horz" lIns="91440" tIns="45720" rIns="91440" bIns="45720" rtlCol="0" anchor="t">
+            <a:normAutofit fontScale="92500" lnSpcReduction="20000"/>
+          </a:bodyPr>
+          <a:lstStyle/>
+          <a:p>
+            <a:pPr algn="just"/>
+            <a:r>
+              <a:rPr lang="en-US" dirty="0">
+                <a:cs typeface="Calibri"/>
+              </a:rPr>
+              <a:t>Pre-Processing</a:t>
+            </a:r>
+            <a:endParaRPr lang="en-US" dirty="0"/>
+          </a:p>
+          <a:p>
+            <a:pPr lvl="1" algn="just"/>
+            <a:r>
+              <a:rPr lang="en-US" dirty="0">
+                <a:ea typeface="+mn-lt"/>
+                <a:cs typeface="+mn-lt"/>
+              </a:rPr>
+              <a:t>Clean the input data. Tokenize the data to turn it into a single Tensor.</a:t>
+            </a:r>
+          </a:p>
+          <a:p>
+            <a:pPr algn="just"/>
+            <a:r>
+              <a:rPr lang="en-US" dirty="0">
+                <a:cs typeface="Calibri"/>
+              </a:rPr>
+              <a:t>Train the model using the pre-processed dataset</a:t>
+            </a:r>
+          </a:p>
+          <a:p>
+            <a:pPr lvl="1" algn="just"/>
+            <a:r>
+              <a:rPr lang="en-US" dirty="0">
+                <a:cs typeface="Calibri"/>
+              </a:rPr>
+              <a:t>Train </a:t>
+            </a:r>
+            <a:r>
+              <a:rPr lang="en-US" dirty="0" err="1">
+                <a:cs typeface="Calibri"/>
+              </a:rPr>
+              <a:t>Keras</a:t>
+            </a:r>
+            <a:r>
+              <a:rPr lang="en-US" dirty="0">
+                <a:cs typeface="Calibri"/>
+              </a:rPr>
+              <a:t> sequential model using appropriate parameters.</a:t>
+            </a:r>
+          </a:p>
+          <a:p>
+            <a:pPr algn="just"/>
+            <a:r>
+              <a:rPr lang="en-US" dirty="0">
+                <a:cs typeface="Calibri"/>
+              </a:rPr>
+              <a:t>Test the model for accuracy scores</a:t>
+            </a:r>
+          </a:p>
+          <a:p>
+            <a:pPr lvl="1" algn="just"/>
+            <a:r>
+              <a:rPr lang="en-US" dirty="0">
+                <a:cs typeface="Calibri"/>
+              </a:rPr>
+              <a:t>The trained model is used to make predictions. The predictions are used to calculate accuracy scores.</a:t>
+            </a:r>
+          </a:p>
+          <a:p>
+            <a:pPr algn="just"/>
+            <a:r>
+              <a:rPr lang="en-US" dirty="0">
+                <a:cs typeface="Calibri"/>
+              </a:rPr>
+              <a:t>Server side preprocessing</a:t>
+            </a:r>
+          </a:p>
+          <a:p>
+            <a:pPr lvl="1" algn="just"/>
+            <a:r>
+              <a:rPr lang="en-US" dirty="0">
+                <a:cs typeface="Calibri"/>
+              </a:rPr>
+              <a:t>The user inputs text data that has to be converted to a tensor. This needs the same pre-processing techniques.</a:t>
+            </a:r>
+          </a:p>
+          <a:p>
+            <a:pPr algn="just"/>
+            <a:r>
+              <a:rPr lang="en-US" dirty="0">
+                <a:cs typeface="Calibri"/>
+              </a:rPr>
+              <a:t>Probability score output to human readable class</a:t>
+            </a:r>
+          </a:p>
+          <a:p>
+            <a:pPr lvl="1" algn="just"/>
+            <a:r>
+              <a:rPr lang="en-US" dirty="0">
+                <a:cs typeface="Calibri"/>
+              </a:rPr>
+              <a:t>The model returns a probability score as output that has to be shown as human readable class.</a:t>
+            </a:r>
+          </a:p>
+        </p:txBody>
+      </p:sp>
+    </p:spTree>
+    <p:extLst>
+      <p:ext uri="{BB962C8B-B14F-4D97-AF65-F5344CB8AC3E}">
+        <p14:creationId xmlns:p14="http://schemas.microsoft.com/office/powerpoint/2010/main" val="2983497765"/>
+      </p:ext>
+    </p:extLst>
+  </p:cSld>
+  <p:clrMapOvr>
+    <a:masterClrMapping/>
+  </p:clrMapOvr>
+</p:sld>
+</file>
+
+<file path=ppt/slides/slide11.xml><?xml version="1.0" encoding="utf-8"?>
+<p:sld xmlns:a="http://schemas.openxmlformats.org/drawingml/2006/main" xmlns:r="http://schemas.openxmlformats.org/officeDocument/2006/relationships" xmlns:p="http://schemas.openxmlformats.org/presentationml/2006/main">
+  <p:cSld>
+    <p:spTree>
+      <p:nvGrpSpPr>
+        <p:cNvPr id="1" name=""/>
+        <p:cNvGrpSpPr/>
+        <p:nvPr/>
+      </p:nvGrpSpPr>
+      <p:grpSpPr>
+        <a:xfrm>
+          <a:off x="0" y="0"/>
+          <a:ext cx="0" cy="0"/>
+          <a:chOff x="0" y="0"/>
+          <a:chExt cx="0" cy="0"/>
+        </a:xfrm>
+      </p:grpSpPr>
+      <p:sp>
+        <p:nvSpPr>
+          <p:cNvPr id="2" name="Title 1">
+            <a:extLst>
+              <a:ext uri="{FF2B5EF4-FFF2-40B4-BE49-F238E27FC236}">
+                <a16:creationId xmlns:a16="http://schemas.microsoft.com/office/drawing/2014/main" id="{EF06EA2A-5335-41A7-B88A-5440702D3A5C}"/>
+              </a:ext>
+            </a:extLst>
+          </p:cNvPr>
+          <p:cNvSpPr>
+            <a:spLocks noGrp="1"/>
+          </p:cNvSpPr>
+          <p:nvPr>
+            <p:ph type="title"/>
+          </p:nvPr>
+        </p:nvSpPr>
+        <p:spPr/>
+        <p:txBody>
+          <a:bodyPr/>
+          <a:lstStyle/>
+          <a:p>
+            <a:pPr algn="ctr"/>
+            <a:r>
+              <a:rPr lang="en-US">
+                <a:cs typeface="Calibri Light" panose="020F0302020204030204"/>
+              </a:rPr>
+              <a:t>Non-functional Requirements</a:t>
+            </a:r>
+          </a:p>
+        </p:txBody>
+      </p:sp>
+      <p:sp>
+        <p:nvSpPr>
+          <p:cNvPr id="3" name="Content Placeholder 2">
+            <a:extLst>
+              <a:ext uri="{FF2B5EF4-FFF2-40B4-BE49-F238E27FC236}">
+                <a16:creationId xmlns:a16="http://schemas.microsoft.com/office/drawing/2014/main" id="{829A0375-0F36-4FC5-94C5-2BD1EF3C4534}"/>
+              </a:ext>
+            </a:extLst>
+          </p:cNvPr>
+          <p:cNvSpPr>
+            <a:spLocks noGrp="1"/>
+          </p:cNvSpPr>
+          <p:nvPr>
+            <p:ph idx="1"/>
+          </p:nvPr>
+        </p:nvSpPr>
+        <p:spPr/>
+        <p:txBody>
+          <a:bodyPr vert="horz" lIns="91440" tIns="45720" rIns="91440" bIns="45720" rtlCol="0" anchor="t">
+            <a:normAutofit/>
+          </a:bodyPr>
+          <a:lstStyle/>
+          <a:p>
+            <a:r>
+              <a:rPr lang="en-US" b="1" dirty="0">
+                <a:cs typeface="Calibri"/>
+              </a:rPr>
+              <a:t>Scaling</a:t>
+            </a:r>
+            <a:r>
+              <a:rPr lang="en-US" dirty="0">
+                <a:cs typeface="Calibri"/>
+              </a:rPr>
+              <a:t>: To be able to build more NLP APIs for different tasks.</a:t>
+            </a:r>
+          </a:p>
+          <a:p>
+            <a:r>
+              <a:rPr lang="en-US" b="1" dirty="0">
+                <a:cs typeface="Calibri"/>
+              </a:rPr>
+              <a:t>Performance</a:t>
+            </a:r>
+            <a:r>
+              <a:rPr lang="en-US" dirty="0">
+                <a:cs typeface="Calibri"/>
+              </a:rPr>
+              <a:t>: Increase accuracy of the predictions.</a:t>
+            </a:r>
+          </a:p>
+          <a:p>
+            <a:r>
+              <a:rPr lang="en-US" b="1" dirty="0">
+                <a:cs typeface="Calibri"/>
+              </a:rPr>
+              <a:t>Availability</a:t>
+            </a:r>
+            <a:r>
+              <a:rPr lang="en-US" dirty="0">
+                <a:cs typeface="Calibri"/>
+              </a:rPr>
+              <a:t>: To make sure that the web-app is always functioning properly and available to its users.</a:t>
+            </a:r>
+          </a:p>
+          <a:p>
+            <a:r>
+              <a:rPr lang="en-US" b="1" dirty="0">
+                <a:cs typeface="Calibri"/>
+              </a:rPr>
+              <a:t>Maintenance</a:t>
+            </a:r>
+            <a:r>
+              <a:rPr lang="en-US" dirty="0">
+                <a:cs typeface="Calibri"/>
+              </a:rPr>
+              <a:t>: Future updates must be smooth. Should work well with future versions of the technologies used.</a:t>
+            </a:r>
+          </a:p>
+        </p:txBody>
+      </p:sp>
+    </p:spTree>
+    <p:extLst>
+      <p:ext uri="{BB962C8B-B14F-4D97-AF65-F5344CB8AC3E}">
+        <p14:creationId xmlns:p14="http://schemas.microsoft.com/office/powerpoint/2010/main" val="4109507159"/>
+      </p:ext>
+    </p:extLst>
+  </p:cSld>
+  <p:clrMapOvr>
+    <a:masterClrMapping/>
+  </p:clrMapOvr>
+</p:sld>
+</file>
+
+<file path=ppt/slides/slide12.xml><?xml version="1.0" encoding="utf-8"?>
+<p:sld xmlns:a="http://schemas.openxmlformats.org/drawingml/2006/main" xmlns:r="http://schemas.openxmlformats.org/officeDocument/2006/relationships" xmlns:p="http://schemas.openxmlformats.org/presentationml/2006/main">
+  <p:cSld>
+    <p:spTree>
+      <p:nvGrpSpPr>
+        <p:cNvPr id="1" name=""/>
+        <p:cNvGrpSpPr/>
+        <p:nvPr/>
+      </p:nvGrpSpPr>
+      <p:grpSpPr>
+        <a:xfrm>
+          <a:off x="0" y="0"/>
+          <a:ext cx="0" cy="0"/>
+          <a:chOff x="0" y="0"/>
+          <a:chExt cx="0" cy="0"/>
+        </a:xfrm>
+      </p:grpSpPr>
       <p:pic>
         <p:nvPicPr>
           <p:cNvPr id="2" name="Picture 2" descr="A screenshot of a cell phone&#10;&#10;Description generated with very high confidence">
@@ -3270,7 +4847,7 @@
         <p:spPr>
           <a:xfrm>
             <a:off x="5050155" y="-3717"/>
-            <a:ext cx="3383372" cy="6865433"/>
+            <a:ext cx="3356791" cy="6865433"/>
           </a:xfrm>
           <a:prstGeom prst="rect">
             <a:avLst/>
@@ -3422,7 +4999,7 @@
 </p:sld>
 </file>
 
-<file path=ppt/slides/slide11.xml><?xml version="1.0" encoding="utf-8"?>
+<file path=ppt/slides/slide13.xml><?xml version="1.0" encoding="utf-8"?>
 <p:sld xmlns:a="http://schemas.openxmlformats.org/drawingml/2006/main" xmlns:r="http://schemas.openxmlformats.org/officeDocument/2006/relationships" xmlns:p="http://schemas.openxmlformats.org/presentationml/2006/main">
   <p:cSld>
     <p:spTree>
@@ -3614,7 +5191,7 @@
 </p:sld>
 </file>
 
-<file path=ppt/slides/slide12.xml><?xml version="1.0" encoding="utf-8"?>
+<file path=ppt/slides/slide14.xml><?xml version="1.0" encoding="utf-8"?>
 <p:sld xmlns:a="http://schemas.openxmlformats.org/drawingml/2006/main" xmlns:r="http://schemas.openxmlformats.org/officeDocument/2006/relationships" xmlns:p="http://schemas.openxmlformats.org/presentationml/2006/main">
   <p:cSld>
     <p:spTree>
@@ -3685,15 +5262,19 @@
           </a:bodyPr>
           <a:lstStyle/>
           <a:p>
+            <a:pPr algn="just"/>
             <a:r>
               <a:rPr lang="en-US" dirty="0">
                 <a:cs typeface="Calibri"/>
               </a:rPr>
               <a:t>How the text is pre-processed</a:t>
             </a:r>
-          </a:p>
-          <a:p>
-            <a:pPr lvl="1"/>
+            <a:endParaRPr lang="en-US">
+              <a:cs typeface="Calibri" panose="020F0502020204030204"/>
+            </a:endParaRPr>
+          </a:p>
+          <a:p>
+            <a:pPr lvl="1" algn="just"/>
             <a:r>
               <a:rPr lang="en-US" dirty="0">
                 <a:cs typeface="Calibri"/>
@@ -3702,7 +5283,7 @@
             </a:r>
           </a:p>
           <a:p>
-            <a:pPr lvl="1"/>
+            <a:pPr lvl="1" algn="just"/>
             <a:r>
               <a:rPr lang="en-US" dirty="0">
                 <a:cs typeface="Calibri"/>
@@ -3711,7 +5292,7 @@
             </a:r>
           </a:p>
           <a:p>
-            <a:pPr lvl="1"/>
+            <a:pPr lvl="1" algn="just"/>
             <a:r>
               <a:rPr lang="en-US" dirty="0">
                 <a:cs typeface="Calibri"/>
@@ -3720,14 +5301,13 @@
             </a:r>
           </a:p>
           <a:p>
-            <a:pPr lvl="1"/>
+            <a:pPr lvl="1" algn="just"/>
             <a:r>
               <a:rPr lang="en-US" dirty="0">
                 <a:cs typeface="Calibri"/>
               </a:rPr>
               <a:t>This list of words is then passed to another function that tokenizes it. Tokenizing is converting the list of words into sequences of numbers so that they can be used as input to the neural network.</a:t>
             </a:r>
-            <a:endParaRPr lang="en-US" dirty="0"/>
           </a:p>
         </p:txBody>
       </p:sp>
@@ -3744,7 +5324,7 @@
 </p:sld>
 </file>
 
-<file path=ppt/slides/slide13.xml><?xml version="1.0" encoding="utf-8"?>
+<file path=ppt/slides/slide15.xml><?xml version="1.0" encoding="utf-8"?>
 <p:sld xmlns:a="http://schemas.openxmlformats.org/drawingml/2006/main" xmlns:r="http://schemas.openxmlformats.org/officeDocument/2006/relationships" xmlns:p="http://schemas.openxmlformats.org/presentationml/2006/main">
   <p:cSld>
     <p:spTree>
@@ -3873,7 +5453,7 @@
 </p:sld>
 </file>
 
-<file path=ppt/slides/slide14.xml><?xml version="1.0" encoding="utf-8"?>
+<file path=ppt/slides/slide16.xml><?xml version="1.0" encoding="utf-8"?>
 <p:sld xmlns:a="http://schemas.openxmlformats.org/drawingml/2006/main" xmlns:r="http://schemas.openxmlformats.org/officeDocument/2006/relationships" xmlns:p="http://schemas.openxmlformats.org/presentationml/2006/main">
   <p:cSld>
     <p:spTree>
@@ -3944,15 +5524,17 @@
           </a:bodyPr>
           <a:lstStyle/>
           <a:p>
+            <a:pPr algn="just"/>
             <a:r>
               <a:rPr lang="en-US" dirty="0">
                 <a:cs typeface="Calibri"/>
               </a:rPr>
               <a:t>The Neural Network</a:t>
             </a:r>
-          </a:p>
-          <a:p>
-            <a:pPr lvl="1"/>
+            <a:endParaRPr lang="en-US"/>
+          </a:p>
+          <a:p>
+            <a:pPr lvl="1" algn="just"/>
             <a:r>
               <a:rPr lang="en-US" dirty="0">
                 <a:cs typeface="Calibri"/>
@@ -3961,7 +5543,7 @@
             </a:r>
           </a:p>
           <a:p>
-            <a:pPr lvl="1"/>
+            <a:pPr lvl="1" algn="just"/>
             <a:r>
               <a:rPr lang="en-US" dirty="0">
                 <a:ea typeface="+mn-lt"/>
@@ -3971,7 +5553,7 @@
             </a:r>
           </a:p>
           <a:p>
-            <a:pPr lvl="1"/>
+            <a:pPr lvl="1" algn="just"/>
             <a:endParaRPr lang="en-US" dirty="0">
               <a:cs typeface="Calibri"/>
             </a:endParaRPr>
@@ -4021,7 +5603,7 @@
 </p:sld>
 </file>
 
-<file path=ppt/slides/slide15.xml><?xml version="1.0" encoding="utf-8"?>
+<file path=ppt/slides/slide17.xml><?xml version="1.0" encoding="utf-8"?>
 <p:sld xmlns:a="http://schemas.openxmlformats.org/drawingml/2006/main" xmlns:r="http://schemas.openxmlformats.org/officeDocument/2006/relationships" xmlns:p="http://schemas.openxmlformats.org/presentationml/2006/main">
   <p:cSld>
     <p:spTree>
@@ -4088,25 +5670,37 @@
         <p:spPr/>
         <p:txBody>
           <a:bodyPr vert="horz" lIns="91440" tIns="45720" rIns="91440" bIns="45720" rtlCol="0" anchor="t">
-            <a:normAutofit fontScale="92500" lnSpcReduction="20000"/>
+            <a:normAutofit/>
           </a:bodyPr>
           <a:lstStyle/>
           <a:p>
+            <a:pPr algn="just"/>
             <a:r>
               <a:rPr lang="en-US" dirty="0">
                 <a:cs typeface="Calibri"/>
               </a:rPr>
               <a:t>LSTM (Long Short Term Memory)</a:t>
             </a:r>
-          </a:p>
-          <a:p>
-            <a:pPr lvl="1"/>
+            <a:endParaRPr lang="en-US"/>
+          </a:p>
+          <a:p>
+            <a:pPr lvl="1" algn="just"/>
             <a:r>
               <a:rPr lang="en-US" dirty="0">
                 <a:ea typeface="+mn-lt"/>
                 <a:cs typeface="+mn-lt"/>
               </a:rPr>
-              <a:t>Sometimes, we only need to look at recent information to perform the present task. For example, consider a language model trying to predict the next word based on the previous ones. If we are trying to predict the last word in “the clouds are in the </a:t>
+              <a:t>Sometimes, we only need to look at recent information to perform the present task. </a:t>
+            </a:r>
+          </a:p>
+          <a:p>
+            <a:pPr lvl="1" algn="just"/>
+            <a:r>
+              <a:rPr lang="en-US" dirty="0">
+                <a:ea typeface="+mn-lt"/>
+                <a:cs typeface="+mn-lt"/>
+              </a:rPr>
+              <a:t>For example, consider a language model trying to predict the next word based on the previous ones. If we are trying to predict the last word in “the clouds are in the </a:t>
             </a:r>
             <a:r>
               <a:rPr lang="en-US" i="1" dirty="0">
@@ -4120,8 +5714,12 @@
                 <a:ea typeface="+mn-lt"/>
                 <a:cs typeface="+mn-lt"/>
               </a:rPr>
-              <a:t>,” we don’t need any further context – it’s pretty obvious the next word is going to be sky. In such cases, where the gap between the relevant information and the place that it’s needed is small, RNNs can learn to use the past information.</a:t>
-            </a:r>
+              <a:t>,” we don’t need any further context – it’s pretty obvious the next word is going to be sky. </a:t>
+            </a:r>
+            <a:endParaRPr lang="en-US">
+              <a:ea typeface="+mn-lt"/>
+              <a:cs typeface="+mn-lt"/>
+            </a:endParaRPr>
           </a:p>
           <a:p>
             <a:pPr lvl="1" algn="just"/>
@@ -4130,36 +5728,11 @@
                 <a:ea typeface="+mn-lt"/>
                 <a:cs typeface="+mn-lt"/>
               </a:rPr>
-              <a:t>But there are also cases where we need more context. Consider trying to predict the last word in the text “I grew up in France… I speak fluent </a:t>
-            </a:r>
-            <a:r>
-              <a:rPr lang="en-US" i="1" dirty="0">
-                <a:ea typeface="+mn-lt"/>
-                <a:cs typeface="+mn-lt"/>
-              </a:rPr>
-              <a:t>French</a:t>
-            </a:r>
-            <a:r>
-              <a:rPr lang="en-US" dirty="0">
-                <a:ea typeface="+mn-lt"/>
-                <a:cs typeface="+mn-lt"/>
-              </a:rPr>
-              <a:t>.” Recent information suggests that the next word is probably the name of a language, but if we want to narrow down which language, we need the context of France, from further back. It’s entirely possible for the gap between the relevant information and the point where it is needed to become very large.</a:t>
-            </a:r>
-            <a:endParaRPr lang="en-US" dirty="0">
+              <a:t>In such cases, where the gap between the relevant information and the place that it’s needed is small, RNNs can learn to use the past information.</a:t>
+            </a:r>
+            <a:endParaRPr lang="en-US">
               <a:cs typeface="Calibri"/>
             </a:endParaRPr>
-          </a:p>
-          <a:p>
-            <a:pPr lvl="1" algn="just"/>
-            <a:r>
-              <a:rPr lang="en-US" dirty="0">
-                <a:ea typeface="+mn-lt"/>
-                <a:cs typeface="+mn-lt"/>
-              </a:rPr>
-              <a:t>Unfortunately, as that gap grows, RNNs become unable to learn to connect the information.</a:t>
-            </a:r>
-            <a:endParaRPr lang="en-US" dirty="0"/>
           </a:p>
         </p:txBody>
       </p:sp>
@@ -4176,7 +5749,165 @@
 </p:sld>
 </file>
 
-<file path=ppt/slides/slide16.xml><?xml version="1.0" encoding="utf-8"?>
+<file path=ppt/slides/slide18.xml><?xml version="1.0" encoding="utf-8"?>
+<p:sld xmlns:a="http://schemas.openxmlformats.org/drawingml/2006/main" xmlns:r="http://schemas.openxmlformats.org/officeDocument/2006/relationships" xmlns:p="http://schemas.openxmlformats.org/presentationml/2006/main">
+  <p:cSld>
+    <p:spTree>
+      <p:nvGrpSpPr>
+        <p:cNvPr id="1" name=""/>
+        <p:cNvGrpSpPr/>
+        <p:nvPr/>
+      </p:nvGrpSpPr>
+      <p:grpSpPr>
+        <a:xfrm>
+          <a:off x="0" y="0"/>
+          <a:ext cx="0" cy="0"/>
+          <a:chOff x="0" y="0"/>
+          <a:chExt cx="0" cy="0"/>
+        </a:xfrm>
+      </p:grpSpPr>
+      <p:sp>
+        <p:nvSpPr>
+          <p:cNvPr id="2" name="Title 1">
+            <a:extLst>
+              <a:ext uri="{FF2B5EF4-FFF2-40B4-BE49-F238E27FC236}">
+                <a16:creationId xmlns:a16="http://schemas.microsoft.com/office/drawing/2014/main" id="{1758B9CA-6DA7-4C56-B38D-2F52987D4CE2}"/>
+              </a:ext>
+            </a:extLst>
+          </p:cNvPr>
+          <p:cNvSpPr>
+            <a:spLocks noGrp="1"/>
+          </p:cNvSpPr>
+          <p:nvPr>
+            <p:ph type="title"/>
+          </p:nvPr>
+        </p:nvSpPr>
+        <p:spPr/>
+        <p:txBody>
+          <a:bodyPr/>
+          <a:lstStyle/>
+          <a:p>
+            <a:pPr algn="ctr"/>
+            <a:r>
+              <a:rPr lang="en-US" dirty="0">
+                <a:cs typeface="Calibri Light" panose="020F0302020204030204"/>
+              </a:rPr>
+              <a:t>Detailed Methodology</a:t>
+            </a:r>
+          </a:p>
+        </p:txBody>
+      </p:sp>
+      <p:sp>
+        <p:nvSpPr>
+          <p:cNvPr id="3" name="Content Placeholder 2">
+            <a:extLst>
+              <a:ext uri="{FF2B5EF4-FFF2-40B4-BE49-F238E27FC236}">
+                <a16:creationId xmlns:a16="http://schemas.microsoft.com/office/drawing/2014/main" id="{BE666ADA-1836-4154-9E47-88ED99B0E97A}"/>
+              </a:ext>
+            </a:extLst>
+          </p:cNvPr>
+          <p:cNvSpPr>
+            <a:spLocks noGrp="1"/>
+          </p:cNvSpPr>
+          <p:nvPr>
+            <p:ph idx="1"/>
+          </p:nvPr>
+        </p:nvSpPr>
+        <p:spPr/>
+        <p:txBody>
+          <a:bodyPr vert="horz" lIns="91440" tIns="45720" rIns="91440" bIns="45720" rtlCol="0" anchor="t">
+            <a:normAutofit/>
+          </a:bodyPr>
+          <a:lstStyle/>
+          <a:p>
+            <a:pPr algn="just"/>
+            <a:r>
+              <a:rPr lang="en-US" dirty="0">
+                <a:cs typeface="Calibri"/>
+              </a:rPr>
+              <a:t>LSTM</a:t>
+            </a:r>
+            <a:endParaRPr lang="en-US"/>
+          </a:p>
+          <a:p>
+            <a:pPr lvl="1" algn="just"/>
+            <a:r>
+              <a:rPr lang="en-US" dirty="0">
+                <a:ea typeface="+mn-lt"/>
+                <a:cs typeface="+mn-lt"/>
+              </a:rPr>
+              <a:t>But there are also cases where we need more context. </a:t>
+            </a:r>
+          </a:p>
+          <a:p>
+            <a:pPr lvl="1" algn="just"/>
+            <a:r>
+              <a:rPr lang="en-US" dirty="0">
+                <a:ea typeface="+mn-lt"/>
+                <a:cs typeface="+mn-lt"/>
+              </a:rPr>
+              <a:t>Consider trying to predict the last word in the text “I grew up in France… I speak fluent </a:t>
+            </a:r>
+            <a:r>
+              <a:rPr lang="en-US" i="1" dirty="0">
+                <a:ea typeface="+mn-lt"/>
+                <a:cs typeface="+mn-lt"/>
+              </a:rPr>
+              <a:t>French</a:t>
+            </a:r>
+            <a:r>
+              <a:rPr lang="en-US" dirty="0">
+                <a:ea typeface="+mn-lt"/>
+                <a:cs typeface="+mn-lt"/>
+              </a:rPr>
+              <a:t>.” Recent information suggests that the next word is probably the name of a language, but if we want to narrow down which language, we need the context of France, from further back. </a:t>
+            </a:r>
+          </a:p>
+          <a:p>
+            <a:pPr lvl="1" algn="just"/>
+            <a:r>
+              <a:rPr lang="en-US" dirty="0">
+                <a:ea typeface="+mn-lt"/>
+                <a:cs typeface="+mn-lt"/>
+              </a:rPr>
+              <a:t>It’s entirely possible for the gap between the relevant information and the point where it is needed to become very large.</a:t>
+            </a:r>
+            <a:endParaRPr lang="en-US">
+              <a:cs typeface="Calibri"/>
+            </a:endParaRPr>
+          </a:p>
+          <a:p>
+            <a:pPr lvl="1" algn="just"/>
+            <a:r>
+              <a:rPr lang="en-US" dirty="0">
+                <a:ea typeface="+mn-lt"/>
+                <a:cs typeface="+mn-lt"/>
+              </a:rPr>
+              <a:t>Unfortunately, as that gap grows, RNNs become unable to learn to connect the information.</a:t>
+            </a:r>
+          </a:p>
+          <a:p>
+            <a:pPr lvl="1" algn="just"/>
+            <a:endParaRPr lang="en-US" dirty="0">
+              <a:cs typeface="Calibri"/>
+            </a:endParaRPr>
+          </a:p>
+        </p:txBody>
+      </p:sp>
+    </p:spTree>
+    <p:extLst>
+      <p:ext uri="{BB962C8B-B14F-4D97-AF65-F5344CB8AC3E}">
+        <p14:creationId xmlns:p14="http://schemas.microsoft.com/office/powerpoint/2010/main" val="2725251063"/>
+      </p:ext>
+    </p:extLst>
+  </p:cSld>
+  <p:clrMapOvr>
+    <a:masterClrMapping/>
+  </p:clrMapOvr>
+</p:sld>
+</file>
+
+<file path=ppt/slides/slide19.xml><?xml version="1.0" encoding="utf-8"?>
 <p:sld xmlns:a="http://schemas.openxmlformats.org/drawingml/2006/main" xmlns:r="http://schemas.openxmlformats.org/officeDocument/2006/relationships" xmlns:p="http://schemas.openxmlformats.org/presentationml/2006/main">
   <p:cSld>
     <p:spTree>
@@ -4315,7 +6046,149 @@
 </p:sld>
 </file>
 
-<file path=ppt/slides/slide17.xml><?xml version="1.0" encoding="utf-8"?>
+<file path=ppt/slides/slide2.xml><?xml version="1.0" encoding="utf-8"?>
+<p:sld xmlns:a="http://schemas.openxmlformats.org/drawingml/2006/main" xmlns:r="http://schemas.openxmlformats.org/officeDocument/2006/relationships" xmlns:p="http://schemas.openxmlformats.org/presentationml/2006/main">
+  <p:cSld>
+    <p:spTree>
+      <p:nvGrpSpPr>
+        <p:cNvPr id="1" name=""/>
+        <p:cNvGrpSpPr/>
+        <p:nvPr/>
+      </p:nvGrpSpPr>
+      <p:grpSpPr>
+        <a:xfrm>
+          <a:off x="0" y="0"/>
+          <a:ext cx="0" cy="0"/>
+          <a:chOff x="0" y="0"/>
+          <a:chExt cx="0" cy="0"/>
+        </a:xfrm>
+      </p:grpSpPr>
+      <p:sp>
+        <p:nvSpPr>
+          <p:cNvPr id="2" name="Title 1">
+            <a:extLst>
+              <a:ext uri="{FF2B5EF4-FFF2-40B4-BE49-F238E27FC236}">
+                <a16:creationId xmlns:a16="http://schemas.microsoft.com/office/drawing/2014/main" id="{8E4F941D-56C2-4C7C-9FB3-63D044E24749}"/>
+              </a:ext>
+            </a:extLst>
+          </p:cNvPr>
+          <p:cNvSpPr>
+            <a:spLocks noGrp="1"/>
+          </p:cNvSpPr>
+          <p:nvPr>
+            <p:ph type="title"/>
+          </p:nvPr>
+        </p:nvSpPr>
+        <p:spPr/>
+        <p:txBody>
+          <a:bodyPr/>
+          <a:lstStyle/>
+          <a:p>
+            <a:pPr algn="ctr"/>
+            <a:r>
+              <a:rPr lang="en-US" dirty="0">
+                <a:cs typeface="Calibri Light"/>
+              </a:rPr>
+              <a:t>Abstract</a:t>
+            </a:r>
+          </a:p>
+        </p:txBody>
+      </p:sp>
+      <p:sp>
+        <p:nvSpPr>
+          <p:cNvPr id="3" name="Content Placeholder 2">
+            <a:extLst>
+              <a:ext uri="{FF2B5EF4-FFF2-40B4-BE49-F238E27FC236}">
+                <a16:creationId xmlns:a16="http://schemas.microsoft.com/office/drawing/2014/main" id="{E87AB376-CC3B-4787-B404-735EBF109E79}"/>
+              </a:ext>
+            </a:extLst>
+          </p:cNvPr>
+          <p:cNvSpPr>
+            <a:spLocks noGrp="1"/>
+          </p:cNvSpPr>
+          <p:nvPr>
+            <p:ph idx="1"/>
+          </p:nvPr>
+        </p:nvSpPr>
+        <p:spPr/>
+        <p:txBody>
+          <a:bodyPr vert="horz" lIns="91440" tIns="45720" rIns="91440" bIns="45720" rtlCol="0" anchor="t">
+            <a:normAutofit lnSpcReduction="10000"/>
+          </a:bodyPr>
+          <a:lstStyle/>
+          <a:p>
+            <a:pPr algn="just"/>
+            <a:r>
+              <a:rPr lang="en-US" dirty="0">
+                <a:cs typeface="Calibri"/>
+              </a:rPr>
+              <a:t>Context Analyzer is a text classification application used to classify text into genres like Sports, Business, Technology, Politics, etc..</a:t>
+            </a:r>
+          </a:p>
+          <a:p>
+            <a:pPr algn="just"/>
+            <a:r>
+              <a:rPr lang="en-US" dirty="0">
+                <a:cs typeface="Calibri"/>
+              </a:rPr>
+              <a:t>It provides APIs for text classification. </a:t>
+            </a:r>
+          </a:p>
+          <a:p>
+            <a:pPr algn="just"/>
+            <a:r>
+              <a:rPr lang="en-US" dirty="0">
+                <a:cs typeface="Calibri"/>
+              </a:rPr>
+              <a:t>Input can be a pdf, txt document or a piece of text. The trained model is then used to sort the text into appropriate classes.</a:t>
+            </a:r>
+            <a:endParaRPr lang="en-US"/>
+          </a:p>
+          <a:p>
+            <a:pPr algn="just">
+              <a:buFont typeface="Arial"/>
+            </a:pPr>
+            <a:r>
+              <a:rPr lang="en-US" dirty="0">
+                <a:cs typeface="Calibri"/>
+              </a:rPr>
+              <a:t>Sentiment analysis API can be used to analyze tweets, reviews, and categorize them into positive, negative, neutral.</a:t>
+            </a:r>
+          </a:p>
+          <a:p>
+            <a:pPr algn="just"/>
+            <a:r>
+              <a:rPr lang="en-US" dirty="0">
+                <a:cs typeface="Calibri"/>
+              </a:rPr>
+              <a:t>A lot of data being generated today consists of unstructured text data.</a:t>
+            </a:r>
+          </a:p>
+          <a:p>
+            <a:pPr algn="just"/>
+            <a:r>
+              <a:rPr lang="en-US" dirty="0">
+                <a:cs typeface="Calibri"/>
+              </a:rPr>
+              <a:t>NLP helps us build models that lets computers make sense of the text data.</a:t>
+            </a:r>
+          </a:p>
+        </p:txBody>
+      </p:sp>
+    </p:spTree>
+    <p:extLst>
+      <p:ext uri="{BB962C8B-B14F-4D97-AF65-F5344CB8AC3E}">
+        <p14:creationId xmlns:p14="http://schemas.microsoft.com/office/powerpoint/2010/main" val="3085881011"/>
+      </p:ext>
+    </p:extLst>
+  </p:cSld>
+  <p:clrMapOvr>
+    <a:masterClrMapping/>
+  </p:clrMapOvr>
+</p:sld>
+</file>
+
+<file path=ppt/slides/slide20.xml><?xml version="1.0" encoding="utf-8"?>
 <p:sld xmlns:a="http://schemas.openxmlformats.org/drawingml/2006/main" xmlns:r="http://schemas.openxmlformats.org/officeDocument/2006/relationships" xmlns:p="http://schemas.openxmlformats.org/presentationml/2006/main">
   <p:cSld>
     <p:spTree>
@@ -4675,7 +6548,7 @@
 </p:sld>
 </file>
 
-<file path=ppt/slides/slide18.xml><?xml version="1.0" encoding="utf-8"?>
+<file path=ppt/slides/slide21.xml><?xml version="1.0" encoding="utf-8"?>
 <p:sld xmlns:a="http://schemas.openxmlformats.org/drawingml/2006/main" xmlns:r="http://schemas.openxmlformats.org/officeDocument/2006/relationships" xmlns:p="http://schemas.openxmlformats.org/presentationml/2006/main">
   <p:cSld>
     <p:spTree>
@@ -4874,7 +6747,7 @@
 </p:sld>
 </file>
 
-<file path=ppt/slides/slide19.xml><?xml version="1.0" encoding="utf-8"?>
+<file path=ppt/slides/slide22.xml><?xml version="1.0" encoding="utf-8"?>
 <p:sld xmlns:a="http://schemas.openxmlformats.org/drawingml/2006/main" xmlns:r="http://schemas.openxmlformats.org/officeDocument/2006/relationships" xmlns:p="http://schemas.openxmlformats.org/presentationml/2006/main">
   <p:cSld>
     <p:spTree>
@@ -4931,148 +6804,6 @@
     <p:extLst>
       <p:ext uri="{BB962C8B-B14F-4D97-AF65-F5344CB8AC3E}">
         <p14:creationId xmlns:p14="http://schemas.microsoft.com/office/powerpoint/2010/main" val="4205046399"/>
-      </p:ext>
-    </p:extLst>
-  </p:cSld>
-  <p:clrMapOvr>
-    <a:masterClrMapping/>
-  </p:clrMapOvr>
-</p:sld>
-</file>
-
-<file path=ppt/slides/slide2.xml><?xml version="1.0" encoding="utf-8"?>
-<p:sld xmlns:a="http://schemas.openxmlformats.org/drawingml/2006/main" xmlns:r="http://schemas.openxmlformats.org/officeDocument/2006/relationships" xmlns:p="http://schemas.openxmlformats.org/presentationml/2006/main">
-  <p:cSld>
-    <p:spTree>
-      <p:nvGrpSpPr>
-        <p:cNvPr id="1" name=""/>
-        <p:cNvGrpSpPr/>
-        <p:nvPr/>
-      </p:nvGrpSpPr>
-      <p:grpSpPr>
-        <a:xfrm>
-          <a:off x="0" y="0"/>
-          <a:ext cx="0" cy="0"/>
-          <a:chOff x="0" y="0"/>
-          <a:chExt cx="0" cy="0"/>
-        </a:xfrm>
-      </p:grpSpPr>
-      <p:sp>
-        <p:nvSpPr>
-          <p:cNvPr id="2" name="Title 1">
-            <a:extLst>
-              <a:ext uri="{FF2B5EF4-FFF2-40B4-BE49-F238E27FC236}">
-                <a16:creationId xmlns:a16="http://schemas.microsoft.com/office/drawing/2014/main" id="{8E4F941D-56C2-4C7C-9FB3-63D044E24749}"/>
-              </a:ext>
-            </a:extLst>
-          </p:cNvPr>
-          <p:cNvSpPr>
-            <a:spLocks noGrp="1"/>
-          </p:cNvSpPr>
-          <p:nvPr>
-            <p:ph type="title"/>
-          </p:nvPr>
-        </p:nvSpPr>
-        <p:spPr/>
-        <p:txBody>
-          <a:bodyPr/>
-          <a:lstStyle/>
-          <a:p>
-            <a:pPr algn="ctr"/>
-            <a:r>
-              <a:rPr lang="en-US" dirty="0">
-                <a:cs typeface="Calibri Light"/>
-              </a:rPr>
-              <a:t>Abstract</a:t>
-            </a:r>
-          </a:p>
-        </p:txBody>
-      </p:sp>
-      <p:sp>
-        <p:nvSpPr>
-          <p:cNvPr id="3" name="Content Placeholder 2">
-            <a:extLst>
-              <a:ext uri="{FF2B5EF4-FFF2-40B4-BE49-F238E27FC236}">
-                <a16:creationId xmlns:a16="http://schemas.microsoft.com/office/drawing/2014/main" id="{E87AB376-CC3B-4787-B404-735EBF109E79}"/>
-              </a:ext>
-            </a:extLst>
-          </p:cNvPr>
-          <p:cNvSpPr>
-            <a:spLocks noGrp="1"/>
-          </p:cNvSpPr>
-          <p:nvPr>
-            <p:ph idx="1"/>
-          </p:nvPr>
-        </p:nvSpPr>
-        <p:spPr/>
-        <p:txBody>
-          <a:bodyPr vert="horz" lIns="91440" tIns="45720" rIns="91440" bIns="45720" rtlCol="0" anchor="t">
-            <a:normAutofit lnSpcReduction="10000"/>
-          </a:bodyPr>
-          <a:lstStyle/>
-          <a:p>
-            <a:pPr algn="just"/>
-            <a:r>
-              <a:rPr lang="en-US" dirty="0">
-                <a:cs typeface="Calibri"/>
-              </a:rPr>
-              <a:t>Context Analyzer is a text classification application used to classify text into genres like Sports, Business, Technology, Politics, etc..</a:t>
-            </a:r>
-          </a:p>
-          <a:p>
-            <a:pPr algn="just"/>
-            <a:r>
-              <a:rPr lang="en-US" dirty="0">
-                <a:cs typeface="Calibri"/>
-              </a:rPr>
-              <a:t>It provides APIs for text classification. </a:t>
-            </a:r>
-          </a:p>
-          <a:p>
-            <a:pPr algn="just"/>
-            <a:r>
-              <a:rPr lang="en-US" dirty="0">
-                <a:cs typeface="Calibri"/>
-              </a:rPr>
-              <a:t>Input can be a pdf, txt document or a piece of text. The trained model is then used to sort the text into appropriate classes.</a:t>
-            </a:r>
-            <a:endParaRPr lang="en-US"/>
-          </a:p>
-          <a:p>
-            <a:pPr algn="just">
-              <a:buFont typeface="Arial"/>
-            </a:pPr>
-            <a:r>
-              <a:rPr lang="en-US" dirty="0">
-                <a:cs typeface="Calibri"/>
-              </a:rPr>
-              <a:t>Sentiment analysis API can be used to analyze tweets, reviews, and categorize them into positive, negative, neutral.</a:t>
-            </a:r>
-          </a:p>
-          <a:p>
-            <a:pPr algn="just"/>
-            <a:r>
-              <a:rPr lang="en-US" dirty="0">
-                <a:cs typeface="Calibri"/>
-              </a:rPr>
-              <a:t>A lot of data being generated today consists of unstructured text data.</a:t>
-            </a:r>
-          </a:p>
-          <a:p>
-            <a:pPr algn="just"/>
-            <a:r>
-              <a:rPr lang="en-US" dirty="0">
-                <a:cs typeface="Calibri"/>
-              </a:rPr>
-              <a:t>NLP helps us build models that lets computers make sense of the text data.</a:t>
-            </a:r>
-          </a:p>
-        </p:txBody>
-      </p:sp>
-    </p:spTree>
-    <p:extLst>
-      <p:ext uri="{BB962C8B-B14F-4D97-AF65-F5344CB8AC3E}">
-        <p14:creationId xmlns:p14="http://schemas.microsoft.com/office/powerpoint/2010/main" val="3085881011"/>
       </p:ext>
     </p:extLst>
   </p:cSld>
@@ -5546,7 +7277,7 @@
           <p:cNvPr id="2" name="Title 1">
             <a:extLst>
               <a:ext uri="{FF2B5EF4-FFF2-40B4-BE49-F238E27FC236}">
-                <a16:creationId xmlns:a16="http://schemas.microsoft.com/office/drawing/2014/main" id="{CAC2C6F0-F013-47F9-9A65-7E7EDACF829C}"/>
+                <a16:creationId xmlns:a16="http://schemas.microsoft.com/office/drawing/2014/main" id="{74FD4279-7E5C-4DB3-A420-E6C1EA8F4AB8}"/>
               </a:ext>
             </a:extLst>
           </p:cNvPr>
@@ -5577,7 +7308,7 @@
           <p:cNvPr id="3" name="Content Placeholder 2">
             <a:extLst>
               <a:ext uri="{FF2B5EF4-FFF2-40B4-BE49-F238E27FC236}">
-                <a16:creationId xmlns:a16="http://schemas.microsoft.com/office/drawing/2014/main" id="{7015AAE9-DED0-4583-93D7-F25216D9058F}"/>
+                <a16:creationId xmlns:a16="http://schemas.microsoft.com/office/drawing/2014/main" id="{36E3F302-050D-49A8-BBF6-0528D7A171B1}"/>
               </a:ext>
             </a:extLst>
           </p:cNvPr>
@@ -5591,170 +7322,126 @@
         <p:spPr/>
         <p:txBody>
           <a:bodyPr vert="horz" lIns="91440" tIns="45720" rIns="91440" bIns="45720" rtlCol="0" anchor="t">
-            <a:normAutofit fontScale="92500" lnSpcReduction="10000"/>
+            <a:normAutofit fontScale="92500"/>
           </a:bodyPr>
           <a:lstStyle/>
           <a:p>
-            <a:pPr algn="just"/>
-            <a:r>
-              <a:rPr lang="en-US" u="sng" dirty="0">
-                <a:cs typeface="Calibri"/>
-              </a:rPr>
-              <a:t>Existing Systems:</a:t>
-            </a:r>
-            <a:endParaRPr lang="en-US"/>
-          </a:p>
-          <a:p>
-            <a:pPr lvl="1" algn="just"/>
+            <a:pPr marL="0" indent="0" algn="just">
+              <a:buNone/>
+            </a:pPr>
             <a:r>
               <a:rPr lang="en-US" b="1" dirty="0">
                 <a:ea typeface="+mn-lt"/>
                 <a:cs typeface="+mn-lt"/>
               </a:rPr>
-              <a:t>Google Cloud Natural Language</a:t>
-            </a:r>
-            <a:r>
-              <a:rPr lang="en-US" dirty="0">
+              <a:t>Papers</a:t>
+            </a:r>
+            <a:endParaRPr lang="en-US"/>
+          </a:p>
+          <a:p>
+            <a:pPr lvl="1" algn="just"/>
+            <a:r>
+              <a:rPr lang="en-US" b="1" dirty="0">
                 <a:ea typeface="+mn-lt"/>
                 <a:cs typeface="+mn-lt"/>
               </a:rPr>
-              <a:t> API makes use of Tensorflow.js with Node.js to provide NLP services.</a:t>
-            </a:r>
-          </a:p>
-          <a:p>
-            <a:pPr lvl="1" algn="just"/>
-            <a:r>
-              <a:rPr lang="en-US" b="1" err="1">
+              <a:t>Title</a:t>
+            </a:r>
+            <a:r>
+              <a:rPr lang="en-US" dirty="0">
                 <a:ea typeface="+mn-lt"/>
                 <a:cs typeface="+mn-lt"/>
               </a:rPr>
-              <a:t>OpenNLP</a:t>
+              <a:t>: Recurrent Neural Network for Text Classification with Multi-Task Learning</a:t>
+            </a:r>
+          </a:p>
+          <a:p>
+            <a:pPr lvl="1" algn="just"/>
+            <a:r>
+              <a:rPr lang="en-US" b="1" dirty="0">
+                <a:cs typeface="Calibri"/>
+              </a:rPr>
+              <a:t>Authors</a:t>
+            </a:r>
+            <a:r>
+              <a:rPr lang="en-US" dirty="0">
+                <a:cs typeface="Calibri"/>
+              </a:rPr>
+              <a:t>: </a:t>
             </a:r>
             <a:r>
               <a:rPr lang="en-US" dirty="0">
                 <a:ea typeface="+mn-lt"/>
                 <a:cs typeface="+mn-lt"/>
               </a:rPr>
-              <a:t>, </a:t>
-            </a:r>
-            <a:r>
-              <a:rPr lang="en-US" b="1" dirty="0">
-                <a:cs typeface="Calibri"/>
-              </a:rPr>
-              <a:t>Stanford NLP</a:t>
-            </a:r>
-            <a:r>
-              <a:rPr lang="en-US" dirty="0">
-                <a:cs typeface="Calibri"/>
-              </a:rPr>
-              <a:t> provide NLP libraries that can be integrated with a given language.</a:t>
-            </a:r>
-            <a:endParaRPr lang="en-US" dirty="0">
-              <a:ea typeface="+mn-lt"/>
-              <a:cs typeface="+mn-lt"/>
-            </a:endParaRPr>
-          </a:p>
-          <a:p>
-            <a:pPr lvl="1" algn="just"/>
-            <a:r>
-              <a:rPr lang="en-US" b="1" dirty="0" err="1">
-                <a:cs typeface="Calibri"/>
-              </a:rPr>
-              <a:t>TextRazor</a:t>
-            </a:r>
-            <a:r>
-              <a:rPr lang="en-US" b="1" dirty="0">
-                <a:cs typeface="Calibri"/>
-              </a:rPr>
-              <a:t> </a:t>
-            </a:r>
-            <a:r>
-              <a:rPr lang="en-US" dirty="0">
-                <a:cs typeface="Calibri"/>
-              </a:rPr>
-              <a:t>provides NLP APIs but it is not built using Tensorflow.js.</a:t>
-            </a:r>
-          </a:p>
-          <a:p>
-            <a:pPr algn="just"/>
-            <a:r>
-              <a:rPr lang="en-US" u="sng" dirty="0">
-                <a:cs typeface="Calibri"/>
-              </a:rPr>
-              <a:t>Proposed System:</a:t>
-            </a:r>
-          </a:p>
-          <a:p>
-            <a:pPr lvl="1" algn="just"/>
-            <a:r>
-              <a:rPr lang="en-US" dirty="0">
-                <a:ea typeface="+mn-lt"/>
-                <a:cs typeface="+mn-lt"/>
-              </a:rPr>
-              <a:t>Context Analyzer makes use of </a:t>
+              <a:t>Pengfei Liu, </a:t>
             </a:r>
             <a:r>
               <a:rPr lang="en-US" dirty="0" err="1">
                 <a:ea typeface="+mn-lt"/>
                 <a:cs typeface="+mn-lt"/>
               </a:rPr>
-              <a:t>tfjs</a:t>
+              <a:t>Xipeng</a:t>
             </a:r>
             <a:r>
               <a:rPr lang="en-US" dirty="0">
                 <a:ea typeface="+mn-lt"/>
                 <a:cs typeface="+mn-lt"/>
               </a:rPr>
-              <a:t> with Node.js. Meaning, it does not depend on running python microservices for importing model and preprocessing.</a:t>
-            </a:r>
-          </a:p>
-          <a:p>
-            <a:pPr lvl="1" algn="just"/>
-            <a:r>
-              <a:rPr lang="en-US" dirty="0">
-                <a:ea typeface="+mn-lt"/>
-                <a:cs typeface="+mn-lt"/>
-              </a:rPr>
-              <a:t>All that is required is a cloud service to host the </a:t>
+              <a:t> </a:t>
             </a:r>
             <a:r>
               <a:rPr lang="en-US" dirty="0" err="1">
                 <a:ea typeface="+mn-lt"/>
                 <a:cs typeface="+mn-lt"/>
               </a:rPr>
-              <a:t>model.json</a:t>
+              <a:t>Qiu</a:t>
             </a:r>
             <a:r>
               <a:rPr lang="en-US" dirty="0">
                 <a:ea typeface="+mn-lt"/>
                 <a:cs typeface="+mn-lt"/>
               </a:rPr>
-              <a:t> file and the rest is taken care of by the APIs.</a:t>
-            </a:r>
-          </a:p>
-          <a:p>
-            <a:pPr lvl="1" algn="just"/>
-            <a:r>
-              <a:rPr lang="en-US" dirty="0">
+              <a:t>, </a:t>
+            </a:r>
+            <a:r>
+              <a:rPr lang="en-US" dirty="0" err="1">
                 <a:ea typeface="+mn-lt"/>
                 <a:cs typeface="+mn-lt"/>
               </a:rPr>
-              <a:t>This is better than providing libraries as there is no need to import anything. The only requirement is to make API calls.</a:t>
-            </a:r>
-          </a:p>
-          <a:p>
-            <a:pPr lvl="1"/>
-            <a:endParaRPr lang="en-US" dirty="0">
-              <a:ea typeface="+mn-lt"/>
-              <a:cs typeface="+mn-lt"/>
-            </a:endParaRPr>
+              <a:t>Xuanjing</a:t>
+            </a:r>
+            <a:r>
+              <a:rPr lang="en-US" dirty="0">
+                <a:ea typeface="+mn-lt"/>
+                <a:cs typeface="+mn-lt"/>
+              </a:rPr>
+              <a:t> Huang</a:t>
+            </a:r>
+          </a:p>
+          <a:p>
+            <a:pPr lvl="1" algn="just"/>
+            <a:r>
+              <a:rPr lang="en-US" b="1" dirty="0">
+                <a:ea typeface="+mn-lt"/>
+                <a:cs typeface="+mn-lt"/>
+              </a:rPr>
+              <a:t>Summary</a:t>
+            </a:r>
+            <a:r>
+              <a:rPr lang="en-US" dirty="0">
+                <a:ea typeface="+mn-lt"/>
+                <a:cs typeface="+mn-lt"/>
+              </a:rPr>
+              <a:t>: Neural network based methods have obtained great progress on a variety of natural language processing tasks. However, in most previous works, the models are learned based on single-task supervised objectives, which often suffer from insufficient training data. In this paper, we use the multitask learning framework to jointly learn across multiple related tasks. Based on recurrent neural network, we propose three different mechanisms of sharing information to model text with task-specific and shared layers. The entire network is trained jointly on all these tasks. Experiments on four benchmark text classification tasks show that our proposed models can improve the performance of a task with the help of other related tasks.</a:t>
+            </a:r>
           </a:p>
         </p:txBody>
       </p:sp>
     </p:spTree>
     <p:extLst>
       <p:ext uri="{BB962C8B-B14F-4D97-AF65-F5344CB8AC3E}">
-        <p14:creationId xmlns:p14="http://schemas.microsoft.com/office/powerpoint/2010/main" val="1853761156"/>
+        <p14:creationId xmlns:p14="http://schemas.microsoft.com/office/powerpoint/2010/main" val="2846483295"/>
       </p:ext>
     </p:extLst>
   </p:cSld>
@@ -5786,7 +7473,7 @@
           <p:cNvPr id="2" name="Title 1">
             <a:extLst>
               <a:ext uri="{FF2B5EF4-FFF2-40B4-BE49-F238E27FC236}">
-                <a16:creationId xmlns:a16="http://schemas.microsoft.com/office/drawing/2014/main" id="{43A314C0-77B3-4A77-B8FE-74F30F1D1AC3}"/>
+                <a16:creationId xmlns:a16="http://schemas.microsoft.com/office/drawing/2014/main" id="{E6483948-4089-4AD3-8C97-90E9C69E8D31}"/>
               </a:ext>
             </a:extLst>
           </p:cNvPr>
@@ -5805,9 +7492,9 @@
             <a:pPr algn="ctr"/>
             <a:r>
               <a:rPr lang="en-US" dirty="0">
-                <a:cs typeface="Calibri Light" panose="020F0302020204030204"/>
-              </a:rPr>
-              <a:t>Tools and Technologies</a:t>
+                <a:cs typeface="Calibri Light"/>
+              </a:rPr>
+              <a:t>Literature Survey</a:t>
             </a:r>
           </a:p>
         </p:txBody>
@@ -5817,7 +7504,7 @@
           <p:cNvPr id="3" name="Content Placeholder 2">
             <a:extLst>
               <a:ext uri="{FF2B5EF4-FFF2-40B4-BE49-F238E27FC236}">
-                <a16:creationId xmlns:a16="http://schemas.microsoft.com/office/drawing/2014/main" id="{F99C5E96-510A-4259-A1A2-129A3D5AA8B7}"/>
+                <a16:creationId xmlns:a16="http://schemas.microsoft.com/office/drawing/2014/main" id="{2D53A7E2-773C-4AE0-83F0-737E07E893DC}"/>
               </a:ext>
             </a:extLst>
           </p:cNvPr>
@@ -5831,89 +7518,96 @@
         <p:spPr/>
         <p:txBody>
           <a:bodyPr vert="horz" lIns="91440" tIns="45720" rIns="91440" bIns="45720" rtlCol="0" anchor="t">
-            <a:normAutofit/>
+            <a:normAutofit fontScale="92500" lnSpcReduction="20000"/>
           </a:bodyPr>
           <a:lstStyle/>
           <a:p>
-            <a:r>
-              <a:rPr lang="en-US" dirty="0">
-                <a:cs typeface="Calibri"/>
-              </a:rPr>
-              <a:t>Front-end</a:t>
-            </a:r>
-            <a:endParaRPr lang="en-US"/>
-          </a:p>
-          <a:p>
-            <a:pPr lvl="1"/>
+            <a:pPr lvl="1" algn="just"/>
+            <a:r>
+              <a:rPr lang="en-US" b="1" dirty="0">
+                <a:cs typeface="Calibri"/>
+              </a:rPr>
+              <a:t>Title: </a:t>
+            </a:r>
+            <a:r>
+              <a:rPr lang="en-US" dirty="0">
+                <a:cs typeface="Calibri"/>
+              </a:rPr>
+              <a:t>Long Short-Term Memory</a:t>
+            </a:r>
+            <a:endParaRPr lang="en-US" dirty="0"/>
+          </a:p>
+          <a:p>
+            <a:pPr lvl="1" algn="just"/>
+            <a:r>
+              <a:rPr lang="en-US" b="1" dirty="0">
+                <a:cs typeface="Calibri"/>
+              </a:rPr>
+              <a:t>Authors: </a:t>
+            </a:r>
             <a:r>
               <a:rPr lang="en-US" dirty="0">
                 <a:ea typeface="+mn-lt"/>
                 <a:cs typeface="+mn-lt"/>
               </a:rPr>
-              <a:t>HTML, CSS, Handlebars.js</a:t>
-            </a:r>
-            <a:endParaRPr lang="en-US">
-              <a:cs typeface="Calibri"/>
+              <a:t>Sepp </a:t>
+            </a:r>
+            <a:r>
+              <a:rPr lang="en-US" dirty="0" err="1">
+                <a:ea typeface="+mn-lt"/>
+                <a:cs typeface="+mn-lt"/>
+              </a:rPr>
+              <a:t>Hochreiter</a:t>
+            </a:r>
+            <a:r>
+              <a:rPr lang="en-US" dirty="0">
+                <a:ea typeface="+mn-lt"/>
+                <a:cs typeface="+mn-lt"/>
+              </a:rPr>
+              <a:t>, Jurgen Schmidhuber</a:t>
+            </a:r>
+          </a:p>
+          <a:p>
+            <a:pPr lvl="1" algn="just"/>
+            <a:r>
+              <a:rPr lang="en-US" b="1" dirty="0">
+                <a:ea typeface="+mn-lt"/>
+                <a:cs typeface="+mn-lt"/>
+              </a:rPr>
+              <a:t>Summary: </a:t>
+            </a:r>
+            <a:r>
+              <a:rPr lang="en-US" dirty="0">
+                <a:ea typeface="+mn-lt"/>
+                <a:cs typeface="+mn-lt"/>
+              </a:rPr>
+              <a:t>Learning to store information over extended time intervals via recurrent backpropagation takes a very long time, mostly due to insufficient, decaying error back flow. We briefly review </a:t>
+            </a:r>
+            <a:r>
+              <a:rPr lang="en-US" dirty="0" err="1">
+                <a:ea typeface="+mn-lt"/>
+                <a:cs typeface="+mn-lt"/>
+              </a:rPr>
+              <a:t>Hochreiter's</a:t>
+            </a:r>
+            <a:r>
+              <a:rPr lang="en-US" dirty="0">
+                <a:ea typeface="+mn-lt"/>
+                <a:cs typeface="+mn-lt"/>
+              </a:rPr>
+              <a:t> 1991 analysis of this problem, then address it by introducing a novel, efficient, gradient-based method called "Long Short-Term Memory" (LSTM). Truncating the gradient where this does not do harm, LSTM can learn to bridge minimal time lags in excess of 1000 discrete time steps by enforcing constant error flow through "constant error carrousels" within special units. Multiplicative gate units learn to open and close access to the constant error flow. LSTM is local in space and time; its computational complexity per time step and weight is O(1). Our experiments with artificial data involve local, distributed, real-valued, and noisy pattern representations. In comparisons with RTRL, BPTT, Recurrent Cascade-Correlation, Elman nets, and Neural Sequence Chunking, LSTM leads to many more successful runs, and learns much faster. LSTM also solves complex, artificial long time lag tasks that have never been solved by previous recurrent network algorithms.</a:t>
+            </a:r>
+            <a:endParaRPr lang="en-US" b="1" dirty="0">
+              <a:ea typeface="+mn-lt"/>
+              <a:cs typeface="+mn-lt"/>
             </a:endParaRPr>
-          </a:p>
-          <a:p>
-            <a:r>
-              <a:rPr lang="en-US" dirty="0">
-                <a:cs typeface="Calibri"/>
-              </a:rPr>
-              <a:t>Back-end</a:t>
-            </a:r>
-          </a:p>
-          <a:p>
-            <a:pPr lvl="1"/>
-            <a:r>
-              <a:rPr lang="en-US" dirty="0">
-                <a:cs typeface="Calibri"/>
-              </a:rPr>
-              <a:t>Node.js, Express.js</a:t>
-            </a:r>
-          </a:p>
-          <a:p>
-            <a:r>
-              <a:rPr lang="en-US" dirty="0">
-                <a:cs typeface="Calibri"/>
-              </a:rPr>
-              <a:t>Languages and Libraries</a:t>
-            </a:r>
-            <a:endParaRPr lang="en-US"/>
-          </a:p>
-          <a:p>
-            <a:pPr lvl="1"/>
-            <a:r>
-              <a:rPr lang="en-US" dirty="0">
-                <a:cs typeface="Calibri"/>
-              </a:rPr>
-              <a:t>Python 3, Tensorflow.js</a:t>
-            </a:r>
-          </a:p>
-          <a:p>
-            <a:r>
-              <a:rPr lang="en-US" dirty="0">
-                <a:cs typeface="Calibri"/>
-              </a:rPr>
-              <a:t>Code Editor</a:t>
-            </a:r>
-          </a:p>
-          <a:p>
-            <a:pPr lvl="1"/>
-            <a:r>
-              <a:rPr lang="en-US" dirty="0">
-                <a:cs typeface="Calibri"/>
-              </a:rPr>
-              <a:t>Visual Studio Code</a:t>
-            </a:r>
           </a:p>
         </p:txBody>
       </p:sp>
     </p:spTree>
     <p:extLst>
       <p:ext uri="{BB962C8B-B14F-4D97-AF65-F5344CB8AC3E}">
-        <p14:creationId xmlns:p14="http://schemas.microsoft.com/office/powerpoint/2010/main" val="4183685459"/>
+        <p14:creationId xmlns:p14="http://schemas.microsoft.com/office/powerpoint/2010/main" val="2136355373"/>
       </p:ext>
     </p:extLst>
   </p:cSld>
@@ -5945,7 +7639,7 @@
           <p:cNvPr id="2" name="Title 1">
             <a:extLst>
               <a:ext uri="{FF2B5EF4-FFF2-40B4-BE49-F238E27FC236}">
-                <a16:creationId xmlns:a16="http://schemas.microsoft.com/office/drawing/2014/main" id="{0A0A8516-F7DA-4EBC-AED9-C26542E6F857}"/>
+                <a16:creationId xmlns:a16="http://schemas.microsoft.com/office/drawing/2014/main" id="{CAC2C6F0-F013-47F9-9A65-7E7EDACF829C}"/>
               </a:ext>
             </a:extLst>
           </p:cNvPr>
@@ -5963,14 +7657,11 @@
           <a:p>
             <a:pPr algn="ctr"/>
             <a:r>
-              <a:rPr lang="en-US">
-                <a:cs typeface="Calibri Light"/>
-              </a:rPr>
-              <a:t>Functional Requirements</a:t>
-            </a:r>
-            <a:endParaRPr lang="en-US" dirty="0">
-              <a:cs typeface="Calibri Light"/>
-            </a:endParaRPr>
+              <a:rPr lang="en-US" dirty="0">
+                <a:cs typeface="Calibri Light" panose="020F0302020204030204"/>
+              </a:rPr>
+              <a:t>Literature Survey</a:t>
+            </a:r>
           </a:p>
         </p:txBody>
       </p:sp>
@@ -5979,7 +7670,7 @@
           <p:cNvPr id="3" name="Content Placeholder 2">
             <a:extLst>
               <a:ext uri="{FF2B5EF4-FFF2-40B4-BE49-F238E27FC236}">
-                <a16:creationId xmlns:a16="http://schemas.microsoft.com/office/drawing/2014/main" id="{6992825B-62A6-4488-8566-CC0944726E6A}"/>
+                <a16:creationId xmlns:a16="http://schemas.microsoft.com/office/drawing/2014/main" id="{7015AAE9-DED0-4583-93D7-F25216D9058F}"/>
               </a:ext>
             </a:extLst>
           </p:cNvPr>
@@ -5993,119 +7684,170 @@
         <p:spPr/>
         <p:txBody>
           <a:bodyPr vert="horz" lIns="91440" tIns="45720" rIns="91440" bIns="45720" rtlCol="0" anchor="t">
-            <a:normAutofit fontScale="92500" lnSpcReduction="20000"/>
+            <a:normAutofit fontScale="92500" lnSpcReduction="10000"/>
           </a:bodyPr>
           <a:lstStyle/>
           <a:p>
             <a:pPr algn="just"/>
             <a:r>
-              <a:rPr lang="en-US" dirty="0">
-                <a:cs typeface="Calibri"/>
-              </a:rPr>
-              <a:t>Pre-Processing</a:t>
-            </a:r>
-            <a:endParaRPr lang="en-US" dirty="0"/>
+              <a:rPr lang="en-US" u="sng" dirty="0">
+                <a:cs typeface="Calibri"/>
+              </a:rPr>
+              <a:t>Existing Systems:</a:t>
+            </a:r>
+            <a:endParaRPr lang="en-US"/>
           </a:p>
           <a:p>
             <a:pPr lvl="1" algn="just"/>
             <a:r>
-              <a:rPr lang="en-US" dirty="0">
+              <a:rPr lang="en-US" b="1" dirty="0">
                 <a:ea typeface="+mn-lt"/>
                 <a:cs typeface="+mn-lt"/>
               </a:rPr>
-              <a:t>Clean the input data. Tokenize the data to turn it into a single Tensor.</a:t>
+              <a:t>Google Cloud Natural Language</a:t>
+            </a:r>
+            <a:r>
+              <a:rPr lang="en-US" dirty="0">
+                <a:ea typeface="+mn-lt"/>
+                <a:cs typeface="+mn-lt"/>
+              </a:rPr>
+              <a:t> API makes use of Tensorflow.js with Node.js to provide NLP services.</a:t>
+            </a:r>
+          </a:p>
+          <a:p>
+            <a:pPr lvl="1" algn="just"/>
+            <a:r>
+              <a:rPr lang="en-US" b="1" err="1">
+                <a:ea typeface="+mn-lt"/>
+                <a:cs typeface="+mn-lt"/>
+              </a:rPr>
+              <a:t>OpenNLP</a:t>
+            </a:r>
+            <a:r>
+              <a:rPr lang="en-US" dirty="0">
+                <a:ea typeface="+mn-lt"/>
+                <a:cs typeface="+mn-lt"/>
+              </a:rPr>
+              <a:t>, </a:t>
+            </a:r>
+            <a:r>
+              <a:rPr lang="en-US" b="1" dirty="0">
+                <a:cs typeface="Calibri"/>
+              </a:rPr>
+              <a:t>Stanford NLP</a:t>
+            </a:r>
+            <a:r>
+              <a:rPr lang="en-US" dirty="0">
+                <a:cs typeface="Calibri"/>
+              </a:rPr>
+              <a:t> provide NLP libraries that can be integrated with a given language.</a:t>
+            </a:r>
+            <a:endParaRPr lang="en-US" dirty="0">
+              <a:ea typeface="+mn-lt"/>
+              <a:cs typeface="+mn-lt"/>
+            </a:endParaRPr>
+          </a:p>
+          <a:p>
+            <a:pPr lvl="1" algn="just"/>
+            <a:r>
+              <a:rPr lang="en-US" b="1" dirty="0" err="1">
+                <a:cs typeface="Calibri"/>
+              </a:rPr>
+              <a:t>TextRazor</a:t>
+            </a:r>
+            <a:r>
+              <a:rPr lang="en-US" b="1" dirty="0">
+                <a:cs typeface="Calibri"/>
+              </a:rPr>
+              <a:t> </a:t>
+            </a:r>
+            <a:r>
+              <a:rPr lang="en-US" dirty="0">
+                <a:cs typeface="Calibri"/>
+              </a:rPr>
+              <a:t>provides NLP APIs but it is not built using Tensorflow.js.</a:t>
             </a:r>
           </a:p>
           <a:p>
             <a:pPr algn="just"/>
             <a:r>
-              <a:rPr lang="en-US" dirty="0">
-                <a:cs typeface="Calibri"/>
-              </a:rPr>
-              <a:t>Train the model using the pre-processed dataset</a:t>
+              <a:rPr lang="en-US" u="sng" dirty="0">
+                <a:cs typeface="Calibri"/>
+              </a:rPr>
+              <a:t>Proposed System:</a:t>
             </a:r>
           </a:p>
           <a:p>
             <a:pPr lvl="1" algn="just"/>
             <a:r>
               <a:rPr lang="en-US" dirty="0">
-                <a:cs typeface="Calibri"/>
-              </a:rPr>
-              <a:t>Train </a:t>
+                <a:ea typeface="+mn-lt"/>
+                <a:cs typeface="+mn-lt"/>
+              </a:rPr>
+              <a:t>Context Analyzer makes use of </a:t>
             </a:r>
             <a:r>
               <a:rPr lang="en-US" dirty="0" err="1">
-                <a:cs typeface="Calibri"/>
-              </a:rPr>
-              <a:t>Keras</a:t>
-            </a:r>
-            <a:r>
-              <a:rPr lang="en-US" dirty="0">
-                <a:cs typeface="Calibri"/>
-              </a:rPr>
-              <a:t> sequential model using appropriate parameters.</a:t>
-            </a:r>
-          </a:p>
-          <a:p>
-            <a:pPr algn="just"/>
-            <a:r>
-              <a:rPr lang="en-US" dirty="0">
-                <a:cs typeface="Calibri"/>
-              </a:rPr>
-              <a:t>Test the model for accuracy scores</a:t>
+                <a:ea typeface="+mn-lt"/>
+                <a:cs typeface="+mn-lt"/>
+              </a:rPr>
+              <a:t>tfjs</a:t>
+            </a:r>
+            <a:r>
+              <a:rPr lang="en-US" dirty="0">
+                <a:ea typeface="+mn-lt"/>
+                <a:cs typeface="+mn-lt"/>
+              </a:rPr>
+              <a:t> with Node.js. Meaning, it does not depend on running python microservices for importing model and preprocessing.</a:t>
             </a:r>
           </a:p>
           <a:p>
             <a:pPr lvl="1" algn="just"/>
             <a:r>
               <a:rPr lang="en-US" dirty="0">
-                <a:cs typeface="Calibri"/>
-              </a:rPr>
-              <a:t>The trained model is used to make predictions. The predictions are used to calculate accuracy scores.</a:t>
-            </a:r>
-          </a:p>
-          <a:p>
-            <a:pPr algn="just"/>
-            <a:r>
-              <a:rPr lang="en-US" dirty="0">
-                <a:cs typeface="Calibri"/>
-              </a:rPr>
-              <a:t>Server side preprocessing</a:t>
+                <a:ea typeface="+mn-lt"/>
+                <a:cs typeface="+mn-lt"/>
+              </a:rPr>
+              <a:t>All that is required is a cloud service to host the </a:t>
+            </a:r>
+            <a:r>
+              <a:rPr lang="en-US" dirty="0" err="1">
+                <a:ea typeface="+mn-lt"/>
+                <a:cs typeface="+mn-lt"/>
+              </a:rPr>
+              <a:t>model.json</a:t>
+            </a:r>
+            <a:r>
+              <a:rPr lang="en-US" dirty="0">
+                <a:ea typeface="+mn-lt"/>
+                <a:cs typeface="+mn-lt"/>
+              </a:rPr>
+              <a:t> file and the rest is taken care of by the APIs.</a:t>
             </a:r>
           </a:p>
           <a:p>
             <a:pPr lvl="1" algn="just"/>
             <a:r>
               <a:rPr lang="en-US" dirty="0">
-                <a:cs typeface="Calibri"/>
-              </a:rPr>
-              <a:t>The user inputs text data that has to be converted to a tensor. This needs the same pre-processing techniques.</a:t>
-            </a:r>
-          </a:p>
-          <a:p>
-            <a:pPr algn="just"/>
-            <a:r>
-              <a:rPr lang="en-US" dirty="0">
-                <a:cs typeface="Calibri"/>
-              </a:rPr>
-              <a:t>Probability score output to human readable class</a:t>
-            </a:r>
-          </a:p>
-          <a:p>
-            <a:pPr lvl="1" algn="just"/>
-            <a:r>
-              <a:rPr lang="en-US" dirty="0">
-                <a:cs typeface="Calibri"/>
-              </a:rPr>
-              <a:t>The model returns a probability score as output that has to be shown as human readable class.</a:t>
-            </a:r>
+                <a:ea typeface="+mn-lt"/>
+                <a:cs typeface="+mn-lt"/>
+              </a:rPr>
+              <a:t>This is better than providing libraries as there is no need to import anything. The only requirement is to make API calls.</a:t>
+            </a:r>
+          </a:p>
+          <a:p>
+            <a:pPr lvl="1"/>
+            <a:endParaRPr lang="en-US" dirty="0">
+              <a:ea typeface="+mn-lt"/>
+              <a:cs typeface="+mn-lt"/>
+            </a:endParaRPr>
           </a:p>
         </p:txBody>
       </p:sp>
     </p:spTree>
     <p:extLst>
       <p:ext uri="{BB962C8B-B14F-4D97-AF65-F5344CB8AC3E}">
-        <p14:creationId xmlns:p14="http://schemas.microsoft.com/office/powerpoint/2010/main" val="2983497765"/>
+        <p14:creationId xmlns:p14="http://schemas.microsoft.com/office/powerpoint/2010/main" val="1853761156"/>
       </p:ext>
     </p:extLst>
   </p:cSld>
@@ -6137,7 +7879,7 @@
           <p:cNvPr id="2" name="Title 1">
             <a:extLst>
               <a:ext uri="{FF2B5EF4-FFF2-40B4-BE49-F238E27FC236}">
-                <a16:creationId xmlns:a16="http://schemas.microsoft.com/office/drawing/2014/main" id="{EF06EA2A-5335-41A7-B88A-5440702D3A5C}"/>
+                <a16:creationId xmlns:a16="http://schemas.microsoft.com/office/drawing/2014/main" id="{43A314C0-77B3-4A77-B8FE-74F30F1D1AC3}"/>
               </a:ext>
             </a:extLst>
           </p:cNvPr>
@@ -6155,10 +7897,10 @@
           <a:p>
             <a:pPr algn="ctr"/>
             <a:r>
-              <a:rPr lang="en-US">
+              <a:rPr lang="en-US" dirty="0">
                 <a:cs typeface="Calibri Light" panose="020F0302020204030204"/>
               </a:rPr>
-              <a:t>Non-functional Requirements</a:t>
+              <a:t>Tools and Technologies</a:t>
             </a:r>
           </a:p>
         </p:txBody>
@@ -6168,7 +7910,7 @@
           <p:cNvPr id="3" name="Content Placeholder 2">
             <a:extLst>
               <a:ext uri="{FF2B5EF4-FFF2-40B4-BE49-F238E27FC236}">
-                <a16:creationId xmlns:a16="http://schemas.microsoft.com/office/drawing/2014/main" id="{829A0375-0F36-4FC5-94C5-2BD1EF3C4534}"/>
+                <a16:creationId xmlns:a16="http://schemas.microsoft.com/office/drawing/2014/main" id="{F99C5E96-510A-4259-A1A2-129A3D5AA8B7}"/>
               </a:ext>
             </a:extLst>
           </p:cNvPr>
@@ -6187,58 +7929,76 @@
           <a:lstStyle/>
           <a:p>
             <a:r>
-              <a:rPr lang="en-US" b="1" dirty="0">
-                <a:cs typeface="Calibri"/>
-              </a:rPr>
-              <a:t>Scaling</a:t>
-            </a:r>
-            <a:r>
-              <a:rPr lang="en-US" dirty="0">
-                <a:cs typeface="Calibri"/>
-              </a:rPr>
-              <a:t>: To be able to build more NLP APIs for different tasks.</a:t>
-            </a:r>
-          </a:p>
-          <a:p>
-            <a:r>
-              <a:rPr lang="en-US" b="1" dirty="0">
-                <a:cs typeface="Calibri"/>
-              </a:rPr>
-              <a:t>Performance</a:t>
-            </a:r>
-            <a:r>
-              <a:rPr lang="en-US" dirty="0">
-                <a:cs typeface="Calibri"/>
-              </a:rPr>
-              <a:t>: Increase accuracy of the predictions.</a:t>
-            </a:r>
-          </a:p>
-          <a:p>
-            <a:r>
-              <a:rPr lang="en-US" b="1" dirty="0">
-                <a:cs typeface="Calibri"/>
-              </a:rPr>
-              <a:t>Availability</a:t>
-            </a:r>
-            <a:r>
-              <a:rPr lang="en-US" dirty="0">
-                <a:cs typeface="Calibri"/>
-              </a:rPr>
-              <a:t>: To make sure that the web-app is always functioning properly and available to its users.</a:t>
-            </a:r>
-          </a:p>
-          <a:p>
-            <a:r>
-              <a:rPr lang="en-US" b="1" dirty="0">
-                <a:cs typeface="Calibri"/>
-              </a:rPr>
-              <a:t>Maintenance</a:t>
-            </a:r>
-            <a:r>
-              <a:rPr lang="en-US" dirty="0">
-                <a:cs typeface="Calibri"/>
-              </a:rPr>
-              <a:t>: Future updates must be smooth. Should work well with future versions of the technologies used.</a:t>
+              <a:rPr lang="en-US" dirty="0">
+                <a:cs typeface="Calibri"/>
+              </a:rPr>
+              <a:t>Front-end</a:t>
+            </a:r>
+            <a:endParaRPr lang="en-US"/>
+          </a:p>
+          <a:p>
+            <a:pPr lvl="1"/>
+            <a:r>
+              <a:rPr lang="en-US" dirty="0">
+                <a:ea typeface="+mn-lt"/>
+                <a:cs typeface="+mn-lt"/>
+              </a:rPr>
+              <a:t>HTML, CSS, Handlebars.js</a:t>
+            </a:r>
+            <a:endParaRPr lang="en-US">
+              <a:cs typeface="Calibri"/>
+            </a:endParaRPr>
+          </a:p>
+          <a:p>
+            <a:r>
+              <a:rPr lang="en-US" dirty="0">
+                <a:cs typeface="Calibri"/>
+              </a:rPr>
+              <a:t>Back-end</a:t>
+            </a:r>
+          </a:p>
+          <a:p>
+            <a:pPr lvl="1"/>
+            <a:r>
+              <a:rPr lang="en-US" dirty="0">
+                <a:cs typeface="Calibri"/>
+              </a:rPr>
+              <a:t>Node.js, Express.js</a:t>
+            </a:r>
+          </a:p>
+          <a:p>
+            <a:r>
+              <a:rPr lang="en-US" dirty="0">
+                <a:cs typeface="Calibri"/>
+              </a:rPr>
+              <a:t>Languages and Libraries</a:t>
+            </a:r>
+            <a:endParaRPr lang="en-US"/>
+          </a:p>
+          <a:p>
+            <a:pPr lvl="1"/>
+            <a:r>
+              <a:rPr lang="en-US" dirty="0">
+                <a:cs typeface="Calibri"/>
+              </a:rPr>
+              <a:t>Python 3, Tensorflow.js</a:t>
+            </a:r>
+          </a:p>
+          <a:p>
+            <a:r>
+              <a:rPr lang="en-US" dirty="0">
+                <a:cs typeface="Calibri"/>
+              </a:rPr>
+              <a:t>Code Editor</a:t>
+            </a:r>
+          </a:p>
+          <a:p>
+            <a:pPr lvl="1"/>
+            <a:r>
+              <a:rPr lang="en-US" dirty="0">
+                <a:cs typeface="Calibri"/>
+              </a:rPr>
+              <a:t>Visual Studio Code</a:t>
             </a:r>
           </a:p>
         </p:txBody>
@@ -6246,7 +8006,7 @@
     </p:spTree>
     <p:extLst>
       <p:ext uri="{BB962C8B-B14F-4D97-AF65-F5344CB8AC3E}">
-        <p14:creationId xmlns:p14="http://schemas.microsoft.com/office/powerpoint/2010/main" val="4109507159"/>
+        <p14:creationId xmlns:p14="http://schemas.microsoft.com/office/powerpoint/2010/main" val="4183685459"/>
       </p:ext>
     </p:extLst>
   </p:cSld>

--- a/docs/presentation/Presentation.pptx
+++ b/docs/presentation/Presentation.pptx
@@ -26,7 +26,19 @@
     <p:sldId id="275" r:id="rId20"/>
     <p:sldId id="276" r:id="rId21"/>
     <p:sldId id="260" r:id="rId22"/>
-    <p:sldId id="261" r:id="rId23"/>
+    <p:sldId id="280" r:id="rId23"/>
+    <p:sldId id="281" r:id="rId24"/>
+    <p:sldId id="282" r:id="rId25"/>
+    <p:sldId id="283" r:id="rId26"/>
+    <p:sldId id="284" r:id="rId27"/>
+    <p:sldId id="285" r:id="rId28"/>
+    <p:sldId id="286" r:id="rId29"/>
+    <p:sldId id="287" r:id="rId30"/>
+    <p:sldId id="288" r:id="rId31"/>
+    <p:sldId id="289" r:id="rId32"/>
+    <p:sldId id="290" r:id="rId33"/>
+    <p:sldId id="291" r:id="rId34"/>
+    <p:sldId id="261" r:id="rId35"/>
   </p:sldIdLst>
   <p:sldSz cx="12192000" cy="6858000"/>
   <p:notesSz cx="6858000" cy="9144000"/>
@@ -139,20 +151,194 @@
     <p1510:client id="{011DFB8F-CD22-4A71-985B-928F94C1CE07}" v="425" dt="2020-04-04T09:16:59.742"/>
     <p1510:client id="{1160FAA9-F999-4E44-9E74-425A0C1DC568}" v="1223" dt="2020-02-17T14:44:16.976"/>
     <p1510:client id="{1AA8C00A-21E9-487B-9FFB-3B0D252F9148}" v="1706" dt="2020-02-24T16:31:04.614"/>
+    <p1510:client id="{1B8E6F05-A6C7-4A3E-9D70-E310C1F97B8F}" v="636" dt="2020-05-20T06:38:57.965"/>
     <p1510:client id="{20423B53-5D3F-42C1-A728-93E76E8B30A8}" v="3033" dt="2020-03-30T10:53:26.520"/>
     <p1510:client id="{2D5470B4-B7C2-416A-BF9E-2F5E3EB17E3F}" v="426" dt="2020-02-26T10:25:20.069"/>
     <p1510:client id="{64FF0B97-F6D2-4476-A64B-538B9E443636}" v="3778" dt="2020-01-24T16:44:16.639"/>
+    <p1510:client id="{6F58505B-2D01-43E4-9D0D-E3FE3E7997EC}" v="10" dt="2020-05-15T11:23:11.554"/>
     <p1510:client id="{88AEB5F3-CAE5-4B99-AE53-89C14A09FB99}" v="1030" dt="2020-02-01T09:01:49.276"/>
     <p1510:client id="{970F2756-6D48-4F87-AD03-74F0E83451BF}" v="40" dt="2020-02-01T05:49:26.211"/>
     <p1510:client id="{9E95AE69-D439-4F7B-9DC9-FDF50A79AC93}" v="36" dt="2020-03-29T08:24:21.112"/>
     <p1510:client id="{CD649366-30A7-412D-8605-5CBD1A566ADE}" v="1079" dt="2020-02-26T10:22:40.245"/>
     <p1510:client id="{D0024680-6A6C-4C2C-9317-51B80E01B98A}" v="2863" dt="2020-02-14T15:52:35.637"/>
+    <p1510:client id="{F01D4FF1-80D1-4260-9F7B-3F248C09A08D}" v="10" dt="2020-05-05T15:17:51.602"/>
   </p1510:revLst>
 </p1510:revInfo>
 </file>
 
 <file path=ppt/changesInfos/changesInfo1.xml><?xml version="1.0" encoding="utf-8"?>
 <pc:chgInfo xmlns:a="http://schemas.openxmlformats.org/drawingml/2006/main" xmlns:r="http://schemas.openxmlformats.org/officeDocument/2006/relationships" xmlns:ac="http://schemas.microsoft.com/office/drawing/2013/main/command" xmlns:pc="http://schemas.microsoft.com/office/powerpoint/2013/main/command">
+  <pc:docChgLst>
+    <pc:chgData name="Harsha Ky" userId="51654b9f203ea89d" providerId="Windows Live" clId="Web-{64FF0B97-F6D2-4476-A64B-538B9E443636}"/>
+    <pc:docChg chg="addSld modSld">
+      <pc:chgData name="Harsha Ky" userId="51654b9f203ea89d" providerId="Windows Live" clId="Web-{64FF0B97-F6D2-4476-A64B-538B9E443636}" dt="2020-01-24T16:44:16.232" v="3763" actId="20577"/>
+      <pc:docMkLst>
+        <pc:docMk/>
+      </pc:docMkLst>
+      <pc:sldChg chg="addSp delSp modSp">
+        <pc:chgData name="Harsha Ky" userId="51654b9f203ea89d" providerId="Windows Live" clId="Web-{64FF0B97-F6D2-4476-A64B-538B9E443636}" dt="2020-01-24T16:44:12.029" v="3761" actId="20577"/>
+        <pc:sldMkLst>
+          <pc:docMk/>
+          <pc:sldMk cId="109857222" sldId="256"/>
+        </pc:sldMkLst>
+        <pc:spChg chg="mod">
+          <ac:chgData name="Harsha Ky" userId="51654b9f203ea89d" providerId="Windows Live" clId="Web-{64FF0B97-F6D2-4476-A64B-538B9E443636}" dt="2020-01-24T16:44:12.029" v="3761" actId="20577"/>
+          <ac:spMkLst>
+            <pc:docMk/>
+            <pc:sldMk cId="109857222" sldId="256"/>
+            <ac:spMk id="2" creationId="{00000000-0000-0000-0000-000000000000}"/>
+          </ac:spMkLst>
+        </pc:spChg>
+        <pc:spChg chg="add del mod">
+          <ac:chgData name="Harsha Ky" userId="51654b9f203ea89d" providerId="Windows Live" clId="Web-{64FF0B97-F6D2-4476-A64B-538B9E443636}" dt="2020-01-24T16:23:23.196" v="1781"/>
+          <ac:spMkLst>
+            <pc:docMk/>
+            <pc:sldMk cId="109857222" sldId="256"/>
+            <ac:spMk id="3" creationId="{00000000-0000-0000-0000-000000000000}"/>
+          </ac:spMkLst>
+        </pc:spChg>
+        <pc:spChg chg="add mod">
+          <ac:chgData name="Harsha Ky" userId="51654b9f203ea89d" providerId="Windows Live" clId="Web-{64FF0B97-F6D2-4476-A64B-538B9E443636}" dt="2020-01-24T16:05:17.064" v="335" actId="20577"/>
+          <ac:spMkLst>
+            <pc:docMk/>
+            <pc:sldMk cId="109857222" sldId="256"/>
+            <ac:spMk id="4" creationId="{2B7196F5-A11A-41C3-B9DC-C12F8C0383FC}"/>
+          </ac:spMkLst>
+        </pc:spChg>
+        <pc:spChg chg="add mod">
+          <ac:chgData name="Harsha Ky" userId="51654b9f203ea89d" providerId="Windows Live" clId="Web-{64FF0B97-F6D2-4476-A64B-538B9E443636}" dt="2020-01-24T16:04:47.627" v="334" actId="1076"/>
+          <ac:spMkLst>
+            <pc:docMk/>
+            <pc:sldMk cId="109857222" sldId="256"/>
+            <ac:spMk id="5" creationId="{E7B050E4-25DD-49C7-90D1-B3BD6ED1656F}"/>
+          </ac:spMkLst>
+        </pc:spChg>
+      </pc:sldChg>
+      <pc:sldChg chg="modSp new">
+        <pc:chgData name="Harsha Ky" userId="51654b9f203ea89d" providerId="Windows Live" clId="Web-{64FF0B97-F6D2-4476-A64B-538B9E443636}" dt="2020-01-24T16:19:03.555" v="1369" actId="20577"/>
+        <pc:sldMkLst>
+          <pc:docMk/>
+          <pc:sldMk cId="3085881011" sldId="257"/>
+        </pc:sldMkLst>
+        <pc:spChg chg="mod">
+          <ac:chgData name="Harsha Ky" userId="51654b9f203ea89d" providerId="Windows Live" clId="Web-{64FF0B97-F6D2-4476-A64B-538B9E443636}" dt="2020-01-24T16:05:51.518" v="343" actId="20577"/>
+          <ac:spMkLst>
+            <pc:docMk/>
+            <pc:sldMk cId="3085881011" sldId="257"/>
+            <ac:spMk id="2" creationId="{8E4F941D-56C2-4C7C-9FB3-63D044E24749}"/>
+          </ac:spMkLst>
+        </pc:spChg>
+        <pc:spChg chg="mod">
+          <ac:chgData name="Harsha Ky" userId="51654b9f203ea89d" providerId="Windows Live" clId="Web-{64FF0B97-F6D2-4476-A64B-538B9E443636}" dt="2020-01-24T16:19:03.555" v="1369" actId="20577"/>
+          <ac:spMkLst>
+            <pc:docMk/>
+            <pc:sldMk cId="3085881011" sldId="257"/>
+            <ac:spMk id="3" creationId="{E87AB376-CC3B-4787-B404-735EBF109E79}"/>
+          </ac:spMkLst>
+        </pc:spChg>
+      </pc:sldChg>
+      <pc:sldChg chg="addSp delSp modSp new">
+        <pc:chgData name="Harsha Ky" userId="51654b9f203ea89d" providerId="Windows Live" clId="Web-{64FF0B97-F6D2-4476-A64B-538B9E443636}" dt="2020-01-24T16:22:50.087" v="1778" actId="20577"/>
+        <pc:sldMkLst>
+          <pc:docMk/>
+          <pc:sldMk cId="2775838959" sldId="258"/>
+        </pc:sldMkLst>
+        <pc:spChg chg="mod">
+          <ac:chgData name="Harsha Ky" userId="51654b9f203ea89d" providerId="Windows Live" clId="Web-{64FF0B97-F6D2-4476-A64B-538B9E443636}" dt="2020-01-24T16:19:19.055" v="1386" actId="20577"/>
+          <ac:spMkLst>
+            <pc:docMk/>
+            <pc:sldMk cId="2775838959" sldId="258"/>
+            <ac:spMk id="2" creationId="{0EB23F6D-AF81-4C6E-A900-63024BF2F910}"/>
+          </ac:spMkLst>
+        </pc:spChg>
+        <pc:spChg chg="del">
+          <ac:chgData name="Harsha Ky" userId="51654b9f203ea89d" providerId="Windows Live" clId="Web-{64FF0B97-F6D2-4476-A64B-538B9E443636}" dt="2020-01-24T16:19:31.118" v="1389"/>
+          <ac:spMkLst>
+            <pc:docMk/>
+            <pc:sldMk cId="2775838959" sldId="258"/>
+            <ac:spMk id="3" creationId="{FD9DECD9-1031-46ED-9112-477C9ED864C9}"/>
+          </ac:spMkLst>
+        </pc:spChg>
+        <pc:spChg chg="add mod">
+          <ac:chgData name="Harsha Ky" userId="51654b9f203ea89d" providerId="Windows Live" clId="Web-{64FF0B97-F6D2-4476-A64B-538B9E443636}" dt="2020-01-24T16:22:50.087" v="1778" actId="20577"/>
+          <ac:spMkLst>
+            <pc:docMk/>
+            <pc:sldMk cId="2775838959" sldId="258"/>
+            <ac:spMk id="6" creationId="{89FF2F55-F978-44B3-A7F8-A4CEAE32E85C}"/>
+          </ac:spMkLst>
+        </pc:spChg>
+        <pc:picChg chg="add mod ord">
+          <ac:chgData name="Harsha Ky" userId="51654b9f203ea89d" providerId="Windows Live" clId="Web-{64FF0B97-F6D2-4476-A64B-538B9E443636}" dt="2020-01-24T16:19:53.196" v="1390" actId="1076"/>
+          <ac:picMkLst>
+            <pc:docMk/>
+            <pc:sldMk cId="2775838959" sldId="258"/>
+            <ac:picMk id="4" creationId="{23FE1FAB-6242-43C9-B77F-0C55C77E2B17}"/>
+          </ac:picMkLst>
+        </pc:picChg>
+      </pc:sldChg>
+      <pc:sldChg chg="modSp new">
+        <pc:chgData name="Harsha Ky" userId="51654b9f203ea89d" providerId="Windows Live" clId="Web-{64FF0B97-F6D2-4476-A64B-538B9E443636}" dt="2020-01-24T16:34:36.791" v="2526" actId="20577"/>
+        <pc:sldMkLst>
+          <pc:docMk/>
+          <pc:sldMk cId="4183685459" sldId="259"/>
+        </pc:sldMkLst>
+        <pc:spChg chg="mod">
+          <ac:chgData name="Harsha Ky" userId="51654b9f203ea89d" providerId="Windows Live" clId="Web-{64FF0B97-F6D2-4476-A64B-538B9E443636}" dt="2020-01-24T16:23:56.446" v="1824" actId="20577"/>
+          <ac:spMkLst>
+            <pc:docMk/>
+            <pc:sldMk cId="4183685459" sldId="259"/>
+            <ac:spMk id="2" creationId="{43A314C0-77B3-4A77-B8FE-74F30F1D1AC3}"/>
+          </ac:spMkLst>
+        </pc:spChg>
+        <pc:spChg chg="mod">
+          <ac:chgData name="Harsha Ky" userId="51654b9f203ea89d" providerId="Windows Live" clId="Web-{64FF0B97-F6D2-4476-A64B-538B9E443636}" dt="2020-01-24T16:34:36.791" v="2526" actId="20577"/>
+          <ac:spMkLst>
+            <pc:docMk/>
+            <pc:sldMk cId="4183685459" sldId="259"/>
+            <ac:spMk id="3" creationId="{F99C5E96-510A-4259-A1A2-129A3D5AA8B7}"/>
+          </ac:spMkLst>
+        </pc:spChg>
+      </pc:sldChg>
+      <pc:sldChg chg="modSp new">
+        <pc:chgData name="Harsha Ky" userId="51654b9f203ea89d" providerId="Windows Live" clId="Web-{64FF0B97-F6D2-4476-A64B-538B9E443636}" dt="2020-01-24T16:42:44.638" v="3723" actId="20577"/>
+        <pc:sldMkLst>
+          <pc:docMk/>
+          <pc:sldMk cId="3897002874" sldId="260"/>
+        </pc:sldMkLst>
+        <pc:spChg chg="mod">
+          <ac:chgData name="Harsha Ky" userId="51654b9f203ea89d" providerId="Windows Live" clId="Web-{64FF0B97-F6D2-4476-A64B-538B9E443636}" dt="2020-01-24T16:35:10.026" v="2552" actId="20577"/>
+          <ac:spMkLst>
+            <pc:docMk/>
+            <pc:sldMk cId="3897002874" sldId="260"/>
+            <ac:spMk id="2" creationId="{350DDB70-5B17-4513-8494-85E398FE04B8}"/>
+          </ac:spMkLst>
+        </pc:spChg>
+        <pc:spChg chg="mod">
+          <ac:chgData name="Harsha Ky" userId="51654b9f203ea89d" providerId="Windows Live" clId="Web-{64FF0B97-F6D2-4476-A64B-538B9E443636}" dt="2020-01-24T16:42:44.638" v="3723" actId="20577"/>
+          <ac:spMkLst>
+            <pc:docMk/>
+            <pc:sldMk cId="3897002874" sldId="260"/>
+            <ac:spMk id="3" creationId="{36354896-F079-4D93-8F1C-7A9B390A1B48}"/>
+          </ac:spMkLst>
+        </pc:spChg>
+      </pc:sldChg>
+      <pc:sldChg chg="modSp new">
+        <pc:chgData name="Harsha Ky" userId="51654b9f203ea89d" providerId="Windows Live" clId="Web-{64FF0B97-F6D2-4476-A64B-538B9E443636}" dt="2020-01-24T16:43:48.310" v="3748" actId="20577"/>
+        <pc:sldMkLst>
+          <pc:docMk/>
+          <pc:sldMk cId="4205046399" sldId="261"/>
+        </pc:sldMkLst>
+        <pc:spChg chg="mod">
+          <ac:chgData name="Harsha Ky" userId="51654b9f203ea89d" providerId="Windows Live" clId="Web-{64FF0B97-F6D2-4476-A64B-538B9E443636}" dt="2020-01-24T16:43:48.310" v="3748" actId="20577"/>
+          <ac:spMkLst>
+            <pc:docMk/>
+            <pc:sldMk cId="4205046399" sldId="261"/>
+            <ac:spMk id="2" creationId="{33410B07-CA37-4D38-B4A0-176A3903F8E0}"/>
+          </ac:spMkLst>
+        </pc:spChg>
+      </pc:sldChg>
+    </pc:docChg>
+  </pc:docChgLst>
   <pc:docChgLst>
     <pc:chgData name="Harsha Ky" userId="51654b9f203ea89d" providerId="Windows Live" clId="Web-{2D5470B4-B7C2-416A-BF9E-2F5E3EB17E3F}"/>
     <pc:docChg chg="modSld">
@@ -168,6 +354,1220 @@
         </pc:sldMkLst>
         <pc:spChg chg="mod">
           <ac:chgData name="Harsha Ky" userId="51654b9f203ea89d" providerId="Windows Live" clId="Web-{2D5470B4-B7C2-416A-BF9E-2F5E3EB17E3F}" dt="2020-02-26T10:25:18.366" v="423" actId="20577"/>
+          <ac:spMkLst>
+            <pc:docMk/>
+            <pc:sldMk cId="682909928" sldId="268"/>
+            <ac:spMk id="3" creationId="{CAEDD0D8-A3C3-480E-873E-2C1BC04CA086}"/>
+          </ac:spMkLst>
+        </pc:spChg>
+      </pc:sldChg>
+    </pc:docChg>
+  </pc:docChgLst>
+  <pc:docChgLst>
+    <pc:chgData name="Harsha Ky" userId="51654b9f203ea89d" providerId="Windows Live" clId="Web-{1B8E6F05-A6C7-4A3E-9D70-E310C1F97B8F}"/>
+    <pc:docChg chg="addSld modSld">
+      <pc:chgData name="Harsha Ky" userId="51654b9f203ea89d" providerId="Windows Live" clId="Web-{1B8E6F05-A6C7-4A3E-9D70-E310C1F97B8F}" dt="2020-05-20T06:38:57.965" v="615" actId="20577"/>
+      <pc:docMkLst>
+        <pc:docMk/>
+      </pc:docMkLst>
+      <pc:sldChg chg="addSp modSp new">
+        <pc:chgData name="Harsha Ky" userId="51654b9f203ea89d" providerId="Windows Live" clId="Web-{1B8E6F05-A6C7-4A3E-9D70-E310C1F97B8F}" dt="2020-05-20T06:22:23.556" v="95" actId="1076"/>
+        <pc:sldMkLst>
+          <pc:docMk/>
+          <pc:sldMk cId="4036096293" sldId="280"/>
+        </pc:sldMkLst>
+        <pc:spChg chg="mod">
+          <ac:chgData name="Harsha Ky" userId="51654b9f203ea89d" providerId="Windows Live" clId="Web-{1B8E6F05-A6C7-4A3E-9D70-E310C1F97B8F}" dt="2020-05-20T06:22:05.070" v="80" actId="20577"/>
+          <ac:spMkLst>
+            <pc:docMk/>
+            <pc:sldMk cId="4036096293" sldId="280"/>
+            <ac:spMk id="2" creationId="{3D968F9F-BEF4-4DBC-B51A-9F4E8D0445B3}"/>
+          </ac:spMkLst>
+        </pc:spChg>
+        <pc:spChg chg="mod">
+          <ac:chgData name="Harsha Ky" userId="51654b9f203ea89d" providerId="Windows Live" clId="Web-{1B8E6F05-A6C7-4A3E-9D70-E310C1F97B8F}" dt="2020-05-20T06:22:09.961" v="92" actId="20577"/>
+          <ac:spMkLst>
+            <pc:docMk/>
+            <pc:sldMk cId="4036096293" sldId="280"/>
+            <ac:spMk id="3" creationId="{3DDC9128-D76F-4454-8686-613C06360DD3}"/>
+          </ac:spMkLst>
+        </pc:spChg>
+        <pc:picChg chg="add mod">
+          <ac:chgData name="Harsha Ky" userId="51654b9f203ea89d" providerId="Windows Live" clId="Web-{1B8E6F05-A6C7-4A3E-9D70-E310C1F97B8F}" dt="2020-05-20T06:22:23.556" v="95" actId="1076"/>
+          <ac:picMkLst>
+            <pc:docMk/>
+            <pc:sldMk cId="4036096293" sldId="280"/>
+            <ac:picMk id="4" creationId="{B17C88FC-9F82-4A6D-B429-FAE388B7950F}"/>
+          </ac:picMkLst>
+        </pc:picChg>
+      </pc:sldChg>
+      <pc:sldChg chg="addSp modSp new">
+        <pc:chgData name="Harsha Ky" userId="51654b9f203ea89d" providerId="Windows Live" clId="Web-{1B8E6F05-A6C7-4A3E-9D70-E310C1F97B8F}" dt="2020-05-20T06:22:55.339" v="101" actId="14100"/>
+        <pc:sldMkLst>
+          <pc:docMk/>
+          <pc:sldMk cId="1859871648" sldId="281"/>
+        </pc:sldMkLst>
+        <pc:spChg chg="mod">
+          <ac:chgData name="Harsha Ky" userId="51654b9f203ea89d" providerId="Windows Live" clId="Web-{1B8E6F05-A6C7-4A3E-9D70-E310C1F97B8F}" dt="2020-05-20T06:21:39.428" v="55" actId="20577"/>
+          <ac:spMkLst>
+            <pc:docMk/>
+            <pc:sldMk cId="1859871648" sldId="281"/>
+            <ac:spMk id="2" creationId="{09862508-6CA7-49D3-85C1-36104582C64C}"/>
+          </ac:spMkLst>
+        </pc:spChg>
+        <pc:spChg chg="mod">
+          <ac:chgData name="Harsha Ky" userId="51654b9f203ea89d" providerId="Windows Live" clId="Web-{1B8E6F05-A6C7-4A3E-9D70-E310C1F97B8F}" dt="2020-05-20T06:22:39.416" v="96" actId="20577"/>
+          <ac:spMkLst>
+            <pc:docMk/>
+            <pc:sldMk cId="1859871648" sldId="281"/>
+            <ac:spMk id="3" creationId="{227EDB1A-1169-43A7-919C-B089B17D9384}"/>
+          </ac:spMkLst>
+        </pc:spChg>
+        <pc:picChg chg="add mod">
+          <ac:chgData name="Harsha Ky" userId="51654b9f203ea89d" providerId="Windows Live" clId="Web-{1B8E6F05-A6C7-4A3E-9D70-E310C1F97B8F}" dt="2020-05-20T06:22:55.339" v="101" actId="14100"/>
+          <ac:picMkLst>
+            <pc:docMk/>
+            <pc:sldMk cId="1859871648" sldId="281"/>
+            <ac:picMk id="4" creationId="{DA4D7DD8-9FA1-4B56-9945-89383B277200}"/>
+          </ac:picMkLst>
+        </pc:picChg>
+      </pc:sldChg>
+      <pc:sldChg chg="addSp delSp modSp add replId">
+        <pc:chgData name="Harsha Ky" userId="51654b9f203ea89d" providerId="Windows Live" clId="Web-{1B8E6F05-A6C7-4A3E-9D70-E310C1F97B8F}" dt="2020-05-20T06:23:53.687" v="138" actId="14100"/>
+        <pc:sldMkLst>
+          <pc:docMk/>
+          <pc:sldMk cId="1866102089" sldId="282"/>
+        </pc:sldMkLst>
+        <pc:spChg chg="mod">
+          <ac:chgData name="Harsha Ky" userId="51654b9f203ea89d" providerId="Windows Live" clId="Web-{1B8E6F05-A6C7-4A3E-9D70-E310C1F97B8F}" dt="2020-05-20T06:23:33.451" v="133" actId="20577"/>
+          <ac:spMkLst>
+            <pc:docMk/>
+            <pc:sldMk cId="1866102089" sldId="282"/>
+            <ac:spMk id="3" creationId="{227EDB1A-1169-43A7-919C-B089B17D9384}"/>
+          </ac:spMkLst>
+        </pc:spChg>
+        <pc:picChg chg="del">
+          <ac:chgData name="Harsha Ky" userId="51654b9f203ea89d" providerId="Windows Live" clId="Web-{1B8E6F05-A6C7-4A3E-9D70-E310C1F97B8F}" dt="2020-05-20T06:23:12.418" v="103"/>
+          <ac:picMkLst>
+            <pc:docMk/>
+            <pc:sldMk cId="1866102089" sldId="282"/>
+            <ac:picMk id="4" creationId="{DA4D7DD8-9FA1-4B56-9945-89383B277200}"/>
+          </ac:picMkLst>
+        </pc:picChg>
+        <pc:picChg chg="add mod">
+          <ac:chgData name="Harsha Ky" userId="51654b9f203ea89d" providerId="Windows Live" clId="Web-{1B8E6F05-A6C7-4A3E-9D70-E310C1F97B8F}" dt="2020-05-20T06:23:53.687" v="138" actId="14100"/>
+          <ac:picMkLst>
+            <pc:docMk/>
+            <pc:sldMk cId="1866102089" sldId="282"/>
+            <ac:picMk id="5" creationId="{14258431-0D1A-4AB8-A406-6DA1DA7C2310}"/>
+          </ac:picMkLst>
+        </pc:picChg>
+      </pc:sldChg>
+      <pc:sldChg chg="addSp delSp modSp add replId">
+        <pc:chgData name="Harsha Ky" userId="51654b9f203ea89d" providerId="Windows Live" clId="Web-{1B8E6F05-A6C7-4A3E-9D70-E310C1F97B8F}" dt="2020-05-20T06:24:53.535" v="166" actId="14100"/>
+        <pc:sldMkLst>
+          <pc:docMk/>
+          <pc:sldMk cId="3977631062" sldId="283"/>
+        </pc:sldMkLst>
+        <pc:spChg chg="mod">
+          <ac:chgData name="Harsha Ky" userId="51654b9f203ea89d" providerId="Windows Live" clId="Web-{1B8E6F05-A6C7-4A3E-9D70-E310C1F97B8F}" dt="2020-05-20T06:24:29.736" v="161" actId="20577"/>
+          <ac:spMkLst>
+            <pc:docMk/>
+            <pc:sldMk cId="3977631062" sldId="283"/>
+            <ac:spMk id="3" creationId="{227EDB1A-1169-43A7-919C-B089B17D9384}"/>
+          </ac:spMkLst>
+        </pc:spChg>
+        <pc:picChg chg="add mod">
+          <ac:chgData name="Harsha Ky" userId="51654b9f203ea89d" providerId="Windows Live" clId="Web-{1B8E6F05-A6C7-4A3E-9D70-E310C1F97B8F}" dt="2020-05-20T06:24:53.535" v="166" actId="14100"/>
+          <ac:picMkLst>
+            <pc:docMk/>
+            <pc:sldMk cId="3977631062" sldId="283"/>
+            <ac:picMk id="4" creationId="{0B5CC979-D33E-40BF-9626-B2D9E511D533}"/>
+          </ac:picMkLst>
+        </pc:picChg>
+        <pc:picChg chg="del">
+          <ac:chgData name="Harsha Ky" userId="51654b9f203ea89d" providerId="Windows Live" clId="Web-{1B8E6F05-A6C7-4A3E-9D70-E310C1F97B8F}" dt="2020-05-20T06:24:05.375" v="140"/>
+          <ac:picMkLst>
+            <pc:docMk/>
+            <pc:sldMk cId="3977631062" sldId="283"/>
+            <ac:picMk id="5" creationId="{14258431-0D1A-4AB8-A406-6DA1DA7C2310}"/>
+          </ac:picMkLst>
+        </pc:picChg>
+      </pc:sldChg>
+      <pc:sldChg chg="modSp new">
+        <pc:chgData name="Harsha Ky" userId="51654b9f203ea89d" providerId="Windows Live" clId="Web-{1B8E6F05-A6C7-4A3E-9D70-E310C1F97B8F}" dt="2020-05-20T06:33:47.804" v="479" actId="20577"/>
+        <pc:sldMkLst>
+          <pc:docMk/>
+          <pc:sldMk cId="3906159079" sldId="284"/>
+        </pc:sldMkLst>
+        <pc:spChg chg="mod">
+          <ac:chgData name="Harsha Ky" userId="51654b9f203ea89d" providerId="Windows Live" clId="Web-{1B8E6F05-A6C7-4A3E-9D70-E310C1F97B8F}" dt="2020-05-20T06:26:23.134" v="186" actId="20577"/>
+          <ac:spMkLst>
+            <pc:docMk/>
+            <pc:sldMk cId="3906159079" sldId="284"/>
+            <ac:spMk id="2" creationId="{AFDC21B3-4F64-4B96-9D6D-5932978DE4FC}"/>
+          </ac:spMkLst>
+        </pc:spChg>
+        <pc:spChg chg="mod">
+          <ac:chgData name="Harsha Ky" userId="51654b9f203ea89d" providerId="Windows Live" clId="Web-{1B8E6F05-A6C7-4A3E-9D70-E310C1F97B8F}" dt="2020-05-20T06:33:47.804" v="479" actId="20577"/>
+          <ac:spMkLst>
+            <pc:docMk/>
+            <pc:sldMk cId="3906159079" sldId="284"/>
+            <ac:spMk id="3" creationId="{7AED7088-A802-4522-86B5-B61CE860F8E8}"/>
+          </ac:spMkLst>
+        </pc:spChg>
+      </pc:sldChg>
+      <pc:sldChg chg="addSp modSp new">
+        <pc:chgData name="Harsha Ky" userId="51654b9f203ea89d" providerId="Windows Live" clId="Web-{1B8E6F05-A6C7-4A3E-9D70-E310C1F97B8F}" dt="2020-05-20T06:34:20.322" v="505" actId="14100"/>
+        <pc:sldMkLst>
+          <pc:docMk/>
+          <pc:sldMk cId="1586268567" sldId="285"/>
+        </pc:sldMkLst>
+        <pc:spChg chg="mod">
+          <ac:chgData name="Harsha Ky" userId="51654b9f203ea89d" providerId="Windows Live" clId="Web-{1B8E6F05-A6C7-4A3E-9D70-E310C1F97B8F}" dt="2020-05-20T06:33:57.242" v="488" actId="20577"/>
+          <ac:spMkLst>
+            <pc:docMk/>
+            <pc:sldMk cId="1586268567" sldId="285"/>
+            <ac:spMk id="2" creationId="{F97746CE-7567-4F3A-8445-0B23E62F37F4}"/>
+          </ac:spMkLst>
+        </pc:spChg>
+        <pc:spChg chg="mod">
+          <ac:chgData name="Harsha Ky" userId="51654b9f203ea89d" providerId="Windows Live" clId="Web-{1B8E6F05-A6C7-4A3E-9D70-E310C1F97B8F}" dt="2020-05-20T06:34:08.619" v="501" actId="20577"/>
+          <ac:spMkLst>
+            <pc:docMk/>
+            <pc:sldMk cId="1586268567" sldId="285"/>
+            <ac:spMk id="3" creationId="{88CC23CA-A17F-4022-A70F-8D541BB4B60D}"/>
+          </ac:spMkLst>
+        </pc:spChg>
+        <pc:picChg chg="add mod">
+          <ac:chgData name="Harsha Ky" userId="51654b9f203ea89d" providerId="Windows Live" clId="Web-{1B8E6F05-A6C7-4A3E-9D70-E310C1F97B8F}" dt="2020-05-20T06:34:20.322" v="505" actId="14100"/>
+          <ac:picMkLst>
+            <pc:docMk/>
+            <pc:sldMk cId="1586268567" sldId="285"/>
+            <ac:picMk id="4" creationId="{0EDEE7D2-208C-43D0-AE2D-E24D5345CDE0}"/>
+          </ac:picMkLst>
+        </pc:picChg>
+      </pc:sldChg>
+      <pc:sldChg chg="addSp delSp modSp add replId">
+        <pc:chgData name="Harsha Ky" userId="51654b9f203ea89d" providerId="Windows Live" clId="Web-{1B8E6F05-A6C7-4A3E-9D70-E310C1F97B8F}" dt="2020-05-20T06:35:00.981" v="516" actId="14100"/>
+        <pc:sldMkLst>
+          <pc:docMk/>
+          <pc:sldMk cId="1032237485" sldId="286"/>
+        </pc:sldMkLst>
+        <pc:spChg chg="mod">
+          <ac:chgData name="Harsha Ky" userId="51654b9f203ea89d" providerId="Windows Live" clId="Web-{1B8E6F05-A6C7-4A3E-9D70-E310C1F97B8F}" dt="2020-05-20T06:34:31.557" v="509" actId="20577"/>
+          <ac:spMkLst>
+            <pc:docMk/>
+            <pc:sldMk cId="1032237485" sldId="286"/>
+            <ac:spMk id="3" creationId="{88CC23CA-A17F-4022-A70F-8D541BB4B60D}"/>
+          </ac:spMkLst>
+        </pc:spChg>
+        <pc:picChg chg="del">
+          <ac:chgData name="Harsha Ky" userId="51654b9f203ea89d" providerId="Windows Live" clId="Web-{1B8E6F05-A6C7-4A3E-9D70-E310C1F97B8F}" dt="2020-05-20T06:34:34.464" v="512"/>
+          <ac:picMkLst>
+            <pc:docMk/>
+            <pc:sldMk cId="1032237485" sldId="286"/>
+            <ac:picMk id="4" creationId="{0EDEE7D2-208C-43D0-AE2D-E24D5345CDE0}"/>
+          </ac:picMkLst>
+        </pc:picChg>
+        <pc:picChg chg="add mod">
+          <ac:chgData name="Harsha Ky" userId="51654b9f203ea89d" providerId="Windows Live" clId="Web-{1B8E6F05-A6C7-4A3E-9D70-E310C1F97B8F}" dt="2020-05-20T06:35:00.981" v="516" actId="14100"/>
+          <ac:picMkLst>
+            <pc:docMk/>
+            <pc:sldMk cId="1032237485" sldId="286"/>
+            <ac:picMk id="5" creationId="{530DCDE3-6EE1-4366-B610-BF99C9946882}"/>
+          </ac:picMkLst>
+        </pc:picChg>
+      </pc:sldChg>
+      <pc:sldChg chg="addSp delSp modSp add replId">
+        <pc:chgData name="Harsha Ky" userId="51654b9f203ea89d" providerId="Windows Live" clId="Web-{1B8E6F05-A6C7-4A3E-9D70-E310C1F97B8F}" dt="2020-05-20T06:35:38.374" v="526" actId="14100"/>
+        <pc:sldMkLst>
+          <pc:docMk/>
+          <pc:sldMk cId="1606027259" sldId="287"/>
+        </pc:sldMkLst>
+        <pc:spChg chg="mod">
+          <ac:chgData name="Harsha Ky" userId="51654b9f203ea89d" providerId="Windows Live" clId="Web-{1B8E6F05-A6C7-4A3E-9D70-E310C1F97B8F}" dt="2020-05-20T06:35:14.794" v="520" actId="20577"/>
+          <ac:spMkLst>
+            <pc:docMk/>
+            <pc:sldMk cId="1606027259" sldId="287"/>
+            <ac:spMk id="3" creationId="{88CC23CA-A17F-4022-A70F-8D541BB4B60D}"/>
+          </ac:spMkLst>
+        </pc:spChg>
+        <pc:picChg chg="add mod">
+          <ac:chgData name="Harsha Ky" userId="51654b9f203ea89d" providerId="Windows Live" clId="Web-{1B8E6F05-A6C7-4A3E-9D70-E310C1F97B8F}" dt="2020-05-20T06:35:38.374" v="526" actId="14100"/>
+          <ac:picMkLst>
+            <pc:docMk/>
+            <pc:sldMk cId="1606027259" sldId="287"/>
+            <ac:picMk id="4" creationId="{3A344D3C-DA7F-4325-AAF1-62C7E73F4C06}"/>
+          </ac:picMkLst>
+        </pc:picChg>
+        <pc:picChg chg="del">
+          <ac:chgData name="Harsha Ky" userId="51654b9f203ea89d" providerId="Windows Live" clId="Web-{1B8E6F05-A6C7-4A3E-9D70-E310C1F97B8F}" dt="2020-05-20T06:35:18.092" v="523"/>
+          <ac:picMkLst>
+            <pc:docMk/>
+            <pc:sldMk cId="1606027259" sldId="287"/>
+            <ac:picMk id="5" creationId="{530DCDE3-6EE1-4366-B610-BF99C9946882}"/>
+          </ac:picMkLst>
+        </pc:picChg>
+      </pc:sldChg>
+      <pc:sldChg chg="addSp delSp modSp add replId">
+        <pc:chgData name="Harsha Ky" userId="51654b9f203ea89d" providerId="Windows Live" clId="Web-{1B8E6F05-A6C7-4A3E-9D70-E310C1F97B8F}" dt="2020-05-20T06:36:06.782" v="534" actId="14100"/>
+        <pc:sldMkLst>
+          <pc:docMk/>
+          <pc:sldMk cId="4231516373" sldId="288"/>
+        </pc:sldMkLst>
+        <pc:spChg chg="mod">
+          <ac:chgData name="Harsha Ky" userId="51654b9f203ea89d" providerId="Windows Live" clId="Web-{1B8E6F05-A6C7-4A3E-9D70-E310C1F97B8F}" dt="2020-05-20T06:35:48.547" v="528" actId="20577"/>
+          <ac:spMkLst>
+            <pc:docMk/>
+            <pc:sldMk cId="4231516373" sldId="288"/>
+            <ac:spMk id="3" creationId="{88CC23CA-A17F-4022-A70F-8D541BB4B60D}"/>
+          </ac:spMkLst>
+        </pc:spChg>
+        <pc:picChg chg="del">
+          <ac:chgData name="Harsha Ky" userId="51654b9f203ea89d" providerId="Windows Live" clId="Web-{1B8E6F05-A6C7-4A3E-9D70-E310C1F97B8F}" dt="2020-05-20T06:35:50.406" v="531"/>
+          <ac:picMkLst>
+            <pc:docMk/>
+            <pc:sldMk cId="4231516373" sldId="288"/>
+            <ac:picMk id="4" creationId="{3A344D3C-DA7F-4325-AAF1-62C7E73F4C06}"/>
+          </ac:picMkLst>
+        </pc:picChg>
+        <pc:picChg chg="add mod">
+          <ac:chgData name="Harsha Ky" userId="51654b9f203ea89d" providerId="Windows Live" clId="Web-{1B8E6F05-A6C7-4A3E-9D70-E310C1F97B8F}" dt="2020-05-20T06:36:06.782" v="534" actId="14100"/>
+          <ac:picMkLst>
+            <pc:docMk/>
+            <pc:sldMk cId="4231516373" sldId="288"/>
+            <ac:picMk id="5" creationId="{FE3A0315-72AE-4871-8DED-1F01B108F0F8}"/>
+          </ac:picMkLst>
+        </pc:picChg>
+      </pc:sldChg>
+      <pc:sldChg chg="modSp new">
+        <pc:chgData name="Harsha Ky" userId="51654b9f203ea89d" providerId="Windows Live" clId="Web-{1B8E6F05-A6C7-4A3E-9D70-E310C1F97B8F}" dt="2020-05-20T06:37:12.193" v="565" actId="20577"/>
+        <pc:sldMkLst>
+          <pc:docMk/>
+          <pc:sldMk cId="1170440983" sldId="289"/>
+        </pc:sldMkLst>
+        <pc:spChg chg="mod">
+          <ac:chgData name="Harsha Ky" userId="51654b9f203ea89d" providerId="Windows Live" clId="Web-{1B8E6F05-A6C7-4A3E-9D70-E310C1F97B8F}" dt="2020-05-20T06:36:36.503" v="554" actId="20577"/>
+          <ac:spMkLst>
+            <pc:docMk/>
+            <pc:sldMk cId="1170440983" sldId="289"/>
+            <ac:spMk id="2" creationId="{0746B8CE-D3CE-4655-B832-46145C4AC50E}"/>
+          </ac:spMkLst>
+        </pc:spChg>
+        <pc:spChg chg="mod">
+          <ac:chgData name="Harsha Ky" userId="51654b9f203ea89d" providerId="Windows Live" clId="Web-{1B8E6F05-A6C7-4A3E-9D70-E310C1F97B8F}" dt="2020-05-20T06:37:12.193" v="565" actId="20577"/>
+          <ac:spMkLst>
+            <pc:docMk/>
+            <pc:sldMk cId="1170440983" sldId="289"/>
+            <ac:spMk id="3" creationId="{30C5F410-AD01-4316-948C-1CAE91ABEB09}"/>
+          </ac:spMkLst>
+        </pc:spChg>
+      </pc:sldChg>
+      <pc:sldChg chg="modSp new">
+        <pc:chgData name="Harsha Ky" userId="51654b9f203ea89d" providerId="Windows Live" clId="Web-{1B8E6F05-A6C7-4A3E-9D70-E310C1F97B8F}" dt="2020-05-20T06:38:16.869" v="591" actId="20577"/>
+        <pc:sldMkLst>
+          <pc:docMk/>
+          <pc:sldMk cId="1236051365" sldId="290"/>
+        </pc:sldMkLst>
+        <pc:spChg chg="mod">
+          <ac:chgData name="Harsha Ky" userId="51654b9f203ea89d" providerId="Windows Live" clId="Web-{1B8E6F05-A6C7-4A3E-9D70-E310C1F97B8F}" dt="2020-05-20T06:38:03.025" v="586" actId="20577"/>
+          <ac:spMkLst>
+            <pc:docMk/>
+            <pc:sldMk cId="1236051365" sldId="290"/>
+            <ac:spMk id="2" creationId="{105B9AAB-9AF3-4A5C-B615-44D9356B7E1C}"/>
+          </ac:spMkLst>
+        </pc:spChg>
+        <pc:spChg chg="mod">
+          <ac:chgData name="Harsha Ky" userId="51654b9f203ea89d" providerId="Windows Live" clId="Web-{1B8E6F05-A6C7-4A3E-9D70-E310C1F97B8F}" dt="2020-05-20T06:38:16.869" v="591" actId="20577"/>
+          <ac:spMkLst>
+            <pc:docMk/>
+            <pc:sldMk cId="1236051365" sldId="290"/>
+            <ac:spMk id="3" creationId="{9F84C259-CDDB-4904-B5AD-52B589A552F4}"/>
+          </ac:spMkLst>
+        </pc:spChg>
+      </pc:sldChg>
+      <pc:sldChg chg="modSp new">
+        <pc:chgData name="Harsha Ky" userId="51654b9f203ea89d" providerId="Windows Live" clId="Web-{1B8E6F05-A6C7-4A3E-9D70-E310C1F97B8F}" dt="2020-05-20T06:38:57.965" v="614" actId="20577"/>
+        <pc:sldMkLst>
+          <pc:docMk/>
+          <pc:sldMk cId="1898164605" sldId="291"/>
+        </pc:sldMkLst>
+        <pc:spChg chg="mod">
+          <ac:chgData name="Harsha Ky" userId="51654b9f203ea89d" providerId="Windows Live" clId="Web-{1B8E6F05-A6C7-4A3E-9D70-E310C1F97B8F}" dt="2020-05-20T06:38:31.870" v="603" actId="20577"/>
+          <ac:spMkLst>
+            <pc:docMk/>
+            <pc:sldMk cId="1898164605" sldId="291"/>
+            <ac:spMk id="2" creationId="{1A970131-8497-42DE-9EE0-F6BC0E0A2521}"/>
+          </ac:spMkLst>
+        </pc:spChg>
+        <pc:spChg chg="mod">
+          <ac:chgData name="Harsha Ky" userId="51654b9f203ea89d" providerId="Windows Live" clId="Web-{1B8E6F05-A6C7-4A3E-9D70-E310C1F97B8F}" dt="2020-05-20T06:38:57.965" v="614" actId="20577"/>
+          <ac:spMkLst>
+            <pc:docMk/>
+            <pc:sldMk cId="1898164605" sldId="291"/>
+            <ac:spMk id="3" creationId="{5B9CC7D7-EA00-431D-95A2-B86A281AE1A1}"/>
+          </ac:spMkLst>
+        </pc:spChg>
+      </pc:sldChg>
+    </pc:docChg>
+  </pc:docChgLst>
+  <pc:docChgLst>
+    <pc:chgData name="Harsha Ky" userId="51654b9f203ea89d" providerId="Windows Live" clId="Web-{970F2756-6D48-4F87-AD03-74F0E83451BF}"/>
+    <pc:docChg chg="modSld">
+      <pc:chgData name="Harsha Ky" userId="51654b9f203ea89d" providerId="Windows Live" clId="Web-{970F2756-6D48-4F87-AD03-74F0E83451BF}" dt="2020-02-01T05:49:25.680" v="38" actId="20577"/>
+      <pc:docMkLst>
+        <pc:docMk/>
+      </pc:docMkLst>
+      <pc:sldChg chg="modSp">
+        <pc:chgData name="Harsha Ky" userId="51654b9f203ea89d" providerId="Windows Live" clId="Web-{970F2756-6D48-4F87-AD03-74F0E83451BF}" dt="2020-02-01T05:49:12.914" v="36" actId="20577"/>
+        <pc:sldMkLst>
+          <pc:docMk/>
+          <pc:sldMk cId="4183685459" sldId="259"/>
+        </pc:sldMkLst>
+        <pc:spChg chg="mod">
+          <ac:chgData name="Harsha Ky" userId="51654b9f203ea89d" providerId="Windows Live" clId="Web-{970F2756-6D48-4F87-AD03-74F0E83451BF}" dt="2020-02-01T05:49:12.914" v="36" actId="20577"/>
+          <ac:spMkLst>
+            <pc:docMk/>
+            <pc:sldMk cId="4183685459" sldId="259"/>
+            <ac:spMk id="3" creationId="{F99C5E96-510A-4259-A1A2-129A3D5AA8B7}"/>
+          </ac:spMkLst>
+        </pc:spChg>
+      </pc:sldChg>
+    </pc:docChg>
+  </pc:docChgLst>
+  <pc:docChgLst>
+    <pc:chgData name="Harsha Ky" userId="51654b9f203ea89d" providerId="Windows Live" clId="Web-{20423B53-5D3F-42C1-A728-93E76E8B30A8}"/>
+    <pc:docChg chg="addSld delSld modSld">
+      <pc:chgData name="Harsha Ky" userId="51654b9f203ea89d" providerId="Windows Live" clId="Web-{20423B53-5D3F-42C1-A728-93E76E8B30A8}" dt="2020-03-30T10:53:26.520" v="3012"/>
+      <pc:docMkLst>
+        <pc:docMk/>
+      </pc:docMkLst>
+      <pc:sldChg chg="modSp del">
+        <pc:chgData name="Harsha Ky" userId="51654b9f203ea89d" providerId="Windows Live" clId="Web-{20423B53-5D3F-42C1-A728-93E76E8B30A8}" dt="2020-03-30T10:53:26.520" v="3012"/>
+        <pc:sldMkLst>
+          <pc:docMk/>
+          <pc:sldMk cId="682909928" sldId="268"/>
+        </pc:sldMkLst>
+        <pc:spChg chg="mod">
+          <ac:chgData name="Harsha Ky" userId="51654b9f203ea89d" providerId="Windows Live" clId="Web-{20423B53-5D3F-42C1-A728-93E76E8B30A8}" dt="2020-03-30T10:53:24.442" v="3009" actId="20577"/>
+          <ac:spMkLst>
+            <pc:docMk/>
+            <pc:sldMk cId="682909928" sldId="268"/>
+            <ac:spMk id="3" creationId="{CAEDD0D8-A3C3-480E-873E-2C1BC04CA086}"/>
+          </ac:spMkLst>
+        </pc:spChg>
+      </pc:sldChg>
+      <pc:sldChg chg="addSp modSp new">
+        <pc:chgData name="Harsha Ky" userId="51654b9f203ea89d" providerId="Windows Live" clId="Web-{20423B53-5D3F-42C1-A728-93E76E8B30A8}" dt="2020-03-30T09:51:25.985" v="33" actId="20577"/>
+        <pc:sldMkLst>
+          <pc:docMk/>
+          <pc:sldMk cId="608533324" sldId="269"/>
+        </pc:sldMkLst>
+        <pc:spChg chg="add mod">
+          <ac:chgData name="Harsha Ky" userId="51654b9f203ea89d" providerId="Windows Live" clId="Web-{20423B53-5D3F-42C1-A728-93E76E8B30A8}" dt="2020-03-30T09:51:25.985" v="33" actId="20577"/>
+          <ac:spMkLst>
+            <pc:docMk/>
+            <pc:sldMk cId="608533324" sldId="269"/>
+            <ac:spMk id="4" creationId="{A8BA48F2-ECF0-46FC-8D6D-83BE11E91723}"/>
+          </ac:spMkLst>
+        </pc:spChg>
+        <pc:picChg chg="add mod">
+          <ac:chgData name="Harsha Ky" userId="51654b9f203ea89d" providerId="Windows Live" clId="Web-{20423B53-5D3F-42C1-A728-93E76E8B30A8}" dt="2020-03-30T09:51:06.235" v="19" actId="14100"/>
+          <ac:picMkLst>
+            <pc:docMk/>
+            <pc:sldMk cId="608533324" sldId="269"/>
+            <ac:picMk id="2" creationId="{254E2AA7-AD54-4183-B5E7-AA9CBC44E2AD}"/>
+          </ac:picMkLst>
+        </pc:picChg>
+      </pc:sldChg>
+      <pc:sldChg chg="addSp delSp modSp new del">
+        <pc:chgData name="Harsha Ky" userId="51654b9f203ea89d" providerId="Windows Live" clId="Web-{20423B53-5D3F-42C1-A728-93E76E8B30A8}" dt="2020-03-30T09:49:59.672" v="11"/>
+        <pc:sldMkLst>
+          <pc:docMk/>
+          <pc:sldMk cId="742609291" sldId="269"/>
+        </pc:sldMkLst>
+        <pc:spChg chg="del mod">
+          <ac:chgData name="Harsha Ky" userId="51654b9f203ea89d" providerId="Windows Live" clId="Web-{20423B53-5D3F-42C1-A728-93E76E8B30A8}" dt="2020-03-30T09:49:56.422" v="10"/>
+          <ac:spMkLst>
+            <pc:docMk/>
+            <pc:sldMk cId="742609291" sldId="269"/>
+            <ac:spMk id="2" creationId="{36FB8952-A975-40F7-9905-87C976938F89}"/>
+          </ac:spMkLst>
+        </pc:spChg>
+        <pc:spChg chg="del">
+          <ac:chgData name="Harsha Ky" userId="51654b9f203ea89d" providerId="Windows Live" clId="Web-{20423B53-5D3F-42C1-A728-93E76E8B30A8}" dt="2020-03-30T09:49:32.188" v="6"/>
+          <ac:spMkLst>
+            <pc:docMk/>
+            <pc:sldMk cId="742609291" sldId="269"/>
+            <ac:spMk id="3" creationId="{DC769BCE-777A-4FDA-96EC-B9285EB9F02A}"/>
+          </ac:spMkLst>
+        </pc:spChg>
+        <pc:spChg chg="add mod">
+          <ac:chgData name="Harsha Ky" userId="51654b9f203ea89d" providerId="Windows Live" clId="Web-{20423B53-5D3F-42C1-A728-93E76E8B30A8}" dt="2020-03-30T09:49:56.422" v="10"/>
+          <ac:spMkLst>
+            <pc:docMk/>
+            <pc:sldMk cId="742609291" sldId="269"/>
+            <ac:spMk id="7" creationId="{E7BD4CC3-BFE4-4606-9EFA-D50F9CDC7D8E}"/>
+          </ac:spMkLst>
+        </pc:spChg>
+        <pc:picChg chg="add mod ord">
+          <ac:chgData name="Harsha Ky" userId="51654b9f203ea89d" providerId="Windows Live" clId="Web-{20423B53-5D3F-42C1-A728-93E76E8B30A8}" dt="2020-03-30T09:49:46.329" v="9" actId="1076"/>
+          <ac:picMkLst>
+            <pc:docMk/>
+            <pc:sldMk cId="742609291" sldId="269"/>
+            <ac:picMk id="4" creationId="{A50403F4-5BFE-4C27-AA3C-362908FB7C80}"/>
+          </ac:picMkLst>
+        </pc:picChg>
+      </pc:sldChg>
+      <pc:sldChg chg="addSp modSp new">
+        <pc:chgData name="Harsha Ky" userId="51654b9f203ea89d" providerId="Windows Live" clId="Web-{20423B53-5D3F-42C1-A728-93E76E8B30A8}" dt="2020-03-30T10:04:08.269" v="63" actId="14100"/>
+        <pc:sldMkLst>
+          <pc:docMk/>
+          <pc:sldMk cId="309574019" sldId="270"/>
+        </pc:sldMkLst>
+        <pc:spChg chg="add mod">
+          <ac:chgData name="Harsha Ky" userId="51654b9f203ea89d" providerId="Windows Live" clId="Web-{20423B53-5D3F-42C1-A728-93E76E8B30A8}" dt="2020-03-30T09:51:53.360" v="60" actId="14100"/>
+          <ac:spMkLst>
+            <pc:docMk/>
+            <pc:sldMk cId="309574019" sldId="270"/>
+            <ac:spMk id="2" creationId="{A8BA48F2-ECF0-46FC-8D6D-83BE11E91723}"/>
+          </ac:spMkLst>
+        </pc:spChg>
+        <pc:picChg chg="add mod">
+          <ac:chgData name="Harsha Ky" userId="51654b9f203ea89d" providerId="Windows Live" clId="Web-{20423B53-5D3F-42C1-A728-93E76E8B30A8}" dt="2020-03-30T10:04:08.269" v="63" actId="14100"/>
+          <ac:picMkLst>
+            <pc:docMk/>
+            <pc:sldMk cId="309574019" sldId="270"/>
+            <ac:picMk id="3" creationId="{C0471691-9AE0-41BB-8F24-BF13A248E70D}"/>
+          </ac:picMkLst>
+        </pc:picChg>
+      </pc:sldChg>
+      <pc:sldChg chg="modSp new">
+        <pc:chgData name="Harsha Ky" userId="51654b9f203ea89d" providerId="Windows Live" clId="Web-{20423B53-5D3F-42C1-A728-93E76E8B30A8}" dt="2020-03-30T10:20:52.467" v="1848" actId="20577"/>
+        <pc:sldMkLst>
+          <pc:docMk/>
+          <pc:sldMk cId="956708869" sldId="271"/>
+        </pc:sldMkLst>
+        <pc:spChg chg="mod">
+          <ac:chgData name="Harsha Ky" userId="51654b9f203ea89d" providerId="Windows Live" clId="Web-{20423B53-5D3F-42C1-A728-93E76E8B30A8}" dt="2020-03-30T10:05:44.723" v="93" actId="20577"/>
+          <ac:spMkLst>
+            <pc:docMk/>
+            <pc:sldMk cId="956708869" sldId="271"/>
+            <ac:spMk id="2" creationId="{21797F86-3438-47FD-B5D2-6D9FE8A47798}"/>
+          </ac:spMkLst>
+        </pc:spChg>
+        <pc:spChg chg="mod">
+          <ac:chgData name="Harsha Ky" userId="51654b9f203ea89d" providerId="Windows Live" clId="Web-{20423B53-5D3F-42C1-A728-93E76E8B30A8}" dt="2020-03-30T10:20:52.467" v="1848" actId="20577"/>
+          <ac:spMkLst>
+            <pc:docMk/>
+            <pc:sldMk cId="956708869" sldId="271"/>
+            <ac:spMk id="3" creationId="{A6B7715D-E06D-4D95-B469-78B00FEE1280}"/>
+          </ac:spMkLst>
+        </pc:spChg>
+      </pc:sldChg>
+      <pc:sldChg chg="new del">
+        <pc:chgData name="Harsha Ky" userId="51654b9f203ea89d" providerId="Windows Live" clId="Web-{20423B53-5D3F-42C1-A728-93E76E8B30A8}" dt="2020-03-30T10:05:27.691" v="65"/>
+        <pc:sldMkLst>
+          <pc:docMk/>
+          <pc:sldMk cId="1054420920" sldId="271"/>
+        </pc:sldMkLst>
+      </pc:sldChg>
+      <pc:sldChg chg="addSp modSp new">
+        <pc:chgData name="Harsha Ky" userId="51654b9f203ea89d" providerId="Windows Live" clId="Web-{20423B53-5D3F-42C1-A728-93E76E8B30A8}" dt="2020-03-30T10:22:19.327" v="1910" actId="14100"/>
+        <pc:sldMkLst>
+          <pc:docMk/>
+          <pc:sldMk cId="2452716225" sldId="272"/>
+        </pc:sldMkLst>
+        <pc:spChg chg="mod">
+          <ac:chgData name="Harsha Ky" userId="51654b9f203ea89d" providerId="Windows Live" clId="Web-{20423B53-5D3F-42C1-A728-93E76E8B30A8}" dt="2020-03-30T10:21:11.280" v="1885" actId="20577"/>
+          <ac:spMkLst>
+            <pc:docMk/>
+            <pc:sldMk cId="2452716225" sldId="272"/>
+            <ac:spMk id="2" creationId="{62700633-8410-42C7-8E8C-D0A31453D838}"/>
+          </ac:spMkLst>
+        </pc:spChg>
+        <pc:spChg chg="mod">
+          <ac:chgData name="Harsha Ky" userId="51654b9f203ea89d" providerId="Windows Live" clId="Web-{20423B53-5D3F-42C1-A728-93E76E8B30A8}" dt="2020-03-30T10:22:04.905" v="1905" actId="20577"/>
+          <ac:spMkLst>
+            <pc:docMk/>
+            <pc:sldMk cId="2452716225" sldId="272"/>
+            <ac:spMk id="3" creationId="{D26B32AC-8E2D-4BEA-A55D-D382D388926E}"/>
+          </ac:spMkLst>
+        </pc:spChg>
+        <pc:picChg chg="add mod">
+          <ac:chgData name="Harsha Ky" userId="51654b9f203ea89d" providerId="Windows Live" clId="Web-{20423B53-5D3F-42C1-A728-93E76E8B30A8}" dt="2020-03-30T10:22:19.327" v="1910" actId="14100"/>
+          <ac:picMkLst>
+            <pc:docMk/>
+            <pc:sldMk cId="2452716225" sldId="272"/>
+            <ac:picMk id="4" creationId="{6A55683E-5C9F-4C72-8B61-97DBEB66F59B}"/>
+          </ac:picMkLst>
+        </pc:picChg>
+      </pc:sldChg>
+      <pc:sldChg chg="addSp modSp new">
+        <pc:chgData name="Harsha Ky" userId="51654b9f203ea89d" providerId="Windows Live" clId="Web-{20423B53-5D3F-42C1-A728-93E76E8B30A8}" dt="2020-03-30T10:39:42.891" v="2575" actId="14100"/>
+        <pc:sldMkLst>
+          <pc:docMk/>
+          <pc:sldMk cId="2902629462" sldId="273"/>
+        </pc:sldMkLst>
+        <pc:spChg chg="mod">
+          <ac:chgData name="Harsha Ky" userId="51654b9f203ea89d" providerId="Windows Live" clId="Web-{20423B53-5D3F-42C1-A728-93E76E8B30A8}" dt="2020-03-30T10:23:15.765" v="1949" actId="20577"/>
+          <ac:spMkLst>
+            <pc:docMk/>
+            <pc:sldMk cId="2902629462" sldId="273"/>
+            <ac:spMk id="2" creationId="{48C7C7BF-D634-46B5-BC7D-E71F3F3A95A8}"/>
+          </ac:spMkLst>
+        </pc:spChg>
+        <pc:spChg chg="mod">
+          <ac:chgData name="Harsha Ky" userId="51654b9f203ea89d" providerId="Windows Live" clId="Web-{20423B53-5D3F-42C1-A728-93E76E8B30A8}" dt="2020-03-30T10:39:32.156" v="2571" actId="20577"/>
+          <ac:spMkLst>
+            <pc:docMk/>
+            <pc:sldMk cId="2902629462" sldId="273"/>
+            <ac:spMk id="3" creationId="{D554E955-374B-44BD-AFC8-6585ED543466}"/>
+          </ac:spMkLst>
+        </pc:spChg>
+        <pc:picChg chg="add mod">
+          <ac:chgData name="Harsha Ky" userId="51654b9f203ea89d" providerId="Windows Live" clId="Web-{20423B53-5D3F-42C1-A728-93E76E8B30A8}" dt="2020-03-30T10:39:42.891" v="2575" actId="14100"/>
+          <ac:picMkLst>
+            <pc:docMk/>
+            <pc:sldMk cId="2902629462" sldId="273"/>
+            <ac:picMk id="4" creationId="{7C34FC55-9E1D-4711-BF6D-A583B6267261}"/>
+          </ac:picMkLst>
+        </pc:picChg>
+      </pc:sldChg>
+      <pc:sldChg chg="modSp new">
+        <pc:chgData name="Harsha Ky" userId="51654b9f203ea89d" providerId="Windows Live" clId="Web-{20423B53-5D3F-42C1-A728-93E76E8B30A8}" dt="2020-03-30T10:43:21.001" v="2712" actId="20577"/>
+        <pc:sldMkLst>
+          <pc:docMk/>
+          <pc:sldMk cId="4080191169" sldId="274"/>
+        </pc:sldMkLst>
+        <pc:spChg chg="mod">
+          <ac:chgData name="Harsha Ky" userId="51654b9f203ea89d" providerId="Windows Live" clId="Web-{20423B53-5D3F-42C1-A728-93E76E8B30A8}" dt="2020-03-30T10:40:44.469" v="2609" actId="20577"/>
+          <ac:spMkLst>
+            <pc:docMk/>
+            <pc:sldMk cId="4080191169" sldId="274"/>
+            <ac:spMk id="2" creationId="{EA55D31E-4E7C-4BAB-B34E-50C0C342A4E4}"/>
+          </ac:spMkLst>
+        </pc:spChg>
+        <pc:spChg chg="mod">
+          <ac:chgData name="Harsha Ky" userId="51654b9f203ea89d" providerId="Windows Live" clId="Web-{20423B53-5D3F-42C1-A728-93E76E8B30A8}" dt="2020-03-30T10:43:21.001" v="2712" actId="20577"/>
+          <ac:spMkLst>
+            <pc:docMk/>
+            <pc:sldMk cId="4080191169" sldId="274"/>
+            <ac:spMk id="3" creationId="{82E3D54E-A396-47DF-BE45-4BAE98D141E4}"/>
+          </ac:spMkLst>
+        </pc:spChg>
+      </pc:sldChg>
+      <pc:sldChg chg="addSp modSp add replId">
+        <pc:chgData name="Harsha Ky" userId="51654b9f203ea89d" providerId="Windows Live" clId="Web-{20423B53-5D3F-42C1-A728-93E76E8B30A8}" dt="2020-03-30T10:45:37.002" v="2731" actId="1076"/>
+        <pc:sldMkLst>
+          <pc:docMk/>
+          <pc:sldMk cId="1917577779" sldId="275"/>
+        </pc:sldMkLst>
+        <pc:spChg chg="mod">
+          <ac:chgData name="Harsha Ky" userId="51654b9f203ea89d" providerId="Windows Live" clId="Web-{20423B53-5D3F-42C1-A728-93E76E8B30A8}" dt="2020-03-30T10:45:26.986" v="2725" actId="20577"/>
+          <ac:spMkLst>
+            <pc:docMk/>
+            <pc:sldMk cId="1917577779" sldId="275"/>
+            <ac:spMk id="3" creationId="{82E3D54E-A396-47DF-BE45-4BAE98D141E4}"/>
+          </ac:spMkLst>
+        </pc:spChg>
+        <pc:picChg chg="add mod">
+          <ac:chgData name="Harsha Ky" userId="51654b9f203ea89d" providerId="Windows Live" clId="Web-{20423B53-5D3F-42C1-A728-93E76E8B30A8}" dt="2020-03-30T10:45:37.002" v="2731" actId="1076"/>
+          <ac:picMkLst>
+            <pc:docMk/>
+            <pc:sldMk cId="1917577779" sldId="275"/>
+            <ac:picMk id="4" creationId="{5A8E4678-E3CE-470E-9095-26FAA59B09C9}"/>
+          </ac:picMkLst>
+        </pc:picChg>
+      </pc:sldChg>
+      <pc:sldChg chg="new del">
+        <pc:chgData name="Harsha Ky" userId="51654b9f203ea89d" providerId="Windows Live" clId="Web-{20423B53-5D3F-42C1-A728-93E76E8B30A8}" dt="2020-03-30T10:43:25.814" v="2715"/>
+        <pc:sldMkLst>
+          <pc:docMk/>
+          <pc:sldMk cId="2456715572" sldId="275"/>
+        </pc:sldMkLst>
+      </pc:sldChg>
+      <pc:sldChg chg="addSp modSp new">
+        <pc:chgData name="Harsha Ky" userId="51654b9f203ea89d" providerId="Windows Live" clId="Web-{20423B53-5D3F-42C1-A728-93E76E8B30A8}" dt="2020-03-30T10:52:32.066" v="3008" actId="14100"/>
+        <pc:sldMkLst>
+          <pc:docMk/>
+          <pc:sldMk cId="283725290" sldId="276"/>
+        </pc:sldMkLst>
+        <pc:spChg chg="add mod">
+          <ac:chgData name="Harsha Ky" userId="51654b9f203ea89d" providerId="Windows Live" clId="Web-{20423B53-5D3F-42C1-A728-93E76E8B30A8}" dt="2020-03-30T10:51:25.488" v="2946" actId="14100"/>
+          <ac:spMkLst>
+            <pc:docMk/>
+            <pc:sldMk cId="283725290" sldId="276"/>
+            <ac:spMk id="3" creationId="{900F47E2-996A-4093-B753-EB3793C2C685}"/>
+          </ac:spMkLst>
+        </pc:spChg>
+        <pc:spChg chg="add mod">
+          <ac:chgData name="Harsha Ky" userId="51654b9f203ea89d" providerId="Windows Live" clId="Web-{20423B53-5D3F-42C1-A728-93E76E8B30A8}" dt="2020-03-30T10:52:05.941" v="3005" actId="14100"/>
+          <ac:spMkLst>
+            <pc:docMk/>
+            <pc:sldMk cId="283725290" sldId="276"/>
+            <ac:spMk id="6" creationId="{E91D52DD-31FD-4CED-A2FF-D1B65ABB87BE}"/>
+          </ac:spMkLst>
+        </pc:spChg>
+        <pc:picChg chg="add mod">
+          <ac:chgData name="Harsha Ky" userId="51654b9f203ea89d" providerId="Windows Live" clId="Web-{20423B53-5D3F-42C1-A728-93E76E8B30A8}" dt="2020-03-30T10:50:47.566" v="2871" actId="14100"/>
+          <ac:picMkLst>
+            <pc:docMk/>
+            <pc:sldMk cId="283725290" sldId="276"/>
+            <ac:picMk id="4" creationId="{4B8034ED-FD4E-4E94-B6B9-B2215E325447}"/>
+          </ac:picMkLst>
+        </pc:picChg>
+        <pc:picChg chg="add mod">
+          <ac:chgData name="Harsha Ky" userId="51654b9f203ea89d" providerId="Windows Live" clId="Web-{20423B53-5D3F-42C1-A728-93E76E8B30A8}" dt="2020-03-30T10:52:32.066" v="3008" actId="14100"/>
+          <ac:picMkLst>
+            <pc:docMk/>
+            <pc:sldMk cId="283725290" sldId="276"/>
+            <ac:picMk id="7" creationId="{77872856-6500-4B12-944A-D20AB603D9B0}"/>
+          </ac:picMkLst>
+        </pc:picChg>
+      </pc:sldChg>
+      <pc:sldChg chg="addSp delSp modSp new del">
+        <pc:chgData name="Harsha Ky" userId="51654b9f203ea89d" providerId="Windows Live" clId="Web-{20423B53-5D3F-42C1-A728-93E76E8B30A8}" dt="2020-03-30T10:49:40.066" v="2861"/>
+        <pc:sldMkLst>
+          <pc:docMk/>
+          <pc:sldMk cId="683250391" sldId="276"/>
+        </pc:sldMkLst>
+        <pc:spChg chg="mod">
+          <ac:chgData name="Harsha Ky" userId="51654b9f203ea89d" providerId="Windows Live" clId="Web-{20423B53-5D3F-42C1-A728-93E76E8B30A8}" dt="2020-03-30T10:48:39.846" v="2828" actId="20577"/>
+          <ac:spMkLst>
+            <pc:docMk/>
+            <pc:sldMk cId="683250391" sldId="276"/>
+            <ac:spMk id="2" creationId="{44D297C7-2C7E-4DA6-AEF7-C7E0BC9089ED}"/>
+          </ac:spMkLst>
+        </pc:spChg>
+        <pc:spChg chg="del">
+          <ac:chgData name="Harsha Ky" userId="51654b9f203ea89d" providerId="Windows Live" clId="Web-{20423B53-5D3F-42C1-A728-93E76E8B30A8}" dt="2020-03-30T10:49:24.331" v="2857"/>
+          <ac:spMkLst>
+            <pc:docMk/>
+            <pc:sldMk cId="683250391" sldId="276"/>
+            <ac:spMk id="3" creationId="{3F17F342-08E6-436C-AB2C-3F4B4D9D33E9}"/>
+          </ac:spMkLst>
+        </pc:spChg>
+        <pc:spChg chg="mod">
+          <ac:chgData name="Harsha Ky" userId="51654b9f203ea89d" providerId="Windows Live" clId="Web-{20423B53-5D3F-42C1-A728-93E76E8B30A8}" dt="2020-03-30T10:49:04.190" v="2855" actId="20577"/>
+          <ac:spMkLst>
+            <pc:docMk/>
+            <pc:sldMk cId="683250391" sldId="276"/>
+            <ac:spMk id="4" creationId="{82875C14-9C41-41B6-BBA6-D0CC72224B45}"/>
+          </ac:spMkLst>
+        </pc:spChg>
+        <pc:spChg chg="add mod">
+          <ac:chgData name="Harsha Ky" userId="51654b9f203ea89d" providerId="Windows Live" clId="Web-{20423B53-5D3F-42C1-A728-93E76E8B30A8}" dt="2020-03-30T10:49:34.909" v="2860"/>
+          <ac:spMkLst>
+            <pc:docMk/>
+            <pc:sldMk cId="683250391" sldId="276"/>
+            <ac:spMk id="8" creationId="{33E33CD0-EC7E-4E4B-914F-63FDFDD10F82}"/>
+          </ac:spMkLst>
+        </pc:spChg>
+        <pc:picChg chg="add del mod ord modCrop">
+          <ac:chgData name="Harsha Ky" userId="51654b9f203ea89d" providerId="Windows Live" clId="Web-{20423B53-5D3F-42C1-A728-93E76E8B30A8}" dt="2020-03-30T10:49:34.909" v="2860"/>
+          <ac:picMkLst>
+            <pc:docMk/>
+            <pc:sldMk cId="683250391" sldId="276"/>
+            <ac:picMk id="5" creationId="{252E57D3-8950-4036-8E38-8504FE4F7F94}"/>
+          </ac:picMkLst>
+        </pc:picChg>
+      </pc:sldChg>
+      <pc:sldChg chg="modSp new del">
+        <pc:chgData name="Harsha Ky" userId="51654b9f203ea89d" providerId="Windows Live" clId="Web-{20423B53-5D3F-42C1-A728-93E76E8B30A8}" dt="2020-03-30T10:48:00.565" v="2785"/>
+        <pc:sldMkLst>
+          <pc:docMk/>
+          <pc:sldMk cId="2047841598" sldId="276"/>
+        </pc:sldMkLst>
+        <pc:spChg chg="mod">
+          <ac:chgData name="Harsha Ky" userId="51654b9f203ea89d" providerId="Windows Live" clId="Web-{20423B53-5D3F-42C1-A728-93E76E8B30A8}" dt="2020-03-30T10:46:51.237" v="2764" actId="20577"/>
+          <ac:spMkLst>
+            <pc:docMk/>
+            <pc:sldMk cId="2047841598" sldId="276"/>
+            <ac:spMk id="2" creationId="{87A3465C-6B40-4E4E-90F9-571D38EAC9EC}"/>
+          </ac:spMkLst>
+        </pc:spChg>
+        <pc:spChg chg="mod">
+          <ac:chgData name="Harsha Ky" userId="51654b9f203ea89d" providerId="Windows Live" clId="Web-{20423B53-5D3F-42C1-A728-93E76E8B30A8}" dt="2020-03-30T10:48:00.534" v="2783" actId="20577"/>
+          <ac:spMkLst>
+            <pc:docMk/>
+            <pc:sldMk cId="2047841598" sldId="276"/>
+            <ac:spMk id="3" creationId="{59634213-E391-4088-AC45-49D92F557C72}"/>
+          </ac:spMkLst>
+        </pc:spChg>
+      </pc:sldChg>
+      <pc:sldChg chg="new del">
+        <pc:chgData name="Harsha Ky" userId="51654b9f203ea89d" providerId="Windows Live" clId="Web-{20423B53-5D3F-42C1-A728-93E76E8B30A8}" dt="2020-03-30T10:48:06.643" v="2787"/>
+        <pc:sldMkLst>
+          <pc:docMk/>
+          <pc:sldMk cId="4028341414" sldId="276"/>
+        </pc:sldMkLst>
+      </pc:sldChg>
+    </pc:docChg>
+  </pc:docChgLst>
+  <pc:docChgLst>
+    <pc:chgData name="Harsha Ky" userId="51654b9f203ea89d" providerId="Windows Live" clId="Web-{F01D4FF1-80D1-4260-9F7B-3F248C09A08D}"/>
+    <pc:docChg chg="modSld">
+      <pc:chgData name="Harsha Ky" userId="51654b9f203ea89d" providerId="Windows Live" clId="Web-{F01D4FF1-80D1-4260-9F7B-3F248C09A08D}" dt="2020-05-05T15:17:51.602" v="9" actId="20577"/>
+      <pc:docMkLst>
+        <pc:docMk/>
+      </pc:docMkLst>
+      <pc:sldChg chg="modSp">
+        <pc:chgData name="Harsha Ky" userId="51654b9f203ea89d" providerId="Windows Live" clId="Web-{F01D4FF1-80D1-4260-9F7B-3F248C09A08D}" dt="2020-05-05T15:17:51.570" v="8" actId="20577"/>
+        <pc:sldMkLst>
+          <pc:docMk/>
+          <pc:sldMk cId="2846483295" sldId="278"/>
+        </pc:sldMkLst>
+        <pc:spChg chg="mod">
+          <ac:chgData name="Harsha Ky" userId="51654b9f203ea89d" providerId="Windows Live" clId="Web-{F01D4FF1-80D1-4260-9F7B-3F248C09A08D}" dt="2020-05-05T15:17:51.570" v="8" actId="20577"/>
+          <ac:spMkLst>
+            <pc:docMk/>
+            <pc:sldMk cId="2846483295" sldId="278"/>
+            <ac:spMk id="3" creationId="{36E3F302-050D-49A8-BBF6-0528D7A171B1}"/>
+          </ac:spMkLst>
+        </pc:spChg>
+      </pc:sldChg>
+    </pc:docChg>
+  </pc:docChgLst>
+  <pc:docChgLst>
+    <pc:chgData name="Harsha Ky" userId="51654b9f203ea89d" providerId="Windows Live" clId="Web-{9E95AE69-D439-4F7B-9DC9-FDF50A79AC93}"/>
+    <pc:docChg chg="addSld delSld modSld">
+      <pc:chgData name="Harsha Ky" userId="51654b9f203ea89d" providerId="Windows Live" clId="Web-{9E95AE69-D439-4F7B-9DC9-FDF50A79AC93}" dt="2020-03-29T08:24:21.112" v="34"/>
+      <pc:docMkLst>
+        <pc:docMk/>
+      </pc:docMkLst>
+      <pc:sldChg chg="modSp new del">
+        <pc:chgData name="Harsha Ky" userId="51654b9f203ea89d" providerId="Windows Live" clId="Web-{9E95AE69-D439-4F7B-9DC9-FDF50A79AC93}" dt="2020-03-29T08:24:21.112" v="34"/>
+        <pc:sldMkLst>
+          <pc:docMk/>
+          <pc:sldMk cId="594935765" sldId="269"/>
+        </pc:sldMkLst>
+        <pc:spChg chg="mod">
+          <ac:chgData name="Harsha Ky" userId="51654b9f203ea89d" providerId="Windows Live" clId="Web-{9E95AE69-D439-4F7B-9DC9-FDF50A79AC93}" dt="2020-03-29T08:17:32.094" v="5" actId="20577"/>
+          <ac:spMkLst>
+            <pc:docMk/>
+            <pc:sldMk cId="594935765" sldId="269"/>
+            <ac:spMk id="2" creationId="{1C0A7C92-E4A8-4BC5-B517-4610367AC44A}"/>
+          </ac:spMkLst>
+        </pc:spChg>
+        <pc:spChg chg="mod">
+          <ac:chgData name="Harsha Ky" userId="51654b9f203ea89d" providerId="Windows Live" clId="Web-{9E95AE69-D439-4F7B-9DC9-FDF50A79AC93}" dt="2020-03-29T08:24:20.112" v="32" actId="20577"/>
+          <ac:spMkLst>
+            <pc:docMk/>
+            <pc:sldMk cId="594935765" sldId="269"/>
+            <ac:spMk id="3" creationId="{23BDD64C-3BE5-466A-B770-EC19029E212F}"/>
+          </ac:spMkLst>
+        </pc:spChg>
+      </pc:sldChg>
+    </pc:docChg>
+  </pc:docChgLst>
+  <pc:docChgLst>
+    <pc:chgData name="Harsha Ky" userId="51654b9f203ea89d" providerId="Windows Live" clId="Web-{011DFB8F-CD22-4A71-985B-928F94C1CE07}"/>
+    <pc:docChg chg="addSld modSld">
+      <pc:chgData name="Harsha Ky" userId="51654b9f203ea89d" providerId="Windows Live" clId="Web-{011DFB8F-CD22-4A71-985B-928F94C1CE07}" dt="2020-04-04T09:16:59.742" v="420" actId="20577"/>
+      <pc:docMkLst>
+        <pc:docMk/>
+      </pc:docMkLst>
+      <pc:sldChg chg="modSp">
+        <pc:chgData name="Harsha Ky" userId="51654b9f203ea89d" providerId="Windows Live" clId="Web-{011DFB8F-CD22-4A71-985B-928F94C1CE07}" dt="2020-04-04T08:55:25.218" v="74" actId="14100"/>
+        <pc:sldMkLst>
+          <pc:docMk/>
+          <pc:sldMk cId="608533324" sldId="269"/>
+        </pc:sldMkLst>
+        <pc:picChg chg="mod">
+          <ac:chgData name="Harsha Ky" userId="51654b9f203ea89d" providerId="Windows Live" clId="Web-{011DFB8F-CD22-4A71-985B-928F94C1CE07}" dt="2020-04-04T08:55:25.218" v="74" actId="14100"/>
+          <ac:picMkLst>
+            <pc:docMk/>
+            <pc:sldMk cId="608533324" sldId="269"/>
+            <ac:picMk id="2" creationId="{254E2AA7-AD54-4183-B5E7-AA9CBC44E2AD}"/>
+          </ac:picMkLst>
+        </pc:picChg>
+      </pc:sldChg>
+      <pc:sldChg chg="modSp">
+        <pc:chgData name="Harsha Ky" userId="51654b9f203ea89d" providerId="Windows Live" clId="Web-{011DFB8F-CD22-4A71-985B-928F94C1CE07}" dt="2020-04-04T08:52:58.640" v="4" actId="20577"/>
+        <pc:sldMkLst>
+          <pc:docMk/>
+          <pc:sldMk cId="956708869" sldId="271"/>
+        </pc:sldMkLst>
+        <pc:spChg chg="mod">
+          <ac:chgData name="Harsha Ky" userId="51654b9f203ea89d" providerId="Windows Live" clId="Web-{011DFB8F-CD22-4A71-985B-928F94C1CE07}" dt="2020-04-04T08:52:58.640" v="4" actId="20577"/>
+          <ac:spMkLst>
+            <pc:docMk/>
+            <pc:sldMk cId="956708869" sldId="271"/>
+            <ac:spMk id="3" creationId="{A6B7715D-E06D-4D95-B469-78B00FEE1280}"/>
+          </ac:spMkLst>
+        </pc:spChg>
+      </pc:sldChg>
+      <pc:sldChg chg="modSp">
+        <pc:chgData name="Harsha Ky" userId="51654b9f203ea89d" providerId="Windows Live" clId="Web-{011DFB8F-CD22-4A71-985B-928F94C1CE07}" dt="2020-04-04T08:53:09.687" v="7" actId="20577"/>
+        <pc:sldMkLst>
+          <pc:docMk/>
+          <pc:sldMk cId="2902629462" sldId="273"/>
+        </pc:sldMkLst>
+        <pc:spChg chg="mod">
+          <ac:chgData name="Harsha Ky" userId="51654b9f203ea89d" providerId="Windows Live" clId="Web-{011DFB8F-CD22-4A71-985B-928F94C1CE07}" dt="2020-04-04T08:53:09.687" v="7" actId="20577"/>
+          <ac:spMkLst>
+            <pc:docMk/>
+            <pc:sldMk cId="2902629462" sldId="273"/>
+            <ac:spMk id="3" creationId="{D554E955-374B-44BD-AFC8-6585ED543466}"/>
+          </ac:spMkLst>
+        </pc:spChg>
+      </pc:sldChg>
+      <pc:sldChg chg="modSp">
+        <pc:chgData name="Harsha Ky" userId="51654b9f203ea89d" providerId="Windows Live" clId="Web-{011DFB8F-CD22-4A71-985B-928F94C1CE07}" dt="2020-04-04T08:55:03.327" v="69" actId="20577"/>
+        <pc:sldMkLst>
+          <pc:docMk/>
+          <pc:sldMk cId="4080191169" sldId="274"/>
+        </pc:sldMkLst>
+        <pc:spChg chg="mod">
+          <ac:chgData name="Harsha Ky" userId="51654b9f203ea89d" providerId="Windows Live" clId="Web-{011DFB8F-CD22-4A71-985B-928F94C1CE07}" dt="2020-04-04T08:55:03.327" v="69" actId="20577"/>
+          <ac:spMkLst>
+            <pc:docMk/>
+            <pc:sldMk cId="4080191169" sldId="274"/>
+            <ac:spMk id="3" creationId="{82E3D54E-A396-47DF-BE45-4BAE98D141E4}"/>
+          </ac:spMkLst>
+        </pc:spChg>
+      </pc:sldChg>
+      <pc:sldChg chg="modSp new">
+        <pc:chgData name="Harsha Ky" userId="51654b9f203ea89d" providerId="Windows Live" clId="Web-{011DFB8F-CD22-4A71-985B-928F94C1CE07}" dt="2020-04-04T08:55:09.624" v="71" actId="20577"/>
+        <pc:sldMkLst>
+          <pc:docMk/>
+          <pc:sldMk cId="2725251063" sldId="277"/>
+        </pc:sldMkLst>
+        <pc:spChg chg="mod">
+          <ac:chgData name="Harsha Ky" userId="51654b9f203ea89d" providerId="Windows Live" clId="Web-{011DFB8F-CD22-4A71-985B-928F94C1CE07}" dt="2020-04-04T08:53:32.937" v="42" actId="20577"/>
+          <ac:spMkLst>
+            <pc:docMk/>
+            <pc:sldMk cId="2725251063" sldId="277"/>
+            <ac:spMk id="2" creationId="{1758B9CA-6DA7-4C56-B38D-2F52987D4CE2}"/>
+          </ac:spMkLst>
+        </pc:spChg>
+        <pc:spChg chg="mod">
+          <ac:chgData name="Harsha Ky" userId="51654b9f203ea89d" providerId="Windows Live" clId="Web-{011DFB8F-CD22-4A71-985B-928F94C1CE07}" dt="2020-04-04T08:55:09.624" v="71" actId="20577"/>
+          <ac:spMkLst>
+            <pc:docMk/>
+            <pc:sldMk cId="2725251063" sldId="277"/>
+            <ac:spMk id="3" creationId="{BE666ADA-1836-4154-9E47-88ED99B0E97A}"/>
+          </ac:spMkLst>
+        </pc:spChg>
+      </pc:sldChg>
+      <pc:sldChg chg="modSp new">
+        <pc:chgData name="Harsha Ky" userId="51654b9f203ea89d" providerId="Windows Live" clId="Web-{011DFB8F-CD22-4A71-985B-928F94C1CE07}" dt="2020-04-04T09:06:51.557" v="183" actId="20577"/>
+        <pc:sldMkLst>
+          <pc:docMk/>
+          <pc:sldMk cId="2846483295" sldId="278"/>
+        </pc:sldMkLst>
+        <pc:spChg chg="mod">
+          <ac:chgData name="Harsha Ky" userId="51654b9f203ea89d" providerId="Windows Live" clId="Web-{011DFB8F-CD22-4A71-985B-928F94C1CE07}" dt="2020-04-04T09:04:56.136" v="87" actId="20577"/>
+          <ac:spMkLst>
+            <pc:docMk/>
+            <pc:sldMk cId="2846483295" sldId="278"/>
+            <ac:spMk id="2" creationId="{74FD4279-7E5C-4DB3-A420-E6C1EA8F4AB8}"/>
+          </ac:spMkLst>
+        </pc:spChg>
+        <pc:spChg chg="mod">
+          <ac:chgData name="Harsha Ky" userId="51654b9f203ea89d" providerId="Windows Live" clId="Web-{011DFB8F-CD22-4A71-985B-928F94C1CE07}" dt="2020-04-04T09:06:51.557" v="183" actId="20577"/>
+          <ac:spMkLst>
+            <pc:docMk/>
+            <pc:sldMk cId="2846483295" sldId="278"/>
+            <ac:spMk id="3" creationId="{36E3F302-050D-49A8-BBF6-0528D7A171B1}"/>
+          </ac:spMkLst>
+        </pc:spChg>
+      </pc:sldChg>
+      <pc:sldChg chg="modSp new">
+        <pc:chgData name="Harsha Ky" userId="51654b9f203ea89d" providerId="Windows Live" clId="Web-{011DFB8F-CD22-4A71-985B-928F94C1CE07}" dt="2020-04-04T09:16:59.710" v="419" actId="20577"/>
+        <pc:sldMkLst>
+          <pc:docMk/>
+          <pc:sldMk cId="2136355373" sldId="279"/>
+        </pc:sldMkLst>
+        <pc:spChg chg="mod">
+          <ac:chgData name="Harsha Ky" userId="51654b9f203ea89d" providerId="Windows Live" clId="Web-{011DFB8F-CD22-4A71-985B-928F94C1CE07}" dt="2020-04-04T09:08:06.213" v="215" actId="20577"/>
+          <ac:spMkLst>
+            <pc:docMk/>
+            <pc:sldMk cId="2136355373" sldId="279"/>
+            <ac:spMk id="2" creationId="{E6483948-4089-4AD3-8C97-90E9C69E8D31}"/>
+          </ac:spMkLst>
+        </pc:spChg>
+        <pc:spChg chg="mod">
+          <ac:chgData name="Harsha Ky" userId="51654b9f203ea89d" providerId="Windows Live" clId="Web-{011DFB8F-CD22-4A71-985B-928F94C1CE07}" dt="2020-04-04T09:16:59.710" v="419" actId="20577"/>
+          <ac:spMkLst>
+            <pc:docMk/>
+            <pc:sldMk cId="2136355373" sldId="279"/>
+            <ac:spMk id="3" creationId="{2D53A7E2-773C-4AE0-83F0-737E07E893DC}"/>
+          </ac:spMkLst>
+        </pc:spChg>
+      </pc:sldChg>
+    </pc:docChg>
+  </pc:docChgLst>
+  <pc:docChgLst>
+    <pc:chgData name="Harsha Ky" userId="51654b9f203ea89d" providerId="Windows Live" clId="Web-{6F58505B-2D01-43E4-9D0D-E3FE3E7997EC}"/>
+    <pc:docChg chg="modSld">
+      <pc:chgData name="Harsha Ky" userId="51654b9f203ea89d" providerId="Windows Live" clId="Web-{6F58505B-2D01-43E4-9D0D-E3FE3E7997EC}" dt="2020-05-15T11:23:11.539" v="9" actId="20577"/>
+      <pc:docMkLst>
+        <pc:docMk/>
+      </pc:docMkLst>
+      <pc:sldChg chg="addSp delSp modSp">
+        <pc:chgData name="Harsha Ky" userId="51654b9f203ea89d" providerId="Windows Live" clId="Web-{6F58505B-2D01-43E4-9D0D-E3FE3E7997EC}" dt="2020-05-15T11:23:11.539" v="9" actId="20577"/>
+        <pc:sldMkLst>
+          <pc:docMk/>
+          <pc:sldMk cId="1917577779" sldId="275"/>
+        </pc:sldMkLst>
+        <pc:spChg chg="mod">
+          <ac:chgData name="Harsha Ky" userId="51654b9f203ea89d" providerId="Windows Live" clId="Web-{6F58505B-2D01-43E4-9D0D-E3FE3E7997EC}" dt="2020-05-15T11:23:11.539" v="9" actId="20577"/>
+          <ac:spMkLst>
+            <pc:docMk/>
+            <pc:sldMk cId="1917577779" sldId="275"/>
+            <ac:spMk id="3" creationId="{82E3D54E-A396-47DF-BE45-4BAE98D141E4}"/>
+          </ac:spMkLst>
+        </pc:spChg>
+        <pc:picChg chg="add del">
+          <ac:chgData name="Harsha Ky" userId="51654b9f203ea89d" providerId="Windows Live" clId="Web-{6F58505B-2D01-43E4-9D0D-E3FE3E7997EC}" dt="2020-05-15T11:23:10.304" v="6"/>
+          <ac:picMkLst>
+            <pc:docMk/>
+            <pc:sldMk cId="1917577779" sldId="275"/>
+            <ac:picMk id="5" creationId="{528C34C1-3A39-44CD-B839-C0C15B1C98DA}"/>
+          </ac:picMkLst>
+        </pc:picChg>
+      </pc:sldChg>
+    </pc:docChg>
+  </pc:docChgLst>
+  <pc:docChgLst>
+    <pc:chgData name="Harsha Ky" userId="51654b9f203ea89d" providerId="Windows Live" clId="Web-{1160FAA9-F999-4E44-9E74-425A0C1DC568}"/>
+    <pc:docChg chg="modSld">
+      <pc:chgData name="Harsha Ky" userId="51654b9f203ea89d" providerId="Windows Live" clId="Web-{1160FAA9-F999-4E44-9E74-425A0C1DC568}" dt="2020-02-17T14:44:16.976" v="1222" actId="20577"/>
+      <pc:docMkLst>
+        <pc:docMk/>
+      </pc:docMkLst>
+      <pc:sldChg chg="modSp">
+        <pc:chgData name="Harsha Ky" userId="51654b9f203ea89d" providerId="Windows Live" clId="Web-{1160FAA9-F999-4E44-9E74-425A0C1DC568}" dt="2020-02-17T14:39:46.881" v="740" actId="20577"/>
+        <pc:sldMkLst>
+          <pc:docMk/>
+          <pc:sldMk cId="4224461443" sldId="264"/>
+        </pc:sldMkLst>
+        <pc:spChg chg="mod">
+          <ac:chgData name="Harsha Ky" userId="51654b9f203ea89d" providerId="Windows Live" clId="Web-{1160FAA9-F999-4E44-9E74-425A0C1DC568}" dt="2020-02-17T14:39:46.881" v="740" actId="20577"/>
+          <ac:spMkLst>
+            <pc:docMk/>
+            <pc:sldMk cId="4224461443" sldId="264"/>
+            <ac:spMk id="3" creationId="{082142D9-7288-44D9-B983-9EC873349898}"/>
+          </ac:spMkLst>
+        </pc:spChg>
+      </pc:sldChg>
+      <pc:sldChg chg="modSp">
+        <pc:chgData name="Harsha Ky" userId="51654b9f203ea89d" providerId="Windows Live" clId="Web-{1160FAA9-F999-4E44-9E74-425A0C1DC568}" dt="2020-02-17T14:44:16.976" v="1221" actId="20577"/>
+        <pc:sldMkLst>
+          <pc:docMk/>
+          <pc:sldMk cId="4109507159" sldId="266"/>
+        </pc:sldMkLst>
+        <pc:spChg chg="mod">
+          <ac:chgData name="Harsha Ky" userId="51654b9f203ea89d" providerId="Windows Live" clId="Web-{1160FAA9-F999-4E44-9E74-425A0C1DC568}" dt="2020-02-17T14:44:16.976" v="1221" actId="20577"/>
+          <ac:spMkLst>
+            <pc:docMk/>
+            <pc:sldMk cId="4109507159" sldId="266"/>
+            <ac:spMk id="3" creationId="{829A0375-0F36-4FC5-94C5-2BD1EF3C4534}"/>
+          </ac:spMkLst>
+        </pc:spChg>
+      </pc:sldChg>
+    </pc:docChg>
+  </pc:docChgLst>
+  <pc:docChgLst>
+    <pc:chgData name="Harsha Ky" userId="51654b9f203ea89d" providerId="Windows Live" clId="Web-{1AA8C00A-21E9-487B-9FFB-3B0D252F9148}"/>
+    <pc:docChg chg="addSld modSld">
+      <pc:chgData name="Harsha Ky" userId="51654b9f203ea89d" providerId="Windows Live" clId="Web-{1AA8C00A-21E9-487B-9FFB-3B0D252F9148}" dt="2020-02-24T16:31:04.614" v="1701" actId="20577"/>
+      <pc:docMkLst>
+        <pc:docMk/>
+      </pc:docMkLst>
+      <pc:sldChg chg="modSp">
+        <pc:chgData name="Harsha Ky" userId="51654b9f203ea89d" providerId="Windows Live" clId="Web-{1AA8C00A-21E9-487B-9FFB-3B0D252F9148}" dt="2020-02-24T16:19:57.657" v="501" actId="20577"/>
+        <pc:sldMkLst>
+          <pc:docMk/>
+          <pc:sldMk cId="4070865485" sldId="262"/>
+        </pc:sldMkLst>
+        <pc:spChg chg="mod">
+          <ac:chgData name="Harsha Ky" userId="51654b9f203ea89d" providerId="Windows Live" clId="Web-{1AA8C00A-21E9-487B-9FFB-3B0D252F9148}" dt="2020-02-24T16:19:57.657" v="501" actId="20577"/>
+          <ac:spMkLst>
+            <pc:docMk/>
+            <pc:sldMk cId="4070865485" sldId="262"/>
+            <ac:spMk id="3" creationId="{65640DC7-3A11-4AAD-A7EA-E95CE584DCCC}"/>
+          </ac:spMkLst>
+        </pc:spChg>
+      </pc:sldChg>
+      <pc:sldChg chg="modSp">
+        <pc:chgData name="Harsha Ky" userId="51654b9f203ea89d" providerId="Windows Live" clId="Web-{1AA8C00A-21E9-487B-9FFB-3B0D252F9148}" dt="2020-02-24T16:21:30.627" v="617" actId="20577"/>
+        <pc:sldMkLst>
+          <pc:docMk/>
+          <pc:sldMk cId="4224461443" sldId="264"/>
+        </pc:sldMkLst>
+        <pc:spChg chg="mod">
+          <ac:chgData name="Harsha Ky" userId="51654b9f203ea89d" providerId="Windows Live" clId="Web-{1AA8C00A-21E9-487B-9FFB-3B0D252F9148}" dt="2020-02-24T16:21:30.627" v="617" actId="20577"/>
+          <ac:spMkLst>
+            <pc:docMk/>
+            <pc:sldMk cId="4224461443" sldId="264"/>
+            <ac:spMk id="3" creationId="{082142D9-7288-44D9-B983-9EC873349898}"/>
+          </ac:spMkLst>
+        </pc:spChg>
+      </pc:sldChg>
+      <pc:sldChg chg="modSp new">
+        <pc:chgData name="Harsha Ky" userId="51654b9f203ea89d" providerId="Windows Live" clId="Web-{1AA8C00A-21E9-487B-9FFB-3B0D252F9148}" dt="2020-02-24T16:31:04.598" v="1700" actId="20577"/>
+        <pc:sldMkLst>
+          <pc:docMk/>
+          <pc:sldMk cId="1853761156" sldId="267"/>
+        </pc:sldMkLst>
+        <pc:spChg chg="mod">
+          <ac:chgData name="Harsha Ky" userId="51654b9f203ea89d" providerId="Windows Live" clId="Web-{1AA8C00A-21E9-487B-9FFB-3B0D252F9148}" dt="2020-02-24T16:21:38.721" v="624" actId="20577"/>
+          <ac:spMkLst>
+            <pc:docMk/>
+            <pc:sldMk cId="1853761156" sldId="267"/>
+            <ac:spMk id="2" creationId="{CAC2C6F0-F013-47F9-9A65-7E7EDACF829C}"/>
+          </ac:spMkLst>
+        </pc:spChg>
+        <pc:spChg chg="mod">
+          <ac:chgData name="Harsha Ky" userId="51654b9f203ea89d" providerId="Windows Live" clId="Web-{1AA8C00A-21E9-487B-9FFB-3B0D252F9148}" dt="2020-02-24T16:31:04.598" v="1700" actId="20577"/>
+          <ac:spMkLst>
+            <pc:docMk/>
+            <pc:sldMk cId="1853761156" sldId="267"/>
+            <ac:spMk id="3" creationId="{7015AAE9-DED0-4583-93D7-F25216D9058F}"/>
+          </ac:spMkLst>
+        </pc:spChg>
+      </pc:sldChg>
+    </pc:docChg>
+  </pc:docChgLst>
+  <pc:docChgLst>
+    <pc:chgData name="Harsha Ky" userId="51654b9f203ea89d" providerId="Windows Live" clId="Web-{CD649366-30A7-412D-8605-5CBD1A566ADE}"/>
+    <pc:docChg chg="addSld delSld modSld sldOrd">
+      <pc:chgData name="Harsha Ky" userId="51654b9f203ea89d" providerId="Windows Live" clId="Web-{CD649366-30A7-412D-8605-5CBD1A566ADE}" dt="2020-02-26T10:22:40.245" v="1071" actId="20577"/>
+      <pc:docMkLst>
+        <pc:docMk/>
+      </pc:docMkLst>
+      <pc:sldChg chg="modSp">
+        <pc:chgData name="Harsha Ky" userId="51654b9f203ea89d" providerId="Windows Live" clId="Web-{CD649366-30A7-412D-8605-5CBD1A566ADE}" dt="2020-02-26T08:52:34.990" v="10"/>
+        <pc:sldMkLst>
+          <pc:docMk/>
+          <pc:sldMk cId="3085881011" sldId="257"/>
+        </pc:sldMkLst>
+        <pc:spChg chg="mod">
+          <ac:chgData name="Harsha Ky" userId="51654b9f203ea89d" providerId="Windows Live" clId="Web-{CD649366-30A7-412D-8605-5CBD1A566ADE}" dt="2020-02-26T08:52:34.990" v="10"/>
+          <ac:spMkLst>
+            <pc:docMk/>
+            <pc:sldMk cId="3085881011" sldId="257"/>
+            <ac:spMk id="3" creationId="{E87AB376-CC3B-4787-B404-735EBF109E79}"/>
+          </ac:spMkLst>
+        </pc:spChg>
+      </pc:sldChg>
+      <pc:sldChg chg="ord">
+        <pc:chgData name="Harsha Ky" userId="51654b9f203ea89d" providerId="Windows Live" clId="Web-{CD649366-30A7-412D-8605-5CBD1A566ADE}" dt="2020-02-26T08:53:15.052" v="31"/>
+        <pc:sldMkLst>
+          <pc:docMk/>
+          <pc:sldMk cId="2775838959" sldId="258"/>
+        </pc:sldMkLst>
+      </pc:sldChg>
+      <pc:sldChg chg="modSp">
+        <pc:chgData name="Harsha Ky" userId="51654b9f203ea89d" providerId="Windows Live" clId="Web-{CD649366-30A7-412D-8605-5CBD1A566ADE}" dt="2020-02-26T09:07:45.952" v="818" actId="20577"/>
+        <pc:sldMkLst>
+          <pc:docMk/>
+          <pc:sldMk cId="4070865485" sldId="262"/>
+        </pc:sldMkLst>
+        <pc:spChg chg="mod">
+          <ac:chgData name="Harsha Ky" userId="51654b9f203ea89d" providerId="Windows Live" clId="Web-{CD649366-30A7-412D-8605-5CBD1A566ADE}" dt="2020-02-26T09:07:45.952" v="818" actId="20577"/>
+          <ac:spMkLst>
+            <pc:docMk/>
+            <pc:sldMk cId="4070865485" sldId="262"/>
+            <ac:spMk id="3" creationId="{65640DC7-3A11-4AAD-A7EA-E95CE584DCCC}"/>
+          </ac:spMkLst>
+        </pc:spChg>
+      </pc:sldChg>
+      <pc:sldChg chg="modSp del">
+        <pc:chgData name="Harsha Ky" userId="51654b9f203ea89d" providerId="Windows Live" clId="Web-{CD649366-30A7-412D-8605-5CBD1A566ADE}" dt="2020-02-26T09:07:49.139" v="820"/>
+        <pc:sldMkLst>
+          <pc:docMk/>
+          <pc:sldMk cId="1111107165" sldId="263"/>
+        </pc:sldMkLst>
+        <pc:spChg chg="mod">
+          <ac:chgData name="Harsha Ky" userId="51654b9f203ea89d" providerId="Windows Live" clId="Web-{CD649366-30A7-412D-8605-5CBD1A566ADE}" dt="2020-02-26T09:07:34.670" v="807" actId="20577"/>
+          <ac:spMkLst>
+            <pc:docMk/>
+            <pc:sldMk cId="1111107165" sldId="263"/>
+            <ac:spMk id="3" creationId="{DE3E18F3-CBA2-4749-A22C-66CC458D344C}"/>
+          </ac:spMkLst>
+        </pc:spChg>
+      </pc:sldChg>
+      <pc:sldChg chg="modSp">
+        <pc:chgData name="Harsha Ky" userId="51654b9f203ea89d" providerId="Windows Live" clId="Web-{CD649366-30A7-412D-8605-5CBD1A566ADE}" dt="2020-02-26T08:54:31.788" v="61" actId="20577"/>
+        <pc:sldMkLst>
+          <pc:docMk/>
+          <pc:sldMk cId="4224461443" sldId="264"/>
+        </pc:sldMkLst>
+        <pc:spChg chg="mod">
+          <ac:chgData name="Harsha Ky" userId="51654b9f203ea89d" providerId="Windows Live" clId="Web-{CD649366-30A7-412D-8605-5CBD1A566ADE}" dt="2020-02-26T08:54:31.788" v="61" actId="20577"/>
+          <ac:spMkLst>
+            <pc:docMk/>
+            <pc:sldMk cId="4224461443" sldId="264"/>
+            <ac:spMk id="3" creationId="{082142D9-7288-44D9-B983-9EC873349898}"/>
+          </ac:spMkLst>
+        </pc:spChg>
+      </pc:sldChg>
+      <pc:sldChg chg="modSp">
+        <pc:chgData name="Harsha Ky" userId="51654b9f203ea89d" providerId="Windows Live" clId="Web-{CD649366-30A7-412D-8605-5CBD1A566ADE}" dt="2020-02-26T08:54:54.897" v="70" actId="20577"/>
+        <pc:sldMkLst>
+          <pc:docMk/>
+          <pc:sldMk cId="2983497765" sldId="265"/>
+        </pc:sldMkLst>
+        <pc:spChg chg="mod">
+          <ac:chgData name="Harsha Ky" userId="51654b9f203ea89d" providerId="Windows Live" clId="Web-{CD649366-30A7-412D-8605-5CBD1A566ADE}" dt="2020-02-26T08:54:54.897" v="70" actId="20577"/>
+          <ac:spMkLst>
+            <pc:docMk/>
+            <pc:sldMk cId="2983497765" sldId="265"/>
+            <ac:spMk id="3" creationId="{6992825B-62A6-4488-8566-CC0944726E6A}"/>
+          </ac:spMkLst>
+        </pc:spChg>
+      </pc:sldChg>
+      <pc:sldChg chg="modSp">
+        <pc:chgData name="Harsha Ky" userId="51654b9f203ea89d" providerId="Windows Live" clId="Web-{CD649366-30A7-412D-8605-5CBD1A566ADE}" dt="2020-02-26T10:18:53.776" v="837" actId="20577"/>
+        <pc:sldMkLst>
+          <pc:docMk/>
+          <pc:sldMk cId="4109507159" sldId="266"/>
+        </pc:sldMkLst>
+        <pc:spChg chg="mod">
+          <ac:chgData name="Harsha Ky" userId="51654b9f203ea89d" providerId="Windows Live" clId="Web-{CD649366-30A7-412D-8605-5CBD1A566ADE}" dt="2020-02-26T10:18:53.776" v="837" actId="20577"/>
+          <ac:spMkLst>
+            <pc:docMk/>
+            <pc:sldMk cId="4109507159" sldId="266"/>
+            <ac:spMk id="3" creationId="{829A0375-0F36-4FC5-94C5-2BD1EF3C4534}"/>
+          </ac:spMkLst>
+        </pc:spChg>
+      </pc:sldChg>
+      <pc:sldChg chg="modSp">
+        <pc:chgData name="Harsha Ky" userId="51654b9f203ea89d" providerId="Windows Live" clId="Web-{CD649366-30A7-412D-8605-5CBD1A566ADE}" dt="2020-02-26T10:17:42.588" v="829" actId="20577"/>
+        <pc:sldMkLst>
+          <pc:docMk/>
+          <pc:sldMk cId="1853761156" sldId="267"/>
+        </pc:sldMkLst>
+        <pc:spChg chg="mod">
+          <ac:chgData name="Harsha Ky" userId="51654b9f203ea89d" providerId="Windows Live" clId="Web-{CD649366-30A7-412D-8605-5CBD1A566ADE}" dt="2020-02-26T10:17:42.588" v="829" actId="20577"/>
+          <ac:spMkLst>
+            <pc:docMk/>
+            <pc:sldMk cId="1853761156" sldId="267"/>
+            <ac:spMk id="3" creationId="{7015AAE9-DED0-4583-93D7-F25216D9058F}"/>
+          </ac:spMkLst>
+        </pc:spChg>
+      </pc:sldChg>
+      <pc:sldChg chg="modSp new">
+        <pc:chgData name="Harsha Ky" userId="51654b9f203ea89d" providerId="Windows Live" clId="Web-{CD649366-30A7-412D-8605-5CBD1A566ADE}" dt="2020-02-26T10:22:40.230" v="1070" actId="20577"/>
+        <pc:sldMkLst>
+          <pc:docMk/>
+          <pc:sldMk cId="682909928" sldId="268"/>
+        </pc:sldMkLst>
+        <pc:spChg chg="mod">
+          <ac:chgData name="Harsha Ky" userId="51654b9f203ea89d" providerId="Windows Live" clId="Web-{CD649366-30A7-412D-8605-5CBD1A566ADE}" dt="2020-02-26T10:19:50.432" v="851" actId="20577"/>
+          <ac:spMkLst>
+            <pc:docMk/>
+            <pc:sldMk cId="682909928" sldId="268"/>
+            <ac:spMk id="2" creationId="{021CCEDC-8866-4ED2-9B81-72694EDB3841}"/>
+          </ac:spMkLst>
+        </pc:spChg>
+        <pc:spChg chg="mod">
+          <ac:chgData name="Harsha Ky" userId="51654b9f203ea89d" providerId="Windows Live" clId="Web-{CD649366-30A7-412D-8605-5CBD1A566ADE}" dt="2020-02-26T10:22:40.230" v="1070" actId="20577"/>
           <ac:spMkLst>
             <pc:docMk/>
             <pc:sldMk cId="682909928" sldId="268"/>
@@ -309,923 +1709,6 @@
     </pc:docChg>
   </pc:docChgLst>
   <pc:docChgLst>
-    <pc:chgData name="Harsha Ky" userId="51654b9f203ea89d" providerId="Windows Live" clId="Web-{20423B53-5D3F-42C1-A728-93E76E8B30A8}"/>
-    <pc:docChg chg="addSld delSld modSld">
-      <pc:chgData name="Harsha Ky" userId="51654b9f203ea89d" providerId="Windows Live" clId="Web-{20423B53-5D3F-42C1-A728-93E76E8B30A8}" dt="2020-03-30T10:53:26.520" v="3012"/>
-      <pc:docMkLst>
-        <pc:docMk/>
-      </pc:docMkLst>
-      <pc:sldChg chg="modSp del">
-        <pc:chgData name="Harsha Ky" userId="51654b9f203ea89d" providerId="Windows Live" clId="Web-{20423B53-5D3F-42C1-A728-93E76E8B30A8}" dt="2020-03-30T10:53:26.520" v="3012"/>
-        <pc:sldMkLst>
-          <pc:docMk/>
-          <pc:sldMk cId="682909928" sldId="268"/>
-        </pc:sldMkLst>
-        <pc:spChg chg="mod">
-          <ac:chgData name="Harsha Ky" userId="51654b9f203ea89d" providerId="Windows Live" clId="Web-{20423B53-5D3F-42C1-A728-93E76E8B30A8}" dt="2020-03-30T10:53:24.442" v="3009" actId="20577"/>
-          <ac:spMkLst>
-            <pc:docMk/>
-            <pc:sldMk cId="682909928" sldId="268"/>
-            <ac:spMk id="3" creationId="{CAEDD0D8-A3C3-480E-873E-2C1BC04CA086}"/>
-          </ac:spMkLst>
-        </pc:spChg>
-      </pc:sldChg>
-      <pc:sldChg chg="addSp modSp new">
-        <pc:chgData name="Harsha Ky" userId="51654b9f203ea89d" providerId="Windows Live" clId="Web-{20423B53-5D3F-42C1-A728-93E76E8B30A8}" dt="2020-03-30T09:51:25.985" v="33" actId="20577"/>
-        <pc:sldMkLst>
-          <pc:docMk/>
-          <pc:sldMk cId="608533324" sldId="269"/>
-        </pc:sldMkLst>
-        <pc:spChg chg="add mod">
-          <ac:chgData name="Harsha Ky" userId="51654b9f203ea89d" providerId="Windows Live" clId="Web-{20423B53-5D3F-42C1-A728-93E76E8B30A8}" dt="2020-03-30T09:51:25.985" v="33" actId="20577"/>
-          <ac:spMkLst>
-            <pc:docMk/>
-            <pc:sldMk cId="608533324" sldId="269"/>
-            <ac:spMk id="4" creationId="{A8BA48F2-ECF0-46FC-8D6D-83BE11E91723}"/>
-          </ac:spMkLst>
-        </pc:spChg>
-        <pc:picChg chg="add mod">
-          <ac:chgData name="Harsha Ky" userId="51654b9f203ea89d" providerId="Windows Live" clId="Web-{20423B53-5D3F-42C1-A728-93E76E8B30A8}" dt="2020-03-30T09:51:06.235" v="19" actId="14100"/>
-          <ac:picMkLst>
-            <pc:docMk/>
-            <pc:sldMk cId="608533324" sldId="269"/>
-            <ac:picMk id="2" creationId="{254E2AA7-AD54-4183-B5E7-AA9CBC44E2AD}"/>
-          </ac:picMkLst>
-        </pc:picChg>
-      </pc:sldChg>
-      <pc:sldChg chg="addSp delSp modSp new del">
-        <pc:chgData name="Harsha Ky" userId="51654b9f203ea89d" providerId="Windows Live" clId="Web-{20423B53-5D3F-42C1-A728-93E76E8B30A8}" dt="2020-03-30T09:49:59.672" v="11"/>
-        <pc:sldMkLst>
-          <pc:docMk/>
-          <pc:sldMk cId="742609291" sldId="269"/>
-        </pc:sldMkLst>
-        <pc:spChg chg="del mod">
-          <ac:chgData name="Harsha Ky" userId="51654b9f203ea89d" providerId="Windows Live" clId="Web-{20423B53-5D3F-42C1-A728-93E76E8B30A8}" dt="2020-03-30T09:49:56.422" v="10"/>
-          <ac:spMkLst>
-            <pc:docMk/>
-            <pc:sldMk cId="742609291" sldId="269"/>
-            <ac:spMk id="2" creationId="{36FB8952-A975-40F7-9905-87C976938F89}"/>
-          </ac:spMkLst>
-        </pc:spChg>
-        <pc:spChg chg="del">
-          <ac:chgData name="Harsha Ky" userId="51654b9f203ea89d" providerId="Windows Live" clId="Web-{20423B53-5D3F-42C1-A728-93E76E8B30A8}" dt="2020-03-30T09:49:32.188" v="6"/>
-          <ac:spMkLst>
-            <pc:docMk/>
-            <pc:sldMk cId="742609291" sldId="269"/>
-            <ac:spMk id="3" creationId="{DC769BCE-777A-4FDA-96EC-B9285EB9F02A}"/>
-          </ac:spMkLst>
-        </pc:spChg>
-        <pc:spChg chg="add mod">
-          <ac:chgData name="Harsha Ky" userId="51654b9f203ea89d" providerId="Windows Live" clId="Web-{20423B53-5D3F-42C1-A728-93E76E8B30A8}" dt="2020-03-30T09:49:56.422" v="10"/>
-          <ac:spMkLst>
-            <pc:docMk/>
-            <pc:sldMk cId="742609291" sldId="269"/>
-            <ac:spMk id="7" creationId="{E7BD4CC3-BFE4-4606-9EFA-D50F9CDC7D8E}"/>
-          </ac:spMkLst>
-        </pc:spChg>
-        <pc:picChg chg="add mod ord">
-          <ac:chgData name="Harsha Ky" userId="51654b9f203ea89d" providerId="Windows Live" clId="Web-{20423B53-5D3F-42C1-A728-93E76E8B30A8}" dt="2020-03-30T09:49:46.329" v="9" actId="1076"/>
-          <ac:picMkLst>
-            <pc:docMk/>
-            <pc:sldMk cId="742609291" sldId="269"/>
-            <ac:picMk id="4" creationId="{A50403F4-5BFE-4C27-AA3C-362908FB7C80}"/>
-          </ac:picMkLst>
-        </pc:picChg>
-      </pc:sldChg>
-      <pc:sldChg chg="addSp modSp new">
-        <pc:chgData name="Harsha Ky" userId="51654b9f203ea89d" providerId="Windows Live" clId="Web-{20423B53-5D3F-42C1-A728-93E76E8B30A8}" dt="2020-03-30T10:04:08.269" v="63" actId="14100"/>
-        <pc:sldMkLst>
-          <pc:docMk/>
-          <pc:sldMk cId="309574019" sldId="270"/>
-        </pc:sldMkLst>
-        <pc:spChg chg="add mod">
-          <ac:chgData name="Harsha Ky" userId="51654b9f203ea89d" providerId="Windows Live" clId="Web-{20423B53-5D3F-42C1-A728-93E76E8B30A8}" dt="2020-03-30T09:51:53.360" v="60" actId="14100"/>
-          <ac:spMkLst>
-            <pc:docMk/>
-            <pc:sldMk cId="309574019" sldId="270"/>
-            <ac:spMk id="2" creationId="{A8BA48F2-ECF0-46FC-8D6D-83BE11E91723}"/>
-          </ac:spMkLst>
-        </pc:spChg>
-        <pc:picChg chg="add mod">
-          <ac:chgData name="Harsha Ky" userId="51654b9f203ea89d" providerId="Windows Live" clId="Web-{20423B53-5D3F-42C1-A728-93E76E8B30A8}" dt="2020-03-30T10:04:08.269" v="63" actId="14100"/>
-          <ac:picMkLst>
-            <pc:docMk/>
-            <pc:sldMk cId="309574019" sldId="270"/>
-            <ac:picMk id="3" creationId="{C0471691-9AE0-41BB-8F24-BF13A248E70D}"/>
-          </ac:picMkLst>
-        </pc:picChg>
-      </pc:sldChg>
-      <pc:sldChg chg="modSp new">
-        <pc:chgData name="Harsha Ky" userId="51654b9f203ea89d" providerId="Windows Live" clId="Web-{20423B53-5D3F-42C1-A728-93E76E8B30A8}" dt="2020-03-30T10:20:52.467" v="1848" actId="20577"/>
-        <pc:sldMkLst>
-          <pc:docMk/>
-          <pc:sldMk cId="956708869" sldId="271"/>
-        </pc:sldMkLst>
-        <pc:spChg chg="mod">
-          <ac:chgData name="Harsha Ky" userId="51654b9f203ea89d" providerId="Windows Live" clId="Web-{20423B53-5D3F-42C1-A728-93E76E8B30A8}" dt="2020-03-30T10:05:44.723" v="93" actId="20577"/>
-          <ac:spMkLst>
-            <pc:docMk/>
-            <pc:sldMk cId="956708869" sldId="271"/>
-            <ac:spMk id="2" creationId="{21797F86-3438-47FD-B5D2-6D9FE8A47798}"/>
-          </ac:spMkLst>
-        </pc:spChg>
-        <pc:spChg chg="mod">
-          <ac:chgData name="Harsha Ky" userId="51654b9f203ea89d" providerId="Windows Live" clId="Web-{20423B53-5D3F-42C1-A728-93E76E8B30A8}" dt="2020-03-30T10:20:52.467" v="1848" actId="20577"/>
-          <ac:spMkLst>
-            <pc:docMk/>
-            <pc:sldMk cId="956708869" sldId="271"/>
-            <ac:spMk id="3" creationId="{A6B7715D-E06D-4D95-B469-78B00FEE1280}"/>
-          </ac:spMkLst>
-        </pc:spChg>
-      </pc:sldChg>
-      <pc:sldChg chg="new del">
-        <pc:chgData name="Harsha Ky" userId="51654b9f203ea89d" providerId="Windows Live" clId="Web-{20423B53-5D3F-42C1-A728-93E76E8B30A8}" dt="2020-03-30T10:05:27.691" v="65"/>
-        <pc:sldMkLst>
-          <pc:docMk/>
-          <pc:sldMk cId="1054420920" sldId="271"/>
-        </pc:sldMkLst>
-      </pc:sldChg>
-      <pc:sldChg chg="addSp modSp new">
-        <pc:chgData name="Harsha Ky" userId="51654b9f203ea89d" providerId="Windows Live" clId="Web-{20423B53-5D3F-42C1-A728-93E76E8B30A8}" dt="2020-03-30T10:22:19.327" v="1910" actId="14100"/>
-        <pc:sldMkLst>
-          <pc:docMk/>
-          <pc:sldMk cId="2452716225" sldId="272"/>
-        </pc:sldMkLst>
-        <pc:spChg chg="mod">
-          <ac:chgData name="Harsha Ky" userId="51654b9f203ea89d" providerId="Windows Live" clId="Web-{20423B53-5D3F-42C1-A728-93E76E8B30A8}" dt="2020-03-30T10:21:11.280" v="1885" actId="20577"/>
-          <ac:spMkLst>
-            <pc:docMk/>
-            <pc:sldMk cId="2452716225" sldId="272"/>
-            <ac:spMk id="2" creationId="{62700633-8410-42C7-8E8C-D0A31453D838}"/>
-          </ac:spMkLst>
-        </pc:spChg>
-        <pc:spChg chg="mod">
-          <ac:chgData name="Harsha Ky" userId="51654b9f203ea89d" providerId="Windows Live" clId="Web-{20423B53-5D3F-42C1-A728-93E76E8B30A8}" dt="2020-03-30T10:22:04.905" v="1905" actId="20577"/>
-          <ac:spMkLst>
-            <pc:docMk/>
-            <pc:sldMk cId="2452716225" sldId="272"/>
-            <ac:spMk id="3" creationId="{D26B32AC-8E2D-4BEA-A55D-D382D388926E}"/>
-          </ac:spMkLst>
-        </pc:spChg>
-        <pc:picChg chg="add mod">
-          <ac:chgData name="Harsha Ky" userId="51654b9f203ea89d" providerId="Windows Live" clId="Web-{20423B53-5D3F-42C1-A728-93E76E8B30A8}" dt="2020-03-30T10:22:19.327" v="1910" actId="14100"/>
-          <ac:picMkLst>
-            <pc:docMk/>
-            <pc:sldMk cId="2452716225" sldId="272"/>
-            <ac:picMk id="4" creationId="{6A55683E-5C9F-4C72-8B61-97DBEB66F59B}"/>
-          </ac:picMkLst>
-        </pc:picChg>
-      </pc:sldChg>
-      <pc:sldChg chg="addSp modSp new">
-        <pc:chgData name="Harsha Ky" userId="51654b9f203ea89d" providerId="Windows Live" clId="Web-{20423B53-5D3F-42C1-A728-93E76E8B30A8}" dt="2020-03-30T10:39:42.891" v="2575" actId="14100"/>
-        <pc:sldMkLst>
-          <pc:docMk/>
-          <pc:sldMk cId="2902629462" sldId="273"/>
-        </pc:sldMkLst>
-        <pc:spChg chg="mod">
-          <ac:chgData name="Harsha Ky" userId="51654b9f203ea89d" providerId="Windows Live" clId="Web-{20423B53-5D3F-42C1-A728-93E76E8B30A8}" dt="2020-03-30T10:23:15.765" v="1949" actId="20577"/>
-          <ac:spMkLst>
-            <pc:docMk/>
-            <pc:sldMk cId="2902629462" sldId="273"/>
-            <ac:spMk id="2" creationId="{48C7C7BF-D634-46B5-BC7D-E71F3F3A95A8}"/>
-          </ac:spMkLst>
-        </pc:spChg>
-        <pc:spChg chg="mod">
-          <ac:chgData name="Harsha Ky" userId="51654b9f203ea89d" providerId="Windows Live" clId="Web-{20423B53-5D3F-42C1-A728-93E76E8B30A8}" dt="2020-03-30T10:39:32.156" v="2571" actId="20577"/>
-          <ac:spMkLst>
-            <pc:docMk/>
-            <pc:sldMk cId="2902629462" sldId="273"/>
-            <ac:spMk id="3" creationId="{D554E955-374B-44BD-AFC8-6585ED543466}"/>
-          </ac:spMkLst>
-        </pc:spChg>
-        <pc:picChg chg="add mod">
-          <ac:chgData name="Harsha Ky" userId="51654b9f203ea89d" providerId="Windows Live" clId="Web-{20423B53-5D3F-42C1-A728-93E76E8B30A8}" dt="2020-03-30T10:39:42.891" v="2575" actId="14100"/>
-          <ac:picMkLst>
-            <pc:docMk/>
-            <pc:sldMk cId="2902629462" sldId="273"/>
-            <ac:picMk id="4" creationId="{7C34FC55-9E1D-4711-BF6D-A583B6267261}"/>
-          </ac:picMkLst>
-        </pc:picChg>
-      </pc:sldChg>
-      <pc:sldChg chg="modSp new">
-        <pc:chgData name="Harsha Ky" userId="51654b9f203ea89d" providerId="Windows Live" clId="Web-{20423B53-5D3F-42C1-A728-93E76E8B30A8}" dt="2020-03-30T10:43:21.001" v="2712" actId="20577"/>
-        <pc:sldMkLst>
-          <pc:docMk/>
-          <pc:sldMk cId="4080191169" sldId="274"/>
-        </pc:sldMkLst>
-        <pc:spChg chg="mod">
-          <ac:chgData name="Harsha Ky" userId="51654b9f203ea89d" providerId="Windows Live" clId="Web-{20423B53-5D3F-42C1-A728-93E76E8B30A8}" dt="2020-03-30T10:40:44.469" v="2609" actId="20577"/>
-          <ac:spMkLst>
-            <pc:docMk/>
-            <pc:sldMk cId="4080191169" sldId="274"/>
-            <ac:spMk id="2" creationId="{EA55D31E-4E7C-4BAB-B34E-50C0C342A4E4}"/>
-          </ac:spMkLst>
-        </pc:spChg>
-        <pc:spChg chg="mod">
-          <ac:chgData name="Harsha Ky" userId="51654b9f203ea89d" providerId="Windows Live" clId="Web-{20423B53-5D3F-42C1-A728-93E76E8B30A8}" dt="2020-03-30T10:43:21.001" v="2712" actId="20577"/>
-          <ac:spMkLst>
-            <pc:docMk/>
-            <pc:sldMk cId="4080191169" sldId="274"/>
-            <ac:spMk id="3" creationId="{82E3D54E-A396-47DF-BE45-4BAE98D141E4}"/>
-          </ac:spMkLst>
-        </pc:spChg>
-      </pc:sldChg>
-      <pc:sldChg chg="addSp modSp add replId">
-        <pc:chgData name="Harsha Ky" userId="51654b9f203ea89d" providerId="Windows Live" clId="Web-{20423B53-5D3F-42C1-A728-93E76E8B30A8}" dt="2020-03-30T10:45:37.002" v="2731" actId="1076"/>
-        <pc:sldMkLst>
-          <pc:docMk/>
-          <pc:sldMk cId="1917577779" sldId="275"/>
-        </pc:sldMkLst>
-        <pc:spChg chg="mod">
-          <ac:chgData name="Harsha Ky" userId="51654b9f203ea89d" providerId="Windows Live" clId="Web-{20423B53-5D3F-42C1-A728-93E76E8B30A8}" dt="2020-03-30T10:45:26.986" v="2725" actId="20577"/>
-          <ac:spMkLst>
-            <pc:docMk/>
-            <pc:sldMk cId="1917577779" sldId="275"/>
-            <ac:spMk id="3" creationId="{82E3D54E-A396-47DF-BE45-4BAE98D141E4}"/>
-          </ac:spMkLst>
-        </pc:spChg>
-        <pc:picChg chg="add mod">
-          <ac:chgData name="Harsha Ky" userId="51654b9f203ea89d" providerId="Windows Live" clId="Web-{20423B53-5D3F-42C1-A728-93E76E8B30A8}" dt="2020-03-30T10:45:37.002" v="2731" actId="1076"/>
-          <ac:picMkLst>
-            <pc:docMk/>
-            <pc:sldMk cId="1917577779" sldId="275"/>
-            <ac:picMk id="4" creationId="{5A8E4678-E3CE-470E-9095-26FAA59B09C9}"/>
-          </ac:picMkLst>
-        </pc:picChg>
-      </pc:sldChg>
-      <pc:sldChg chg="new del">
-        <pc:chgData name="Harsha Ky" userId="51654b9f203ea89d" providerId="Windows Live" clId="Web-{20423B53-5D3F-42C1-A728-93E76E8B30A8}" dt="2020-03-30T10:43:25.814" v="2715"/>
-        <pc:sldMkLst>
-          <pc:docMk/>
-          <pc:sldMk cId="2456715572" sldId="275"/>
-        </pc:sldMkLst>
-      </pc:sldChg>
-      <pc:sldChg chg="addSp modSp new">
-        <pc:chgData name="Harsha Ky" userId="51654b9f203ea89d" providerId="Windows Live" clId="Web-{20423B53-5D3F-42C1-A728-93E76E8B30A8}" dt="2020-03-30T10:52:32.066" v="3008" actId="14100"/>
-        <pc:sldMkLst>
-          <pc:docMk/>
-          <pc:sldMk cId="283725290" sldId="276"/>
-        </pc:sldMkLst>
-        <pc:spChg chg="add mod">
-          <ac:chgData name="Harsha Ky" userId="51654b9f203ea89d" providerId="Windows Live" clId="Web-{20423B53-5D3F-42C1-A728-93E76E8B30A8}" dt="2020-03-30T10:51:25.488" v="2946" actId="14100"/>
-          <ac:spMkLst>
-            <pc:docMk/>
-            <pc:sldMk cId="283725290" sldId="276"/>
-            <ac:spMk id="3" creationId="{900F47E2-996A-4093-B753-EB3793C2C685}"/>
-          </ac:spMkLst>
-        </pc:spChg>
-        <pc:spChg chg="add mod">
-          <ac:chgData name="Harsha Ky" userId="51654b9f203ea89d" providerId="Windows Live" clId="Web-{20423B53-5D3F-42C1-A728-93E76E8B30A8}" dt="2020-03-30T10:52:05.941" v="3005" actId="14100"/>
-          <ac:spMkLst>
-            <pc:docMk/>
-            <pc:sldMk cId="283725290" sldId="276"/>
-            <ac:spMk id="6" creationId="{E91D52DD-31FD-4CED-A2FF-D1B65ABB87BE}"/>
-          </ac:spMkLst>
-        </pc:spChg>
-        <pc:picChg chg="add mod">
-          <ac:chgData name="Harsha Ky" userId="51654b9f203ea89d" providerId="Windows Live" clId="Web-{20423B53-5D3F-42C1-A728-93E76E8B30A8}" dt="2020-03-30T10:50:47.566" v="2871" actId="14100"/>
-          <ac:picMkLst>
-            <pc:docMk/>
-            <pc:sldMk cId="283725290" sldId="276"/>
-            <ac:picMk id="4" creationId="{4B8034ED-FD4E-4E94-B6B9-B2215E325447}"/>
-          </ac:picMkLst>
-        </pc:picChg>
-        <pc:picChg chg="add mod">
-          <ac:chgData name="Harsha Ky" userId="51654b9f203ea89d" providerId="Windows Live" clId="Web-{20423B53-5D3F-42C1-A728-93E76E8B30A8}" dt="2020-03-30T10:52:32.066" v="3008" actId="14100"/>
-          <ac:picMkLst>
-            <pc:docMk/>
-            <pc:sldMk cId="283725290" sldId="276"/>
-            <ac:picMk id="7" creationId="{77872856-6500-4B12-944A-D20AB603D9B0}"/>
-          </ac:picMkLst>
-        </pc:picChg>
-      </pc:sldChg>
-      <pc:sldChg chg="addSp delSp modSp new del">
-        <pc:chgData name="Harsha Ky" userId="51654b9f203ea89d" providerId="Windows Live" clId="Web-{20423B53-5D3F-42C1-A728-93E76E8B30A8}" dt="2020-03-30T10:49:40.066" v="2861"/>
-        <pc:sldMkLst>
-          <pc:docMk/>
-          <pc:sldMk cId="683250391" sldId="276"/>
-        </pc:sldMkLst>
-        <pc:spChg chg="mod">
-          <ac:chgData name="Harsha Ky" userId="51654b9f203ea89d" providerId="Windows Live" clId="Web-{20423B53-5D3F-42C1-A728-93E76E8B30A8}" dt="2020-03-30T10:48:39.846" v="2828" actId="20577"/>
-          <ac:spMkLst>
-            <pc:docMk/>
-            <pc:sldMk cId="683250391" sldId="276"/>
-            <ac:spMk id="2" creationId="{44D297C7-2C7E-4DA6-AEF7-C7E0BC9089ED}"/>
-          </ac:spMkLst>
-        </pc:spChg>
-        <pc:spChg chg="del">
-          <ac:chgData name="Harsha Ky" userId="51654b9f203ea89d" providerId="Windows Live" clId="Web-{20423B53-5D3F-42C1-A728-93E76E8B30A8}" dt="2020-03-30T10:49:24.331" v="2857"/>
-          <ac:spMkLst>
-            <pc:docMk/>
-            <pc:sldMk cId="683250391" sldId="276"/>
-            <ac:spMk id="3" creationId="{3F17F342-08E6-436C-AB2C-3F4B4D9D33E9}"/>
-          </ac:spMkLst>
-        </pc:spChg>
-        <pc:spChg chg="mod">
-          <ac:chgData name="Harsha Ky" userId="51654b9f203ea89d" providerId="Windows Live" clId="Web-{20423B53-5D3F-42C1-A728-93E76E8B30A8}" dt="2020-03-30T10:49:04.190" v="2855" actId="20577"/>
-          <ac:spMkLst>
-            <pc:docMk/>
-            <pc:sldMk cId="683250391" sldId="276"/>
-            <ac:spMk id="4" creationId="{82875C14-9C41-41B6-BBA6-D0CC72224B45}"/>
-          </ac:spMkLst>
-        </pc:spChg>
-        <pc:spChg chg="add mod">
-          <ac:chgData name="Harsha Ky" userId="51654b9f203ea89d" providerId="Windows Live" clId="Web-{20423B53-5D3F-42C1-A728-93E76E8B30A8}" dt="2020-03-30T10:49:34.909" v="2860"/>
-          <ac:spMkLst>
-            <pc:docMk/>
-            <pc:sldMk cId="683250391" sldId="276"/>
-            <ac:spMk id="8" creationId="{33E33CD0-EC7E-4E4B-914F-63FDFDD10F82}"/>
-          </ac:spMkLst>
-        </pc:spChg>
-        <pc:picChg chg="add del mod ord modCrop">
-          <ac:chgData name="Harsha Ky" userId="51654b9f203ea89d" providerId="Windows Live" clId="Web-{20423B53-5D3F-42C1-A728-93E76E8B30A8}" dt="2020-03-30T10:49:34.909" v="2860"/>
-          <ac:picMkLst>
-            <pc:docMk/>
-            <pc:sldMk cId="683250391" sldId="276"/>
-            <ac:picMk id="5" creationId="{252E57D3-8950-4036-8E38-8504FE4F7F94}"/>
-          </ac:picMkLst>
-        </pc:picChg>
-      </pc:sldChg>
-      <pc:sldChg chg="modSp new del">
-        <pc:chgData name="Harsha Ky" userId="51654b9f203ea89d" providerId="Windows Live" clId="Web-{20423B53-5D3F-42C1-A728-93E76E8B30A8}" dt="2020-03-30T10:48:00.565" v="2785"/>
-        <pc:sldMkLst>
-          <pc:docMk/>
-          <pc:sldMk cId="2047841598" sldId="276"/>
-        </pc:sldMkLst>
-        <pc:spChg chg="mod">
-          <ac:chgData name="Harsha Ky" userId="51654b9f203ea89d" providerId="Windows Live" clId="Web-{20423B53-5D3F-42C1-A728-93E76E8B30A8}" dt="2020-03-30T10:46:51.237" v="2764" actId="20577"/>
-          <ac:spMkLst>
-            <pc:docMk/>
-            <pc:sldMk cId="2047841598" sldId="276"/>
-            <ac:spMk id="2" creationId="{87A3465C-6B40-4E4E-90F9-571D38EAC9EC}"/>
-          </ac:spMkLst>
-        </pc:spChg>
-        <pc:spChg chg="mod">
-          <ac:chgData name="Harsha Ky" userId="51654b9f203ea89d" providerId="Windows Live" clId="Web-{20423B53-5D3F-42C1-A728-93E76E8B30A8}" dt="2020-03-30T10:48:00.534" v="2783" actId="20577"/>
-          <ac:spMkLst>
-            <pc:docMk/>
-            <pc:sldMk cId="2047841598" sldId="276"/>
-            <ac:spMk id="3" creationId="{59634213-E391-4088-AC45-49D92F557C72}"/>
-          </ac:spMkLst>
-        </pc:spChg>
-      </pc:sldChg>
-      <pc:sldChg chg="new del">
-        <pc:chgData name="Harsha Ky" userId="51654b9f203ea89d" providerId="Windows Live" clId="Web-{20423B53-5D3F-42C1-A728-93E76E8B30A8}" dt="2020-03-30T10:48:06.643" v="2787"/>
-        <pc:sldMkLst>
-          <pc:docMk/>
-          <pc:sldMk cId="4028341414" sldId="276"/>
-        </pc:sldMkLst>
-      </pc:sldChg>
-    </pc:docChg>
-  </pc:docChgLst>
-  <pc:docChgLst>
-    <pc:chgData name="Harsha Ky" userId="51654b9f203ea89d" providerId="Windows Live" clId="Web-{011DFB8F-CD22-4A71-985B-928F94C1CE07}"/>
-    <pc:docChg chg="addSld modSld">
-      <pc:chgData name="Harsha Ky" userId="51654b9f203ea89d" providerId="Windows Live" clId="Web-{011DFB8F-CD22-4A71-985B-928F94C1CE07}" dt="2020-04-04T09:16:59.742" v="420" actId="20577"/>
-      <pc:docMkLst>
-        <pc:docMk/>
-      </pc:docMkLst>
-      <pc:sldChg chg="modSp">
-        <pc:chgData name="Harsha Ky" userId="51654b9f203ea89d" providerId="Windows Live" clId="Web-{011DFB8F-CD22-4A71-985B-928F94C1CE07}" dt="2020-04-04T08:55:25.218" v="74" actId="14100"/>
-        <pc:sldMkLst>
-          <pc:docMk/>
-          <pc:sldMk cId="608533324" sldId="269"/>
-        </pc:sldMkLst>
-        <pc:picChg chg="mod">
-          <ac:chgData name="Harsha Ky" userId="51654b9f203ea89d" providerId="Windows Live" clId="Web-{011DFB8F-CD22-4A71-985B-928F94C1CE07}" dt="2020-04-04T08:55:25.218" v="74" actId="14100"/>
-          <ac:picMkLst>
-            <pc:docMk/>
-            <pc:sldMk cId="608533324" sldId="269"/>
-            <ac:picMk id="2" creationId="{254E2AA7-AD54-4183-B5E7-AA9CBC44E2AD}"/>
-          </ac:picMkLst>
-        </pc:picChg>
-      </pc:sldChg>
-      <pc:sldChg chg="modSp">
-        <pc:chgData name="Harsha Ky" userId="51654b9f203ea89d" providerId="Windows Live" clId="Web-{011DFB8F-CD22-4A71-985B-928F94C1CE07}" dt="2020-04-04T08:52:58.640" v="4" actId="20577"/>
-        <pc:sldMkLst>
-          <pc:docMk/>
-          <pc:sldMk cId="956708869" sldId="271"/>
-        </pc:sldMkLst>
-        <pc:spChg chg="mod">
-          <ac:chgData name="Harsha Ky" userId="51654b9f203ea89d" providerId="Windows Live" clId="Web-{011DFB8F-CD22-4A71-985B-928F94C1CE07}" dt="2020-04-04T08:52:58.640" v="4" actId="20577"/>
-          <ac:spMkLst>
-            <pc:docMk/>
-            <pc:sldMk cId="956708869" sldId="271"/>
-            <ac:spMk id="3" creationId="{A6B7715D-E06D-4D95-B469-78B00FEE1280}"/>
-          </ac:spMkLst>
-        </pc:spChg>
-      </pc:sldChg>
-      <pc:sldChg chg="modSp">
-        <pc:chgData name="Harsha Ky" userId="51654b9f203ea89d" providerId="Windows Live" clId="Web-{011DFB8F-CD22-4A71-985B-928F94C1CE07}" dt="2020-04-04T08:53:09.687" v="7" actId="20577"/>
-        <pc:sldMkLst>
-          <pc:docMk/>
-          <pc:sldMk cId="2902629462" sldId="273"/>
-        </pc:sldMkLst>
-        <pc:spChg chg="mod">
-          <ac:chgData name="Harsha Ky" userId="51654b9f203ea89d" providerId="Windows Live" clId="Web-{011DFB8F-CD22-4A71-985B-928F94C1CE07}" dt="2020-04-04T08:53:09.687" v="7" actId="20577"/>
-          <ac:spMkLst>
-            <pc:docMk/>
-            <pc:sldMk cId="2902629462" sldId="273"/>
-            <ac:spMk id="3" creationId="{D554E955-374B-44BD-AFC8-6585ED543466}"/>
-          </ac:spMkLst>
-        </pc:spChg>
-      </pc:sldChg>
-      <pc:sldChg chg="modSp">
-        <pc:chgData name="Harsha Ky" userId="51654b9f203ea89d" providerId="Windows Live" clId="Web-{011DFB8F-CD22-4A71-985B-928F94C1CE07}" dt="2020-04-04T08:55:03.327" v="69" actId="20577"/>
-        <pc:sldMkLst>
-          <pc:docMk/>
-          <pc:sldMk cId="4080191169" sldId="274"/>
-        </pc:sldMkLst>
-        <pc:spChg chg="mod">
-          <ac:chgData name="Harsha Ky" userId="51654b9f203ea89d" providerId="Windows Live" clId="Web-{011DFB8F-CD22-4A71-985B-928F94C1CE07}" dt="2020-04-04T08:55:03.327" v="69" actId="20577"/>
-          <ac:spMkLst>
-            <pc:docMk/>
-            <pc:sldMk cId="4080191169" sldId="274"/>
-            <ac:spMk id="3" creationId="{82E3D54E-A396-47DF-BE45-4BAE98D141E4}"/>
-          </ac:spMkLst>
-        </pc:spChg>
-      </pc:sldChg>
-      <pc:sldChg chg="modSp new">
-        <pc:chgData name="Harsha Ky" userId="51654b9f203ea89d" providerId="Windows Live" clId="Web-{011DFB8F-CD22-4A71-985B-928F94C1CE07}" dt="2020-04-04T08:55:09.624" v="71" actId="20577"/>
-        <pc:sldMkLst>
-          <pc:docMk/>
-          <pc:sldMk cId="2725251063" sldId="277"/>
-        </pc:sldMkLst>
-        <pc:spChg chg="mod">
-          <ac:chgData name="Harsha Ky" userId="51654b9f203ea89d" providerId="Windows Live" clId="Web-{011DFB8F-CD22-4A71-985B-928F94C1CE07}" dt="2020-04-04T08:53:32.937" v="42" actId="20577"/>
-          <ac:spMkLst>
-            <pc:docMk/>
-            <pc:sldMk cId="2725251063" sldId="277"/>
-            <ac:spMk id="2" creationId="{1758B9CA-6DA7-4C56-B38D-2F52987D4CE2}"/>
-          </ac:spMkLst>
-        </pc:spChg>
-        <pc:spChg chg="mod">
-          <ac:chgData name="Harsha Ky" userId="51654b9f203ea89d" providerId="Windows Live" clId="Web-{011DFB8F-CD22-4A71-985B-928F94C1CE07}" dt="2020-04-04T08:55:09.624" v="71" actId="20577"/>
-          <ac:spMkLst>
-            <pc:docMk/>
-            <pc:sldMk cId="2725251063" sldId="277"/>
-            <ac:spMk id="3" creationId="{BE666ADA-1836-4154-9E47-88ED99B0E97A}"/>
-          </ac:spMkLst>
-        </pc:spChg>
-      </pc:sldChg>
-      <pc:sldChg chg="modSp new">
-        <pc:chgData name="Harsha Ky" userId="51654b9f203ea89d" providerId="Windows Live" clId="Web-{011DFB8F-CD22-4A71-985B-928F94C1CE07}" dt="2020-04-04T09:06:51.557" v="183" actId="20577"/>
-        <pc:sldMkLst>
-          <pc:docMk/>
-          <pc:sldMk cId="2846483295" sldId="278"/>
-        </pc:sldMkLst>
-        <pc:spChg chg="mod">
-          <ac:chgData name="Harsha Ky" userId="51654b9f203ea89d" providerId="Windows Live" clId="Web-{011DFB8F-CD22-4A71-985B-928F94C1CE07}" dt="2020-04-04T09:04:56.136" v="87" actId="20577"/>
-          <ac:spMkLst>
-            <pc:docMk/>
-            <pc:sldMk cId="2846483295" sldId="278"/>
-            <ac:spMk id="2" creationId="{74FD4279-7E5C-4DB3-A420-E6C1EA8F4AB8}"/>
-          </ac:spMkLst>
-        </pc:spChg>
-        <pc:spChg chg="mod">
-          <ac:chgData name="Harsha Ky" userId="51654b9f203ea89d" providerId="Windows Live" clId="Web-{011DFB8F-CD22-4A71-985B-928F94C1CE07}" dt="2020-04-04T09:06:51.557" v="183" actId="20577"/>
-          <ac:spMkLst>
-            <pc:docMk/>
-            <pc:sldMk cId="2846483295" sldId="278"/>
-            <ac:spMk id="3" creationId="{36E3F302-050D-49A8-BBF6-0528D7A171B1}"/>
-          </ac:spMkLst>
-        </pc:spChg>
-      </pc:sldChg>
-      <pc:sldChg chg="modSp new">
-        <pc:chgData name="Harsha Ky" userId="51654b9f203ea89d" providerId="Windows Live" clId="Web-{011DFB8F-CD22-4A71-985B-928F94C1CE07}" dt="2020-04-04T09:16:59.710" v="419" actId="20577"/>
-        <pc:sldMkLst>
-          <pc:docMk/>
-          <pc:sldMk cId="2136355373" sldId="279"/>
-        </pc:sldMkLst>
-        <pc:spChg chg="mod">
-          <ac:chgData name="Harsha Ky" userId="51654b9f203ea89d" providerId="Windows Live" clId="Web-{011DFB8F-CD22-4A71-985B-928F94C1CE07}" dt="2020-04-04T09:08:06.213" v="215" actId="20577"/>
-          <ac:spMkLst>
-            <pc:docMk/>
-            <pc:sldMk cId="2136355373" sldId="279"/>
-            <ac:spMk id="2" creationId="{E6483948-4089-4AD3-8C97-90E9C69E8D31}"/>
-          </ac:spMkLst>
-        </pc:spChg>
-        <pc:spChg chg="mod">
-          <ac:chgData name="Harsha Ky" userId="51654b9f203ea89d" providerId="Windows Live" clId="Web-{011DFB8F-CD22-4A71-985B-928F94C1CE07}" dt="2020-04-04T09:16:59.710" v="419" actId="20577"/>
-          <ac:spMkLst>
-            <pc:docMk/>
-            <pc:sldMk cId="2136355373" sldId="279"/>
-            <ac:spMk id="3" creationId="{2D53A7E2-773C-4AE0-83F0-737E07E893DC}"/>
-          </ac:spMkLst>
-        </pc:spChg>
-      </pc:sldChg>
-    </pc:docChg>
-  </pc:docChgLst>
-  <pc:docChgLst>
-    <pc:chgData name="Harsha Ky" userId="51654b9f203ea89d" providerId="Windows Live" clId="Web-{9E95AE69-D439-4F7B-9DC9-FDF50A79AC93}"/>
-    <pc:docChg chg="addSld delSld modSld">
-      <pc:chgData name="Harsha Ky" userId="51654b9f203ea89d" providerId="Windows Live" clId="Web-{9E95AE69-D439-4F7B-9DC9-FDF50A79AC93}" dt="2020-03-29T08:24:21.112" v="34"/>
-      <pc:docMkLst>
-        <pc:docMk/>
-      </pc:docMkLst>
-      <pc:sldChg chg="modSp new del">
-        <pc:chgData name="Harsha Ky" userId="51654b9f203ea89d" providerId="Windows Live" clId="Web-{9E95AE69-D439-4F7B-9DC9-FDF50A79AC93}" dt="2020-03-29T08:24:21.112" v="34"/>
-        <pc:sldMkLst>
-          <pc:docMk/>
-          <pc:sldMk cId="594935765" sldId="269"/>
-        </pc:sldMkLst>
-        <pc:spChg chg="mod">
-          <ac:chgData name="Harsha Ky" userId="51654b9f203ea89d" providerId="Windows Live" clId="Web-{9E95AE69-D439-4F7B-9DC9-FDF50A79AC93}" dt="2020-03-29T08:17:32.094" v="5" actId="20577"/>
-          <ac:spMkLst>
-            <pc:docMk/>
-            <pc:sldMk cId="594935765" sldId="269"/>
-            <ac:spMk id="2" creationId="{1C0A7C92-E4A8-4BC5-B517-4610367AC44A}"/>
-          </ac:spMkLst>
-        </pc:spChg>
-        <pc:spChg chg="mod">
-          <ac:chgData name="Harsha Ky" userId="51654b9f203ea89d" providerId="Windows Live" clId="Web-{9E95AE69-D439-4F7B-9DC9-FDF50A79AC93}" dt="2020-03-29T08:24:20.112" v="32" actId="20577"/>
-          <ac:spMkLst>
-            <pc:docMk/>
-            <pc:sldMk cId="594935765" sldId="269"/>
-            <ac:spMk id="3" creationId="{23BDD64C-3BE5-466A-B770-EC19029E212F}"/>
-          </ac:spMkLst>
-        </pc:spChg>
-      </pc:sldChg>
-    </pc:docChg>
-  </pc:docChgLst>
-  <pc:docChgLst>
-    <pc:chgData name="Harsha Ky" userId="51654b9f203ea89d" providerId="Windows Live" clId="Web-{1AA8C00A-21E9-487B-9FFB-3B0D252F9148}"/>
-    <pc:docChg chg="addSld modSld">
-      <pc:chgData name="Harsha Ky" userId="51654b9f203ea89d" providerId="Windows Live" clId="Web-{1AA8C00A-21E9-487B-9FFB-3B0D252F9148}" dt="2020-02-24T16:31:04.614" v="1701" actId="20577"/>
-      <pc:docMkLst>
-        <pc:docMk/>
-      </pc:docMkLst>
-      <pc:sldChg chg="modSp">
-        <pc:chgData name="Harsha Ky" userId="51654b9f203ea89d" providerId="Windows Live" clId="Web-{1AA8C00A-21E9-487B-9FFB-3B0D252F9148}" dt="2020-02-24T16:19:57.657" v="501" actId="20577"/>
-        <pc:sldMkLst>
-          <pc:docMk/>
-          <pc:sldMk cId="4070865485" sldId="262"/>
-        </pc:sldMkLst>
-        <pc:spChg chg="mod">
-          <ac:chgData name="Harsha Ky" userId="51654b9f203ea89d" providerId="Windows Live" clId="Web-{1AA8C00A-21E9-487B-9FFB-3B0D252F9148}" dt="2020-02-24T16:19:57.657" v="501" actId="20577"/>
-          <ac:spMkLst>
-            <pc:docMk/>
-            <pc:sldMk cId="4070865485" sldId="262"/>
-            <ac:spMk id="3" creationId="{65640DC7-3A11-4AAD-A7EA-E95CE584DCCC}"/>
-          </ac:spMkLst>
-        </pc:spChg>
-      </pc:sldChg>
-      <pc:sldChg chg="modSp">
-        <pc:chgData name="Harsha Ky" userId="51654b9f203ea89d" providerId="Windows Live" clId="Web-{1AA8C00A-21E9-487B-9FFB-3B0D252F9148}" dt="2020-02-24T16:21:30.627" v="617" actId="20577"/>
-        <pc:sldMkLst>
-          <pc:docMk/>
-          <pc:sldMk cId="4224461443" sldId="264"/>
-        </pc:sldMkLst>
-        <pc:spChg chg="mod">
-          <ac:chgData name="Harsha Ky" userId="51654b9f203ea89d" providerId="Windows Live" clId="Web-{1AA8C00A-21E9-487B-9FFB-3B0D252F9148}" dt="2020-02-24T16:21:30.627" v="617" actId="20577"/>
-          <ac:spMkLst>
-            <pc:docMk/>
-            <pc:sldMk cId="4224461443" sldId="264"/>
-            <ac:spMk id="3" creationId="{082142D9-7288-44D9-B983-9EC873349898}"/>
-          </ac:spMkLst>
-        </pc:spChg>
-      </pc:sldChg>
-      <pc:sldChg chg="modSp new">
-        <pc:chgData name="Harsha Ky" userId="51654b9f203ea89d" providerId="Windows Live" clId="Web-{1AA8C00A-21E9-487B-9FFB-3B0D252F9148}" dt="2020-02-24T16:31:04.598" v="1700" actId="20577"/>
-        <pc:sldMkLst>
-          <pc:docMk/>
-          <pc:sldMk cId="1853761156" sldId="267"/>
-        </pc:sldMkLst>
-        <pc:spChg chg="mod">
-          <ac:chgData name="Harsha Ky" userId="51654b9f203ea89d" providerId="Windows Live" clId="Web-{1AA8C00A-21E9-487B-9FFB-3B0D252F9148}" dt="2020-02-24T16:21:38.721" v="624" actId="20577"/>
-          <ac:spMkLst>
-            <pc:docMk/>
-            <pc:sldMk cId="1853761156" sldId="267"/>
-            <ac:spMk id="2" creationId="{CAC2C6F0-F013-47F9-9A65-7E7EDACF829C}"/>
-          </ac:spMkLst>
-        </pc:spChg>
-        <pc:spChg chg="mod">
-          <ac:chgData name="Harsha Ky" userId="51654b9f203ea89d" providerId="Windows Live" clId="Web-{1AA8C00A-21E9-487B-9FFB-3B0D252F9148}" dt="2020-02-24T16:31:04.598" v="1700" actId="20577"/>
-          <ac:spMkLst>
-            <pc:docMk/>
-            <pc:sldMk cId="1853761156" sldId="267"/>
-            <ac:spMk id="3" creationId="{7015AAE9-DED0-4583-93D7-F25216D9058F}"/>
-          </ac:spMkLst>
-        </pc:spChg>
-      </pc:sldChg>
-    </pc:docChg>
-  </pc:docChgLst>
-  <pc:docChgLst>
-    <pc:chgData name="Harsha Ky" userId="51654b9f203ea89d" providerId="Windows Live" clId="Web-{CD649366-30A7-412D-8605-5CBD1A566ADE}"/>
-    <pc:docChg chg="addSld delSld modSld sldOrd">
-      <pc:chgData name="Harsha Ky" userId="51654b9f203ea89d" providerId="Windows Live" clId="Web-{CD649366-30A7-412D-8605-5CBD1A566ADE}" dt="2020-02-26T10:22:40.245" v="1071" actId="20577"/>
-      <pc:docMkLst>
-        <pc:docMk/>
-      </pc:docMkLst>
-      <pc:sldChg chg="modSp">
-        <pc:chgData name="Harsha Ky" userId="51654b9f203ea89d" providerId="Windows Live" clId="Web-{CD649366-30A7-412D-8605-5CBD1A566ADE}" dt="2020-02-26T08:52:34.990" v="10"/>
-        <pc:sldMkLst>
-          <pc:docMk/>
-          <pc:sldMk cId="3085881011" sldId="257"/>
-        </pc:sldMkLst>
-        <pc:spChg chg="mod">
-          <ac:chgData name="Harsha Ky" userId="51654b9f203ea89d" providerId="Windows Live" clId="Web-{CD649366-30A7-412D-8605-5CBD1A566ADE}" dt="2020-02-26T08:52:34.990" v="10"/>
-          <ac:spMkLst>
-            <pc:docMk/>
-            <pc:sldMk cId="3085881011" sldId="257"/>
-            <ac:spMk id="3" creationId="{E87AB376-CC3B-4787-B404-735EBF109E79}"/>
-          </ac:spMkLst>
-        </pc:spChg>
-      </pc:sldChg>
-      <pc:sldChg chg="ord">
-        <pc:chgData name="Harsha Ky" userId="51654b9f203ea89d" providerId="Windows Live" clId="Web-{CD649366-30A7-412D-8605-5CBD1A566ADE}" dt="2020-02-26T08:53:15.052" v="31"/>
-        <pc:sldMkLst>
-          <pc:docMk/>
-          <pc:sldMk cId="2775838959" sldId="258"/>
-        </pc:sldMkLst>
-      </pc:sldChg>
-      <pc:sldChg chg="modSp">
-        <pc:chgData name="Harsha Ky" userId="51654b9f203ea89d" providerId="Windows Live" clId="Web-{CD649366-30A7-412D-8605-5CBD1A566ADE}" dt="2020-02-26T09:07:45.952" v="818" actId="20577"/>
-        <pc:sldMkLst>
-          <pc:docMk/>
-          <pc:sldMk cId="4070865485" sldId="262"/>
-        </pc:sldMkLst>
-        <pc:spChg chg="mod">
-          <ac:chgData name="Harsha Ky" userId="51654b9f203ea89d" providerId="Windows Live" clId="Web-{CD649366-30A7-412D-8605-5CBD1A566ADE}" dt="2020-02-26T09:07:45.952" v="818" actId="20577"/>
-          <ac:spMkLst>
-            <pc:docMk/>
-            <pc:sldMk cId="4070865485" sldId="262"/>
-            <ac:spMk id="3" creationId="{65640DC7-3A11-4AAD-A7EA-E95CE584DCCC}"/>
-          </ac:spMkLst>
-        </pc:spChg>
-      </pc:sldChg>
-      <pc:sldChg chg="modSp del">
-        <pc:chgData name="Harsha Ky" userId="51654b9f203ea89d" providerId="Windows Live" clId="Web-{CD649366-30A7-412D-8605-5CBD1A566ADE}" dt="2020-02-26T09:07:49.139" v="820"/>
-        <pc:sldMkLst>
-          <pc:docMk/>
-          <pc:sldMk cId="1111107165" sldId="263"/>
-        </pc:sldMkLst>
-        <pc:spChg chg="mod">
-          <ac:chgData name="Harsha Ky" userId="51654b9f203ea89d" providerId="Windows Live" clId="Web-{CD649366-30A7-412D-8605-5CBD1A566ADE}" dt="2020-02-26T09:07:34.670" v="807" actId="20577"/>
-          <ac:spMkLst>
-            <pc:docMk/>
-            <pc:sldMk cId="1111107165" sldId="263"/>
-            <ac:spMk id="3" creationId="{DE3E18F3-CBA2-4749-A22C-66CC458D344C}"/>
-          </ac:spMkLst>
-        </pc:spChg>
-      </pc:sldChg>
-      <pc:sldChg chg="modSp">
-        <pc:chgData name="Harsha Ky" userId="51654b9f203ea89d" providerId="Windows Live" clId="Web-{CD649366-30A7-412D-8605-5CBD1A566ADE}" dt="2020-02-26T08:54:31.788" v="61" actId="20577"/>
-        <pc:sldMkLst>
-          <pc:docMk/>
-          <pc:sldMk cId="4224461443" sldId="264"/>
-        </pc:sldMkLst>
-        <pc:spChg chg="mod">
-          <ac:chgData name="Harsha Ky" userId="51654b9f203ea89d" providerId="Windows Live" clId="Web-{CD649366-30A7-412D-8605-5CBD1A566ADE}" dt="2020-02-26T08:54:31.788" v="61" actId="20577"/>
-          <ac:spMkLst>
-            <pc:docMk/>
-            <pc:sldMk cId="4224461443" sldId="264"/>
-            <ac:spMk id="3" creationId="{082142D9-7288-44D9-B983-9EC873349898}"/>
-          </ac:spMkLst>
-        </pc:spChg>
-      </pc:sldChg>
-      <pc:sldChg chg="modSp">
-        <pc:chgData name="Harsha Ky" userId="51654b9f203ea89d" providerId="Windows Live" clId="Web-{CD649366-30A7-412D-8605-5CBD1A566ADE}" dt="2020-02-26T08:54:54.897" v="70" actId="20577"/>
-        <pc:sldMkLst>
-          <pc:docMk/>
-          <pc:sldMk cId="2983497765" sldId="265"/>
-        </pc:sldMkLst>
-        <pc:spChg chg="mod">
-          <ac:chgData name="Harsha Ky" userId="51654b9f203ea89d" providerId="Windows Live" clId="Web-{CD649366-30A7-412D-8605-5CBD1A566ADE}" dt="2020-02-26T08:54:54.897" v="70" actId="20577"/>
-          <ac:spMkLst>
-            <pc:docMk/>
-            <pc:sldMk cId="2983497765" sldId="265"/>
-            <ac:spMk id="3" creationId="{6992825B-62A6-4488-8566-CC0944726E6A}"/>
-          </ac:spMkLst>
-        </pc:spChg>
-      </pc:sldChg>
-      <pc:sldChg chg="modSp">
-        <pc:chgData name="Harsha Ky" userId="51654b9f203ea89d" providerId="Windows Live" clId="Web-{CD649366-30A7-412D-8605-5CBD1A566ADE}" dt="2020-02-26T10:18:53.776" v="837" actId="20577"/>
-        <pc:sldMkLst>
-          <pc:docMk/>
-          <pc:sldMk cId="4109507159" sldId="266"/>
-        </pc:sldMkLst>
-        <pc:spChg chg="mod">
-          <ac:chgData name="Harsha Ky" userId="51654b9f203ea89d" providerId="Windows Live" clId="Web-{CD649366-30A7-412D-8605-5CBD1A566ADE}" dt="2020-02-26T10:18:53.776" v="837" actId="20577"/>
-          <ac:spMkLst>
-            <pc:docMk/>
-            <pc:sldMk cId="4109507159" sldId="266"/>
-            <ac:spMk id="3" creationId="{829A0375-0F36-4FC5-94C5-2BD1EF3C4534}"/>
-          </ac:spMkLst>
-        </pc:spChg>
-      </pc:sldChg>
-      <pc:sldChg chg="modSp">
-        <pc:chgData name="Harsha Ky" userId="51654b9f203ea89d" providerId="Windows Live" clId="Web-{CD649366-30A7-412D-8605-5CBD1A566ADE}" dt="2020-02-26T10:17:42.588" v="829" actId="20577"/>
-        <pc:sldMkLst>
-          <pc:docMk/>
-          <pc:sldMk cId="1853761156" sldId="267"/>
-        </pc:sldMkLst>
-        <pc:spChg chg="mod">
-          <ac:chgData name="Harsha Ky" userId="51654b9f203ea89d" providerId="Windows Live" clId="Web-{CD649366-30A7-412D-8605-5CBD1A566ADE}" dt="2020-02-26T10:17:42.588" v="829" actId="20577"/>
-          <ac:spMkLst>
-            <pc:docMk/>
-            <pc:sldMk cId="1853761156" sldId="267"/>
-            <ac:spMk id="3" creationId="{7015AAE9-DED0-4583-93D7-F25216D9058F}"/>
-          </ac:spMkLst>
-        </pc:spChg>
-      </pc:sldChg>
-      <pc:sldChg chg="modSp new">
-        <pc:chgData name="Harsha Ky" userId="51654b9f203ea89d" providerId="Windows Live" clId="Web-{CD649366-30A7-412D-8605-5CBD1A566ADE}" dt="2020-02-26T10:22:40.230" v="1070" actId="20577"/>
-        <pc:sldMkLst>
-          <pc:docMk/>
-          <pc:sldMk cId="682909928" sldId="268"/>
-        </pc:sldMkLst>
-        <pc:spChg chg="mod">
-          <ac:chgData name="Harsha Ky" userId="51654b9f203ea89d" providerId="Windows Live" clId="Web-{CD649366-30A7-412D-8605-5CBD1A566ADE}" dt="2020-02-26T10:19:50.432" v="851" actId="20577"/>
-          <ac:spMkLst>
-            <pc:docMk/>
-            <pc:sldMk cId="682909928" sldId="268"/>
-            <ac:spMk id="2" creationId="{021CCEDC-8866-4ED2-9B81-72694EDB3841}"/>
-          </ac:spMkLst>
-        </pc:spChg>
-        <pc:spChg chg="mod">
-          <ac:chgData name="Harsha Ky" userId="51654b9f203ea89d" providerId="Windows Live" clId="Web-{CD649366-30A7-412D-8605-5CBD1A566ADE}" dt="2020-02-26T10:22:40.230" v="1070" actId="20577"/>
-          <ac:spMkLst>
-            <pc:docMk/>
-            <pc:sldMk cId="682909928" sldId="268"/>
-            <ac:spMk id="3" creationId="{CAEDD0D8-A3C3-480E-873E-2C1BC04CA086}"/>
-          </ac:spMkLst>
-        </pc:spChg>
-      </pc:sldChg>
-    </pc:docChg>
-  </pc:docChgLst>
-  <pc:docChgLst>
-    <pc:chgData name="Harsha Ky" userId="51654b9f203ea89d" providerId="Windows Live" clId="Web-{64FF0B97-F6D2-4476-A64B-538B9E443636}"/>
-    <pc:docChg chg="addSld modSld">
-      <pc:chgData name="Harsha Ky" userId="51654b9f203ea89d" providerId="Windows Live" clId="Web-{64FF0B97-F6D2-4476-A64B-538B9E443636}" dt="2020-01-24T16:44:16.232" v="3763" actId="20577"/>
-      <pc:docMkLst>
-        <pc:docMk/>
-      </pc:docMkLst>
-      <pc:sldChg chg="addSp delSp modSp">
-        <pc:chgData name="Harsha Ky" userId="51654b9f203ea89d" providerId="Windows Live" clId="Web-{64FF0B97-F6D2-4476-A64B-538B9E443636}" dt="2020-01-24T16:44:12.029" v="3761" actId="20577"/>
-        <pc:sldMkLst>
-          <pc:docMk/>
-          <pc:sldMk cId="109857222" sldId="256"/>
-        </pc:sldMkLst>
-        <pc:spChg chg="mod">
-          <ac:chgData name="Harsha Ky" userId="51654b9f203ea89d" providerId="Windows Live" clId="Web-{64FF0B97-F6D2-4476-A64B-538B9E443636}" dt="2020-01-24T16:44:12.029" v="3761" actId="20577"/>
-          <ac:spMkLst>
-            <pc:docMk/>
-            <pc:sldMk cId="109857222" sldId="256"/>
-            <ac:spMk id="2" creationId="{00000000-0000-0000-0000-000000000000}"/>
-          </ac:spMkLst>
-        </pc:spChg>
-        <pc:spChg chg="add del mod">
-          <ac:chgData name="Harsha Ky" userId="51654b9f203ea89d" providerId="Windows Live" clId="Web-{64FF0B97-F6D2-4476-A64B-538B9E443636}" dt="2020-01-24T16:23:23.196" v="1781"/>
-          <ac:spMkLst>
-            <pc:docMk/>
-            <pc:sldMk cId="109857222" sldId="256"/>
-            <ac:spMk id="3" creationId="{00000000-0000-0000-0000-000000000000}"/>
-          </ac:spMkLst>
-        </pc:spChg>
-        <pc:spChg chg="add mod">
-          <ac:chgData name="Harsha Ky" userId="51654b9f203ea89d" providerId="Windows Live" clId="Web-{64FF0B97-F6D2-4476-A64B-538B9E443636}" dt="2020-01-24T16:05:17.064" v="335" actId="20577"/>
-          <ac:spMkLst>
-            <pc:docMk/>
-            <pc:sldMk cId="109857222" sldId="256"/>
-            <ac:spMk id="4" creationId="{2B7196F5-A11A-41C3-B9DC-C12F8C0383FC}"/>
-          </ac:spMkLst>
-        </pc:spChg>
-        <pc:spChg chg="add mod">
-          <ac:chgData name="Harsha Ky" userId="51654b9f203ea89d" providerId="Windows Live" clId="Web-{64FF0B97-F6D2-4476-A64B-538B9E443636}" dt="2020-01-24T16:04:47.627" v="334" actId="1076"/>
-          <ac:spMkLst>
-            <pc:docMk/>
-            <pc:sldMk cId="109857222" sldId="256"/>
-            <ac:spMk id="5" creationId="{E7B050E4-25DD-49C7-90D1-B3BD6ED1656F}"/>
-          </ac:spMkLst>
-        </pc:spChg>
-      </pc:sldChg>
-      <pc:sldChg chg="modSp new">
-        <pc:chgData name="Harsha Ky" userId="51654b9f203ea89d" providerId="Windows Live" clId="Web-{64FF0B97-F6D2-4476-A64B-538B9E443636}" dt="2020-01-24T16:19:03.555" v="1369" actId="20577"/>
-        <pc:sldMkLst>
-          <pc:docMk/>
-          <pc:sldMk cId="3085881011" sldId="257"/>
-        </pc:sldMkLst>
-        <pc:spChg chg="mod">
-          <ac:chgData name="Harsha Ky" userId="51654b9f203ea89d" providerId="Windows Live" clId="Web-{64FF0B97-F6D2-4476-A64B-538B9E443636}" dt="2020-01-24T16:05:51.518" v="343" actId="20577"/>
-          <ac:spMkLst>
-            <pc:docMk/>
-            <pc:sldMk cId="3085881011" sldId="257"/>
-            <ac:spMk id="2" creationId="{8E4F941D-56C2-4C7C-9FB3-63D044E24749}"/>
-          </ac:spMkLst>
-        </pc:spChg>
-        <pc:spChg chg="mod">
-          <ac:chgData name="Harsha Ky" userId="51654b9f203ea89d" providerId="Windows Live" clId="Web-{64FF0B97-F6D2-4476-A64B-538B9E443636}" dt="2020-01-24T16:19:03.555" v="1369" actId="20577"/>
-          <ac:spMkLst>
-            <pc:docMk/>
-            <pc:sldMk cId="3085881011" sldId="257"/>
-            <ac:spMk id="3" creationId="{E87AB376-CC3B-4787-B404-735EBF109E79}"/>
-          </ac:spMkLst>
-        </pc:spChg>
-      </pc:sldChg>
-      <pc:sldChg chg="addSp delSp modSp new">
-        <pc:chgData name="Harsha Ky" userId="51654b9f203ea89d" providerId="Windows Live" clId="Web-{64FF0B97-F6D2-4476-A64B-538B9E443636}" dt="2020-01-24T16:22:50.087" v="1778" actId="20577"/>
-        <pc:sldMkLst>
-          <pc:docMk/>
-          <pc:sldMk cId="2775838959" sldId="258"/>
-        </pc:sldMkLst>
-        <pc:spChg chg="mod">
-          <ac:chgData name="Harsha Ky" userId="51654b9f203ea89d" providerId="Windows Live" clId="Web-{64FF0B97-F6D2-4476-A64B-538B9E443636}" dt="2020-01-24T16:19:19.055" v="1386" actId="20577"/>
-          <ac:spMkLst>
-            <pc:docMk/>
-            <pc:sldMk cId="2775838959" sldId="258"/>
-            <ac:spMk id="2" creationId="{0EB23F6D-AF81-4C6E-A900-63024BF2F910}"/>
-          </ac:spMkLst>
-        </pc:spChg>
-        <pc:spChg chg="del">
-          <ac:chgData name="Harsha Ky" userId="51654b9f203ea89d" providerId="Windows Live" clId="Web-{64FF0B97-F6D2-4476-A64B-538B9E443636}" dt="2020-01-24T16:19:31.118" v="1389"/>
-          <ac:spMkLst>
-            <pc:docMk/>
-            <pc:sldMk cId="2775838959" sldId="258"/>
-            <ac:spMk id="3" creationId="{FD9DECD9-1031-46ED-9112-477C9ED864C9}"/>
-          </ac:spMkLst>
-        </pc:spChg>
-        <pc:spChg chg="add mod">
-          <ac:chgData name="Harsha Ky" userId="51654b9f203ea89d" providerId="Windows Live" clId="Web-{64FF0B97-F6D2-4476-A64B-538B9E443636}" dt="2020-01-24T16:22:50.087" v="1778" actId="20577"/>
-          <ac:spMkLst>
-            <pc:docMk/>
-            <pc:sldMk cId="2775838959" sldId="258"/>
-            <ac:spMk id="6" creationId="{89FF2F55-F978-44B3-A7F8-A4CEAE32E85C}"/>
-          </ac:spMkLst>
-        </pc:spChg>
-        <pc:picChg chg="add mod ord">
-          <ac:chgData name="Harsha Ky" userId="51654b9f203ea89d" providerId="Windows Live" clId="Web-{64FF0B97-F6D2-4476-A64B-538B9E443636}" dt="2020-01-24T16:19:53.196" v="1390" actId="1076"/>
-          <ac:picMkLst>
-            <pc:docMk/>
-            <pc:sldMk cId="2775838959" sldId="258"/>
-            <ac:picMk id="4" creationId="{23FE1FAB-6242-43C9-B77F-0C55C77E2B17}"/>
-          </ac:picMkLst>
-        </pc:picChg>
-      </pc:sldChg>
-      <pc:sldChg chg="modSp new">
-        <pc:chgData name="Harsha Ky" userId="51654b9f203ea89d" providerId="Windows Live" clId="Web-{64FF0B97-F6D2-4476-A64B-538B9E443636}" dt="2020-01-24T16:34:36.791" v="2526" actId="20577"/>
-        <pc:sldMkLst>
-          <pc:docMk/>
-          <pc:sldMk cId="4183685459" sldId="259"/>
-        </pc:sldMkLst>
-        <pc:spChg chg="mod">
-          <ac:chgData name="Harsha Ky" userId="51654b9f203ea89d" providerId="Windows Live" clId="Web-{64FF0B97-F6D2-4476-A64B-538B9E443636}" dt="2020-01-24T16:23:56.446" v="1824" actId="20577"/>
-          <ac:spMkLst>
-            <pc:docMk/>
-            <pc:sldMk cId="4183685459" sldId="259"/>
-            <ac:spMk id="2" creationId="{43A314C0-77B3-4A77-B8FE-74F30F1D1AC3}"/>
-          </ac:spMkLst>
-        </pc:spChg>
-        <pc:spChg chg="mod">
-          <ac:chgData name="Harsha Ky" userId="51654b9f203ea89d" providerId="Windows Live" clId="Web-{64FF0B97-F6D2-4476-A64B-538B9E443636}" dt="2020-01-24T16:34:36.791" v="2526" actId="20577"/>
-          <ac:spMkLst>
-            <pc:docMk/>
-            <pc:sldMk cId="4183685459" sldId="259"/>
-            <ac:spMk id="3" creationId="{F99C5E96-510A-4259-A1A2-129A3D5AA8B7}"/>
-          </ac:spMkLst>
-        </pc:spChg>
-      </pc:sldChg>
-      <pc:sldChg chg="modSp new">
-        <pc:chgData name="Harsha Ky" userId="51654b9f203ea89d" providerId="Windows Live" clId="Web-{64FF0B97-F6D2-4476-A64B-538B9E443636}" dt="2020-01-24T16:42:44.638" v="3723" actId="20577"/>
-        <pc:sldMkLst>
-          <pc:docMk/>
-          <pc:sldMk cId="3897002874" sldId="260"/>
-        </pc:sldMkLst>
-        <pc:spChg chg="mod">
-          <ac:chgData name="Harsha Ky" userId="51654b9f203ea89d" providerId="Windows Live" clId="Web-{64FF0B97-F6D2-4476-A64B-538B9E443636}" dt="2020-01-24T16:35:10.026" v="2552" actId="20577"/>
-          <ac:spMkLst>
-            <pc:docMk/>
-            <pc:sldMk cId="3897002874" sldId="260"/>
-            <ac:spMk id="2" creationId="{350DDB70-5B17-4513-8494-85E398FE04B8}"/>
-          </ac:spMkLst>
-        </pc:spChg>
-        <pc:spChg chg="mod">
-          <ac:chgData name="Harsha Ky" userId="51654b9f203ea89d" providerId="Windows Live" clId="Web-{64FF0B97-F6D2-4476-A64B-538B9E443636}" dt="2020-01-24T16:42:44.638" v="3723" actId="20577"/>
-          <ac:spMkLst>
-            <pc:docMk/>
-            <pc:sldMk cId="3897002874" sldId="260"/>
-            <ac:spMk id="3" creationId="{36354896-F079-4D93-8F1C-7A9B390A1B48}"/>
-          </ac:spMkLst>
-        </pc:spChg>
-      </pc:sldChg>
-      <pc:sldChg chg="modSp new">
-        <pc:chgData name="Harsha Ky" userId="51654b9f203ea89d" providerId="Windows Live" clId="Web-{64FF0B97-F6D2-4476-A64B-538B9E443636}" dt="2020-01-24T16:43:48.310" v="3748" actId="20577"/>
-        <pc:sldMkLst>
-          <pc:docMk/>
-          <pc:sldMk cId="4205046399" sldId="261"/>
-        </pc:sldMkLst>
-        <pc:spChg chg="mod">
-          <ac:chgData name="Harsha Ky" userId="51654b9f203ea89d" providerId="Windows Live" clId="Web-{64FF0B97-F6D2-4476-A64B-538B9E443636}" dt="2020-01-24T16:43:48.310" v="3748" actId="20577"/>
-          <ac:spMkLst>
-            <pc:docMk/>
-            <pc:sldMk cId="4205046399" sldId="261"/>
-            <ac:spMk id="2" creationId="{33410B07-CA37-4D38-B4A0-176A3903F8E0}"/>
-          </ac:spMkLst>
-        </pc:spChg>
-      </pc:sldChg>
-    </pc:docChg>
-  </pc:docChgLst>
-  <pc:docChgLst>
     <pc:chgData name="Harsha Ky" userId="51654b9f203ea89d" providerId="Windows Live" clId="Web-{88AEB5F3-CAE5-4B99-AE53-89C14A09FB99}"/>
     <pc:docChg chg="modSld">
       <pc:chgData name="Harsha Ky" userId="51654b9f203ea89d" providerId="Windows Live" clId="Web-{88AEB5F3-CAE5-4B99-AE53-89C14A09FB99}" dt="2020-02-01T09:01:49.276" v="1026" actId="20577"/>
@@ -1320,69 +1803,6 @@
             <pc:docMk/>
             <pc:sldMk cId="3897002874" sldId="260"/>
             <ac:spMk id="3" creationId="{36354896-F079-4D93-8F1C-7A9B390A1B48}"/>
-          </ac:spMkLst>
-        </pc:spChg>
-      </pc:sldChg>
-    </pc:docChg>
-  </pc:docChgLst>
-  <pc:docChgLst>
-    <pc:chgData name="Harsha Ky" userId="51654b9f203ea89d" providerId="Windows Live" clId="Web-{970F2756-6D48-4F87-AD03-74F0E83451BF}"/>
-    <pc:docChg chg="modSld">
-      <pc:chgData name="Harsha Ky" userId="51654b9f203ea89d" providerId="Windows Live" clId="Web-{970F2756-6D48-4F87-AD03-74F0E83451BF}" dt="2020-02-01T05:49:25.680" v="38" actId="20577"/>
-      <pc:docMkLst>
-        <pc:docMk/>
-      </pc:docMkLst>
-      <pc:sldChg chg="modSp">
-        <pc:chgData name="Harsha Ky" userId="51654b9f203ea89d" providerId="Windows Live" clId="Web-{970F2756-6D48-4F87-AD03-74F0E83451BF}" dt="2020-02-01T05:49:12.914" v="36" actId="20577"/>
-        <pc:sldMkLst>
-          <pc:docMk/>
-          <pc:sldMk cId="4183685459" sldId="259"/>
-        </pc:sldMkLst>
-        <pc:spChg chg="mod">
-          <ac:chgData name="Harsha Ky" userId="51654b9f203ea89d" providerId="Windows Live" clId="Web-{970F2756-6D48-4F87-AD03-74F0E83451BF}" dt="2020-02-01T05:49:12.914" v="36" actId="20577"/>
-          <ac:spMkLst>
-            <pc:docMk/>
-            <pc:sldMk cId="4183685459" sldId="259"/>
-            <ac:spMk id="3" creationId="{F99C5E96-510A-4259-A1A2-129A3D5AA8B7}"/>
-          </ac:spMkLst>
-        </pc:spChg>
-      </pc:sldChg>
-    </pc:docChg>
-  </pc:docChgLst>
-  <pc:docChgLst>
-    <pc:chgData name="Harsha Ky" userId="51654b9f203ea89d" providerId="Windows Live" clId="Web-{1160FAA9-F999-4E44-9E74-425A0C1DC568}"/>
-    <pc:docChg chg="modSld">
-      <pc:chgData name="Harsha Ky" userId="51654b9f203ea89d" providerId="Windows Live" clId="Web-{1160FAA9-F999-4E44-9E74-425A0C1DC568}" dt="2020-02-17T14:44:16.976" v="1222" actId="20577"/>
-      <pc:docMkLst>
-        <pc:docMk/>
-      </pc:docMkLst>
-      <pc:sldChg chg="modSp">
-        <pc:chgData name="Harsha Ky" userId="51654b9f203ea89d" providerId="Windows Live" clId="Web-{1160FAA9-F999-4E44-9E74-425A0C1DC568}" dt="2020-02-17T14:39:46.881" v="740" actId="20577"/>
-        <pc:sldMkLst>
-          <pc:docMk/>
-          <pc:sldMk cId="4224461443" sldId="264"/>
-        </pc:sldMkLst>
-        <pc:spChg chg="mod">
-          <ac:chgData name="Harsha Ky" userId="51654b9f203ea89d" providerId="Windows Live" clId="Web-{1160FAA9-F999-4E44-9E74-425A0C1DC568}" dt="2020-02-17T14:39:46.881" v="740" actId="20577"/>
-          <ac:spMkLst>
-            <pc:docMk/>
-            <pc:sldMk cId="4224461443" sldId="264"/>
-            <ac:spMk id="3" creationId="{082142D9-7288-44D9-B983-9EC873349898}"/>
-          </ac:spMkLst>
-        </pc:spChg>
-      </pc:sldChg>
-      <pc:sldChg chg="modSp">
-        <pc:chgData name="Harsha Ky" userId="51654b9f203ea89d" providerId="Windows Live" clId="Web-{1160FAA9-F999-4E44-9E74-425A0C1DC568}" dt="2020-02-17T14:44:16.976" v="1221" actId="20577"/>
-        <pc:sldMkLst>
-          <pc:docMk/>
-          <pc:sldMk cId="4109507159" sldId="266"/>
-        </pc:sldMkLst>
-        <pc:spChg chg="mod">
-          <ac:chgData name="Harsha Ky" userId="51654b9f203ea89d" providerId="Windows Live" clId="Web-{1160FAA9-F999-4E44-9E74-425A0C1DC568}" dt="2020-02-17T14:44:16.976" v="1221" actId="20577"/>
-          <ac:spMkLst>
-            <pc:docMk/>
-            <pc:sldMk cId="4109507159" sldId="266"/>
-            <ac:spMk id="3" creationId="{829A0375-0F36-4FC5-94C5-2BD1EF3C4534}"/>
           </ac:spMkLst>
         </pc:spChg>
       </pc:sldChg>
@@ -1522,7 +1942,7 @@
           <a:p>
             <a:fld id="{846CE7D5-CF57-46EF-B807-FDD0502418D4}" type="datetimeFigureOut">
               <a:rPr lang="en-US" smtClean="0"/>
-              <a:t>4/4/2020</a:t>
+              <a:t>5/19/2020</a:t>
             </a:fld>
             <a:endParaRPr lang="en-US"/>
           </a:p>
@@ -1692,7 +2112,7 @@
           <a:p>
             <a:fld id="{846CE7D5-CF57-46EF-B807-FDD0502418D4}" type="datetimeFigureOut">
               <a:rPr lang="en-US" smtClean="0"/>
-              <a:t>4/4/2020</a:t>
+              <a:t>5/19/2020</a:t>
             </a:fld>
             <a:endParaRPr lang="en-US"/>
           </a:p>
@@ -1872,7 +2292,7 @@
           <a:p>
             <a:fld id="{846CE7D5-CF57-46EF-B807-FDD0502418D4}" type="datetimeFigureOut">
               <a:rPr lang="en-US" smtClean="0"/>
-              <a:t>4/4/2020</a:t>
+              <a:t>5/19/2020</a:t>
             </a:fld>
             <a:endParaRPr lang="en-US"/>
           </a:p>
@@ -2042,7 +2462,7 @@
           <a:p>
             <a:fld id="{846CE7D5-CF57-46EF-B807-FDD0502418D4}" type="datetimeFigureOut">
               <a:rPr lang="en-US" smtClean="0"/>
-              <a:t>4/4/2020</a:t>
+              <a:t>5/19/2020</a:t>
             </a:fld>
             <a:endParaRPr lang="en-US"/>
           </a:p>
@@ -2288,7 +2708,7 @@
           <a:p>
             <a:fld id="{846CE7D5-CF57-46EF-B807-FDD0502418D4}" type="datetimeFigureOut">
               <a:rPr lang="en-US" smtClean="0"/>
-              <a:t>4/4/2020</a:t>
+              <a:t>5/19/2020</a:t>
             </a:fld>
             <a:endParaRPr lang="en-US"/>
           </a:p>
@@ -2520,7 +2940,7 @@
           <a:p>
             <a:fld id="{846CE7D5-CF57-46EF-B807-FDD0502418D4}" type="datetimeFigureOut">
               <a:rPr lang="en-US" smtClean="0"/>
-              <a:t>4/4/2020</a:t>
+              <a:t>5/19/2020</a:t>
             </a:fld>
             <a:endParaRPr lang="en-US"/>
           </a:p>
@@ -2887,7 +3307,7 @@
           <a:p>
             <a:fld id="{846CE7D5-CF57-46EF-B807-FDD0502418D4}" type="datetimeFigureOut">
               <a:rPr lang="en-US" smtClean="0"/>
-              <a:t>4/4/2020</a:t>
+              <a:t>5/19/2020</a:t>
             </a:fld>
             <a:endParaRPr lang="en-US"/>
           </a:p>
@@ -3005,7 +3425,7 @@
           <a:p>
             <a:fld id="{846CE7D5-CF57-46EF-B807-FDD0502418D4}" type="datetimeFigureOut">
               <a:rPr lang="en-US" smtClean="0"/>
-              <a:t>4/4/2020</a:t>
+              <a:t>5/19/2020</a:t>
             </a:fld>
             <a:endParaRPr lang="en-US"/>
           </a:p>
@@ -3100,7 +3520,7 @@
           <a:p>
             <a:fld id="{846CE7D5-CF57-46EF-B807-FDD0502418D4}" type="datetimeFigureOut">
               <a:rPr lang="en-US" smtClean="0"/>
-              <a:t>4/4/2020</a:t>
+              <a:t>5/19/2020</a:t>
             </a:fld>
             <a:endParaRPr lang="en-US"/>
           </a:p>
@@ -3377,7 +3797,7 @@
           <a:p>
             <a:fld id="{846CE7D5-CF57-46EF-B807-FDD0502418D4}" type="datetimeFigureOut">
               <a:rPr lang="en-US" smtClean="0"/>
-              <a:t>4/4/2020</a:t>
+              <a:t>5/19/2020</a:t>
             </a:fld>
             <a:endParaRPr lang="en-US"/>
           </a:p>
@@ -3634,7 +4054,7 @@
           <a:p>
             <a:fld id="{846CE7D5-CF57-46EF-B807-FDD0502418D4}" type="datetimeFigureOut">
               <a:rPr lang="en-US" smtClean="0"/>
-              <a:t>4/4/2020</a:t>
+              <a:t>5/19/2020</a:t>
             </a:fld>
             <a:endParaRPr lang="en-US"/>
           </a:p>
@@ -3847,7 +4267,7 @@
           <a:p>
             <a:fld id="{846CE7D5-CF57-46EF-B807-FDD0502418D4}" type="datetimeFigureOut">
               <a:rPr lang="en-US" smtClean="0"/>
-              <a:t>4/4/2020</a:t>
+              <a:t>5/19/2020</a:t>
             </a:fld>
             <a:endParaRPr lang="en-US"/>
           </a:p>
@@ -6769,7 +7189,7 @@
           <p:cNvPr id="2" name="Title 1">
             <a:extLst>
               <a:ext uri="{FF2B5EF4-FFF2-40B4-BE49-F238E27FC236}">
-                <a16:creationId xmlns:a16="http://schemas.microsoft.com/office/drawing/2014/main" id="{33410B07-CA37-4D38-B4A0-176A3903F8E0}"/>
+                <a16:creationId xmlns:a16="http://schemas.microsoft.com/office/drawing/2014/main" id="{3D968F9F-BEF4-4DBC-B51A-9F4E8D0445B3}"/>
               </a:ext>
             </a:extLst>
           </p:cNvPr>
@@ -6780,30 +7200,970 @@
             <p:ph type="title"/>
           </p:nvPr>
         </p:nvSpPr>
+        <p:spPr/>
+        <p:txBody>
+          <a:bodyPr/>
+          <a:lstStyle/>
+          <a:p>
+            <a:pPr algn="ctr"/>
+            <a:r>
+              <a:rPr lang="en-US" dirty="0">
+                <a:cs typeface="Calibri Light" panose="020F0302020204030204"/>
+              </a:rPr>
+              <a:t>Screenshots</a:t>
+            </a:r>
+          </a:p>
+        </p:txBody>
+      </p:sp>
+      <p:sp>
+        <p:nvSpPr>
+          <p:cNvPr id="3" name="Content Placeholder 2">
+            <a:extLst>
+              <a:ext uri="{FF2B5EF4-FFF2-40B4-BE49-F238E27FC236}">
+                <a16:creationId xmlns:a16="http://schemas.microsoft.com/office/drawing/2014/main" id="{3DDC9128-D76F-4454-8686-613C06360DD3}"/>
+              </a:ext>
+            </a:extLst>
+          </p:cNvPr>
+          <p:cNvSpPr>
+            <a:spLocks noGrp="1"/>
+          </p:cNvSpPr>
+          <p:nvPr>
+            <p:ph idx="1"/>
+          </p:nvPr>
+        </p:nvSpPr>
+        <p:spPr/>
+        <p:txBody>
+          <a:bodyPr vert="horz" lIns="91440" tIns="45720" rIns="91440" bIns="45720" rtlCol="0" anchor="t">
+            <a:normAutofit/>
+          </a:bodyPr>
+          <a:lstStyle/>
+          <a:p>
+            <a:r>
+              <a:rPr lang="en-US" dirty="0">
+                <a:cs typeface="Calibri"/>
+              </a:rPr>
+              <a:t>Home Page</a:t>
+            </a:r>
+          </a:p>
+          <a:p>
+            <a:endParaRPr lang="en-US" dirty="0">
+              <a:cs typeface="Calibri"/>
+            </a:endParaRPr>
+          </a:p>
+        </p:txBody>
+      </p:sp>
+      <p:pic>
+        <p:nvPicPr>
+          <p:cNvPr id="4" name="Picture 4" descr="A picture containing circuit&#10;&#10;Description generated with very high confidence">
+            <a:extLst>
+              <a:ext uri="{FF2B5EF4-FFF2-40B4-BE49-F238E27FC236}">
+                <a16:creationId xmlns:a16="http://schemas.microsoft.com/office/drawing/2014/main" id="{B17C88FC-9F82-4A6D-B429-FAE388B7950F}"/>
+              </a:ext>
+            </a:extLst>
+          </p:cNvPr>
+          <p:cNvPicPr>
+            <a:picLocks noChangeAspect="1"/>
+          </p:cNvPicPr>
+          <p:nvPr/>
+        </p:nvPicPr>
+        <p:blipFill>
+          <a:blip r:embed="rId2"/>
+          <a:stretch>
+            <a:fillRect/>
+          </a:stretch>
+        </p:blipFill>
         <p:spPr>
           <a:xfrm>
-            <a:off x="838200" y="365125"/>
-            <a:ext cx="10515600" cy="6083632"/>
+            <a:off x="1165735" y="2241041"/>
+            <a:ext cx="8625467" cy="4255201"/>
           </a:xfrm>
+          <a:prstGeom prst="rect">
+            <a:avLst/>
+          </a:prstGeom>
         </p:spPr>
-        <p:txBody>
-          <a:bodyPr/>
-          <a:lstStyle/>
-          <a:p>
-            <a:pPr algn="ctr"/>
-            <a:r>
-              <a:rPr lang="en-US" dirty="0">
-                <a:cs typeface="Calibri Light" panose="020F0302020204030204"/>
-              </a:rPr>
-              <a:t>Thank You</a:t>
-            </a:r>
-          </a:p>
-        </p:txBody>
-      </p:sp>
+      </p:pic>
     </p:spTree>
     <p:extLst>
       <p:ext uri="{BB962C8B-B14F-4D97-AF65-F5344CB8AC3E}">
-        <p14:creationId xmlns:p14="http://schemas.microsoft.com/office/powerpoint/2010/main" val="4205046399"/>
+        <p14:creationId xmlns:p14="http://schemas.microsoft.com/office/powerpoint/2010/main" val="4036096293"/>
+      </p:ext>
+    </p:extLst>
+  </p:cSld>
+  <p:clrMapOvr>
+    <a:masterClrMapping/>
+  </p:clrMapOvr>
+</p:sld>
+</file>
+
+<file path=ppt/slides/slide23.xml><?xml version="1.0" encoding="utf-8"?>
+<p:sld xmlns:a="http://schemas.openxmlformats.org/drawingml/2006/main" xmlns:r="http://schemas.openxmlformats.org/officeDocument/2006/relationships" xmlns:p="http://schemas.openxmlformats.org/presentationml/2006/main">
+  <p:cSld>
+    <p:spTree>
+      <p:nvGrpSpPr>
+        <p:cNvPr id="1" name=""/>
+        <p:cNvGrpSpPr/>
+        <p:nvPr/>
+      </p:nvGrpSpPr>
+      <p:grpSpPr>
+        <a:xfrm>
+          <a:off x="0" y="0"/>
+          <a:ext cx="0" cy="0"/>
+          <a:chOff x="0" y="0"/>
+          <a:chExt cx="0" cy="0"/>
+        </a:xfrm>
+      </p:grpSpPr>
+      <p:sp>
+        <p:nvSpPr>
+          <p:cNvPr id="2" name="Title 1">
+            <a:extLst>
+              <a:ext uri="{FF2B5EF4-FFF2-40B4-BE49-F238E27FC236}">
+                <a16:creationId xmlns:a16="http://schemas.microsoft.com/office/drawing/2014/main" id="{09862508-6CA7-49D3-85C1-36104582C64C}"/>
+              </a:ext>
+            </a:extLst>
+          </p:cNvPr>
+          <p:cNvSpPr>
+            <a:spLocks noGrp="1"/>
+          </p:cNvSpPr>
+          <p:nvPr>
+            <p:ph type="title"/>
+          </p:nvPr>
+        </p:nvSpPr>
+        <p:spPr/>
+        <p:txBody>
+          <a:bodyPr/>
+          <a:lstStyle/>
+          <a:p>
+            <a:pPr algn="ctr"/>
+            <a:r>
+              <a:rPr lang="en-US" dirty="0">
+                <a:cs typeface="Calibri Light" panose="020F0302020204030204"/>
+              </a:rPr>
+              <a:t>Screenshots</a:t>
+            </a:r>
+          </a:p>
+        </p:txBody>
+      </p:sp>
+      <p:sp>
+        <p:nvSpPr>
+          <p:cNvPr id="3" name="Content Placeholder 2">
+            <a:extLst>
+              <a:ext uri="{FF2B5EF4-FFF2-40B4-BE49-F238E27FC236}">
+                <a16:creationId xmlns:a16="http://schemas.microsoft.com/office/drawing/2014/main" id="{227EDB1A-1169-43A7-919C-B089B17D9384}"/>
+              </a:ext>
+            </a:extLst>
+          </p:cNvPr>
+          <p:cNvSpPr>
+            <a:spLocks noGrp="1"/>
+          </p:cNvSpPr>
+          <p:nvPr>
+            <p:ph idx="1"/>
+          </p:nvPr>
+        </p:nvSpPr>
+        <p:spPr/>
+        <p:txBody>
+          <a:bodyPr vert="horz" lIns="91440" tIns="45720" rIns="91440" bIns="45720" rtlCol="0" anchor="t">
+            <a:normAutofit/>
+          </a:bodyPr>
+          <a:lstStyle/>
+          <a:p>
+            <a:r>
+              <a:rPr lang="en-US" dirty="0">
+                <a:cs typeface="Calibri"/>
+              </a:rPr>
+              <a:t>Sentiment Analysis</a:t>
+            </a:r>
+          </a:p>
+          <a:p>
+            <a:endParaRPr lang="en-US" dirty="0">
+              <a:cs typeface="Calibri"/>
+            </a:endParaRPr>
+          </a:p>
+        </p:txBody>
+      </p:sp>
+      <p:pic>
+        <p:nvPicPr>
+          <p:cNvPr id="4" name="Picture 4" descr="A screenshot of a cell phone&#10;&#10;Description generated with very high confidence">
+            <a:extLst>
+              <a:ext uri="{FF2B5EF4-FFF2-40B4-BE49-F238E27FC236}">
+                <a16:creationId xmlns:a16="http://schemas.microsoft.com/office/drawing/2014/main" id="{DA4D7DD8-9FA1-4B56-9945-89383B277200}"/>
+              </a:ext>
+            </a:extLst>
+          </p:cNvPr>
+          <p:cNvPicPr>
+            <a:picLocks noChangeAspect="1"/>
+          </p:cNvPicPr>
+          <p:nvPr/>
+        </p:nvPicPr>
+        <p:blipFill>
+          <a:blip r:embed="rId2"/>
+          <a:stretch>
+            <a:fillRect/>
+          </a:stretch>
+        </p:blipFill>
+        <p:spPr>
+          <a:xfrm>
+            <a:off x="1165302" y="2277131"/>
+            <a:ext cx="8606882" cy="4245908"/>
+          </a:xfrm>
+          <a:prstGeom prst="rect">
+            <a:avLst/>
+          </a:prstGeom>
+        </p:spPr>
+      </p:pic>
+    </p:spTree>
+    <p:extLst>
+      <p:ext uri="{BB962C8B-B14F-4D97-AF65-F5344CB8AC3E}">
+        <p14:creationId xmlns:p14="http://schemas.microsoft.com/office/powerpoint/2010/main" val="1859871648"/>
+      </p:ext>
+    </p:extLst>
+  </p:cSld>
+  <p:clrMapOvr>
+    <a:masterClrMapping/>
+  </p:clrMapOvr>
+</p:sld>
+</file>
+
+<file path=ppt/slides/slide24.xml><?xml version="1.0" encoding="utf-8"?>
+<p:sld xmlns:a="http://schemas.openxmlformats.org/drawingml/2006/main" xmlns:r="http://schemas.openxmlformats.org/officeDocument/2006/relationships" xmlns:p="http://schemas.openxmlformats.org/presentationml/2006/main">
+  <p:cSld>
+    <p:spTree>
+      <p:nvGrpSpPr>
+        <p:cNvPr id="1" name=""/>
+        <p:cNvGrpSpPr/>
+        <p:nvPr/>
+      </p:nvGrpSpPr>
+      <p:grpSpPr>
+        <a:xfrm>
+          <a:off x="0" y="0"/>
+          <a:ext cx="0" cy="0"/>
+          <a:chOff x="0" y="0"/>
+          <a:chExt cx="0" cy="0"/>
+        </a:xfrm>
+      </p:grpSpPr>
+      <p:sp>
+        <p:nvSpPr>
+          <p:cNvPr id="2" name="Title 1">
+            <a:extLst>
+              <a:ext uri="{FF2B5EF4-FFF2-40B4-BE49-F238E27FC236}">
+                <a16:creationId xmlns:a16="http://schemas.microsoft.com/office/drawing/2014/main" id="{09862508-6CA7-49D3-85C1-36104582C64C}"/>
+              </a:ext>
+            </a:extLst>
+          </p:cNvPr>
+          <p:cNvSpPr>
+            <a:spLocks noGrp="1"/>
+          </p:cNvSpPr>
+          <p:nvPr>
+            <p:ph type="title"/>
+          </p:nvPr>
+        </p:nvSpPr>
+        <p:spPr/>
+        <p:txBody>
+          <a:bodyPr/>
+          <a:lstStyle/>
+          <a:p>
+            <a:pPr algn="ctr"/>
+            <a:r>
+              <a:rPr lang="en-US" dirty="0">
+                <a:cs typeface="Calibri Light" panose="020F0302020204030204"/>
+              </a:rPr>
+              <a:t>Screenshots</a:t>
+            </a:r>
+          </a:p>
+        </p:txBody>
+      </p:sp>
+      <p:sp>
+        <p:nvSpPr>
+          <p:cNvPr id="3" name="Content Placeholder 2">
+            <a:extLst>
+              <a:ext uri="{FF2B5EF4-FFF2-40B4-BE49-F238E27FC236}">
+                <a16:creationId xmlns:a16="http://schemas.microsoft.com/office/drawing/2014/main" id="{227EDB1A-1169-43A7-919C-B089B17D9384}"/>
+              </a:ext>
+            </a:extLst>
+          </p:cNvPr>
+          <p:cNvSpPr>
+            <a:spLocks noGrp="1"/>
+          </p:cNvSpPr>
+          <p:nvPr>
+            <p:ph idx="1"/>
+          </p:nvPr>
+        </p:nvSpPr>
+        <p:spPr/>
+        <p:txBody>
+          <a:bodyPr vert="horz" lIns="91440" tIns="45720" rIns="91440" bIns="45720" rtlCol="0" anchor="t">
+            <a:normAutofit/>
+          </a:bodyPr>
+          <a:lstStyle/>
+          <a:p>
+            <a:r>
+              <a:rPr lang="en-US" dirty="0">
+                <a:cs typeface="Calibri"/>
+              </a:rPr>
+              <a:t>Category Prediction</a:t>
+            </a:r>
+          </a:p>
+          <a:p>
+            <a:endParaRPr lang="en-US" dirty="0">
+              <a:cs typeface="Calibri"/>
+            </a:endParaRPr>
+          </a:p>
+        </p:txBody>
+      </p:sp>
+      <p:pic>
+        <p:nvPicPr>
+          <p:cNvPr id="5" name="Picture 5" descr="A screenshot of a cell phone&#10;&#10;Description generated with very high confidence">
+            <a:extLst>
+              <a:ext uri="{FF2B5EF4-FFF2-40B4-BE49-F238E27FC236}">
+                <a16:creationId xmlns:a16="http://schemas.microsoft.com/office/drawing/2014/main" id="{14258431-0D1A-4AB8-A406-6DA1DA7C2310}"/>
+              </a:ext>
+            </a:extLst>
+          </p:cNvPr>
+          <p:cNvPicPr>
+            <a:picLocks noChangeAspect="1"/>
+          </p:cNvPicPr>
+          <p:nvPr/>
+        </p:nvPicPr>
+        <p:blipFill>
+          <a:blip r:embed="rId2"/>
+          <a:stretch>
+            <a:fillRect/>
+          </a:stretch>
+        </p:blipFill>
+        <p:spPr>
+          <a:xfrm>
+            <a:off x="1165302" y="2267838"/>
+            <a:ext cx="8606882" cy="4227323"/>
+          </a:xfrm>
+          <a:prstGeom prst="rect">
+            <a:avLst/>
+          </a:prstGeom>
+        </p:spPr>
+      </p:pic>
+    </p:spTree>
+    <p:extLst>
+      <p:ext uri="{BB962C8B-B14F-4D97-AF65-F5344CB8AC3E}">
+        <p14:creationId xmlns:p14="http://schemas.microsoft.com/office/powerpoint/2010/main" val="1866102089"/>
+      </p:ext>
+    </p:extLst>
+  </p:cSld>
+  <p:clrMapOvr>
+    <a:masterClrMapping/>
+  </p:clrMapOvr>
+</p:sld>
+</file>
+
+<file path=ppt/slides/slide25.xml><?xml version="1.0" encoding="utf-8"?>
+<p:sld xmlns:a="http://schemas.openxmlformats.org/drawingml/2006/main" xmlns:r="http://schemas.openxmlformats.org/officeDocument/2006/relationships" xmlns:p="http://schemas.openxmlformats.org/presentationml/2006/main">
+  <p:cSld>
+    <p:spTree>
+      <p:nvGrpSpPr>
+        <p:cNvPr id="1" name=""/>
+        <p:cNvGrpSpPr/>
+        <p:nvPr/>
+      </p:nvGrpSpPr>
+      <p:grpSpPr>
+        <a:xfrm>
+          <a:off x="0" y="0"/>
+          <a:ext cx="0" cy="0"/>
+          <a:chOff x="0" y="0"/>
+          <a:chExt cx="0" cy="0"/>
+        </a:xfrm>
+      </p:grpSpPr>
+      <p:sp>
+        <p:nvSpPr>
+          <p:cNvPr id="2" name="Title 1">
+            <a:extLst>
+              <a:ext uri="{FF2B5EF4-FFF2-40B4-BE49-F238E27FC236}">
+                <a16:creationId xmlns:a16="http://schemas.microsoft.com/office/drawing/2014/main" id="{09862508-6CA7-49D3-85C1-36104582C64C}"/>
+              </a:ext>
+            </a:extLst>
+          </p:cNvPr>
+          <p:cNvSpPr>
+            <a:spLocks noGrp="1"/>
+          </p:cNvSpPr>
+          <p:nvPr>
+            <p:ph type="title"/>
+          </p:nvPr>
+        </p:nvSpPr>
+        <p:spPr/>
+        <p:txBody>
+          <a:bodyPr/>
+          <a:lstStyle/>
+          <a:p>
+            <a:pPr algn="ctr"/>
+            <a:r>
+              <a:rPr lang="en-US" dirty="0">
+                <a:cs typeface="Calibri Light" panose="020F0302020204030204"/>
+              </a:rPr>
+              <a:t>Screenshots</a:t>
+            </a:r>
+          </a:p>
+        </p:txBody>
+      </p:sp>
+      <p:sp>
+        <p:nvSpPr>
+          <p:cNvPr id="3" name="Content Placeholder 2">
+            <a:extLst>
+              <a:ext uri="{FF2B5EF4-FFF2-40B4-BE49-F238E27FC236}">
+                <a16:creationId xmlns:a16="http://schemas.microsoft.com/office/drawing/2014/main" id="{227EDB1A-1169-43A7-919C-B089B17D9384}"/>
+              </a:ext>
+            </a:extLst>
+          </p:cNvPr>
+          <p:cNvSpPr>
+            <a:spLocks noGrp="1"/>
+          </p:cNvSpPr>
+          <p:nvPr>
+            <p:ph idx="1"/>
+          </p:nvPr>
+        </p:nvSpPr>
+        <p:spPr/>
+        <p:txBody>
+          <a:bodyPr vert="horz" lIns="91440" tIns="45720" rIns="91440" bIns="45720" rtlCol="0" anchor="t">
+            <a:normAutofit/>
+          </a:bodyPr>
+          <a:lstStyle/>
+          <a:p>
+            <a:r>
+              <a:rPr lang="en-US" dirty="0">
+                <a:cs typeface="Calibri"/>
+              </a:rPr>
+              <a:t>Spam Detection</a:t>
+            </a:r>
+          </a:p>
+          <a:p>
+            <a:endParaRPr lang="en-US" dirty="0">
+              <a:cs typeface="Calibri"/>
+            </a:endParaRPr>
+          </a:p>
+        </p:txBody>
+      </p:sp>
+      <p:pic>
+        <p:nvPicPr>
+          <p:cNvPr id="4" name="Picture 5" descr="A screenshot of a cell phone&#10;&#10;Description generated with very high confidence">
+            <a:extLst>
+              <a:ext uri="{FF2B5EF4-FFF2-40B4-BE49-F238E27FC236}">
+                <a16:creationId xmlns:a16="http://schemas.microsoft.com/office/drawing/2014/main" id="{0B5CC979-D33E-40BF-9626-B2D9E511D533}"/>
+              </a:ext>
+            </a:extLst>
+          </p:cNvPr>
+          <p:cNvPicPr>
+            <a:picLocks noChangeAspect="1"/>
+          </p:cNvPicPr>
+          <p:nvPr/>
+        </p:nvPicPr>
+        <p:blipFill>
+          <a:blip r:embed="rId2"/>
+          <a:stretch>
+            <a:fillRect/>
+          </a:stretch>
+        </p:blipFill>
+        <p:spPr>
+          <a:xfrm>
+            <a:off x="1165302" y="2249253"/>
+            <a:ext cx="8606882" cy="4245908"/>
+          </a:xfrm>
+          <a:prstGeom prst="rect">
+            <a:avLst/>
+          </a:prstGeom>
+        </p:spPr>
+      </p:pic>
+    </p:spTree>
+    <p:extLst>
+      <p:ext uri="{BB962C8B-B14F-4D97-AF65-F5344CB8AC3E}">
+        <p14:creationId xmlns:p14="http://schemas.microsoft.com/office/powerpoint/2010/main" val="3977631062"/>
+      </p:ext>
+    </p:extLst>
+  </p:cSld>
+  <p:clrMapOvr>
+    <a:masterClrMapping/>
+  </p:clrMapOvr>
+</p:sld>
+</file>
+
+<file path=ppt/slides/slide26.xml><?xml version="1.0" encoding="utf-8"?>
+<p:sld xmlns:a="http://schemas.openxmlformats.org/drawingml/2006/main" xmlns:r="http://schemas.openxmlformats.org/officeDocument/2006/relationships" xmlns:p="http://schemas.openxmlformats.org/presentationml/2006/main">
+  <p:cSld>
+    <p:spTree>
+      <p:nvGrpSpPr>
+        <p:cNvPr id="1" name=""/>
+        <p:cNvGrpSpPr/>
+        <p:nvPr/>
+      </p:nvGrpSpPr>
+      <p:grpSpPr>
+        <a:xfrm>
+          <a:off x="0" y="0"/>
+          <a:ext cx="0" cy="0"/>
+          <a:chOff x="0" y="0"/>
+          <a:chExt cx="0" cy="0"/>
+        </a:xfrm>
+      </p:grpSpPr>
+      <p:sp>
+        <p:nvSpPr>
+          <p:cNvPr id="2" name="Title 1">
+            <a:extLst>
+              <a:ext uri="{FF2B5EF4-FFF2-40B4-BE49-F238E27FC236}">
+                <a16:creationId xmlns:a16="http://schemas.microsoft.com/office/drawing/2014/main" id="{AFDC21B3-4F64-4B96-9D6D-5932978DE4FC}"/>
+              </a:ext>
+            </a:extLst>
+          </p:cNvPr>
+          <p:cNvSpPr>
+            <a:spLocks noGrp="1"/>
+          </p:cNvSpPr>
+          <p:nvPr>
+            <p:ph type="title"/>
+          </p:nvPr>
+        </p:nvSpPr>
+        <p:spPr/>
+        <p:txBody>
+          <a:bodyPr/>
+          <a:lstStyle/>
+          <a:p>
+            <a:pPr algn="ctr"/>
+            <a:r>
+              <a:rPr lang="en-US" dirty="0">
+                <a:cs typeface="Calibri Light" panose="020F0302020204030204"/>
+              </a:rPr>
+              <a:t>Testing</a:t>
+            </a:r>
+          </a:p>
+        </p:txBody>
+      </p:sp>
+      <p:sp>
+        <p:nvSpPr>
+          <p:cNvPr id="3" name="Content Placeholder 2">
+            <a:extLst>
+              <a:ext uri="{FF2B5EF4-FFF2-40B4-BE49-F238E27FC236}">
+                <a16:creationId xmlns:a16="http://schemas.microsoft.com/office/drawing/2014/main" id="{7AED7088-A802-4522-86B5-B61CE860F8E8}"/>
+              </a:ext>
+            </a:extLst>
+          </p:cNvPr>
+          <p:cNvSpPr>
+            <a:spLocks noGrp="1"/>
+          </p:cNvSpPr>
+          <p:nvPr>
+            <p:ph idx="1"/>
+          </p:nvPr>
+        </p:nvSpPr>
+        <p:spPr/>
+        <p:txBody>
+          <a:bodyPr vert="horz" lIns="91440" tIns="45720" rIns="91440" bIns="45720" rtlCol="0" anchor="t">
+            <a:normAutofit/>
+          </a:bodyPr>
+          <a:lstStyle/>
+          <a:p>
+            <a:r>
+              <a:rPr lang="en-US" dirty="0">
+                <a:cs typeface="Calibri"/>
+              </a:rPr>
+              <a:t>Did API testing on all the routes in the application</a:t>
+            </a:r>
+            <a:endParaRPr lang="en-US" dirty="0"/>
+          </a:p>
+          <a:p>
+            <a:r>
+              <a:rPr lang="en-US" dirty="0">
+                <a:cs typeface="Calibri"/>
+              </a:rPr>
+              <a:t>Used Postman to simulate the GET and POST requests</a:t>
+            </a:r>
+          </a:p>
+          <a:p>
+            <a:r>
+              <a:rPr lang="en-US" dirty="0">
+                <a:cs typeface="Calibri"/>
+              </a:rPr>
+              <a:t>Screenshots of test cases in the following slides...</a:t>
+            </a:r>
+          </a:p>
+        </p:txBody>
+      </p:sp>
+    </p:spTree>
+    <p:extLst>
+      <p:ext uri="{BB962C8B-B14F-4D97-AF65-F5344CB8AC3E}">
+        <p14:creationId xmlns:p14="http://schemas.microsoft.com/office/powerpoint/2010/main" val="3906159079"/>
+      </p:ext>
+    </p:extLst>
+  </p:cSld>
+  <p:clrMapOvr>
+    <a:masterClrMapping/>
+  </p:clrMapOvr>
+</p:sld>
+</file>
+
+<file path=ppt/slides/slide27.xml><?xml version="1.0" encoding="utf-8"?>
+<p:sld xmlns:a="http://schemas.openxmlformats.org/drawingml/2006/main" xmlns:r="http://schemas.openxmlformats.org/officeDocument/2006/relationships" xmlns:p="http://schemas.openxmlformats.org/presentationml/2006/main">
+  <p:cSld>
+    <p:spTree>
+      <p:nvGrpSpPr>
+        <p:cNvPr id="1" name=""/>
+        <p:cNvGrpSpPr/>
+        <p:nvPr/>
+      </p:nvGrpSpPr>
+      <p:grpSpPr>
+        <a:xfrm>
+          <a:off x="0" y="0"/>
+          <a:ext cx="0" cy="0"/>
+          <a:chOff x="0" y="0"/>
+          <a:chExt cx="0" cy="0"/>
+        </a:xfrm>
+      </p:grpSpPr>
+      <p:sp>
+        <p:nvSpPr>
+          <p:cNvPr id="2" name="Title 1">
+            <a:extLst>
+              <a:ext uri="{FF2B5EF4-FFF2-40B4-BE49-F238E27FC236}">
+                <a16:creationId xmlns:a16="http://schemas.microsoft.com/office/drawing/2014/main" id="{F97746CE-7567-4F3A-8445-0B23E62F37F4}"/>
+              </a:ext>
+            </a:extLst>
+          </p:cNvPr>
+          <p:cNvSpPr>
+            <a:spLocks noGrp="1"/>
+          </p:cNvSpPr>
+          <p:nvPr>
+            <p:ph type="title"/>
+          </p:nvPr>
+        </p:nvSpPr>
+        <p:spPr/>
+        <p:txBody>
+          <a:bodyPr/>
+          <a:lstStyle/>
+          <a:p>
+            <a:pPr algn="ctr"/>
+            <a:r>
+              <a:rPr lang="en-US" dirty="0">
+                <a:cs typeface="Calibri Light"/>
+              </a:rPr>
+              <a:t>Testing</a:t>
+            </a:r>
+          </a:p>
+        </p:txBody>
+      </p:sp>
+      <p:sp>
+        <p:nvSpPr>
+          <p:cNvPr id="3" name="Content Placeholder 2">
+            <a:extLst>
+              <a:ext uri="{FF2B5EF4-FFF2-40B4-BE49-F238E27FC236}">
+                <a16:creationId xmlns:a16="http://schemas.microsoft.com/office/drawing/2014/main" id="{88CC23CA-A17F-4022-A70F-8D541BB4B60D}"/>
+              </a:ext>
+            </a:extLst>
+          </p:cNvPr>
+          <p:cNvSpPr>
+            <a:spLocks noGrp="1"/>
+          </p:cNvSpPr>
+          <p:nvPr>
+            <p:ph idx="1"/>
+          </p:nvPr>
+        </p:nvSpPr>
+        <p:spPr/>
+        <p:txBody>
+          <a:bodyPr vert="horz" lIns="91440" tIns="45720" rIns="91440" bIns="45720" rtlCol="0" anchor="t">
+            <a:normAutofit/>
+          </a:bodyPr>
+          <a:lstStyle/>
+          <a:p>
+            <a:r>
+              <a:rPr lang="en-US" dirty="0">
+                <a:cs typeface="Calibri"/>
+              </a:rPr>
+              <a:t>Test case T001</a:t>
+            </a:r>
+          </a:p>
+          <a:p>
+            <a:endParaRPr lang="en-US" dirty="0">
+              <a:cs typeface="Calibri"/>
+            </a:endParaRPr>
+          </a:p>
+        </p:txBody>
+      </p:sp>
+      <p:pic>
+        <p:nvPicPr>
+          <p:cNvPr id="4" name="Picture 4" descr="A screenshot of a social media post&#10;&#10;Description generated with very high confidence">
+            <a:extLst>
+              <a:ext uri="{FF2B5EF4-FFF2-40B4-BE49-F238E27FC236}">
+                <a16:creationId xmlns:a16="http://schemas.microsoft.com/office/drawing/2014/main" id="{0EDEE7D2-208C-43D0-AE2D-E24D5345CDE0}"/>
+              </a:ext>
+            </a:extLst>
+          </p:cNvPr>
+          <p:cNvPicPr>
+            <a:picLocks noChangeAspect="1"/>
+          </p:cNvPicPr>
+          <p:nvPr/>
+        </p:nvPicPr>
+        <p:blipFill>
+          <a:blip r:embed="rId2"/>
+          <a:stretch>
+            <a:fillRect/>
+          </a:stretch>
+        </p:blipFill>
+        <p:spPr>
+          <a:xfrm>
+            <a:off x="1202473" y="2250347"/>
+            <a:ext cx="7120053" cy="4327355"/>
+          </a:xfrm>
+          <a:prstGeom prst="rect">
+            <a:avLst/>
+          </a:prstGeom>
+        </p:spPr>
+      </p:pic>
+    </p:spTree>
+    <p:extLst>
+      <p:ext uri="{BB962C8B-B14F-4D97-AF65-F5344CB8AC3E}">
+        <p14:creationId xmlns:p14="http://schemas.microsoft.com/office/powerpoint/2010/main" val="1586268567"/>
+      </p:ext>
+    </p:extLst>
+  </p:cSld>
+  <p:clrMapOvr>
+    <a:masterClrMapping/>
+  </p:clrMapOvr>
+</p:sld>
+</file>
+
+<file path=ppt/slides/slide28.xml><?xml version="1.0" encoding="utf-8"?>
+<p:sld xmlns:a="http://schemas.openxmlformats.org/drawingml/2006/main" xmlns:r="http://schemas.openxmlformats.org/officeDocument/2006/relationships" xmlns:p="http://schemas.openxmlformats.org/presentationml/2006/main">
+  <p:cSld>
+    <p:spTree>
+      <p:nvGrpSpPr>
+        <p:cNvPr id="1" name=""/>
+        <p:cNvGrpSpPr/>
+        <p:nvPr/>
+      </p:nvGrpSpPr>
+      <p:grpSpPr>
+        <a:xfrm>
+          <a:off x="0" y="0"/>
+          <a:ext cx="0" cy="0"/>
+          <a:chOff x="0" y="0"/>
+          <a:chExt cx="0" cy="0"/>
+        </a:xfrm>
+      </p:grpSpPr>
+      <p:sp>
+        <p:nvSpPr>
+          <p:cNvPr id="2" name="Title 1">
+            <a:extLst>
+              <a:ext uri="{FF2B5EF4-FFF2-40B4-BE49-F238E27FC236}">
+                <a16:creationId xmlns:a16="http://schemas.microsoft.com/office/drawing/2014/main" id="{F97746CE-7567-4F3A-8445-0B23E62F37F4}"/>
+              </a:ext>
+            </a:extLst>
+          </p:cNvPr>
+          <p:cNvSpPr>
+            <a:spLocks noGrp="1"/>
+          </p:cNvSpPr>
+          <p:nvPr>
+            <p:ph type="title"/>
+          </p:nvPr>
+        </p:nvSpPr>
+        <p:spPr/>
+        <p:txBody>
+          <a:bodyPr/>
+          <a:lstStyle/>
+          <a:p>
+            <a:pPr algn="ctr"/>
+            <a:r>
+              <a:rPr lang="en-US" dirty="0">
+                <a:cs typeface="Calibri Light"/>
+              </a:rPr>
+              <a:t>Testing</a:t>
+            </a:r>
+          </a:p>
+        </p:txBody>
+      </p:sp>
+      <p:sp>
+        <p:nvSpPr>
+          <p:cNvPr id="3" name="Content Placeholder 2">
+            <a:extLst>
+              <a:ext uri="{FF2B5EF4-FFF2-40B4-BE49-F238E27FC236}">
+                <a16:creationId xmlns:a16="http://schemas.microsoft.com/office/drawing/2014/main" id="{88CC23CA-A17F-4022-A70F-8D541BB4B60D}"/>
+              </a:ext>
+            </a:extLst>
+          </p:cNvPr>
+          <p:cNvSpPr>
+            <a:spLocks noGrp="1"/>
+          </p:cNvSpPr>
+          <p:nvPr>
+            <p:ph idx="1"/>
+          </p:nvPr>
+        </p:nvSpPr>
+        <p:spPr/>
+        <p:txBody>
+          <a:bodyPr vert="horz" lIns="91440" tIns="45720" rIns="91440" bIns="45720" rtlCol="0" anchor="t">
+            <a:normAutofit/>
+          </a:bodyPr>
+          <a:lstStyle/>
+          <a:p>
+            <a:r>
+              <a:rPr lang="en-US" dirty="0">
+                <a:cs typeface="Calibri"/>
+              </a:rPr>
+              <a:t>Test case T002</a:t>
+            </a:r>
+          </a:p>
+          <a:p>
+            <a:endParaRPr lang="en-US" dirty="0">
+              <a:cs typeface="Calibri"/>
+            </a:endParaRPr>
+          </a:p>
+        </p:txBody>
+      </p:sp>
+      <p:pic>
+        <p:nvPicPr>
+          <p:cNvPr id="5" name="Picture 5" descr="A screenshot of a social media post&#10;&#10;Description generated with very high confidence">
+            <a:extLst>
+              <a:ext uri="{FF2B5EF4-FFF2-40B4-BE49-F238E27FC236}">
+                <a16:creationId xmlns:a16="http://schemas.microsoft.com/office/drawing/2014/main" id="{530DCDE3-6EE1-4366-B610-BF99C9946882}"/>
+              </a:ext>
+            </a:extLst>
+          </p:cNvPr>
+          <p:cNvPicPr>
+            <a:picLocks noChangeAspect="1"/>
+          </p:cNvPicPr>
+          <p:nvPr/>
+        </p:nvPicPr>
+        <p:blipFill>
+          <a:blip r:embed="rId2"/>
+          <a:stretch>
+            <a:fillRect/>
+          </a:stretch>
+        </p:blipFill>
+        <p:spPr>
+          <a:xfrm>
+            <a:off x="1202473" y="2250347"/>
+            <a:ext cx="7055004" cy="4299477"/>
+          </a:xfrm>
+          <a:prstGeom prst="rect">
+            <a:avLst/>
+          </a:prstGeom>
+        </p:spPr>
+      </p:pic>
+    </p:spTree>
+    <p:extLst>
+      <p:ext uri="{BB962C8B-B14F-4D97-AF65-F5344CB8AC3E}">
+        <p14:creationId xmlns:p14="http://schemas.microsoft.com/office/powerpoint/2010/main" val="1032237485"/>
+      </p:ext>
+    </p:extLst>
+  </p:cSld>
+  <p:clrMapOvr>
+    <a:masterClrMapping/>
+  </p:clrMapOvr>
+</p:sld>
+</file>
+
+<file path=ppt/slides/slide29.xml><?xml version="1.0" encoding="utf-8"?>
+<p:sld xmlns:a="http://schemas.openxmlformats.org/drawingml/2006/main" xmlns:r="http://schemas.openxmlformats.org/officeDocument/2006/relationships" xmlns:p="http://schemas.openxmlformats.org/presentationml/2006/main">
+  <p:cSld>
+    <p:spTree>
+      <p:nvGrpSpPr>
+        <p:cNvPr id="1" name=""/>
+        <p:cNvGrpSpPr/>
+        <p:nvPr/>
+      </p:nvGrpSpPr>
+      <p:grpSpPr>
+        <a:xfrm>
+          <a:off x="0" y="0"/>
+          <a:ext cx="0" cy="0"/>
+          <a:chOff x="0" y="0"/>
+          <a:chExt cx="0" cy="0"/>
+        </a:xfrm>
+      </p:grpSpPr>
+      <p:sp>
+        <p:nvSpPr>
+          <p:cNvPr id="2" name="Title 1">
+            <a:extLst>
+              <a:ext uri="{FF2B5EF4-FFF2-40B4-BE49-F238E27FC236}">
+                <a16:creationId xmlns:a16="http://schemas.microsoft.com/office/drawing/2014/main" id="{F97746CE-7567-4F3A-8445-0B23E62F37F4}"/>
+              </a:ext>
+            </a:extLst>
+          </p:cNvPr>
+          <p:cNvSpPr>
+            <a:spLocks noGrp="1"/>
+          </p:cNvSpPr>
+          <p:nvPr>
+            <p:ph type="title"/>
+          </p:nvPr>
+        </p:nvSpPr>
+        <p:spPr/>
+        <p:txBody>
+          <a:bodyPr/>
+          <a:lstStyle/>
+          <a:p>
+            <a:pPr algn="ctr"/>
+            <a:r>
+              <a:rPr lang="en-US" dirty="0">
+                <a:cs typeface="Calibri Light"/>
+              </a:rPr>
+              <a:t>Testing</a:t>
+            </a:r>
+          </a:p>
+        </p:txBody>
+      </p:sp>
+      <p:sp>
+        <p:nvSpPr>
+          <p:cNvPr id="3" name="Content Placeholder 2">
+            <a:extLst>
+              <a:ext uri="{FF2B5EF4-FFF2-40B4-BE49-F238E27FC236}">
+                <a16:creationId xmlns:a16="http://schemas.microsoft.com/office/drawing/2014/main" id="{88CC23CA-A17F-4022-A70F-8D541BB4B60D}"/>
+              </a:ext>
+            </a:extLst>
+          </p:cNvPr>
+          <p:cNvSpPr>
+            <a:spLocks noGrp="1"/>
+          </p:cNvSpPr>
+          <p:nvPr>
+            <p:ph idx="1"/>
+          </p:nvPr>
+        </p:nvSpPr>
+        <p:spPr/>
+        <p:txBody>
+          <a:bodyPr vert="horz" lIns="91440" tIns="45720" rIns="91440" bIns="45720" rtlCol="0" anchor="t">
+            <a:normAutofit/>
+          </a:bodyPr>
+          <a:lstStyle/>
+          <a:p>
+            <a:r>
+              <a:rPr lang="en-US" dirty="0">
+                <a:cs typeface="Calibri"/>
+              </a:rPr>
+              <a:t>Test case T003</a:t>
+            </a:r>
+          </a:p>
+          <a:p>
+            <a:endParaRPr lang="en-US" dirty="0">
+              <a:cs typeface="Calibri"/>
+            </a:endParaRPr>
+          </a:p>
+        </p:txBody>
+      </p:sp>
+      <p:pic>
+        <p:nvPicPr>
+          <p:cNvPr id="4" name="Picture 5" descr="A screenshot of a social media post&#10;&#10;Description generated with very high confidence">
+            <a:extLst>
+              <a:ext uri="{FF2B5EF4-FFF2-40B4-BE49-F238E27FC236}">
+                <a16:creationId xmlns:a16="http://schemas.microsoft.com/office/drawing/2014/main" id="{3A344D3C-DA7F-4325-AAF1-62C7E73F4C06}"/>
+              </a:ext>
+            </a:extLst>
+          </p:cNvPr>
+          <p:cNvPicPr>
+            <a:picLocks noChangeAspect="1"/>
+          </p:cNvPicPr>
+          <p:nvPr/>
+        </p:nvPicPr>
+        <p:blipFill>
+          <a:blip r:embed="rId2"/>
+          <a:stretch>
+            <a:fillRect/>
+          </a:stretch>
+        </p:blipFill>
+        <p:spPr>
+          <a:xfrm>
+            <a:off x="1174595" y="2237055"/>
+            <a:ext cx="8541834" cy="4261012"/>
+          </a:xfrm>
+          <a:prstGeom prst="rect">
+            <a:avLst/>
+          </a:prstGeom>
+        </p:spPr>
+      </p:pic>
+    </p:spTree>
+    <p:extLst>
+      <p:ext uri="{BB962C8B-B14F-4D97-AF65-F5344CB8AC3E}">
+        <p14:creationId xmlns:p14="http://schemas.microsoft.com/office/powerpoint/2010/main" val="1606027259"/>
       </p:ext>
     </p:extLst>
   </p:cSld>
@@ -6948,6 +8308,961 @@
     <p:extLst>
       <p:ext uri="{BB962C8B-B14F-4D97-AF65-F5344CB8AC3E}">
         <p14:creationId xmlns:p14="http://schemas.microsoft.com/office/powerpoint/2010/main" val="2775838959"/>
+      </p:ext>
+    </p:extLst>
+  </p:cSld>
+  <p:clrMapOvr>
+    <a:masterClrMapping/>
+  </p:clrMapOvr>
+</p:sld>
+</file>
+
+<file path=ppt/slides/slide30.xml><?xml version="1.0" encoding="utf-8"?>
+<p:sld xmlns:a="http://schemas.openxmlformats.org/drawingml/2006/main" xmlns:r="http://schemas.openxmlformats.org/officeDocument/2006/relationships" xmlns:p="http://schemas.openxmlformats.org/presentationml/2006/main">
+  <p:cSld>
+    <p:spTree>
+      <p:nvGrpSpPr>
+        <p:cNvPr id="1" name=""/>
+        <p:cNvGrpSpPr/>
+        <p:nvPr/>
+      </p:nvGrpSpPr>
+      <p:grpSpPr>
+        <a:xfrm>
+          <a:off x="0" y="0"/>
+          <a:ext cx="0" cy="0"/>
+          <a:chOff x="0" y="0"/>
+          <a:chExt cx="0" cy="0"/>
+        </a:xfrm>
+      </p:grpSpPr>
+      <p:sp>
+        <p:nvSpPr>
+          <p:cNvPr id="2" name="Title 1">
+            <a:extLst>
+              <a:ext uri="{FF2B5EF4-FFF2-40B4-BE49-F238E27FC236}">
+                <a16:creationId xmlns:a16="http://schemas.microsoft.com/office/drawing/2014/main" id="{F97746CE-7567-4F3A-8445-0B23E62F37F4}"/>
+              </a:ext>
+            </a:extLst>
+          </p:cNvPr>
+          <p:cNvSpPr>
+            <a:spLocks noGrp="1"/>
+          </p:cNvSpPr>
+          <p:nvPr>
+            <p:ph type="title"/>
+          </p:nvPr>
+        </p:nvSpPr>
+        <p:spPr/>
+        <p:txBody>
+          <a:bodyPr/>
+          <a:lstStyle/>
+          <a:p>
+            <a:pPr algn="ctr"/>
+            <a:r>
+              <a:rPr lang="en-US" dirty="0">
+                <a:cs typeface="Calibri Light"/>
+              </a:rPr>
+              <a:t>Testing</a:t>
+            </a:r>
+          </a:p>
+        </p:txBody>
+      </p:sp>
+      <p:sp>
+        <p:nvSpPr>
+          <p:cNvPr id="3" name="Content Placeholder 2">
+            <a:extLst>
+              <a:ext uri="{FF2B5EF4-FFF2-40B4-BE49-F238E27FC236}">
+                <a16:creationId xmlns:a16="http://schemas.microsoft.com/office/drawing/2014/main" id="{88CC23CA-A17F-4022-A70F-8D541BB4B60D}"/>
+              </a:ext>
+            </a:extLst>
+          </p:cNvPr>
+          <p:cNvSpPr>
+            <a:spLocks noGrp="1"/>
+          </p:cNvSpPr>
+          <p:nvPr>
+            <p:ph idx="1"/>
+          </p:nvPr>
+        </p:nvSpPr>
+        <p:spPr/>
+        <p:txBody>
+          <a:bodyPr vert="horz" lIns="91440" tIns="45720" rIns="91440" bIns="45720" rtlCol="0" anchor="t">
+            <a:normAutofit/>
+          </a:bodyPr>
+          <a:lstStyle/>
+          <a:p>
+            <a:r>
+              <a:rPr lang="en-US" dirty="0">
+                <a:cs typeface="Calibri"/>
+              </a:rPr>
+              <a:t>Test case T004</a:t>
+            </a:r>
+          </a:p>
+          <a:p>
+            <a:endParaRPr lang="en-US" dirty="0">
+              <a:cs typeface="Calibri"/>
+            </a:endParaRPr>
+          </a:p>
+        </p:txBody>
+      </p:sp>
+      <p:pic>
+        <p:nvPicPr>
+          <p:cNvPr id="5" name="Picture 5" descr="A screenshot of a cell phone&#10;&#10;Description generated with very high confidence">
+            <a:extLst>
+              <a:ext uri="{FF2B5EF4-FFF2-40B4-BE49-F238E27FC236}">
+                <a16:creationId xmlns:a16="http://schemas.microsoft.com/office/drawing/2014/main" id="{FE3A0315-72AE-4871-8DED-1F01B108F0F8}"/>
+              </a:ext>
+            </a:extLst>
+          </p:cNvPr>
+          <p:cNvPicPr>
+            <a:picLocks noChangeAspect="1"/>
+          </p:cNvPicPr>
+          <p:nvPr/>
+        </p:nvPicPr>
+        <p:blipFill>
+          <a:blip r:embed="rId2"/>
+          <a:stretch>
+            <a:fillRect/>
+          </a:stretch>
+        </p:blipFill>
+        <p:spPr>
+          <a:xfrm>
+            <a:off x="1202473" y="2256878"/>
+            <a:ext cx="7593980" cy="4267830"/>
+          </a:xfrm>
+          <a:prstGeom prst="rect">
+            <a:avLst/>
+          </a:prstGeom>
+        </p:spPr>
+      </p:pic>
+    </p:spTree>
+    <p:extLst>
+      <p:ext uri="{BB962C8B-B14F-4D97-AF65-F5344CB8AC3E}">
+        <p14:creationId xmlns:p14="http://schemas.microsoft.com/office/powerpoint/2010/main" val="4231516373"/>
+      </p:ext>
+    </p:extLst>
+  </p:cSld>
+  <p:clrMapOvr>
+    <a:masterClrMapping/>
+  </p:clrMapOvr>
+</p:sld>
+</file>
+
+<file path=ppt/slides/slide31.xml><?xml version="1.0" encoding="utf-8"?>
+<p:sld xmlns:a="http://schemas.openxmlformats.org/drawingml/2006/main" xmlns:r="http://schemas.openxmlformats.org/officeDocument/2006/relationships" xmlns:p="http://schemas.openxmlformats.org/presentationml/2006/main">
+  <p:cSld>
+    <p:spTree>
+      <p:nvGrpSpPr>
+        <p:cNvPr id="1" name=""/>
+        <p:cNvGrpSpPr/>
+        <p:nvPr/>
+      </p:nvGrpSpPr>
+      <p:grpSpPr>
+        <a:xfrm>
+          <a:off x="0" y="0"/>
+          <a:ext cx="0" cy="0"/>
+          <a:chOff x="0" y="0"/>
+          <a:chExt cx="0" cy="0"/>
+        </a:xfrm>
+      </p:grpSpPr>
+      <p:sp>
+        <p:nvSpPr>
+          <p:cNvPr id="2" name="Title 1">
+            <a:extLst>
+              <a:ext uri="{FF2B5EF4-FFF2-40B4-BE49-F238E27FC236}">
+                <a16:creationId xmlns:a16="http://schemas.microsoft.com/office/drawing/2014/main" id="{0746B8CE-D3CE-4655-B832-46145C4AC50E}"/>
+              </a:ext>
+            </a:extLst>
+          </p:cNvPr>
+          <p:cNvSpPr>
+            <a:spLocks noGrp="1"/>
+          </p:cNvSpPr>
+          <p:nvPr>
+            <p:ph type="title"/>
+          </p:nvPr>
+        </p:nvSpPr>
+        <p:spPr/>
+        <p:txBody>
+          <a:bodyPr/>
+          <a:lstStyle/>
+          <a:p>
+            <a:pPr algn="ctr"/>
+            <a:r>
+              <a:rPr lang="en-US" dirty="0">
+                <a:cs typeface="Calibri Light" panose="020F0302020204030204"/>
+              </a:rPr>
+              <a:t>Conclusion</a:t>
+            </a:r>
+          </a:p>
+        </p:txBody>
+      </p:sp>
+      <p:sp>
+        <p:nvSpPr>
+          <p:cNvPr id="3" name="Content Placeholder 2">
+            <a:extLst>
+              <a:ext uri="{FF2B5EF4-FFF2-40B4-BE49-F238E27FC236}">
+                <a16:creationId xmlns:a16="http://schemas.microsoft.com/office/drawing/2014/main" id="{30C5F410-AD01-4316-948C-1CAE91ABEB09}"/>
+              </a:ext>
+            </a:extLst>
+          </p:cNvPr>
+          <p:cNvSpPr>
+            <a:spLocks noGrp="1"/>
+          </p:cNvSpPr>
+          <p:nvPr>
+            <p:ph idx="1"/>
+          </p:nvPr>
+        </p:nvSpPr>
+        <p:spPr/>
+        <p:txBody>
+          <a:bodyPr vert="horz" lIns="91440" tIns="45720" rIns="91440" bIns="45720" rtlCol="0" anchor="t">
+            <a:normAutofit fontScale="85000" lnSpcReduction="20000"/>
+          </a:bodyPr>
+          <a:lstStyle/>
+          <a:p>
+            <a:pPr algn="just"/>
+            <a:r>
+              <a:rPr lang="en-US" dirty="0">
+                <a:latin typeface="Calibri"/>
+                <a:cs typeface="Times New Roman"/>
+              </a:rPr>
+              <a:t>The goal of this project from the start was to build reliable, accurate APIs for NLP tasks. </a:t>
+            </a:r>
+            <a:endParaRPr lang="en-US">
+              <a:latin typeface="Calibri"/>
+              <a:cs typeface="Calibri" panose="020F0502020204030204"/>
+            </a:endParaRPr>
+          </a:p>
+          <a:p>
+            <a:pPr algn="just"/>
+            <a:r>
+              <a:rPr lang="en-US" dirty="0">
+                <a:latin typeface="Calibri"/>
+                <a:cs typeface="Times New Roman"/>
+              </a:rPr>
+              <a:t>Having achieved that for 3 different tasks; Sentiment Analysis, Category Prediction, Spam Detection, it is safe to say that ML APIs are going to dominate in the near future. </a:t>
+            </a:r>
+            <a:endParaRPr lang="en-US">
+              <a:latin typeface="Calibri"/>
+              <a:cs typeface="Calibri Light"/>
+            </a:endParaRPr>
+          </a:p>
+          <a:p>
+            <a:pPr algn="just"/>
+            <a:r>
+              <a:rPr lang="en-US" dirty="0">
+                <a:latin typeface="Calibri"/>
+                <a:cs typeface="Times New Roman"/>
+              </a:rPr>
+              <a:t>It is very easy for users to just integrate APIs for NLP tasks than build them from scratch. </a:t>
+            </a:r>
+            <a:endParaRPr lang="en-US">
+              <a:latin typeface="Calibri"/>
+              <a:cs typeface="Calibri Light"/>
+            </a:endParaRPr>
+          </a:p>
+          <a:p>
+            <a:pPr algn="just"/>
+            <a:r>
+              <a:rPr lang="en-US" dirty="0">
+                <a:latin typeface="Calibri"/>
+                <a:cs typeface="Times New Roman"/>
+              </a:rPr>
+              <a:t>The tools and technologies used to build this application allow for easy integration of new features and new APIs. </a:t>
+            </a:r>
+            <a:endParaRPr lang="en-US">
+              <a:latin typeface="Calibri"/>
+              <a:cs typeface="Calibri Light"/>
+            </a:endParaRPr>
+          </a:p>
+          <a:p>
+            <a:pPr algn="just"/>
+            <a:r>
+              <a:rPr lang="en-US" dirty="0">
+                <a:latin typeface="Calibri"/>
+                <a:cs typeface="Times New Roman"/>
+              </a:rPr>
+              <a:t>Having provided a page with documentation for the API, users are going to find it easy to make use of my APIs. </a:t>
+            </a:r>
+            <a:endParaRPr lang="en-US">
+              <a:latin typeface="Calibri"/>
+              <a:cs typeface="Calibri Light"/>
+            </a:endParaRPr>
+          </a:p>
+          <a:p>
+            <a:pPr algn="just"/>
+            <a:r>
+              <a:rPr lang="en-US" dirty="0">
+                <a:latin typeface="Calibri"/>
+                <a:cs typeface="Times New Roman"/>
+              </a:rPr>
+              <a:t>Since most of the tasks are done on the browser itself, it requires very less computation power. This means that the APIs can be easily used for predictions on mobile devices as well. </a:t>
+            </a:r>
+            <a:endParaRPr lang="en-US">
+              <a:latin typeface="Calibri"/>
+            </a:endParaRPr>
+          </a:p>
+          <a:p>
+            <a:endParaRPr lang="en-US" dirty="0">
+              <a:cs typeface="Calibri"/>
+            </a:endParaRPr>
+          </a:p>
+        </p:txBody>
+      </p:sp>
+    </p:spTree>
+    <p:extLst>
+      <p:ext uri="{BB962C8B-B14F-4D97-AF65-F5344CB8AC3E}">
+        <p14:creationId xmlns:p14="http://schemas.microsoft.com/office/powerpoint/2010/main" val="1170440983"/>
+      </p:ext>
+    </p:extLst>
+  </p:cSld>
+  <p:clrMapOvr>
+    <a:masterClrMapping/>
+  </p:clrMapOvr>
+</p:sld>
+</file>
+
+<file path=ppt/slides/slide32.xml><?xml version="1.0" encoding="utf-8"?>
+<p:sld xmlns:a="http://schemas.openxmlformats.org/drawingml/2006/main" xmlns:r="http://schemas.openxmlformats.org/officeDocument/2006/relationships" xmlns:p="http://schemas.openxmlformats.org/presentationml/2006/main">
+  <p:cSld>
+    <p:spTree>
+      <p:nvGrpSpPr>
+        <p:cNvPr id="1" name=""/>
+        <p:cNvGrpSpPr/>
+        <p:nvPr/>
+      </p:nvGrpSpPr>
+      <p:grpSpPr>
+        <a:xfrm>
+          <a:off x="0" y="0"/>
+          <a:ext cx="0" cy="0"/>
+          <a:chOff x="0" y="0"/>
+          <a:chExt cx="0" cy="0"/>
+        </a:xfrm>
+      </p:grpSpPr>
+      <p:sp>
+        <p:nvSpPr>
+          <p:cNvPr id="2" name="Title 1">
+            <a:extLst>
+              <a:ext uri="{FF2B5EF4-FFF2-40B4-BE49-F238E27FC236}">
+                <a16:creationId xmlns:a16="http://schemas.microsoft.com/office/drawing/2014/main" id="{105B9AAB-9AF3-4A5C-B615-44D9356B7E1C}"/>
+              </a:ext>
+            </a:extLst>
+          </p:cNvPr>
+          <p:cNvSpPr>
+            <a:spLocks noGrp="1"/>
+          </p:cNvSpPr>
+          <p:nvPr>
+            <p:ph type="title"/>
+          </p:nvPr>
+        </p:nvSpPr>
+        <p:spPr/>
+        <p:txBody>
+          <a:bodyPr/>
+          <a:lstStyle/>
+          <a:p>
+            <a:pPr algn="ctr"/>
+            <a:r>
+              <a:rPr lang="en-US" dirty="0">
+                <a:cs typeface="Calibri Light" panose="020F0302020204030204"/>
+              </a:rPr>
+              <a:t>Future Enhancements</a:t>
+            </a:r>
+          </a:p>
+        </p:txBody>
+      </p:sp>
+      <p:sp>
+        <p:nvSpPr>
+          <p:cNvPr id="3" name="Content Placeholder 2">
+            <a:extLst>
+              <a:ext uri="{FF2B5EF4-FFF2-40B4-BE49-F238E27FC236}">
+                <a16:creationId xmlns:a16="http://schemas.microsoft.com/office/drawing/2014/main" id="{9F84C259-CDDB-4904-B5AD-52B589A552F4}"/>
+              </a:ext>
+            </a:extLst>
+          </p:cNvPr>
+          <p:cNvSpPr>
+            <a:spLocks noGrp="1"/>
+          </p:cNvSpPr>
+          <p:nvPr>
+            <p:ph idx="1"/>
+          </p:nvPr>
+        </p:nvSpPr>
+        <p:spPr/>
+        <p:txBody>
+          <a:bodyPr vert="horz" lIns="91440" tIns="45720" rIns="91440" bIns="45720" rtlCol="0" anchor="t">
+            <a:normAutofit/>
+          </a:bodyPr>
+          <a:lstStyle/>
+          <a:p>
+            <a:pPr algn="just"/>
+            <a:r>
+              <a:rPr lang="en-US" dirty="0">
+                <a:latin typeface="Calibri"/>
+                <a:cs typeface="Times New Roman"/>
+              </a:rPr>
+              <a:t>There is a lot of potential still left for the project to fulfill. </a:t>
+            </a:r>
+            <a:endParaRPr lang="en-US">
+              <a:cs typeface="Calibri" panose="020F0502020204030204"/>
+            </a:endParaRPr>
+          </a:p>
+          <a:p>
+            <a:pPr algn="just"/>
+            <a:r>
+              <a:rPr lang="en-US" dirty="0">
+                <a:latin typeface="Calibri"/>
+                <a:cs typeface="Times New Roman"/>
+              </a:rPr>
+              <a:t>The accuracy can and should increase. </a:t>
+            </a:r>
+            <a:endParaRPr lang="en-US"/>
+          </a:p>
+          <a:p>
+            <a:pPr algn="just"/>
+            <a:r>
+              <a:rPr lang="en-US" dirty="0">
+                <a:latin typeface="Calibri"/>
+                <a:cs typeface="Times New Roman"/>
+              </a:rPr>
+              <a:t>The API itself should provide more features. Features like text labeling, summary generation, etc. should be implemented. </a:t>
+            </a:r>
+            <a:endParaRPr lang="en-US"/>
+          </a:p>
+          <a:p>
+            <a:pPr algn="just"/>
+            <a:r>
+              <a:rPr lang="en-US" dirty="0">
+                <a:latin typeface="Calibri"/>
+                <a:cs typeface="Times New Roman"/>
+              </a:rPr>
+              <a:t>Users and API keys specific to the user must be set up. As of now, the APIs are free for all and not specific to the users. </a:t>
+            </a:r>
+            <a:endParaRPr lang="en-US"/>
+          </a:p>
+          <a:p>
+            <a:pPr algn="just"/>
+            <a:r>
+              <a:rPr lang="en-US" dirty="0">
+                <a:latin typeface="Calibri"/>
+                <a:cs typeface="Times New Roman"/>
+              </a:rPr>
+              <a:t>Develop APIs for more NLP tasks. </a:t>
+            </a:r>
+            <a:endParaRPr lang="en-US"/>
+          </a:p>
+          <a:p>
+            <a:endParaRPr lang="en-US" dirty="0">
+              <a:cs typeface="Calibri"/>
+            </a:endParaRPr>
+          </a:p>
+        </p:txBody>
+      </p:sp>
+    </p:spTree>
+    <p:extLst>
+      <p:ext uri="{BB962C8B-B14F-4D97-AF65-F5344CB8AC3E}">
+        <p14:creationId xmlns:p14="http://schemas.microsoft.com/office/powerpoint/2010/main" val="1236051365"/>
+      </p:ext>
+    </p:extLst>
+  </p:cSld>
+  <p:clrMapOvr>
+    <a:masterClrMapping/>
+  </p:clrMapOvr>
+</p:sld>
+</file>
+
+<file path=ppt/slides/slide33.xml><?xml version="1.0" encoding="utf-8"?>
+<p:sld xmlns:a="http://schemas.openxmlformats.org/drawingml/2006/main" xmlns:r="http://schemas.openxmlformats.org/officeDocument/2006/relationships" xmlns:p="http://schemas.openxmlformats.org/presentationml/2006/main">
+  <p:cSld>
+    <p:spTree>
+      <p:nvGrpSpPr>
+        <p:cNvPr id="1" name=""/>
+        <p:cNvGrpSpPr/>
+        <p:nvPr/>
+      </p:nvGrpSpPr>
+      <p:grpSpPr>
+        <a:xfrm>
+          <a:off x="0" y="0"/>
+          <a:ext cx="0" cy="0"/>
+          <a:chOff x="0" y="0"/>
+          <a:chExt cx="0" cy="0"/>
+        </a:xfrm>
+      </p:grpSpPr>
+      <p:sp>
+        <p:nvSpPr>
+          <p:cNvPr id="2" name="Title 1">
+            <a:extLst>
+              <a:ext uri="{FF2B5EF4-FFF2-40B4-BE49-F238E27FC236}">
+                <a16:creationId xmlns:a16="http://schemas.microsoft.com/office/drawing/2014/main" id="{1A970131-8497-42DE-9EE0-F6BC0E0A2521}"/>
+              </a:ext>
+            </a:extLst>
+          </p:cNvPr>
+          <p:cNvSpPr>
+            <a:spLocks noGrp="1"/>
+          </p:cNvSpPr>
+          <p:nvPr>
+            <p:ph type="title"/>
+          </p:nvPr>
+        </p:nvSpPr>
+        <p:spPr/>
+        <p:txBody>
+          <a:bodyPr/>
+          <a:lstStyle/>
+          <a:p>
+            <a:pPr algn="ctr"/>
+            <a:r>
+              <a:rPr lang="en-US" dirty="0">
+                <a:cs typeface="Calibri Light"/>
+              </a:rPr>
+              <a:t>Bibliography</a:t>
+            </a:r>
+          </a:p>
+        </p:txBody>
+      </p:sp>
+      <p:sp>
+        <p:nvSpPr>
+          <p:cNvPr id="3" name="Content Placeholder 2">
+            <a:extLst>
+              <a:ext uri="{FF2B5EF4-FFF2-40B4-BE49-F238E27FC236}">
+                <a16:creationId xmlns:a16="http://schemas.microsoft.com/office/drawing/2014/main" id="{5B9CC7D7-EA00-431D-95A2-B86A281AE1A1}"/>
+              </a:ext>
+            </a:extLst>
+          </p:cNvPr>
+          <p:cNvSpPr>
+            <a:spLocks noGrp="1"/>
+          </p:cNvSpPr>
+          <p:nvPr>
+            <p:ph idx="1"/>
+          </p:nvPr>
+        </p:nvSpPr>
+        <p:spPr/>
+        <p:txBody>
+          <a:bodyPr vert="horz" lIns="91440" tIns="45720" rIns="91440" bIns="45720" rtlCol="0" anchor="t">
+            <a:normAutofit fontScale="70000" lnSpcReduction="20000"/>
+          </a:bodyPr>
+          <a:lstStyle/>
+          <a:p>
+            <a:pPr algn="just"/>
+            <a:r>
+              <a:rPr lang="en-US" dirty="0">
+                <a:latin typeface="Calibri"/>
+                <a:cs typeface="Times New Roman"/>
+              </a:rPr>
+              <a:t>Marc Moreno Lopez, Jugal </a:t>
+            </a:r>
+            <a:r>
+              <a:rPr lang="en-US" dirty="0" err="1">
+                <a:latin typeface="Calibri"/>
+                <a:cs typeface="Times New Roman"/>
+              </a:rPr>
+              <a:t>Kalita</a:t>
+            </a:r>
+            <a:r>
+              <a:rPr lang="en-US" dirty="0">
+                <a:latin typeface="Calibri"/>
+                <a:cs typeface="Times New Roman"/>
+              </a:rPr>
+              <a:t> – </a:t>
+            </a:r>
+            <a:r>
+              <a:rPr lang="en-US" b="1" dirty="0">
+                <a:latin typeface="Calibri"/>
+                <a:cs typeface="Times New Roman"/>
+              </a:rPr>
+              <a:t>Deep Learning Applied to NLP</a:t>
+            </a:r>
+            <a:r>
+              <a:rPr lang="en-US" dirty="0">
+                <a:latin typeface="Calibri"/>
+                <a:cs typeface="Times New Roman"/>
+              </a:rPr>
+              <a:t> – </a:t>
+            </a:r>
+            <a:r>
+              <a:rPr lang="en-US" dirty="0" err="1">
+                <a:latin typeface="Calibri"/>
+                <a:cs typeface="Times New Roman"/>
+              </a:rPr>
+              <a:t>ArXiv</a:t>
+            </a:r>
+            <a:r>
+              <a:rPr lang="en-US" dirty="0">
+                <a:latin typeface="Calibri"/>
+                <a:cs typeface="Times New Roman"/>
+              </a:rPr>
+              <a:t> 2017</a:t>
+            </a:r>
+            <a:endParaRPr lang="en-US" dirty="0">
+              <a:latin typeface="Calibri"/>
+              <a:cs typeface="Calibri" panose="020F0502020204030204"/>
+            </a:endParaRPr>
+          </a:p>
+          <a:p>
+            <a:pPr algn="just"/>
+            <a:r>
+              <a:rPr lang="en-US" dirty="0">
+                <a:latin typeface="Calibri"/>
+                <a:cs typeface="Times New Roman"/>
+              </a:rPr>
+              <a:t>Pengfei Liu, </a:t>
+            </a:r>
+            <a:r>
+              <a:rPr lang="en-US" err="1">
+                <a:latin typeface="Calibri"/>
+                <a:cs typeface="Times New Roman"/>
+              </a:rPr>
+              <a:t>Xipeng</a:t>
+            </a:r>
+            <a:r>
+              <a:rPr lang="en-US" dirty="0">
+                <a:latin typeface="Calibri"/>
+                <a:cs typeface="Times New Roman"/>
+              </a:rPr>
+              <a:t> </a:t>
+            </a:r>
+            <a:r>
+              <a:rPr lang="en-US" err="1">
+                <a:latin typeface="Calibri"/>
+                <a:cs typeface="Times New Roman"/>
+              </a:rPr>
+              <a:t>Qiu</a:t>
+            </a:r>
+            <a:r>
+              <a:rPr lang="en-US" dirty="0">
+                <a:latin typeface="Calibri"/>
+                <a:cs typeface="Times New Roman"/>
+              </a:rPr>
+              <a:t>, </a:t>
+            </a:r>
+            <a:r>
+              <a:rPr lang="en-US" err="1">
+                <a:latin typeface="Calibri"/>
+                <a:cs typeface="Times New Roman"/>
+              </a:rPr>
+              <a:t>Xuanjing</a:t>
+            </a:r>
+            <a:r>
+              <a:rPr lang="en-US" dirty="0">
+                <a:latin typeface="Calibri"/>
+                <a:cs typeface="Times New Roman"/>
+              </a:rPr>
+              <a:t> Huang - </a:t>
+            </a:r>
+            <a:r>
+              <a:rPr lang="en-US" b="1" dirty="0">
+                <a:latin typeface="Calibri"/>
+                <a:cs typeface="Times New Roman"/>
+              </a:rPr>
+              <a:t>Recurrent Neural Network for Text Classification with Multi-Task Learning – </a:t>
+            </a:r>
+            <a:r>
+              <a:rPr lang="en-US" err="1">
+                <a:latin typeface="Calibri"/>
+                <a:cs typeface="Times New Roman"/>
+              </a:rPr>
+              <a:t>ArXiv</a:t>
+            </a:r>
+            <a:r>
+              <a:rPr lang="en-US" dirty="0">
+                <a:latin typeface="Calibri"/>
+                <a:cs typeface="Times New Roman"/>
+              </a:rPr>
+              <a:t> 2016</a:t>
+            </a:r>
+            <a:endParaRPr lang="en-US" dirty="0">
+              <a:latin typeface="Calibri"/>
+            </a:endParaRPr>
+          </a:p>
+          <a:p>
+            <a:pPr algn="just"/>
+            <a:r>
+              <a:rPr lang="en-US" dirty="0">
+                <a:latin typeface="Calibri"/>
+                <a:cs typeface="Times New Roman"/>
+              </a:rPr>
+              <a:t>Tensorflow.js - </a:t>
+            </a:r>
+            <a:r>
+              <a:rPr lang="en-US" u="sng" dirty="0">
+                <a:latin typeface="Calibri"/>
+                <a:cs typeface="Times New Roman"/>
+                <a:hlinkClick r:id="rId2"/>
+              </a:rPr>
+              <a:t>https://www.tensorflow.org/js</a:t>
+            </a:r>
+            <a:endParaRPr lang="en-US">
+              <a:latin typeface="Calibri"/>
+            </a:endParaRPr>
+          </a:p>
+          <a:p>
+            <a:pPr algn="just"/>
+            <a:r>
+              <a:rPr lang="en-US" dirty="0">
+                <a:latin typeface="Calibri"/>
+                <a:cs typeface="Times New Roman"/>
+              </a:rPr>
+              <a:t>Node.js - </a:t>
+            </a:r>
+            <a:r>
+              <a:rPr lang="en-US" u="sng" dirty="0">
+                <a:latin typeface="Calibri"/>
+                <a:cs typeface="Times New Roman"/>
+                <a:hlinkClick r:id="rId3"/>
+              </a:rPr>
+              <a:t>https://nodejs.org/en/docs/</a:t>
+            </a:r>
+            <a:endParaRPr lang="en-US">
+              <a:latin typeface="Calibri"/>
+            </a:endParaRPr>
+          </a:p>
+          <a:p>
+            <a:pPr algn="just"/>
+            <a:r>
+              <a:rPr lang="en-US" err="1">
+                <a:latin typeface="Calibri"/>
+                <a:cs typeface="Times New Roman"/>
+              </a:rPr>
+              <a:t>hbs</a:t>
+            </a:r>
+            <a:r>
+              <a:rPr lang="en-US" dirty="0">
+                <a:latin typeface="Calibri"/>
+                <a:cs typeface="Times New Roman"/>
+              </a:rPr>
+              <a:t> - </a:t>
+            </a:r>
+            <a:r>
+              <a:rPr lang="en-US" u="sng" dirty="0">
+                <a:latin typeface="Calibri"/>
+                <a:cs typeface="Times New Roman"/>
+                <a:hlinkClick r:id="rId3"/>
+              </a:rPr>
+              <a:t>https://nodejs.org/en/docs/</a:t>
+            </a:r>
+            <a:endParaRPr lang="en-US">
+              <a:latin typeface="Calibri"/>
+            </a:endParaRPr>
+          </a:p>
+          <a:p>
+            <a:pPr algn="just"/>
+            <a:r>
+              <a:rPr lang="en-US" dirty="0">
+                <a:latin typeface="Calibri"/>
+                <a:cs typeface="Times New Roman"/>
+              </a:rPr>
+              <a:t>Express.js - </a:t>
+            </a:r>
+            <a:r>
+              <a:rPr lang="en-US" u="sng" dirty="0">
+                <a:latin typeface="Calibri"/>
+                <a:cs typeface="Times New Roman"/>
+                <a:hlinkClick r:id="rId4"/>
+              </a:rPr>
+              <a:t>https://expressjs.com/en/5x/api.html</a:t>
+            </a:r>
+            <a:endParaRPr lang="en-US">
+              <a:latin typeface="Calibri"/>
+            </a:endParaRPr>
+          </a:p>
+          <a:p>
+            <a:pPr algn="just"/>
+            <a:r>
+              <a:rPr lang="en-US" err="1">
+                <a:latin typeface="Calibri"/>
+                <a:cs typeface="Times New Roman"/>
+              </a:rPr>
+              <a:t>Keras</a:t>
+            </a:r>
+            <a:r>
+              <a:rPr lang="en-US" dirty="0">
+                <a:latin typeface="Calibri"/>
+                <a:cs typeface="Times New Roman"/>
+              </a:rPr>
+              <a:t> - </a:t>
+            </a:r>
+            <a:r>
+              <a:rPr lang="en-US" u="sng" dirty="0">
+                <a:latin typeface="Calibri"/>
+                <a:cs typeface="Times New Roman"/>
+                <a:hlinkClick r:id="rId5"/>
+              </a:rPr>
+              <a:t>https://keras.io/api/</a:t>
+            </a:r>
+            <a:endParaRPr lang="en-US">
+              <a:latin typeface="Calibri"/>
+            </a:endParaRPr>
+          </a:p>
+          <a:p>
+            <a:pPr algn="just"/>
+            <a:r>
+              <a:rPr lang="en-US" err="1">
+                <a:latin typeface="Calibri"/>
+                <a:cs typeface="Times New Roman"/>
+              </a:rPr>
+              <a:t>Gensim</a:t>
+            </a:r>
+            <a:r>
+              <a:rPr lang="en-US" dirty="0">
+                <a:latin typeface="Calibri"/>
+                <a:cs typeface="Times New Roman"/>
+              </a:rPr>
+              <a:t> - </a:t>
+            </a:r>
+            <a:r>
+              <a:rPr lang="en-US" u="sng" dirty="0">
+                <a:latin typeface="Calibri"/>
+                <a:cs typeface="Times New Roman"/>
+                <a:hlinkClick r:id="rId6"/>
+              </a:rPr>
+              <a:t>https://radimrehurek.com/gensim/auto_examples/index.html</a:t>
+            </a:r>
+            <a:endParaRPr lang="en-US">
+              <a:latin typeface="Calibri"/>
+            </a:endParaRPr>
+          </a:p>
+          <a:p>
+            <a:pPr algn="just"/>
+            <a:r>
+              <a:rPr lang="en-US" dirty="0">
+                <a:latin typeface="Calibri"/>
+                <a:cs typeface="Times New Roman"/>
+              </a:rPr>
+              <a:t>The </a:t>
+            </a:r>
+            <a:r>
+              <a:rPr lang="en-US" err="1">
+                <a:latin typeface="Calibri"/>
+                <a:cs typeface="Times New Roman"/>
+              </a:rPr>
+              <a:t>imdb</a:t>
+            </a:r>
+            <a:r>
+              <a:rPr lang="en-US" dirty="0">
+                <a:latin typeface="Calibri"/>
+                <a:cs typeface="Times New Roman"/>
+              </a:rPr>
+              <a:t> reviews dataset - </a:t>
+            </a:r>
+            <a:r>
+              <a:rPr lang="en-US" u="sng" dirty="0">
+                <a:latin typeface="Calibri"/>
+                <a:cs typeface="Times New Roman"/>
+                <a:hlinkClick r:id="rId7"/>
+              </a:rPr>
+              <a:t>https://www.kaggle.com/lakshmi25npathi/imdb-dataset-of-50k-movie-reviews</a:t>
+            </a:r>
+            <a:endParaRPr lang="en-US">
+              <a:latin typeface="Calibri"/>
+            </a:endParaRPr>
+          </a:p>
+          <a:p>
+            <a:pPr algn="just"/>
+            <a:r>
+              <a:rPr lang="en-US" dirty="0">
+                <a:latin typeface="Calibri"/>
+                <a:cs typeface="Times New Roman"/>
+              </a:rPr>
+              <a:t>The news dataset - </a:t>
+            </a:r>
+            <a:r>
+              <a:rPr lang="en-US" u="sng" dirty="0">
+                <a:latin typeface="Calibri"/>
+                <a:cs typeface="Times New Roman"/>
+                <a:hlinkClick r:id="rId8"/>
+              </a:rPr>
+              <a:t>https://www.kaggle.com/rmisra/news-category-dataset</a:t>
+            </a:r>
+            <a:endParaRPr lang="en-US">
+              <a:latin typeface="Calibri"/>
+            </a:endParaRPr>
+          </a:p>
+          <a:p>
+            <a:pPr algn="just"/>
+            <a:r>
+              <a:rPr lang="en-US" dirty="0">
+                <a:latin typeface="Calibri"/>
+                <a:cs typeface="Times New Roman"/>
+              </a:rPr>
+              <a:t>The spam detection dataset - </a:t>
+            </a:r>
+            <a:r>
+              <a:rPr lang="en-US" u="sng" dirty="0">
+                <a:latin typeface="Calibri"/>
+                <a:cs typeface="Times New Roman"/>
+                <a:hlinkClick r:id="rId9"/>
+              </a:rPr>
+              <a:t>https://www.kaggle.com/uciml/sms-spam-collection-dataset</a:t>
+            </a:r>
+            <a:endParaRPr lang="en-US">
+              <a:latin typeface="Calibri"/>
+            </a:endParaRPr>
+          </a:p>
+        </p:txBody>
+      </p:sp>
+    </p:spTree>
+    <p:extLst>
+      <p:ext uri="{BB962C8B-B14F-4D97-AF65-F5344CB8AC3E}">
+        <p14:creationId xmlns:p14="http://schemas.microsoft.com/office/powerpoint/2010/main" val="1898164605"/>
+      </p:ext>
+    </p:extLst>
+  </p:cSld>
+  <p:clrMapOvr>
+    <a:masterClrMapping/>
+  </p:clrMapOvr>
+</p:sld>
+</file>
+
+<file path=ppt/slides/slide34.xml><?xml version="1.0" encoding="utf-8"?>
+<p:sld xmlns:a="http://schemas.openxmlformats.org/drawingml/2006/main" xmlns:r="http://schemas.openxmlformats.org/officeDocument/2006/relationships" xmlns:p="http://schemas.openxmlformats.org/presentationml/2006/main">
+  <p:cSld>
+    <p:spTree>
+      <p:nvGrpSpPr>
+        <p:cNvPr id="1" name=""/>
+        <p:cNvGrpSpPr/>
+        <p:nvPr/>
+      </p:nvGrpSpPr>
+      <p:grpSpPr>
+        <a:xfrm>
+          <a:off x="0" y="0"/>
+          <a:ext cx="0" cy="0"/>
+          <a:chOff x="0" y="0"/>
+          <a:chExt cx="0" cy="0"/>
+        </a:xfrm>
+      </p:grpSpPr>
+      <p:sp>
+        <p:nvSpPr>
+          <p:cNvPr id="2" name="Title 1">
+            <a:extLst>
+              <a:ext uri="{FF2B5EF4-FFF2-40B4-BE49-F238E27FC236}">
+                <a16:creationId xmlns:a16="http://schemas.microsoft.com/office/drawing/2014/main" id="{33410B07-CA37-4D38-B4A0-176A3903F8E0}"/>
+              </a:ext>
+            </a:extLst>
+          </p:cNvPr>
+          <p:cNvSpPr>
+            <a:spLocks noGrp="1"/>
+          </p:cNvSpPr>
+          <p:nvPr>
+            <p:ph type="title"/>
+          </p:nvPr>
+        </p:nvSpPr>
+        <p:spPr>
+          <a:xfrm>
+            <a:off x="838200" y="365125"/>
+            <a:ext cx="10515600" cy="6083632"/>
+          </a:xfrm>
+        </p:spPr>
+        <p:txBody>
+          <a:bodyPr/>
+          <a:lstStyle/>
+          <a:p>
+            <a:pPr algn="ctr"/>
+            <a:r>
+              <a:rPr lang="en-US" dirty="0">
+                <a:cs typeface="Calibri Light" panose="020F0302020204030204"/>
+              </a:rPr>
+              <a:t>Thank You</a:t>
+            </a:r>
+          </a:p>
+        </p:txBody>
+      </p:sp>
+    </p:spTree>
+    <p:extLst>
+      <p:ext uri="{BB962C8B-B14F-4D97-AF65-F5344CB8AC3E}">
+        <p14:creationId xmlns:p14="http://schemas.microsoft.com/office/powerpoint/2010/main" val="4205046399"/>
       </p:ext>
     </p:extLst>
   </p:cSld>
@@ -7377,7 +9692,7 @@
               <a:t>Pengfei Liu, </a:t>
             </a:r>
             <a:r>
-              <a:rPr lang="en-US" dirty="0" err="1">
+              <a:rPr lang="en-US" err="1">
                 <a:ea typeface="+mn-lt"/>
                 <a:cs typeface="+mn-lt"/>
               </a:rPr>
@@ -7391,7 +9706,7 @@
               <a:t> </a:t>
             </a:r>
             <a:r>
-              <a:rPr lang="en-US" dirty="0" err="1">
+              <a:rPr lang="en-US" err="1">
                 <a:ea typeface="+mn-lt"/>
                 <a:cs typeface="+mn-lt"/>
               </a:rPr>
@@ -7405,7 +9720,7 @@
               <a:t>, </a:t>
             </a:r>
             <a:r>
-              <a:rPr lang="en-US" dirty="0" err="1">
+              <a:rPr lang="en-US" err="1">
                 <a:ea typeface="+mn-lt"/>
                 <a:cs typeface="+mn-lt"/>
               </a:rPr>

--- a/docs/presentation/Presentation.pptx
+++ b/docs/presentation/Presentation.pptx
@@ -9,36 +9,37 @@
     <p:sldId id="257" r:id="rId3"/>
     <p:sldId id="258" r:id="rId4"/>
     <p:sldId id="262" r:id="rId5"/>
-    <p:sldId id="264" r:id="rId6"/>
-    <p:sldId id="278" r:id="rId7"/>
-    <p:sldId id="279" r:id="rId8"/>
-    <p:sldId id="267" r:id="rId9"/>
-    <p:sldId id="259" r:id="rId10"/>
-    <p:sldId id="265" r:id="rId11"/>
-    <p:sldId id="266" r:id="rId12"/>
-    <p:sldId id="269" r:id="rId13"/>
-    <p:sldId id="270" r:id="rId14"/>
-    <p:sldId id="271" r:id="rId15"/>
-    <p:sldId id="272" r:id="rId16"/>
-    <p:sldId id="273" r:id="rId17"/>
-    <p:sldId id="274" r:id="rId18"/>
-    <p:sldId id="277" r:id="rId19"/>
-    <p:sldId id="275" r:id="rId20"/>
-    <p:sldId id="276" r:id="rId21"/>
-    <p:sldId id="260" r:id="rId22"/>
-    <p:sldId id="280" r:id="rId23"/>
-    <p:sldId id="281" r:id="rId24"/>
-    <p:sldId id="282" r:id="rId25"/>
-    <p:sldId id="283" r:id="rId26"/>
-    <p:sldId id="284" r:id="rId27"/>
-    <p:sldId id="285" r:id="rId28"/>
-    <p:sldId id="286" r:id="rId29"/>
-    <p:sldId id="287" r:id="rId30"/>
-    <p:sldId id="288" r:id="rId31"/>
-    <p:sldId id="289" r:id="rId32"/>
-    <p:sldId id="290" r:id="rId33"/>
-    <p:sldId id="291" r:id="rId34"/>
-    <p:sldId id="261" r:id="rId35"/>
+    <p:sldId id="292" r:id="rId6"/>
+    <p:sldId id="264" r:id="rId7"/>
+    <p:sldId id="278" r:id="rId8"/>
+    <p:sldId id="279" r:id="rId9"/>
+    <p:sldId id="267" r:id="rId10"/>
+    <p:sldId id="293" r:id="rId11"/>
+    <p:sldId id="259" r:id="rId12"/>
+    <p:sldId id="265" r:id="rId13"/>
+    <p:sldId id="266" r:id="rId14"/>
+    <p:sldId id="269" r:id="rId15"/>
+    <p:sldId id="270" r:id="rId16"/>
+    <p:sldId id="271" r:id="rId17"/>
+    <p:sldId id="272" r:id="rId18"/>
+    <p:sldId id="273" r:id="rId19"/>
+    <p:sldId id="274" r:id="rId20"/>
+    <p:sldId id="277" r:id="rId21"/>
+    <p:sldId id="275" r:id="rId22"/>
+    <p:sldId id="276" r:id="rId23"/>
+    <p:sldId id="280" r:id="rId24"/>
+    <p:sldId id="281" r:id="rId25"/>
+    <p:sldId id="282" r:id="rId26"/>
+    <p:sldId id="283" r:id="rId27"/>
+    <p:sldId id="284" r:id="rId28"/>
+    <p:sldId id="285" r:id="rId29"/>
+    <p:sldId id="286" r:id="rId30"/>
+    <p:sldId id="287" r:id="rId31"/>
+    <p:sldId id="288" r:id="rId32"/>
+    <p:sldId id="289" r:id="rId33"/>
+    <p:sldId id="290" r:id="rId34"/>
+    <p:sldId id="291" r:id="rId35"/>
+    <p:sldId id="261" r:id="rId36"/>
   </p:sldIdLst>
   <p:sldSz cx="12192000" cy="6858000"/>
   <p:notesSz cx="6858000" cy="9144000"/>
@@ -154,1661 +155,18 @@
     <p1510:client id="{1B8E6F05-A6C7-4A3E-9D70-E310C1F97B8F}" v="636" dt="2020-05-20T06:38:57.965"/>
     <p1510:client id="{20423B53-5D3F-42C1-A728-93E76E8B30A8}" v="3033" dt="2020-03-30T10:53:26.520"/>
     <p1510:client id="{2D5470B4-B7C2-416A-BF9E-2F5E3EB17E3F}" v="426" dt="2020-02-26T10:25:20.069"/>
+    <p1510:client id="{4B8FEA96-26AF-46DC-9B42-62FCDB81B669}" v="237" dt="2020-05-26T06:13:44.583"/>
     <p1510:client id="{64FF0B97-F6D2-4476-A64B-538B9E443636}" v="3778" dt="2020-01-24T16:44:16.639"/>
     <p1510:client id="{6F58505B-2D01-43E4-9D0D-E3FE3E7997EC}" v="10" dt="2020-05-15T11:23:11.554"/>
     <p1510:client id="{88AEB5F3-CAE5-4B99-AE53-89C14A09FB99}" v="1030" dt="2020-02-01T09:01:49.276"/>
     <p1510:client id="{970F2756-6D48-4F87-AD03-74F0E83451BF}" v="40" dt="2020-02-01T05:49:26.211"/>
     <p1510:client id="{9E95AE69-D439-4F7B-9DC9-FDF50A79AC93}" v="36" dt="2020-03-29T08:24:21.112"/>
+    <p1510:client id="{AD41C4CF-FCBC-4BD4-853A-6697B6FC4064}" v="3736" dt="2020-05-26T14:00:59.146"/>
     <p1510:client id="{CD649366-30A7-412D-8605-5CBD1A566ADE}" v="1079" dt="2020-02-26T10:22:40.245"/>
     <p1510:client id="{D0024680-6A6C-4C2C-9317-51B80E01B98A}" v="2863" dt="2020-02-14T15:52:35.637"/>
     <p1510:client id="{F01D4FF1-80D1-4260-9F7B-3F248C09A08D}" v="10" dt="2020-05-05T15:17:51.602"/>
   </p1510:revLst>
 </p1510:revInfo>
-</file>
-
-<file path=ppt/changesInfos/changesInfo1.xml><?xml version="1.0" encoding="utf-8"?>
-<pc:chgInfo xmlns:a="http://schemas.openxmlformats.org/drawingml/2006/main" xmlns:r="http://schemas.openxmlformats.org/officeDocument/2006/relationships" xmlns:ac="http://schemas.microsoft.com/office/drawing/2013/main/command" xmlns:pc="http://schemas.microsoft.com/office/powerpoint/2013/main/command">
-  <pc:docChgLst>
-    <pc:chgData name="Harsha Ky" userId="51654b9f203ea89d" providerId="Windows Live" clId="Web-{64FF0B97-F6D2-4476-A64B-538B9E443636}"/>
-    <pc:docChg chg="addSld modSld">
-      <pc:chgData name="Harsha Ky" userId="51654b9f203ea89d" providerId="Windows Live" clId="Web-{64FF0B97-F6D2-4476-A64B-538B9E443636}" dt="2020-01-24T16:44:16.232" v="3763" actId="20577"/>
-      <pc:docMkLst>
-        <pc:docMk/>
-      </pc:docMkLst>
-      <pc:sldChg chg="addSp delSp modSp">
-        <pc:chgData name="Harsha Ky" userId="51654b9f203ea89d" providerId="Windows Live" clId="Web-{64FF0B97-F6D2-4476-A64B-538B9E443636}" dt="2020-01-24T16:44:12.029" v="3761" actId="20577"/>
-        <pc:sldMkLst>
-          <pc:docMk/>
-          <pc:sldMk cId="109857222" sldId="256"/>
-        </pc:sldMkLst>
-        <pc:spChg chg="mod">
-          <ac:chgData name="Harsha Ky" userId="51654b9f203ea89d" providerId="Windows Live" clId="Web-{64FF0B97-F6D2-4476-A64B-538B9E443636}" dt="2020-01-24T16:44:12.029" v="3761" actId="20577"/>
-          <ac:spMkLst>
-            <pc:docMk/>
-            <pc:sldMk cId="109857222" sldId="256"/>
-            <ac:spMk id="2" creationId="{00000000-0000-0000-0000-000000000000}"/>
-          </ac:spMkLst>
-        </pc:spChg>
-        <pc:spChg chg="add del mod">
-          <ac:chgData name="Harsha Ky" userId="51654b9f203ea89d" providerId="Windows Live" clId="Web-{64FF0B97-F6D2-4476-A64B-538B9E443636}" dt="2020-01-24T16:23:23.196" v="1781"/>
-          <ac:spMkLst>
-            <pc:docMk/>
-            <pc:sldMk cId="109857222" sldId="256"/>
-            <ac:spMk id="3" creationId="{00000000-0000-0000-0000-000000000000}"/>
-          </ac:spMkLst>
-        </pc:spChg>
-        <pc:spChg chg="add mod">
-          <ac:chgData name="Harsha Ky" userId="51654b9f203ea89d" providerId="Windows Live" clId="Web-{64FF0B97-F6D2-4476-A64B-538B9E443636}" dt="2020-01-24T16:05:17.064" v="335" actId="20577"/>
-          <ac:spMkLst>
-            <pc:docMk/>
-            <pc:sldMk cId="109857222" sldId="256"/>
-            <ac:spMk id="4" creationId="{2B7196F5-A11A-41C3-B9DC-C12F8C0383FC}"/>
-          </ac:spMkLst>
-        </pc:spChg>
-        <pc:spChg chg="add mod">
-          <ac:chgData name="Harsha Ky" userId="51654b9f203ea89d" providerId="Windows Live" clId="Web-{64FF0B97-F6D2-4476-A64B-538B9E443636}" dt="2020-01-24T16:04:47.627" v="334" actId="1076"/>
-          <ac:spMkLst>
-            <pc:docMk/>
-            <pc:sldMk cId="109857222" sldId="256"/>
-            <ac:spMk id="5" creationId="{E7B050E4-25DD-49C7-90D1-B3BD6ED1656F}"/>
-          </ac:spMkLst>
-        </pc:spChg>
-      </pc:sldChg>
-      <pc:sldChg chg="modSp new">
-        <pc:chgData name="Harsha Ky" userId="51654b9f203ea89d" providerId="Windows Live" clId="Web-{64FF0B97-F6D2-4476-A64B-538B9E443636}" dt="2020-01-24T16:19:03.555" v="1369" actId="20577"/>
-        <pc:sldMkLst>
-          <pc:docMk/>
-          <pc:sldMk cId="3085881011" sldId="257"/>
-        </pc:sldMkLst>
-        <pc:spChg chg="mod">
-          <ac:chgData name="Harsha Ky" userId="51654b9f203ea89d" providerId="Windows Live" clId="Web-{64FF0B97-F6D2-4476-A64B-538B9E443636}" dt="2020-01-24T16:05:51.518" v="343" actId="20577"/>
-          <ac:spMkLst>
-            <pc:docMk/>
-            <pc:sldMk cId="3085881011" sldId="257"/>
-            <ac:spMk id="2" creationId="{8E4F941D-56C2-4C7C-9FB3-63D044E24749}"/>
-          </ac:spMkLst>
-        </pc:spChg>
-        <pc:spChg chg="mod">
-          <ac:chgData name="Harsha Ky" userId="51654b9f203ea89d" providerId="Windows Live" clId="Web-{64FF0B97-F6D2-4476-A64B-538B9E443636}" dt="2020-01-24T16:19:03.555" v="1369" actId="20577"/>
-          <ac:spMkLst>
-            <pc:docMk/>
-            <pc:sldMk cId="3085881011" sldId="257"/>
-            <ac:spMk id="3" creationId="{E87AB376-CC3B-4787-B404-735EBF109E79}"/>
-          </ac:spMkLst>
-        </pc:spChg>
-      </pc:sldChg>
-      <pc:sldChg chg="addSp delSp modSp new">
-        <pc:chgData name="Harsha Ky" userId="51654b9f203ea89d" providerId="Windows Live" clId="Web-{64FF0B97-F6D2-4476-A64B-538B9E443636}" dt="2020-01-24T16:22:50.087" v="1778" actId="20577"/>
-        <pc:sldMkLst>
-          <pc:docMk/>
-          <pc:sldMk cId="2775838959" sldId="258"/>
-        </pc:sldMkLst>
-        <pc:spChg chg="mod">
-          <ac:chgData name="Harsha Ky" userId="51654b9f203ea89d" providerId="Windows Live" clId="Web-{64FF0B97-F6D2-4476-A64B-538B9E443636}" dt="2020-01-24T16:19:19.055" v="1386" actId="20577"/>
-          <ac:spMkLst>
-            <pc:docMk/>
-            <pc:sldMk cId="2775838959" sldId="258"/>
-            <ac:spMk id="2" creationId="{0EB23F6D-AF81-4C6E-A900-63024BF2F910}"/>
-          </ac:spMkLst>
-        </pc:spChg>
-        <pc:spChg chg="del">
-          <ac:chgData name="Harsha Ky" userId="51654b9f203ea89d" providerId="Windows Live" clId="Web-{64FF0B97-F6D2-4476-A64B-538B9E443636}" dt="2020-01-24T16:19:31.118" v="1389"/>
-          <ac:spMkLst>
-            <pc:docMk/>
-            <pc:sldMk cId="2775838959" sldId="258"/>
-            <ac:spMk id="3" creationId="{FD9DECD9-1031-46ED-9112-477C9ED864C9}"/>
-          </ac:spMkLst>
-        </pc:spChg>
-        <pc:spChg chg="add mod">
-          <ac:chgData name="Harsha Ky" userId="51654b9f203ea89d" providerId="Windows Live" clId="Web-{64FF0B97-F6D2-4476-A64B-538B9E443636}" dt="2020-01-24T16:22:50.087" v="1778" actId="20577"/>
-          <ac:spMkLst>
-            <pc:docMk/>
-            <pc:sldMk cId="2775838959" sldId="258"/>
-            <ac:spMk id="6" creationId="{89FF2F55-F978-44B3-A7F8-A4CEAE32E85C}"/>
-          </ac:spMkLst>
-        </pc:spChg>
-        <pc:picChg chg="add mod ord">
-          <ac:chgData name="Harsha Ky" userId="51654b9f203ea89d" providerId="Windows Live" clId="Web-{64FF0B97-F6D2-4476-A64B-538B9E443636}" dt="2020-01-24T16:19:53.196" v="1390" actId="1076"/>
-          <ac:picMkLst>
-            <pc:docMk/>
-            <pc:sldMk cId="2775838959" sldId="258"/>
-            <ac:picMk id="4" creationId="{23FE1FAB-6242-43C9-B77F-0C55C77E2B17}"/>
-          </ac:picMkLst>
-        </pc:picChg>
-      </pc:sldChg>
-      <pc:sldChg chg="modSp new">
-        <pc:chgData name="Harsha Ky" userId="51654b9f203ea89d" providerId="Windows Live" clId="Web-{64FF0B97-F6D2-4476-A64B-538B9E443636}" dt="2020-01-24T16:34:36.791" v="2526" actId="20577"/>
-        <pc:sldMkLst>
-          <pc:docMk/>
-          <pc:sldMk cId="4183685459" sldId="259"/>
-        </pc:sldMkLst>
-        <pc:spChg chg="mod">
-          <ac:chgData name="Harsha Ky" userId="51654b9f203ea89d" providerId="Windows Live" clId="Web-{64FF0B97-F6D2-4476-A64B-538B9E443636}" dt="2020-01-24T16:23:56.446" v="1824" actId="20577"/>
-          <ac:spMkLst>
-            <pc:docMk/>
-            <pc:sldMk cId="4183685459" sldId="259"/>
-            <ac:spMk id="2" creationId="{43A314C0-77B3-4A77-B8FE-74F30F1D1AC3}"/>
-          </ac:spMkLst>
-        </pc:spChg>
-        <pc:spChg chg="mod">
-          <ac:chgData name="Harsha Ky" userId="51654b9f203ea89d" providerId="Windows Live" clId="Web-{64FF0B97-F6D2-4476-A64B-538B9E443636}" dt="2020-01-24T16:34:36.791" v="2526" actId="20577"/>
-          <ac:spMkLst>
-            <pc:docMk/>
-            <pc:sldMk cId="4183685459" sldId="259"/>
-            <ac:spMk id="3" creationId="{F99C5E96-510A-4259-A1A2-129A3D5AA8B7}"/>
-          </ac:spMkLst>
-        </pc:spChg>
-      </pc:sldChg>
-      <pc:sldChg chg="modSp new">
-        <pc:chgData name="Harsha Ky" userId="51654b9f203ea89d" providerId="Windows Live" clId="Web-{64FF0B97-F6D2-4476-A64B-538B9E443636}" dt="2020-01-24T16:42:44.638" v="3723" actId="20577"/>
-        <pc:sldMkLst>
-          <pc:docMk/>
-          <pc:sldMk cId="3897002874" sldId="260"/>
-        </pc:sldMkLst>
-        <pc:spChg chg="mod">
-          <ac:chgData name="Harsha Ky" userId="51654b9f203ea89d" providerId="Windows Live" clId="Web-{64FF0B97-F6D2-4476-A64B-538B9E443636}" dt="2020-01-24T16:35:10.026" v="2552" actId="20577"/>
-          <ac:spMkLst>
-            <pc:docMk/>
-            <pc:sldMk cId="3897002874" sldId="260"/>
-            <ac:spMk id="2" creationId="{350DDB70-5B17-4513-8494-85E398FE04B8}"/>
-          </ac:spMkLst>
-        </pc:spChg>
-        <pc:spChg chg="mod">
-          <ac:chgData name="Harsha Ky" userId="51654b9f203ea89d" providerId="Windows Live" clId="Web-{64FF0B97-F6D2-4476-A64B-538B9E443636}" dt="2020-01-24T16:42:44.638" v="3723" actId="20577"/>
-          <ac:spMkLst>
-            <pc:docMk/>
-            <pc:sldMk cId="3897002874" sldId="260"/>
-            <ac:spMk id="3" creationId="{36354896-F079-4D93-8F1C-7A9B390A1B48}"/>
-          </ac:spMkLst>
-        </pc:spChg>
-      </pc:sldChg>
-      <pc:sldChg chg="modSp new">
-        <pc:chgData name="Harsha Ky" userId="51654b9f203ea89d" providerId="Windows Live" clId="Web-{64FF0B97-F6D2-4476-A64B-538B9E443636}" dt="2020-01-24T16:43:48.310" v="3748" actId="20577"/>
-        <pc:sldMkLst>
-          <pc:docMk/>
-          <pc:sldMk cId="4205046399" sldId="261"/>
-        </pc:sldMkLst>
-        <pc:spChg chg="mod">
-          <ac:chgData name="Harsha Ky" userId="51654b9f203ea89d" providerId="Windows Live" clId="Web-{64FF0B97-F6D2-4476-A64B-538B9E443636}" dt="2020-01-24T16:43:48.310" v="3748" actId="20577"/>
-          <ac:spMkLst>
-            <pc:docMk/>
-            <pc:sldMk cId="4205046399" sldId="261"/>
-            <ac:spMk id="2" creationId="{33410B07-CA37-4D38-B4A0-176A3903F8E0}"/>
-          </ac:spMkLst>
-        </pc:spChg>
-      </pc:sldChg>
-    </pc:docChg>
-  </pc:docChgLst>
-  <pc:docChgLst>
-    <pc:chgData name="Harsha Ky" userId="51654b9f203ea89d" providerId="Windows Live" clId="Web-{2D5470B4-B7C2-416A-BF9E-2F5E3EB17E3F}"/>
-    <pc:docChg chg="modSld">
-      <pc:chgData name="Harsha Ky" userId="51654b9f203ea89d" providerId="Windows Live" clId="Web-{2D5470B4-B7C2-416A-BF9E-2F5E3EB17E3F}" dt="2020-02-26T10:25:20.069" v="425" actId="20577"/>
-      <pc:docMkLst>
-        <pc:docMk/>
-      </pc:docMkLst>
-      <pc:sldChg chg="modSp">
-        <pc:chgData name="Harsha Ky" userId="51654b9f203ea89d" providerId="Windows Live" clId="Web-{2D5470B4-B7C2-416A-BF9E-2F5E3EB17E3F}" dt="2020-02-26T10:25:18.366" v="423" actId="20577"/>
-        <pc:sldMkLst>
-          <pc:docMk/>
-          <pc:sldMk cId="682909928" sldId="268"/>
-        </pc:sldMkLst>
-        <pc:spChg chg="mod">
-          <ac:chgData name="Harsha Ky" userId="51654b9f203ea89d" providerId="Windows Live" clId="Web-{2D5470B4-B7C2-416A-BF9E-2F5E3EB17E3F}" dt="2020-02-26T10:25:18.366" v="423" actId="20577"/>
-          <ac:spMkLst>
-            <pc:docMk/>
-            <pc:sldMk cId="682909928" sldId="268"/>
-            <ac:spMk id="3" creationId="{CAEDD0D8-A3C3-480E-873E-2C1BC04CA086}"/>
-          </ac:spMkLst>
-        </pc:spChg>
-      </pc:sldChg>
-    </pc:docChg>
-  </pc:docChgLst>
-  <pc:docChgLst>
-    <pc:chgData name="Harsha Ky" userId="51654b9f203ea89d" providerId="Windows Live" clId="Web-{1B8E6F05-A6C7-4A3E-9D70-E310C1F97B8F}"/>
-    <pc:docChg chg="addSld modSld">
-      <pc:chgData name="Harsha Ky" userId="51654b9f203ea89d" providerId="Windows Live" clId="Web-{1B8E6F05-A6C7-4A3E-9D70-E310C1F97B8F}" dt="2020-05-20T06:38:57.965" v="615" actId="20577"/>
-      <pc:docMkLst>
-        <pc:docMk/>
-      </pc:docMkLst>
-      <pc:sldChg chg="addSp modSp new">
-        <pc:chgData name="Harsha Ky" userId="51654b9f203ea89d" providerId="Windows Live" clId="Web-{1B8E6F05-A6C7-4A3E-9D70-E310C1F97B8F}" dt="2020-05-20T06:22:23.556" v="95" actId="1076"/>
-        <pc:sldMkLst>
-          <pc:docMk/>
-          <pc:sldMk cId="4036096293" sldId="280"/>
-        </pc:sldMkLst>
-        <pc:spChg chg="mod">
-          <ac:chgData name="Harsha Ky" userId="51654b9f203ea89d" providerId="Windows Live" clId="Web-{1B8E6F05-A6C7-4A3E-9D70-E310C1F97B8F}" dt="2020-05-20T06:22:05.070" v="80" actId="20577"/>
-          <ac:spMkLst>
-            <pc:docMk/>
-            <pc:sldMk cId="4036096293" sldId="280"/>
-            <ac:spMk id="2" creationId="{3D968F9F-BEF4-4DBC-B51A-9F4E8D0445B3}"/>
-          </ac:spMkLst>
-        </pc:spChg>
-        <pc:spChg chg="mod">
-          <ac:chgData name="Harsha Ky" userId="51654b9f203ea89d" providerId="Windows Live" clId="Web-{1B8E6F05-A6C7-4A3E-9D70-E310C1F97B8F}" dt="2020-05-20T06:22:09.961" v="92" actId="20577"/>
-          <ac:spMkLst>
-            <pc:docMk/>
-            <pc:sldMk cId="4036096293" sldId="280"/>
-            <ac:spMk id="3" creationId="{3DDC9128-D76F-4454-8686-613C06360DD3}"/>
-          </ac:spMkLst>
-        </pc:spChg>
-        <pc:picChg chg="add mod">
-          <ac:chgData name="Harsha Ky" userId="51654b9f203ea89d" providerId="Windows Live" clId="Web-{1B8E6F05-A6C7-4A3E-9D70-E310C1F97B8F}" dt="2020-05-20T06:22:23.556" v="95" actId="1076"/>
-          <ac:picMkLst>
-            <pc:docMk/>
-            <pc:sldMk cId="4036096293" sldId="280"/>
-            <ac:picMk id="4" creationId="{B17C88FC-9F82-4A6D-B429-FAE388B7950F}"/>
-          </ac:picMkLst>
-        </pc:picChg>
-      </pc:sldChg>
-      <pc:sldChg chg="addSp modSp new">
-        <pc:chgData name="Harsha Ky" userId="51654b9f203ea89d" providerId="Windows Live" clId="Web-{1B8E6F05-A6C7-4A3E-9D70-E310C1F97B8F}" dt="2020-05-20T06:22:55.339" v="101" actId="14100"/>
-        <pc:sldMkLst>
-          <pc:docMk/>
-          <pc:sldMk cId="1859871648" sldId="281"/>
-        </pc:sldMkLst>
-        <pc:spChg chg="mod">
-          <ac:chgData name="Harsha Ky" userId="51654b9f203ea89d" providerId="Windows Live" clId="Web-{1B8E6F05-A6C7-4A3E-9D70-E310C1F97B8F}" dt="2020-05-20T06:21:39.428" v="55" actId="20577"/>
-          <ac:spMkLst>
-            <pc:docMk/>
-            <pc:sldMk cId="1859871648" sldId="281"/>
-            <ac:spMk id="2" creationId="{09862508-6CA7-49D3-85C1-36104582C64C}"/>
-          </ac:spMkLst>
-        </pc:spChg>
-        <pc:spChg chg="mod">
-          <ac:chgData name="Harsha Ky" userId="51654b9f203ea89d" providerId="Windows Live" clId="Web-{1B8E6F05-A6C7-4A3E-9D70-E310C1F97B8F}" dt="2020-05-20T06:22:39.416" v="96" actId="20577"/>
-          <ac:spMkLst>
-            <pc:docMk/>
-            <pc:sldMk cId="1859871648" sldId="281"/>
-            <ac:spMk id="3" creationId="{227EDB1A-1169-43A7-919C-B089B17D9384}"/>
-          </ac:spMkLst>
-        </pc:spChg>
-        <pc:picChg chg="add mod">
-          <ac:chgData name="Harsha Ky" userId="51654b9f203ea89d" providerId="Windows Live" clId="Web-{1B8E6F05-A6C7-4A3E-9D70-E310C1F97B8F}" dt="2020-05-20T06:22:55.339" v="101" actId="14100"/>
-          <ac:picMkLst>
-            <pc:docMk/>
-            <pc:sldMk cId="1859871648" sldId="281"/>
-            <ac:picMk id="4" creationId="{DA4D7DD8-9FA1-4B56-9945-89383B277200}"/>
-          </ac:picMkLst>
-        </pc:picChg>
-      </pc:sldChg>
-      <pc:sldChg chg="addSp delSp modSp add replId">
-        <pc:chgData name="Harsha Ky" userId="51654b9f203ea89d" providerId="Windows Live" clId="Web-{1B8E6F05-A6C7-4A3E-9D70-E310C1F97B8F}" dt="2020-05-20T06:23:53.687" v="138" actId="14100"/>
-        <pc:sldMkLst>
-          <pc:docMk/>
-          <pc:sldMk cId="1866102089" sldId="282"/>
-        </pc:sldMkLst>
-        <pc:spChg chg="mod">
-          <ac:chgData name="Harsha Ky" userId="51654b9f203ea89d" providerId="Windows Live" clId="Web-{1B8E6F05-A6C7-4A3E-9D70-E310C1F97B8F}" dt="2020-05-20T06:23:33.451" v="133" actId="20577"/>
-          <ac:spMkLst>
-            <pc:docMk/>
-            <pc:sldMk cId="1866102089" sldId="282"/>
-            <ac:spMk id="3" creationId="{227EDB1A-1169-43A7-919C-B089B17D9384}"/>
-          </ac:spMkLst>
-        </pc:spChg>
-        <pc:picChg chg="del">
-          <ac:chgData name="Harsha Ky" userId="51654b9f203ea89d" providerId="Windows Live" clId="Web-{1B8E6F05-A6C7-4A3E-9D70-E310C1F97B8F}" dt="2020-05-20T06:23:12.418" v="103"/>
-          <ac:picMkLst>
-            <pc:docMk/>
-            <pc:sldMk cId="1866102089" sldId="282"/>
-            <ac:picMk id="4" creationId="{DA4D7DD8-9FA1-4B56-9945-89383B277200}"/>
-          </ac:picMkLst>
-        </pc:picChg>
-        <pc:picChg chg="add mod">
-          <ac:chgData name="Harsha Ky" userId="51654b9f203ea89d" providerId="Windows Live" clId="Web-{1B8E6F05-A6C7-4A3E-9D70-E310C1F97B8F}" dt="2020-05-20T06:23:53.687" v="138" actId="14100"/>
-          <ac:picMkLst>
-            <pc:docMk/>
-            <pc:sldMk cId="1866102089" sldId="282"/>
-            <ac:picMk id="5" creationId="{14258431-0D1A-4AB8-A406-6DA1DA7C2310}"/>
-          </ac:picMkLst>
-        </pc:picChg>
-      </pc:sldChg>
-      <pc:sldChg chg="addSp delSp modSp add replId">
-        <pc:chgData name="Harsha Ky" userId="51654b9f203ea89d" providerId="Windows Live" clId="Web-{1B8E6F05-A6C7-4A3E-9D70-E310C1F97B8F}" dt="2020-05-20T06:24:53.535" v="166" actId="14100"/>
-        <pc:sldMkLst>
-          <pc:docMk/>
-          <pc:sldMk cId="3977631062" sldId="283"/>
-        </pc:sldMkLst>
-        <pc:spChg chg="mod">
-          <ac:chgData name="Harsha Ky" userId="51654b9f203ea89d" providerId="Windows Live" clId="Web-{1B8E6F05-A6C7-4A3E-9D70-E310C1F97B8F}" dt="2020-05-20T06:24:29.736" v="161" actId="20577"/>
-          <ac:spMkLst>
-            <pc:docMk/>
-            <pc:sldMk cId="3977631062" sldId="283"/>
-            <ac:spMk id="3" creationId="{227EDB1A-1169-43A7-919C-B089B17D9384}"/>
-          </ac:spMkLst>
-        </pc:spChg>
-        <pc:picChg chg="add mod">
-          <ac:chgData name="Harsha Ky" userId="51654b9f203ea89d" providerId="Windows Live" clId="Web-{1B8E6F05-A6C7-4A3E-9D70-E310C1F97B8F}" dt="2020-05-20T06:24:53.535" v="166" actId="14100"/>
-          <ac:picMkLst>
-            <pc:docMk/>
-            <pc:sldMk cId="3977631062" sldId="283"/>
-            <ac:picMk id="4" creationId="{0B5CC979-D33E-40BF-9626-B2D9E511D533}"/>
-          </ac:picMkLst>
-        </pc:picChg>
-        <pc:picChg chg="del">
-          <ac:chgData name="Harsha Ky" userId="51654b9f203ea89d" providerId="Windows Live" clId="Web-{1B8E6F05-A6C7-4A3E-9D70-E310C1F97B8F}" dt="2020-05-20T06:24:05.375" v="140"/>
-          <ac:picMkLst>
-            <pc:docMk/>
-            <pc:sldMk cId="3977631062" sldId="283"/>
-            <ac:picMk id="5" creationId="{14258431-0D1A-4AB8-A406-6DA1DA7C2310}"/>
-          </ac:picMkLst>
-        </pc:picChg>
-      </pc:sldChg>
-      <pc:sldChg chg="modSp new">
-        <pc:chgData name="Harsha Ky" userId="51654b9f203ea89d" providerId="Windows Live" clId="Web-{1B8E6F05-A6C7-4A3E-9D70-E310C1F97B8F}" dt="2020-05-20T06:33:47.804" v="479" actId="20577"/>
-        <pc:sldMkLst>
-          <pc:docMk/>
-          <pc:sldMk cId="3906159079" sldId="284"/>
-        </pc:sldMkLst>
-        <pc:spChg chg="mod">
-          <ac:chgData name="Harsha Ky" userId="51654b9f203ea89d" providerId="Windows Live" clId="Web-{1B8E6F05-A6C7-4A3E-9D70-E310C1F97B8F}" dt="2020-05-20T06:26:23.134" v="186" actId="20577"/>
-          <ac:spMkLst>
-            <pc:docMk/>
-            <pc:sldMk cId="3906159079" sldId="284"/>
-            <ac:spMk id="2" creationId="{AFDC21B3-4F64-4B96-9D6D-5932978DE4FC}"/>
-          </ac:spMkLst>
-        </pc:spChg>
-        <pc:spChg chg="mod">
-          <ac:chgData name="Harsha Ky" userId="51654b9f203ea89d" providerId="Windows Live" clId="Web-{1B8E6F05-A6C7-4A3E-9D70-E310C1F97B8F}" dt="2020-05-20T06:33:47.804" v="479" actId="20577"/>
-          <ac:spMkLst>
-            <pc:docMk/>
-            <pc:sldMk cId="3906159079" sldId="284"/>
-            <ac:spMk id="3" creationId="{7AED7088-A802-4522-86B5-B61CE860F8E8}"/>
-          </ac:spMkLst>
-        </pc:spChg>
-      </pc:sldChg>
-      <pc:sldChg chg="addSp modSp new">
-        <pc:chgData name="Harsha Ky" userId="51654b9f203ea89d" providerId="Windows Live" clId="Web-{1B8E6F05-A6C7-4A3E-9D70-E310C1F97B8F}" dt="2020-05-20T06:34:20.322" v="505" actId="14100"/>
-        <pc:sldMkLst>
-          <pc:docMk/>
-          <pc:sldMk cId="1586268567" sldId="285"/>
-        </pc:sldMkLst>
-        <pc:spChg chg="mod">
-          <ac:chgData name="Harsha Ky" userId="51654b9f203ea89d" providerId="Windows Live" clId="Web-{1B8E6F05-A6C7-4A3E-9D70-E310C1F97B8F}" dt="2020-05-20T06:33:57.242" v="488" actId="20577"/>
-          <ac:spMkLst>
-            <pc:docMk/>
-            <pc:sldMk cId="1586268567" sldId="285"/>
-            <ac:spMk id="2" creationId="{F97746CE-7567-4F3A-8445-0B23E62F37F4}"/>
-          </ac:spMkLst>
-        </pc:spChg>
-        <pc:spChg chg="mod">
-          <ac:chgData name="Harsha Ky" userId="51654b9f203ea89d" providerId="Windows Live" clId="Web-{1B8E6F05-A6C7-4A3E-9D70-E310C1F97B8F}" dt="2020-05-20T06:34:08.619" v="501" actId="20577"/>
-          <ac:spMkLst>
-            <pc:docMk/>
-            <pc:sldMk cId="1586268567" sldId="285"/>
-            <ac:spMk id="3" creationId="{88CC23CA-A17F-4022-A70F-8D541BB4B60D}"/>
-          </ac:spMkLst>
-        </pc:spChg>
-        <pc:picChg chg="add mod">
-          <ac:chgData name="Harsha Ky" userId="51654b9f203ea89d" providerId="Windows Live" clId="Web-{1B8E6F05-A6C7-4A3E-9D70-E310C1F97B8F}" dt="2020-05-20T06:34:20.322" v="505" actId="14100"/>
-          <ac:picMkLst>
-            <pc:docMk/>
-            <pc:sldMk cId="1586268567" sldId="285"/>
-            <ac:picMk id="4" creationId="{0EDEE7D2-208C-43D0-AE2D-E24D5345CDE0}"/>
-          </ac:picMkLst>
-        </pc:picChg>
-      </pc:sldChg>
-      <pc:sldChg chg="addSp delSp modSp add replId">
-        <pc:chgData name="Harsha Ky" userId="51654b9f203ea89d" providerId="Windows Live" clId="Web-{1B8E6F05-A6C7-4A3E-9D70-E310C1F97B8F}" dt="2020-05-20T06:35:00.981" v="516" actId="14100"/>
-        <pc:sldMkLst>
-          <pc:docMk/>
-          <pc:sldMk cId="1032237485" sldId="286"/>
-        </pc:sldMkLst>
-        <pc:spChg chg="mod">
-          <ac:chgData name="Harsha Ky" userId="51654b9f203ea89d" providerId="Windows Live" clId="Web-{1B8E6F05-A6C7-4A3E-9D70-E310C1F97B8F}" dt="2020-05-20T06:34:31.557" v="509" actId="20577"/>
-          <ac:spMkLst>
-            <pc:docMk/>
-            <pc:sldMk cId="1032237485" sldId="286"/>
-            <ac:spMk id="3" creationId="{88CC23CA-A17F-4022-A70F-8D541BB4B60D}"/>
-          </ac:spMkLst>
-        </pc:spChg>
-        <pc:picChg chg="del">
-          <ac:chgData name="Harsha Ky" userId="51654b9f203ea89d" providerId="Windows Live" clId="Web-{1B8E6F05-A6C7-4A3E-9D70-E310C1F97B8F}" dt="2020-05-20T06:34:34.464" v="512"/>
-          <ac:picMkLst>
-            <pc:docMk/>
-            <pc:sldMk cId="1032237485" sldId="286"/>
-            <ac:picMk id="4" creationId="{0EDEE7D2-208C-43D0-AE2D-E24D5345CDE0}"/>
-          </ac:picMkLst>
-        </pc:picChg>
-        <pc:picChg chg="add mod">
-          <ac:chgData name="Harsha Ky" userId="51654b9f203ea89d" providerId="Windows Live" clId="Web-{1B8E6F05-A6C7-4A3E-9D70-E310C1F97B8F}" dt="2020-05-20T06:35:00.981" v="516" actId="14100"/>
-          <ac:picMkLst>
-            <pc:docMk/>
-            <pc:sldMk cId="1032237485" sldId="286"/>
-            <ac:picMk id="5" creationId="{530DCDE3-6EE1-4366-B610-BF99C9946882}"/>
-          </ac:picMkLst>
-        </pc:picChg>
-      </pc:sldChg>
-      <pc:sldChg chg="addSp delSp modSp add replId">
-        <pc:chgData name="Harsha Ky" userId="51654b9f203ea89d" providerId="Windows Live" clId="Web-{1B8E6F05-A6C7-4A3E-9D70-E310C1F97B8F}" dt="2020-05-20T06:35:38.374" v="526" actId="14100"/>
-        <pc:sldMkLst>
-          <pc:docMk/>
-          <pc:sldMk cId="1606027259" sldId="287"/>
-        </pc:sldMkLst>
-        <pc:spChg chg="mod">
-          <ac:chgData name="Harsha Ky" userId="51654b9f203ea89d" providerId="Windows Live" clId="Web-{1B8E6F05-A6C7-4A3E-9D70-E310C1F97B8F}" dt="2020-05-20T06:35:14.794" v="520" actId="20577"/>
-          <ac:spMkLst>
-            <pc:docMk/>
-            <pc:sldMk cId="1606027259" sldId="287"/>
-            <ac:spMk id="3" creationId="{88CC23CA-A17F-4022-A70F-8D541BB4B60D}"/>
-          </ac:spMkLst>
-        </pc:spChg>
-        <pc:picChg chg="add mod">
-          <ac:chgData name="Harsha Ky" userId="51654b9f203ea89d" providerId="Windows Live" clId="Web-{1B8E6F05-A6C7-4A3E-9D70-E310C1F97B8F}" dt="2020-05-20T06:35:38.374" v="526" actId="14100"/>
-          <ac:picMkLst>
-            <pc:docMk/>
-            <pc:sldMk cId="1606027259" sldId="287"/>
-            <ac:picMk id="4" creationId="{3A344D3C-DA7F-4325-AAF1-62C7E73F4C06}"/>
-          </ac:picMkLst>
-        </pc:picChg>
-        <pc:picChg chg="del">
-          <ac:chgData name="Harsha Ky" userId="51654b9f203ea89d" providerId="Windows Live" clId="Web-{1B8E6F05-A6C7-4A3E-9D70-E310C1F97B8F}" dt="2020-05-20T06:35:18.092" v="523"/>
-          <ac:picMkLst>
-            <pc:docMk/>
-            <pc:sldMk cId="1606027259" sldId="287"/>
-            <ac:picMk id="5" creationId="{530DCDE3-6EE1-4366-B610-BF99C9946882}"/>
-          </ac:picMkLst>
-        </pc:picChg>
-      </pc:sldChg>
-      <pc:sldChg chg="addSp delSp modSp add replId">
-        <pc:chgData name="Harsha Ky" userId="51654b9f203ea89d" providerId="Windows Live" clId="Web-{1B8E6F05-A6C7-4A3E-9D70-E310C1F97B8F}" dt="2020-05-20T06:36:06.782" v="534" actId="14100"/>
-        <pc:sldMkLst>
-          <pc:docMk/>
-          <pc:sldMk cId="4231516373" sldId="288"/>
-        </pc:sldMkLst>
-        <pc:spChg chg="mod">
-          <ac:chgData name="Harsha Ky" userId="51654b9f203ea89d" providerId="Windows Live" clId="Web-{1B8E6F05-A6C7-4A3E-9D70-E310C1F97B8F}" dt="2020-05-20T06:35:48.547" v="528" actId="20577"/>
-          <ac:spMkLst>
-            <pc:docMk/>
-            <pc:sldMk cId="4231516373" sldId="288"/>
-            <ac:spMk id="3" creationId="{88CC23CA-A17F-4022-A70F-8D541BB4B60D}"/>
-          </ac:spMkLst>
-        </pc:spChg>
-        <pc:picChg chg="del">
-          <ac:chgData name="Harsha Ky" userId="51654b9f203ea89d" providerId="Windows Live" clId="Web-{1B8E6F05-A6C7-4A3E-9D70-E310C1F97B8F}" dt="2020-05-20T06:35:50.406" v="531"/>
-          <ac:picMkLst>
-            <pc:docMk/>
-            <pc:sldMk cId="4231516373" sldId="288"/>
-            <ac:picMk id="4" creationId="{3A344D3C-DA7F-4325-AAF1-62C7E73F4C06}"/>
-          </ac:picMkLst>
-        </pc:picChg>
-        <pc:picChg chg="add mod">
-          <ac:chgData name="Harsha Ky" userId="51654b9f203ea89d" providerId="Windows Live" clId="Web-{1B8E6F05-A6C7-4A3E-9D70-E310C1F97B8F}" dt="2020-05-20T06:36:06.782" v="534" actId="14100"/>
-          <ac:picMkLst>
-            <pc:docMk/>
-            <pc:sldMk cId="4231516373" sldId="288"/>
-            <ac:picMk id="5" creationId="{FE3A0315-72AE-4871-8DED-1F01B108F0F8}"/>
-          </ac:picMkLst>
-        </pc:picChg>
-      </pc:sldChg>
-      <pc:sldChg chg="modSp new">
-        <pc:chgData name="Harsha Ky" userId="51654b9f203ea89d" providerId="Windows Live" clId="Web-{1B8E6F05-A6C7-4A3E-9D70-E310C1F97B8F}" dt="2020-05-20T06:37:12.193" v="565" actId="20577"/>
-        <pc:sldMkLst>
-          <pc:docMk/>
-          <pc:sldMk cId="1170440983" sldId="289"/>
-        </pc:sldMkLst>
-        <pc:spChg chg="mod">
-          <ac:chgData name="Harsha Ky" userId="51654b9f203ea89d" providerId="Windows Live" clId="Web-{1B8E6F05-A6C7-4A3E-9D70-E310C1F97B8F}" dt="2020-05-20T06:36:36.503" v="554" actId="20577"/>
-          <ac:spMkLst>
-            <pc:docMk/>
-            <pc:sldMk cId="1170440983" sldId="289"/>
-            <ac:spMk id="2" creationId="{0746B8CE-D3CE-4655-B832-46145C4AC50E}"/>
-          </ac:spMkLst>
-        </pc:spChg>
-        <pc:spChg chg="mod">
-          <ac:chgData name="Harsha Ky" userId="51654b9f203ea89d" providerId="Windows Live" clId="Web-{1B8E6F05-A6C7-4A3E-9D70-E310C1F97B8F}" dt="2020-05-20T06:37:12.193" v="565" actId="20577"/>
-          <ac:spMkLst>
-            <pc:docMk/>
-            <pc:sldMk cId="1170440983" sldId="289"/>
-            <ac:spMk id="3" creationId="{30C5F410-AD01-4316-948C-1CAE91ABEB09}"/>
-          </ac:spMkLst>
-        </pc:spChg>
-      </pc:sldChg>
-      <pc:sldChg chg="modSp new">
-        <pc:chgData name="Harsha Ky" userId="51654b9f203ea89d" providerId="Windows Live" clId="Web-{1B8E6F05-A6C7-4A3E-9D70-E310C1F97B8F}" dt="2020-05-20T06:38:16.869" v="591" actId="20577"/>
-        <pc:sldMkLst>
-          <pc:docMk/>
-          <pc:sldMk cId="1236051365" sldId="290"/>
-        </pc:sldMkLst>
-        <pc:spChg chg="mod">
-          <ac:chgData name="Harsha Ky" userId="51654b9f203ea89d" providerId="Windows Live" clId="Web-{1B8E6F05-A6C7-4A3E-9D70-E310C1F97B8F}" dt="2020-05-20T06:38:03.025" v="586" actId="20577"/>
-          <ac:spMkLst>
-            <pc:docMk/>
-            <pc:sldMk cId="1236051365" sldId="290"/>
-            <ac:spMk id="2" creationId="{105B9AAB-9AF3-4A5C-B615-44D9356B7E1C}"/>
-          </ac:spMkLst>
-        </pc:spChg>
-        <pc:spChg chg="mod">
-          <ac:chgData name="Harsha Ky" userId="51654b9f203ea89d" providerId="Windows Live" clId="Web-{1B8E6F05-A6C7-4A3E-9D70-E310C1F97B8F}" dt="2020-05-20T06:38:16.869" v="591" actId="20577"/>
-          <ac:spMkLst>
-            <pc:docMk/>
-            <pc:sldMk cId="1236051365" sldId="290"/>
-            <ac:spMk id="3" creationId="{9F84C259-CDDB-4904-B5AD-52B589A552F4}"/>
-          </ac:spMkLst>
-        </pc:spChg>
-      </pc:sldChg>
-      <pc:sldChg chg="modSp new">
-        <pc:chgData name="Harsha Ky" userId="51654b9f203ea89d" providerId="Windows Live" clId="Web-{1B8E6F05-A6C7-4A3E-9D70-E310C1F97B8F}" dt="2020-05-20T06:38:57.965" v="614" actId="20577"/>
-        <pc:sldMkLst>
-          <pc:docMk/>
-          <pc:sldMk cId="1898164605" sldId="291"/>
-        </pc:sldMkLst>
-        <pc:spChg chg="mod">
-          <ac:chgData name="Harsha Ky" userId="51654b9f203ea89d" providerId="Windows Live" clId="Web-{1B8E6F05-A6C7-4A3E-9D70-E310C1F97B8F}" dt="2020-05-20T06:38:31.870" v="603" actId="20577"/>
-          <ac:spMkLst>
-            <pc:docMk/>
-            <pc:sldMk cId="1898164605" sldId="291"/>
-            <ac:spMk id="2" creationId="{1A970131-8497-42DE-9EE0-F6BC0E0A2521}"/>
-          </ac:spMkLst>
-        </pc:spChg>
-        <pc:spChg chg="mod">
-          <ac:chgData name="Harsha Ky" userId="51654b9f203ea89d" providerId="Windows Live" clId="Web-{1B8E6F05-A6C7-4A3E-9D70-E310C1F97B8F}" dt="2020-05-20T06:38:57.965" v="614" actId="20577"/>
-          <ac:spMkLst>
-            <pc:docMk/>
-            <pc:sldMk cId="1898164605" sldId="291"/>
-            <ac:spMk id="3" creationId="{5B9CC7D7-EA00-431D-95A2-B86A281AE1A1}"/>
-          </ac:spMkLst>
-        </pc:spChg>
-      </pc:sldChg>
-    </pc:docChg>
-  </pc:docChgLst>
-  <pc:docChgLst>
-    <pc:chgData name="Harsha Ky" userId="51654b9f203ea89d" providerId="Windows Live" clId="Web-{970F2756-6D48-4F87-AD03-74F0E83451BF}"/>
-    <pc:docChg chg="modSld">
-      <pc:chgData name="Harsha Ky" userId="51654b9f203ea89d" providerId="Windows Live" clId="Web-{970F2756-6D48-4F87-AD03-74F0E83451BF}" dt="2020-02-01T05:49:25.680" v="38" actId="20577"/>
-      <pc:docMkLst>
-        <pc:docMk/>
-      </pc:docMkLst>
-      <pc:sldChg chg="modSp">
-        <pc:chgData name="Harsha Ky" userId="51654b9f203ea89d" providerId="Windows Live" clId="Web-{970F2756-6D48-4F87-AD03-74F0E83451BF}" dt="2020-02-01T05:49:12.914" v="36" actId="20577"/>
-        <pc:sldMkLst>
-          <pc:docMk/>
-          <pc:sldMk cId="4183685459" sldId="259"/>
-        </pc:sldMkLst>
-        <pc:spChg chg="mod">
-          <ac:chgData name="Harsha Ky" userId="51654b9f203ea89d" providerId="Windows Live" clId="Web-{970F2756-6D48-4F87-AD03-74F0E83451BF}" dt="2020-02-01T05:49:12.914" v="36" actId="20577"/>
-          <ac:spMkLst>
-            <pc:docMk/>
-            <pc:sldMk cId="4183685459" sldId="259"/>
-            <ac:spMk id="3" creationId="{F99C5E96-510A-4259-A1A2-129A3D5AA8B7}"/>
-          </ac:spMkLst>
-        </pc:spChg>
-      </pc:sldChg>
-    </pc:docChg>
-  </pc:docChgLst>
-  <pc:docChgLst>
-    <pc:chgData name="Harsha Ky" userId="51654b9f203ea89d" providerId="Windows Live" clId="Web-{20423B53-5D3F-42C1-A728-93E76E8B30A8}"/>
-    <pc:docChg chg="addSld delSld modSld">
-      <pc:chgData name="Harsha Ky" userId="51654b9f203ea89d" providerId="Windows Live" clId="Web-{20423B53-5D3F-42C1-A728-93E76E8B30A8}" dt="2020-03-30T10:53:26.520" v="3012"/>
-      <pc:docMkLst>
-        <pc:docMk/>
-      </pc:docMkLst>
-      <pc:sldChg chg="modSp del">
-        <pc:chgData name="Harsha Ky" userId="51654b9f203ea89d" providerId="Windows Live" clId="Web-{20423B53-5D3F-42C1-A728-93E76E8B30A8}" dt="2020-03-30T10:53:26.520" v="3012"/>
-        <pc:sldMkLst>
-          <pc:docMk/>
-          <pc:sldMk cId="682909928" sldId="268"/>
-        </pc:sldMkLst>
-        <pc:spChg chg="mod">
-          <ac:chgData name="Harsha Ky" userId="51654b9f203ea89d" providerId="Windows Live" clId="Web-{20423B53-5D3F-42C1-A728-93E76E8B30A8}" dt="2020-03-30T10:53:24.442" v="3009" actId="20577"/>
-          <ac:spMkLst>
-            <pc:docMk/>
-            <pc:sldMk cId="682909928" sldId="268"/>
-            <ac:spMk id="3" creationId="{CAEDD0D8-A3C3-480E-873E-2C1BC04CA086}"/>
-          </ac:spMkLst>
-        </pc:spChg>
-      </pc:sldChg>
-      <pc:sldChg chg="addSp modSp new">
-        <pc:chgData name="Harsha Ky" userId="51654b9f203ea89d" providerId="Windows Live" clId="Web-{20423B53-5D3F-42C1-A728-93E76E8B30A8}" dt="2020-03-30T09:51:25.985" v="33" actId="20577"/>
-        <pc:sldMkLst>
-          <pc:docMk/>
-          <pc:sldMk cId="608533324" sldId="269"/>
-        </pc:sldMkLst>
-        <pc:spChg chg="add mod">
-          <ac:chgData name="Harsha Ky" userId="51654b9f203ea89d" providerId="Windows Live" clId="Web-{20423B53-5D3F-42C1-A728-93E76E8B30A8}" dt="2020-03-30T09:51:25.985" v="33" actId="20577"/>
-          <ac:spMkLst>
-            <pc:docMk/>
-            <pc:sldMk cId="608533324" sldId="269"/>
-            <ac:spMk id="4" creationId="{A8BA48F2-ECF0-46FC-8D6D-83BE11E91723}"/>
-          </ac:spMkLst>
-        </pc:spChg>
-        <pc:picChg chg="add mod">
-          <ac:chgData name="Harsha Ky" userId="51654b9f203ea89d" providerId="Windows Live" clId="Web-{20423B53-5D3F-42C1-A728-93E76E8B30A8}" dt="2020-03-30T09:51:06.235" v="19" actId="14100"/>
-          <ac:picMkLst>
-            <pc:docMk/>
-            <pc:sldMk cId="608533324" sldId="269"/>
-            <ac:picMk id="2" creationId="{254E2AA7-AD54-4183-B5E7-AA9CBC44E2AD}"/>
-          </ac:picMkLst>
-        </pc:picChg>
-      </pc:sldChg>
-      <pc:sldChg chg="addSp delSp modSp new del">
-        <pc:chgData name="Harsha Ky" userId="51654b9f203ea89d" providerId="Windows Live" clId="Web-{20423B53-5D3F-42C1-A728-93E76E8B30A8}" dt="2020-03-30T09:49:59.672" v="11"/>
-        <pc:sldMkLst>
-          <pc:docMk/>
-          <pc:sldMk cId="742609291" sldId="269"/>
-        </pc:sldMkLst>
-        <pc:spChg chg="del mod">
-          <ac:chgData name="Harsha Ky" userId="51654b9f203ea89d" providerId="Windows Live" clId="Web-{20423B53-5D3F-42C1-A728-93E76E8B30A8}" dt="2020-03-30T09:49:56.422" v="10"/>
-          <ac:spMkLst>
-            <pc:docMk/>
-            <pc:sldMk cId="742609291" sldId="269"/>
-            <ac:spMk id="2" creationId="{36FB8952-A975-40F7-9905-87C976938F89}"/>
-          </ac:spMkLst>
-        </pc:spChg>
-        <pc:spChg chg="del">
-          <ac:chgData name="Harsha Ky" userId="51654b9f203ea89d" providerId="Windows Live" clId="Web-{20423B53-5D3F-42C1-A728-93E76E8B30A8}" dt="2020-03-30T09:49:32.188" v="6"/>
-          <ac:spMkLst>
-            <pc:docMk/>
-            <pc:sldMk cId="742609291" sldId="269"/>
-            <ac:spMk id="3" creationId="{DC769BCE-777A-4FDA-96EC-B9285EB9F02A}"/>
-          </ac:spMkLst>
-        </pc:spChg>
-        <pc:spChg chg="add mod">
-          <ac:chgData name="Harsha Ky" userId="51654b9f203ea89d" providerId="Windows Live" clId="Web-{20423B53-5D3F-42C1-A728-93E76E8B30A8}" dt="2020-03-30T09:49:56.422" v="10"/>
-          <ac:spMkLst>
-            <pc:docMk/>
-            <pc:sldMk cId="742609291" sldId="269"/>
-            <ac:spMk id="7" creationId="{E7BD4CC3-BFE4-4606-9EFA-D50F9CDC7D8E}"/>
-          </ac:spMkLst>
-        </pc:spChg>
-        <pc:picChg chg="add mod ord">
-          <ac:chgData name="Harsha Ky" userId="51654b9f203ea89d" providerId="Windows Live" clId="Web-{20423B53-5D3F-42C1-A728-93E76E8B30A8}" dt="2020-03-30T09:49:46.329" v="9" actId="1076"/>
-          <ac:picMkLst>
-            <pc:docMk/>
-            <pc:sldMk cId="742609291" sldId="269"/>
-            <ac:picMk id="4" creationId="{A50403F4-5BFE-4C27-AA3C-362908FB7C80}"/>
-          </ac:picMkLst>
-        </pc:picChg>
-      </pc:sldChg>
-      <pc:sldChg chg="addSp modSp new">
-        <pc:chgData name="Harsha Ky" userId="51654b9f203ea89d" providerId="Windows Live" clId="Web-{20423B53-5D3F-42C1-A728-93E76E8B30A8}" dt="2020-03-30T10:04:08.269" v="63" actId="14100"/>
-        <pc:sldMkLst>
-          <pc:docMk/>
-          <pc:sldMk cId="309574019" sldId="270"/>
-        </pc:sldMkLst>
-        <pc:spChg chg="add mod">
-          <ac:chgData name="Harsha Ky" userId="51654b9f203ea89d" providerId="Windows Live" clId="Web-{20423B53-5D3F-42C1-A728-93E76E8B30A8}" dt="2020-03-30T09:51:53.360" v="60" actId="14100"/>
-          <ac:spMkLst>
-            <pc:docMk/>
-            <pc:sldMk cId="309574019" sldId="270"/>
-            <ac:spMk id="2" creationId="{A8BA48F2-ECF0-46FC-8D6D-83BE11E91723}"/>
-          </ac:spMkLst>
-        </pc:spChg>
-        <pc:picChg chg="add mod">
-          <ac:chgData name="Harsha Ky" userId="51654b9f203ea89d" providerId="Windows Live" clId="Web-{20423B53-5D3F-42C1-A728-93E76E8B30A8}" dt="2020-03-30T10:04:08.269" v="63" actId="14100"/>
-          <ac:picMkLst>
-            <pc:docMk/>
-            <pc:sldMk cId="309574019" sldId="270"/>
-            <ac:picMk id="3" creationId="{C0471691-9AE0-41BB-8F24-BF13A248E70D}"/>
-          </ac:picMkLst>
-        </pc:picChg>
-      </pc:sldChg>
-      <pc:sldChg chg="modSp new">
-        <pc:chgData name="Harsha Ky" userId="51654b9f203ea89d" providerId="Windows Live" clId="Web-{20423B53-5D3F-42C1-A728-93E76E8B30A8}" dt="2020-03-30T10:20:52.467" v="1848" actId="20577"/>
-        <pc:sldMkLst>
-          <pc:docMk/>
-          <pc:sldMk cId="956708869" sldId="271"/>
-        </pc:sldMkLst>
-        <pc:spChg chg="mod">
-          <ac:chgData name="Harsha Ky" userId="51654b9f203ea89d" providerId="Windows Live" clId="Web-{20423B53-5D3F-42C1-A728-93E76E8B30A8}" dt="2020-03-30T10:05:44.723" v="93" actId="20577"/>
-          <ac:spMkLst>
-            <pc:docMk/>
-            <pc:sldMk cId="956708869" sldId="271"/>
-            <ac:spMk id="2" creationId="{21797F86-3438-47FD-B5D2-6D9FE8A47798}"/>
-          </ac:spMkLst>
-        </pc:spChg>
-        <pc:spChg chg="mod">
-          <ac:chgData name="Harsha Ky" userId="51654b9f203ea89d" providerId="Windows Live" clId="Web-{20423B53-5D3F-42C1-A728-93E76E8B30A8}" dt="2020-03-30T10:20:52.467" v="1848" actId="20577"/>
-          <ac:spMkLst>
-            <pc:docMk/>
-            <pc:sldMk cId="956708869" sldId="271"/>
-            <ac:spMk id="3" creationId="{A6B7715D-E06D-4D95-B469-78B00FEE1280}"/>
-          </ac:spMkLst>
-        </pc:spChg>
-      </pc:sldChg>
-      <pc:sldChg chg="new del">
-        <pc:chgData name="Harsha Ky" userId="51654b9f203ea89d" providerId="Windows Live" clId="Web-{20423B53-5D3F-42C1-A728-93E76E8B30A8}" dt="2020-03-30T10:05:27.691" v="65"/>
-        <pc:sldMkLst>
-          <pc:docMk/>
-          <pc:sldMk cId="1054420920" sldId="271"/>
-        </pc:sldMkLst>
-      </pc:sldChg>
-      <pc:sldChg chg="addSp modSp new">
-        <pc:chgData name="Harsha Ky" userId="51654b9f203ea89d" providerId="Windows Live" clId="Web-{20423B53-5D3F-42C1-A728-93E76E8B30A8}" dt="2020-03-30T10:22:19.327" v="1910" actId="14100"/>
-        <pc:sldMkLst>
-          <pc:docMk/>
-          <pc:sldMk cId="2452716225" sldId="272"/>
-        </pc:sldMkLst>
-        <pc:spChg chg="mod">
-          <ac:chgData name="Harsha Ky" userId="51654b9f203ea89d" providerId="Windows Live" clId="Web-{20423B53-5D3F-42C1-A728-93E76E8B30A8}" dt="2020-03-30T10:21:11.280" v="1885" actId="20577"/>
-          <ac:spMkLst>
-            <pc:docMk/>
-            <pc:sldMk cId="2452716225" sldId="272"/>
-            <ac:spMk id="2" creationId="{62700633-8410-42C7-8E8C-D0A31453D838}"/>
-          </ac:spMkLst>
-        </pc:spChg>
-        <pc:spChg chg="mod">
-          <ac:chgData name="Harsha Ky" userId="51654b9f203ea89d" providerId="Windows Live" clId="Web-{20423B53-5D3F-42C1-A728-93E76E8B30A8}" dt="2020-03-30T10:22:04.905" v="1905" actId="20577"/>
-          <ac:spMkLst>
-            <pc:docMk/>
-            <pc:sldMk cId="2452716225" sldId="272"/>
-            <ac:spMk id="3" creationId="{D26B32AC-8E2D-4BEA-A55D-D382D388926E}"/>
-          </ac:spMkLst>
-        </pc:spChg>
-        <pc:picChg chg="add mod">
-          <ac:chgData name="Harsha Ky" userId="51654b9f203ea89d" providerId="Windows Live" clId="Web-{20423B53-5D3F-42C1-A728-93E76E8B30A8}" dt="2020-03-30T10:22:19.327" v="1910" actId="14100"/>
-          <ac:picMkLst>
-            <pc:docMk/>
-            <pc:sldMk cId="2452716225" sldId="272"/>
-            <ac:picMk id="4" creationId="{6A55683E-5C9F-4C72-8B61-97DBEB66F59B}"/>
-          </ac:picMkLst>
-        </pc:picChg>
-      </pc:sldChg>
-      <pc:sldChg chg="addSp modSp new">
-        <pc:chgData name="Harsha Ky" userId="51654b9f203ea89d" providerId="Windows Live" clId="Web-{20423B53-5D3F-42C1-A728-93E76E8B30A8}" dt="2020-03-30T10:39:42.891" v="2575" actId="14100"/>
-        <pc:sldMkLst>
-          <pc:docMk/>
-          <pc:sldMk cId="2902629462" sldId="273"/>
-        </pc:sldMkLst>
-        <pc:spChg chg="mod">
-          <ac:chgData name="Harsha Ky" userId="51654b9f203ea89d" providerId="Windows Live" clId="Web-{20423B53-5D3F-42C1-A728-93E76E8B30A8}" dt="2020-03-30T10:23:15.765" v="1949" actId="20577"/>
-          <ac:spMkLst>
-            <pc:docMk/>
-            <pc:sldMk cId="2902629462" sldId="273"/>
-            <ac:spMk id="2" creationId="{48C7C7BF-D634-46B5-BC7D-E71F3F3A95A8}"/>
-          </ac:spMkLst>
-        </pc:spChg>
-        <pc:spChg chg="mod">
-          <ac:chgData name="Harsha Ky" userId="51654b9f203ea89d" providerId="Windows Live" clId="Web-{20423B53-5D3F-42C1-A728-93E76E8B30A8}" dt="2020-03-30T10:39:32.156" v="2571" actId="20577"/>
-          <ac:spMkLst>
-            <pc:docMk/>
-            <pc:sldMk cId="2902629462" sldId="273"/>
-            <ac:spMk id="3" creationId="{D554E955-374B-44BD-AFC8-6585ED543466}"/>
-          </ac:spMkLst>
-        </pc:spChg>
-        <pc:picChg chg="add mod">
-          <ac:chgData name="Harsha Ky" userId="51654b9f203ea89d" providerId="Windows Live" clId="Web-{20423B53-5D3F-42C1-A728-93E76E8B30A8}" dt="2020-03-30T10:39:42.891" v="2575" actId="14100"/>
-          <ac:picMkLst>
-            <pc:docMk/>
-            <pc:sldMk cId="2902629462" sldId="273"/>
-            <ac:picMk id="4" creationId="{7C34FC55-9E1D-4711-BF6D-A583B6267261}"/>
-          </ac:picMkLst>
-        </pc:picChg>
-      </pc:sldChg>
-      <pc:sldChg chg="modSp new">
-        <pc:chgData name="Harsha Ky" userId="51654b9f203ea89d" providerId="Windows Live" clId="Web-{20423B53-5D3F-42C1-A728-93E76E8B30A8}" dt="2020-03-30T10:43:21.001" v="2712" actId="20577"/>
-        <pc:sldMkLst>
-          <pc:docMk/>
-          <pc:sldMk cId="4080191169" sldId="274"/>
-        </pc:sldMkLst>
-        <pc:spChg chg="mod">
-          <ac:chgData name="Harsha Ky" userId="51654b9f203ea89d" providerId="Windows Live" clId="Web-{20423B53-5D3F-42C1-A728-93E76E8B30A8}" dt="2020-03-30T10:40:44.469" v="2609" actId="20577"/>
-          <ac:spMkLst>
-            <pc:docMk/>
-            <pc:sldMk cId="4080191169" sldId="274"/>
-            <ac:spMk id="2" creationId="{EA55D31E-4E7C-4BAB-B34E-50C0C342A4E4}"/>
-          </ac:spMkLst>
-        </pc:spChg>
-        <pc:spChg chg="mod">
-          <ac:chgData name="Harsha Ky" userId="51654b9f203ea89d" providerId="Windows Live" clId="Web-{20423B53-5D3F-42C1-A728-93E76E8B30A8}" dt="2020-03-30T10:43:21.001" v="2712" actId="20577"/>
-          <ac:spMkLst>
-            <pc:docMk/>
-            <pc:sldMk cId="4080191169" sldId="274"/>
-            <ac:spMk id="3" creationId="{82E3D54E-A396-47DF-BE45-4BAE98D141E4}"/>
-          </ac:spMkLst>
-        </pc:spChg>
-      </pc:sldChg>
-      <pc:sldChg chg="addSp modSp add replId">
-        <pc:chgData name="Harsha Ky" userId="51654b9f203ea89d" providerId="Windows Live" clId="Web-{20423B53-5D3F-42C1-A728-93E76E8B30A8}" dt="2020-03-30T10:45:37.002" v="2731" actId="1076"/>
-        <pc:sldMkLst>
-          <pc:docMk/>
-          <pc:sldMk cId="1917577779" sldId="275"/>
-        </pc:sldMkLst>
-        <pc:spChg chg="mod">
-          <ac:chgData name="Harsha Ky" userId="51654b9f203ea89d" providerId="Windows Live" clId="Web-{20423B53-5D3F-42C1-A728-93E76E8B30A8}" dt="2020-03-30T10:45:26.986" v="2725" actId="20577"/>
-          <ac:spMkLst>
-            <pc:docMk/>
-            <pc:sldMk cId="1917577779" sldId="275"/>
-            <ac:spMk id="3" creationId="{82E3D54E-A396-47DF-BE45-4BAE98D141E4}"/>
-          </ac:spMkLst>
-        </pc:spChg>
-        <pc:picChg chg="add mod">
-          <ac:chgData name="Harsha Ky" userId="51654b9f203ea89d" providerId="Windows Live" clId="Web-{20423B53-5D3F-42C1-A728-93E76E8B30A8}" dt="2020-03-30T10:45:37.002" v="2731" actId="1076"/>
-          <ac:picMkLst>
-            <pc:docMk/>
-            <pc:sldMk cId="1917577779" sldId="275"/>
-            <ac:picMk id="4" creationId="{5A8E4678-E3CE-470E-9095-26FAA59B09C9}"/>
-          </ac:picMkLst>
-        </pc:picChg>
-      </pc:sldChg>
-      <pc:sldChg chg="new del">
-        <pc:chgData name="Harsha Ky" userId="51654b9f203ea89d" providerId="Windows Live" clId="Web-{20423B53-5D3F-42C1-A728-93E76E8B30A8}" dt="2020-03-30T10:43:25.814" v="2715"/>
-        <pc:sldMkLst>
-          <pc:docMk/>
-          <pc:sldMk cId="2456715572" sldId="275"/>
-        </pc:sldMkLst>
-      </pc:sldChg>
-      <pc:sldChg chg="addSp modSp new">
-        <pc:chgData name="Harsha Ky" userId="51654b9f203ea89d" providerId="Windows Live" clId="Web-{20423B53-5D3F-42C1-A728-93E76E8B30A8}" dt="2020-03-30T10:52:32.066" v="3008" actId="14100"/>
-        <pc:sldMkLst>
-          <pc:docMk/>
-          <pc:sldMk cId="283725290" sldId="276"/>
-        </pc:sldMkLst>
-        <pc:spChg chg="add mod">
-          <ac:chgData name="Harsha Ky" userId="51654b9f203ea89d" providerId="Windows Live" clId="Web-{20423B53-5D3F-42C1-A728-93E76E8B30A8}" dt="2020-03-30T10:51:25.488" v="2946" actId="14100"/>
-          <ac:spMkLst>
-            <pc:docMk/>
-            <pc:sldMk cId="283725290" sldId="276"/>
-            <ac:spMk id="3" creationId="{900F47E2-996A-4093-B753-EB3793C2C685}"/>
-          </ac:spMkLst>
-        </pc:spChg>
-        <pc:spChg chg="add mod">
-          <ac:chgData name="Harsha Ky" userId="51654b9f203ea89d" providerId="Windows Live" clId="Web-{20423B53-5D3F-42C1-A728-93E76E8B30A8}" dt="2020-03-30T10:52:05.941" v="3005" actId="14100"/>
-          <ac:spMkLst>
-            <pc:docMk/>
-            <pc:sldMk cId="283725290" sldId="276"/>
-            <ac:spMk id="6" creationId="{E91D52DD-31FD-4CED-A2FF-D1B65ABB87BE}"/>
-          </ac:spMkLst>
-        </pc:spChg>
-        <pc:picChg chg="add mod">
-          <ac:chgData name="Harsha Ky" userId="51654b9f203ea89d" providerId="Windows Live" clId="Web-{20423B53-5D3F-42C1-A728-93E76E8B30A8}" dt="2020-03-30T10:50:47.566" v="2871" actId="14100"/>
-          <ac:picMkLst>
-            <pc:docMk/>
-            <pc:sldMk cId="283725290" sldId="276"/>
-            <ac:picMk id="4" creationId="{4B8034ED-FD4E-4E94-B6B9-B2215E325447}"/>
-          </ac:picMkLst>
-        </pc:picChg>
-        <pc:picChg chg="add mod">
-          <ac:chgData name="Harsha Ky" userId="51654b9f203ea89d" providerId="Windows Live" clId="Web-{20423B53-5D3F-42C1-A728-93E76E8B30A8}" dt="2020-03-30T10:52:32.066" v="3008" actId="14100"/>
-          <ac:picMkLst>
-            <pc:docMk/>
-            <pc:sldMk cId="283725290" sldId="276"/>
-            <ac:picMk id="7" creationId="{77872856-6500-4B12-944A-D20AB603D9B0}"/>
-          </ac:picMkLst>
-        </pc:picChg>
-      </pc:sldChg>
-      <pc:sldChg chg="addSp delSp modSp new del">
-        <pc:chgData name="Harsha Ky" userId="51654b9f203ea89d" providerId="Windows Live" clId="Web-{20423B53-5D3F-42C1-A728-93E76E8B30A8}" dt="2020-03-30T10:49:40.066" v="2861"/>
-        <pc:sldMkLst>
-          <pc:docMk/>
-          <pc:sldMk cId="683250391" sldId="276"/>
-        </pc:sldMkLst>
-        <pc:spChg chg="mod">
-          <ac:chgData name="Harsha Ky" userId="51654b9f203ea89d" providerId="Windows Live" clId="Web-{20423B53-5D3F-42C1-A728-93E76E8B30A8}" dt="2020-03-30T10:48:39.846" v="2828" actId="20577"/>
-          <ac:spMkLst>
-            <pc:docMk/>
-            <pc:sldMk cId="683250391" sldId="276"/>
-            <ac:spMk id="2" creationId="{44D297C7-2C7E-4DA6-AEF7-C7E0BC9089ED}"/>
-          </ac:spMkLst>
-        </pc:spChg>
-        <pc:spChg chg="del">
-          <ac:chgData name="Harsha Ky" userId="51654b9f203ea89d" providerId="Windows Live" clId="Web-{20423B53-5D3F-42C1-A728-93E76E8B30A8}" dt="2020-03-30T10:49:24.331" v="2857"/>
-          <ac:spMkLst>
-            <pc:docMk/>
-            <pc:sldMk cId="683250391" sldId="276"/>
-            <ac:spMk id="3" creationId="{3F17F342-08E6-436C-AB2C-3F4B4D9D33E9}"/>
-          </ac:spMkLst>
-        </pc:spChg>
-        <pc:spChg chg="mod">
-          <ac:chgData name="Harsha Ky" userId="51654b9f203ea89d" providerId="Windows Live" clId="Web-{20423B53-5D3F-42C1-A728-93E76E8B30A8}" dt="2020-03-30T10:49:04.190" v="2855" actId="20577"/>
-          <ac:spMkLst>
-            <pc:docMk/>
-            <pc:sldMk cId="683250391" sldId="276"/>
-            <ac:spMk id="4" creationId="{82875C14-9C41-41B6-BBA6-D0CC72224B45}"/>
-          </ac:spMkLst>
-        </pc:spChg>
-        <pc:spChg chg="add mod">
-          <ac:chgData name="Harsha Ky" userId="51654b9f203ea89d" providerId="Windows Live" clId="Web-{20423B53-5D3F-42C1-A728-93E76E8B30A8}" dt="2020-03-30T10:49:34.909" v="2860"/>
-          <ac:spMkLst>
-            <pc:docMk/>
-            <pc:sldMk cId="683250391" sldId="276"/>
-            <ac:spMk id="8" creationId="{33E33CD0-EC7E-4E4B-914F-63FDFDD10F82}"/>
-          </ac:spMkLst>
-        </pc:spChg>
-        <pc:picChg chg="add del mod ord modCrop">
-          <ac:chgData name="Harsha Ky" userId="51654b9f203ea89d" providerId="Windows Live" clId="Web-{20423B53-5D3F-42C1-A728-93E76E8B30A8}" dt="2020-03-30T10:49:34.909" v="2860"/>
-          <ac:picMkLst>
-            <pc:docMk/>
-            <pc:sldMk cId="683250391" sldId="276"/>
-            <ac:picMk id="5" creationId="{252E57D3-8950-4036-8E38-8504FE4F7F94}"/>
-          </ac:picMkLst>
-        </pc:picChg>
-      </pc:sldChg>
-      <pc:sldChg chg="modSp new del">
-        <pc:chgData name="Harsha Ky" userId="51654b9f203ea89d" providerId="Windows Live" clId="Web-{20423B53-5D3F-42C1-A728-93E76E8B30A8}" dt="2020-03-30T10:48:00.565" v="2785"/>
-        <pc:sldMkLst>
-          <pc:docMk/>
-          <pc:sldMk cId="2047841598" sldId="276"/>
-        </pc:sldMkLst>
-        <pc:spChg chg="mod">
-          <ac:chgData name="Harsha Ky" userId="51654b9f203ea89d" providerId="Windows Live" clId="Web-{20423B53-5D3F-42C1-A728-93E76E8B30A8}" dt="2020-03-30T10:46:51.237" v="2764" actId="20577"/>
-          <ac:spMkLst>
-            <pc:docMk/>
-            <pc:sldMk cId="2047841598" sldId="276"/>
-            <ac:spMk id="2" creationId="{87A3465C-6B40-4E4E-90F9-571D38EAC9EC}"/>
-          </ac:spMkLst>
-        </pc:spChg>
-        <pc:spChg chg="mod">
-          <ac:chgData name="Harsha Ky" userId="51654b9f203ea89d" providerId="Windows Live" clId="Web-{20423B53-5D3F-42C1-A728-93E76E8B30A8}" dt="2020-03-30T10:48:00.534" v="2783" actId="20577"/>
-          <ac:spMkLst>
-            <pc:docMk/>
-            <pc:sldMk cId="2047841598" sldId="276"/>
-            <ac:spMk id="3" creationId="{59634213-E391-4088-AC45-49D92F557C72}"/>
-          </ac:spMkLst>
-        </pc:spChg>
-      </pc:sldChg>
-      <pc:sldChg chg="new del">
-        <pc:chgData name="Harsha Ky" userId="51654b9f203ea89d" providerId="Windows Live" clId="Web-{20423B53-5D3F-42C1-A728-93E76E8B30A8}" dt="2020-03-30T10:48:06.643" v="2787"/>
-        <pc:sldMkLst>
-          <pc:docMk/>
-          <pc:sldMk cId="4028341414" sldId="276"/>
-        </pc:sldMkLst>
-      </pc:sldChg>
-    </pc:docChg>
-  </pc:docChgLst>
-  <pc:docChgLst>
-    <pc:chgData name="Harsha Ky" userId="51654b9f203ea89d" providerId="Windows Live" clId="Web-{F01D4FF1-80D1-4260-9F7B-3F248C09A08D}"/>
-    <pc:docChg chg="modSld">
-      <pc:chgData name="Harsha Ky" userId="51654b9f203ea89d" providerId="Windows Live" clId="Web-{F01D4FF1-80D1-4260-9F7B-3F248C09A08D}" dt="2020-05-05T15:17:51.602" v="9" actId="20577"/>
-      <pc:docMkLst>
-        <pc:docMk/>
-      </pc:docMkLst>
-      <pc:sldChg chg="modSp">
-        <pc:chgData name="Harsha Ky" userId="51654b9f203ea89d" providerId="Windows Live" clId="Web-{F01D4FF1-80D1-4260-9F7B-3F248C09A08D}" dt="2020-05-05T15:17:51.570" v="8" actId="20577"/>
-        <pc:sldMkLst>
-          <pc:docMk/>
-          <pc:sldMk cId="2846483295" sldId="278"/>
-        </pc:sldMkLst>
-        <pc:spChg chg="mod">
-          <ac:chgData name="Harsha Ky" userId="51654b9f203ea89d" providerId="Windows Live" clId="Web-{F01D4FF1-80D1-4260-9F7B-3F248C09A08D}" dt="2020-05-05T15:17:51.570" v="8" actId="20577"/>
-          <ac:spMkLst>
-            <pc:docMk/>
-            <pc:sldMk cId="2846483295" sldId="278"/>
-            <ac:spMk id="3" creationId="{36E3F302-050D-49A8-BBF6-0528D7A171B1}"/>
-          </ac:spMkLst>
-        </pc:spChg>
-      </pc:sldChg>
-    </pc:docChg>
-  </pc:docChgLst>
-  <pc:docChgLst>
-    <pc:chgData name="Harsha Ky" userId="51654b9f203ea89d" providerId="Windows Live" clId="Web-{9E95AE69-D439-4F7B-9DC9-FDF50A79AC93}"/>
-    <pc:docChg chg="addSld delSld modSld">
-      <pc:chgData name="Harsha Ky" userId="51654b9f203ea89d" providerId="Windows Live" clId="Web-{9E95AE69-D439-4F7B-9DC9-FDF50A79AC93}" dt="2020-03-29T08:24:21.112" v="34"/>
-      <pc:docMkLst>
-        <pc:docMk/>
-      </pc:docMkLst>
-      <pc:sldChg chg="modSp new del">
-        <pc:chgData name="Harsha Ky" userId="51654b9f203ea89d" providerId="Windows Live" clId="Web-{9E95AE69-D439-4F7B-9DC9-FDF50A79AC93}" dt="2020-03-29T08:24:21.112" v="34"/>
-        <pc:sldMkLst>
-          <pc:docMk/>
-          <pc:sldMk cId="594935765" sldId="269"/>
-        </pc:sldMkLst>
-        <pc:spChg chg="mod">
-          <ac:chgData name="Harsha Ky" userId="51654b9f203ea89d" providerId="Windows Live" clId="Web-{9E95AE69-D439-4F7B-9DC9-FDF50A79AC93}" dt="2020-03-29T08:17:32.094" v="5" actId="20577"/>
-          <ac:spMkLst>
-            <pc:docMk/>
-            <pc:sldMk cId="594935765" sldId="269"/>
-            <ac:spMk id="2" creationId="{1C0A7C92-E4A8-4BC5-B517-4610367AC44A}"/>
-          </ac:spMkLst>
-        </pc:spChg>
-        <pc:spChg chg="mod">
-          <ac:chgData name="Harsha Ky" userId="51654b9f203ea89d" providerId="Windows Live" clId="Web-{9E95AE69-D439-4F7B-9DC9-FDF50A79AC93}" dt="2020-03-29T08:24:20.112" v="32" actId="20577"/>
-          <ac:spMkLst>
-            <pc:docMk/>
-            <pc:sldMk cId="594935765" sldId="269"/>
-            <ac:spMk id="3" creationId="{23BDD64C-3BE5-466A-B770-EC19029E212F}"/>
-          </ac:spMkLst>
-        </pc:spChg>
-      </pc:sldChg>
-    </pc:docChg>
-  </pc:docChgLst>
-  <pc:docChgLst>
-    <pc:chgData name="Harsha Ky" userId="51654b9f203ea89d" providerId="Windows Live" clId="Web-{011DFB8F-CD22-4A71-985B-928F94C1CE07}"/>
-    <pc:docChg chg="addSld modSld">
-      <pc:chgData name="Harsha Ky" userId="51654b9f203ea89d" providerId="Windows Live" clId="Web-{011DFB8F-CD22-4A71-985B-928F94C1CE07}" dt="2020-04-04T09:16:59.742" v="420" actId="20577"/>
-      <pc:docMkLst>
-        <pc:docMk/>
-      </pc:docMkLst>
-      <pc:sldChg chg="modSp">
-        <pc:chgData name="Harsha Ky" userId="51654b9f203ea89d" providerId="Windows Live" clId="Web-{011DFB8F-CD22-4A71-985B-928F94C1CE07}" dt="2020-04-04T08:55:25.218" v="74" actId="14100"/>
-        <pc:sldMkLst>
-          <pc:docMk/>
-          <pc:sldMk cId="608533324" sldId="269"/>
-        </pc:sldMkLst>
-        <pc:picChg chg="mod">
-          <ac:chgData name="Harsha Ky" userId="51654b9f203ea89d" providerId="Windows Live" clId="Web-{011DFB8F-CD22-4A71-985B-928F94C1CE07}" dt="2020-04-04T08:55:25.218" v="74" actId="14100"/>
-          <ac:picMkLst>
-            <pc:docMk/>
-            <pc:sldMk cId="608533324" sldId="269"/>
-            <ac:picMk id="2" creationId="{254E2AA7-AD54-4183-B5E7-AA9CBC44E2AD}"/>
-          </ac:picMkLst>
-        </pc:picChg>
-      </pc:sldChg>
-      <pc:sldChg chg="modSp">
-        <pc:chgData name="Harsha Ky" userId="51654b9f203ea89d" providerId="Windows Live" clId="Web-{011DFB8F-CD22-4A71-985B-928F94C1CE07}" dt="2020-04-04T08:52:58.640" v="4" actId="20577"/>
-        <pc:sldMkLst>
-          <pc:docMk/>
-          <pc:sldMk cId="956708869" sldId="271"/>
-        </pc:sldMkLst>
-        <pc:spChg chg="mod">
-          <ac:chgData name="Harsha Ky" userId="51654b9f203ea89d" providerId="Windows Live" clId="Web-{011DFB8F-CD22-4A71-985B-928F94C1CE07}" dt="2020-04-04T08:52:58.640" v="4" actId="20577"/>
-          <ac:spMkLst>
-            <pc:docMk/>
-            <pc:sldMk cId="956708869" sldId="271"/>
-            <ac:spMk id="3" creationId="{A6B7715D-E06D-4D95-B469-78B00FEE1280}"/>
-          </ac:spMkLst>
-        </pc:spChg>
-      </pc:sldChg>
-      <pc:sldChg chg="modSp">
-        <pc:chgData name="Harsha Ky" userId="51654b9f203ea89d" providerId="Windows Live" clId="Web-{011DFB8F-CD22-4A71-985B-928F94C1CE07}" dt="2020-04-04T08:53:09.687" v="7" actId="20577"/>
-        <pc:sldMkLst>
-          <pc:docMk/>
-          <pc:sldMk cId="2902629462" sldId="273"/>
-        </pc:sldMkLst>
-        <pc:spChg chg="mod">
-          <ac:chgData name="Harsha Ky" userId="51654b9f203ea89d" providerId="Windows Live" clId="Web-{011DFB8F-CD22-4A71-985B-928F94C1CE07}" dt="2020-04-04T08:53:09.687" v="7" actId="20577"/>
-          <ac:spMkLst>
-            <pc:docMk/>
-            <pc:sldMk cId="2902629462" sldId="273"/>
-            <ac:spMk id="3" creationId="{D554E955-374B-44BD-AFC8-6585ED543466}"/>
-          </ac:spMkLst>
-        </pc:spChg>
-      </pc:sldChg>
-      <pc:sldChg chg="modSp">
-        <pc:chgData name="Harsha Ky" userId="51654b9f203ea89d" providerId="Windows Live" clId="Web-{011DFB8F-CD22-4A71-985B-928F94C1CE07}" dt="2020-04-04T08:55:03.327" v="69" actId="20577"/>
-        <pc:sldMkLst>
-          <pc:docMk/>
-          <pc:sldMk cId="4080191169" sldId="274"/>
-        </pc:sldMkLst>
-        <pc:spChg chg="mod">
-          <ac:chgData name="Harsha Ky" userId="51654b9f203ea89d" providerId="Windows Live" clId="Web-{011DFB8F-CD22-4A71-985B-928F94C1CE07}" dt="2020-04-04T08:55:03.327" v="69" actId="20577"/>
-          <ac:spMkLst>
-            <pc:docMk/>
-            <pc:sldMk cId="4080191169" sldId="274"/>
-            <ac:spMk id="3" creationId="{82E3D54E-A396-47DF-BE45-4BAE98D141E4}"/>
-          </ac:spMkLst>
-        </pc:spChg>
-      </pc:sldChg>
-      <pc:sldChg chg="modSp new">
-        <pc:chgData name="Harsha Ky" userId="51654b9f203ea89d" providerId="Windows Live" clId="Web-{011DFB8F-CD22-4A71-985B-928F94C1CE07}" dt="2020-04-04T08:55:09.624" v="71" actId="20577"/>
-        <pc:sldMkLst>
-          <pc:docMk/>
-          <pc:sldMk cId="2725251063" sldId="277"/>
-        </pc:sldMkLst>
-        <pc:spChg chg="mod">
-          <ac:chgData name="Harsha Ky" userId="51654b9f203ea89d" providerId="Windows Live" clId="Web-{011DFB8F-CD22-4A71-985B-928F94C1CE07}" dt="2020-04-04T08:53:32.937" v="42" actId="20577"/>
-          <ac:spMkLst>
-            <pc:docMk/>
-            <pc:sldMk cId="2725251063" sldId="277"/>
-            <ac:spMk id="2" creationId="{1758B9CA-6DA7-4C56-B38D-2F52987D4CE2}"/>
-          </ac:spMkLst>
-        </pc:spChg>
-        <pc:spChg chg="mod">
-          <ac:chgData name="Harsha Ky" userId="51654b9f203ea89d" providerId="Windows Live" clId="Web-{011DFB8F-CD22-4A71-985B-928F94C1CE07}" dt="2020-04-04T08:55:09.624" v="71" actId="20577"/>
-          <ac:spMkLst>
-            <pc:docMk/>
-            <pc:sldMk cId="2725251063" sldId="277"/>
-            <ac:spMk id="3" creationId="{BE666ADA-1836-4154-9E47-88ED99B0E97A}"/>
-          </ac:spMkLst>
-        </pc:spChg>
-      </pc:sldChg>
-      <pc:sldChg chg="modSp new">
-        <pc:chgData name="Harsha Ky" userId="51654b9f203ea89d" providerId="Windows Live" clId="Web-{011DFB8F-CD22-4A71-985B-928F94C1CE07}" dt="2020-04-04T09:06:51.557" v="183" actId="20577"/>
-        <pc:sldMkLst>
-          <pc:docMk/>
-          <pc:sldMk cId="2846483295" sldId="278"/>
-        </pc:sldMkLst>
-        <pc:spChg chg="mod">
-          <ac:chgData name="Harsha Ky" userId="51654b9f203ea89d" providerId="Windows Live" clId="Web-{011DFB8F-CD22-4A71-985B-928F94C1CE07}" dt="2020-04-04T09:04:56.136" v="87" actId="20577"/>
-          <ac:spMkLst>
-            <pc:docMk/>
-            <pc:sldMk cId="2846483295" sldId="278"/>
-            <ac:spMk id="2" creationId="{74FD4279-7E5C-4DB3-A420-E6C1EA8F4AB8}"/>
-          </ac:spMkLst>
-        </pc:spChg>
-        <pc:spChg chg="mod">
-          <ac:chgData name="Harsha Ky" userId="51654b9f203ea89d" providerId="Windows Live" clId="Web-{011DFB8F-CD22-4A71-985B-928F94C1CE07}" dt="2020-04-04T09:06:51.557" v="183" actId="20577"/>
-          <ac:spMkLst>
-            <pc:docMk/>
-            <pc:sldMk cId="2846483295" sldId="278"/>
-            <ac:spMk id="3" creationId="{36E3F302-050D-49A8-BBF6-0528D7A171B1}"/>
-          </ac:spMkLst>
-        </pc:spChg>
-      </pc:sldChg>
-      <pc:sldChg chg="modSp new">
-        <pc:chgData name="Harsha Ky" userId="51654b9f203ea89d" providerId="Windows Live" clId="Web-{011DFB8F-CD22-4A71-985B-928F94C1CE07}" dt="2020-04-04T09:16:59.710" v="419" actId="20577"/>
-        <pc:sldMkLst>
-          <pc:docMk/>
-          <pc:sldMk cId="2136355373" sldId="279"/>
-        </pc:sldMkLst>
-        <pc:spChg chg="mod">
-          <ac:chgData name="Harsha Ky" userId="51654b9f203ea89d" providerId="Windows Live" clId="Web-{011DFB8F-CD22-4A71-985B-928F94C1CE07}" dt="2020-04-04T09:08:06.213" v="215" actId="20577"/>
-          <ac:spMkLst>
-            <pc:docMk/>
-            <pc:sldMk cId="2136355373" sldId="279"/>
-            <ac:spMk id="2" creationId="{E6483948-4089-4AD3-8C97-90E9C69E8D31}"/>
-          </ac:spMkLst>
-        </pc:spChg>
-        <pc:spChg chg="mod">
-          <ac:chgData name="Harsha Ky" userId="51654b9f203ea89d" providerId="Windows Live" clId="Web-{011DFB8F-CD22-4A71-985B-928F94C1CE07}" dt="2020-04-04T09:16:59.710" v="419" actId="20577"/>
-          <ac:spMkLst>
-            <pc:docMk/>
-            <pc:sldMk cId="2136355373" sldId="279"/>
-            <ac:spMk id="3" creationId="{2D53A7E2-773C-4AE0-83F0-737E07E893DC}"/>
-          </ac:spMkLst>
-        </pc:spChg>
-      </pc:sldChg>
-    </pc:docChg>
-  </pc:docChgLst>
-  <pc:docChgLst>
-    <pc:chgData name="Harsha Ky" userId="51654b9f203ea89d" providerId="Windows Live" clId="Web-{6F58505B-2D01-43E4-9D0D-E3FE3E7997EC}"/>
-    <pc:docChg chg="modSld">
-      <pc:chgData name="Harsha Ky" userId="51654b9f203ea89d" providerId="Windows Live" clId="Web-{6F58505B-2D01-43E4-9D0D-E3FE3E7997EC}" dt="2020-05-15T11:23:11.539" v="9" actId="20577"/>
-      <pc:docMkLst>
-        <pc:docMk/>
-      </pc:docMkLst>
-      <pc:sldChg chg="addSp delSp modSp">
-        <pc:chgData name="Harsha Ky" userId="51654b9f203ea89d" providerId="Windows Live" clId="Web-{6F58505B-2D01-43E4-9D0D-E3FE3E7997EC}" dt="2020-05-15T11:23:11.539" v="9" actId="20577"/>
-        <pc:sldMkLst>
-          <pc:docMk/>
-          <pc:sldMk cId="1917577779" sldId="275"/>
-        </pc:sldMkLst>
-        <pc:spChg chg="mod">
-          <ac:chgData name="Harsha Ky" userId="51654b9f203ea89d" providerId="Windows Live" clId="Web-{6F58505B-2D01-43E4-9D0D-E3FE3E7997EC}" dt="2020-05-15T11:23:11.539" v="9" actId="20577"/>
-          <ac:spMkLst>
-            <pc:docMk/>
-            <pc:sldMk cId="1917577779" sldId="275"/>
-            <ac:spMk id="3" creationId="{82E3D54E-A396-47DF-BE45-4BAE98D141E4}"/>
-          </ac:spMkLst>
-        </pc:spChg>
-        <pc:picChg chg="add del">
-          <ac:chgData name="Harsha Ky" userId="51654b9f203ea89d" providerId="Windows Live" clId="Web-{6F58505B-2D01-43E4-9D0D-E3FE3E7997EC}" dt="2020-05-15T11:23:10.304" v="6"/>
-          <ac:picMkLst>
-            <pc:docMk/>
-            <pc:sldMk cId="1917577779" sldId="275"/>
-            <ac:picMk id="5" creationId="{528C34C1-3A39-44CD-B839-C0C15B1C98DA}"/>
-          </ac:picMkLst>
-        </pc:picChg>
-      </pc:sldChg>
-    </pc:docChg>
-  </pc:docChgLst>
-  <pc:docChgLst>
-    <pc:chgData name="Harsha Ky" userId="51654b9f203ea89d" providerId="Windows Live" clId="Web-{1160FAA9-F999-4E44-9E74-425A0C1DC568}"/>
-    <pc:docChg chg="modSld">
-      <pc:chgData name="Harsha Ky" userId="51654b9f203ea89d" providerId="Windows Live" clId="Web-{1160FAA9-F999-4E44-9E74-425A0C1DC568}" dt="2020-02-17T14:44:16.976" v="1222" actId="20577"/>
-      <pc:docMkLst>
-        <pc:docMk/>
-      </pc:docMkLst>
-      <pc:sldChg chg="modSp">
-        <pc:chgData name="Harsha Ky" userId="51654b9f203ea89d" providerId="Windows Live" clId="Web-{1160FAA9-F999-4E44-9E74-425A0C1DC568}" dt="2020-02-17T14:39:46.881" v="740" actId="20577"/>
-        <pc:sldMkLst>
-          <pc:docMk/>
-          <pc:sldMk cId="4224461443" sldId="264"/>
-        </pc:sldMkLst>
-        <pc:spChg chg="mod">
-          <ac:chgData name="Harsha Ky" userId="51654b9f203ea89d" providerId="Windows Live" clId="Web-{1160FAA9-F999-4E44-9E74-425A0C1DC568}" dt="2020-02-17T14:39:46.881" v="740" actId="20577"/>
-          <ac:spMkLst>
-            <pc:docMk/>
-            <pc:sldMk cId="4224461443" sldId="264"/>
-            <ac:spMk id="3" creationId="{082142D9-7288-44D9-B983-9EC873349898}"/>
-          </ac:spMkLst>
-        </pc:spChg>
-      </pc:sldChg>
-      <pc:sldChg chg="modSp">
-        <pc:chgData name="Harsha Ky" userId="51654b9f203ea89d" providerId="Windows Live" clId="Web-{1160FAA9-F999-4E44-9E74-425A0C1DC568}" dt="2020-02-17T14:44:16.976" v="1221" actId="20577"/>
-        <pc:sldMkLst>
-          <pc:docMk/>
-          <pc:sldMk cId="4109507159" sldId="266"/>
-        </pc:sldMkLst>
-        <pc:spChg chg="mod">
-          <ac:chgData name="Harsha Ky" userId="51654b9f203ea89d" providerId="Windows Live" clId="Web-{1160FAA9-F999-4E44-9E74-425A0C1DC568}" dt="2020-02-17T14:44:16.976" v="1221" actId="20577"/>
-          <ac:spMkLst>
-            <pc:docMk/>
-            <pc:sldMk cId="4109507159" sldId="266"/>
-            <ac:spMk id="3" creationId="{829A0375-0F36-4FC5-94C5-2BD1EF3C4534}"/>
-          </ac:spMkLst>
-        </pc:spChg>
-      </pc:sldChg>
-    </pc:docChg>
-  </pc:docChgLst>
-  <pc:docChgLst>
-    <pc:chgData name="Harsha Ky" userId="51654b9f203ea89d" providerId="Windows Live" clId="Web-{1AA8C00A-21E9-487B-9FFB-3B0D252F9148}"/>
-    <pc:docChg chg="addSld modSld">
-      <pc:chgData name="Harsha Ky" userId="51654b9f203ea89d" providerId="Windows Live" clId="Web-{1AA8C00A-21E9-487B-9FFB-3B0D252F9148}" dt="2020-02-24T16:31:04.614" v="1701" actId="20577"/>
-      <pc:docMkLst>
-        <pc:docMk/>
-      </pc:docMkLst>
-      <pc:sldChg chg="modSp">
-        <pc:chgData name="Harsha Ky" userId="51654b9f203ea89d" providerId="Windows Live" clId="Web-{1AA8C00A-21E9-487B-9FFB-3B0D252F9148}" dt="2020-02-24T16:19:57.657" v="501" actId="20577"/>
-        <pc:sldMkLst>
-          <pc:docMk/>
-          <pc:sldMk cId="4070865485" sldId="262"/>
-        </pc:sldMkLst>
-        <pc:spChg chg="mod">
-          <ac:chgData name="Harsha Ky" userId="51654b9f203ea89d" providerId="Windows Live" clId="Web-{1AA8C00A-21E9-487B-9FFB-3B0D252F9148}" dt="2020-02-24T16:19:57.657" v="501" actId="20577"/>
-          <ac:spMkLst>
-            <pc:docMk/>
-            <pc:sldMk cId="4070865485" sldId="262"/>
-            <ac:spMk id="3" creationId="{65640DC7-3A11-4AAD-A7EA-E95CE584DCCC}"/>
-          </ac:spMkLst>
-        </pc:spChg>
-      </pc:sldChg>
-      <pc:sldChg chg="modSp">
-        <pc:chgData name="Harsha Ky" userId="51654b9f203ea89d" providerId="Windows Live" clId="Web-{1AA8C00A-21E9-487B-9FFB-3B0D252F9148}" dt="2020-02-24T16:21:30.627" v="617" actId="20577"/>
-        <pc:sldMkLst>
-          <pc:docMk/>
-          <pc:sldMk cId="4224461443" sldId="264"/>
-        </pc:sldMkLst>
-        <pc:spChg chg="mod">
-          <ac:chgData name="Harsha Ky" userId="51654b9f203ea89d" providerId="Windows Live" clId="Web-{1AA8C00A-21E9-487B-9FFB-3B0D252F9148}" dt="2020-02-24T16:21:30.627" v="617" actId="20577"/>
-          <ac:spMkLst>
-            <pc:docMk/>
-            <pc:sldMk cId="4224461443" sldId="264"/>
-            <ac:spMk id="3" creationId="{082142D9-7288-44D9-B983-9EC873349898}"/>
-          </ac:spMkLst>
-        </pc:spChg>
-      </pc:sldChg>
-      <pc:sldChg chg="modSp new">
-        <pc:chgData name="Harsha Ky" userId="51654b9f203ea89d" providerId="Windows Live" clId="Web-{1AA8C00A-21E9-487B-9FFB-3B0D252F9148}" dt="2020-02-24T16:31:04.598" v="1700" actId="20577"/>
-        <pc:sldMkLst>
-          <pc:docMk/>
-          <pc:sldMk cId="1853761156" sldId="267"/>
-        </pc:sldMkLst>
-        <pc:spChg chg="mod">
-          <ac:chgData name="Harsha Ky" userId="51654b9f203ea89d" providerId="Windows Live" clId="Web-{1AA8C00A-21E9-487B-9FFB-3B0D252F9148}" dt="2020-02-24T16:21:38.721" v="624" actId="20577"/>
-          <ac:spMkLst>
-            <pc:docMk/>
-            <pc:sldMk cId="1853761156" sldId="267"/>
-            <ac:spMk id="2" creationId="{CAC2C6F0-F013-47F9-9A65-7E7EDACF829C}"/>
-          </ac:spMkLst>
-        </pc:spChg>
-        <pc:spChg chg="mod">
-          <ac:chgData name="Harsha Ky" userId="51654b9f203ea89d" providerId="Windows Live" clId="Web-{1AA8C00A-21E9-487B-9FFB-3B0D252F9148}" dt="2020-02-24T16:31:04.598" v="1700" actId="20577"/>
-          <ac:spMkLst>
-            <pc:docMk/>
-            <pc:sldMk cId="1853761156" sldId="267"/>
-            <ac:spMk id="3" creationId="{7015AAE9-DED0-4583-93D7-F25216D9058F}"/>
-          </ac:spMkLst>
-        </pc:spChg>
-      </pc:sldChg>
-    </pc:docChg>
-  </pc:docChgLst>
-  <pc:docChgLst>
-    <pc:chgData name="Harsha Ky" userId="51654b9f203ea89d" providerId="Windows Live" clId="Web-{CD649366-30A7-412D-8605-5CBD1A566ADE}"/>
-    <pc:docChg chg="addSld delSld modSld sldOrd">
-      <pc:chgData name="Harsha Ky" userId="51654b9f203ea89d" providerId="Windows Live" clId="Web-{CD649366-30A7-412D-8605-5CBD1A566ADE}" dt="2020-02-26T10:22:40.245" v="1071" actId="20577"/>
-      <pc:docMkLst>
-        <pc:docMk/>
-      </pc:docMkLst>
-      <pc:sldChg chg="modSp">
-        <pc:chgData name="Harsha Ky" userId="51654b9f203ea89d" providerId="Windows Live" clId="Web-{CD649366-30A7-412D-8605-5CBD1A566ADE}" dt="2020-02-26T08:52:34.990" v="10"/>
-        <pc:sldMkLst>
-          <pc:docMk/>
-          <pc:sldMk cId="3085881011" sldId="257"/>
-        </pc:sldMkLst>
-        <pc:spChg chg="mod">
-          <ac:chgData name="Harsha Ky" userId="51654b9f203ea89d" providerId="Windows Live" clId="Web-{CD649366-30A7-412D-8605-5CBD1A566ADE}" dt="2020-02-26T08:52:34.990" v="10"/>
-          <ac:spMkLst>
-            <pc:docMk/>
-            <pc:sldMk cId="3085881011" sldId="257"/>
-            <ac:spMk id="3" creationId="{E87AB376-CC3B-4787-B404-735EBF109E79}"/>
-          </ac:spMkLst>
-        </pc:spChg>
-      </pc:sldChg>
-      <pc:sldChg chg="ord">
-        <pc:chgData name="Harsha Ky" userId="51654b9f203ea89d" providerId="Windows Live" clId="Web-{CD649366-30A7-412D-8605-5CBD1A566ADE}" dt="2020-02-26T08:53:15.052" v="31"/>
-        <pc:sldMkLst>
-          <pc:docMk/>
-          <pc:sldMk cId="2775838959" sldId="258"/>
-        </pc:sldMkLst>
-      </pc:sldChg>
-      <pc:sldChg chg="modSp">
-        <pc:chgData name="Harsha Ky" userId="51654b9f203ea89d" providerId="Windows Live" clId="Web-{CD649366-30A7-412D-8605-5CBD1A566ADE}" dt="2020-02-26T09:07:45.952" v="818" actId="20577"/>
-        <pc:sldMkLst>
-          <pc:docMk/>
-          <pc:sldMk cId="4070865485" sldId="262"/>
-        </pc:sldMkLst>
-        <pc:spChg chg="mod">
-          <ac:chgData name="Harsha Ky" userId="51654b9f203ea89d" providerId="Windows Live" clId="Web-{CD649366-30A7-412D-8605-5CBD1A566ADE}" dt="2020-02-26T09:07:45.952" v="818" actId="20577"/>
-          <ac:spMkLst>
-            <pc:docMk/>
-            <pc:sldMk cId="4070865485" sldId="262"/>
-            <ac:spMk id="3" creationId="{65640DC7-3A11-4AAD-A7EA-E95CE584DCCC}"/>
-          </ac:spMkLst>
-        </pc:spChg>
-      </pc:sldChg>
-      <pc:sldChg chg="modSp del">
-        <pc:chgData name="Harsha Ky" userId="51654b9f203ea89d" providerId="Windows Live" clId="Web-{CD649366-30A7-412D-8605-5CBD1A566ADE}" dt="2020-02-26T09:07:49.139" v="820"/>
-        <pc:sldMkLst>
-          <pc:docMk/>
-          <pc:sldMk cId="1111107165" sldId="263"/>
-        </pc:sldMkLst>
-        <pc:spChg chg="mod">
-          <ac:chgData name="Harsha Ky" userId="51654b9f203ea89d" providerId="Windows Live" clId="Web-{CD649366-30A7-412D-8605-5CBD1A566ADE}" dt="2020-02-26T09:07:34.670" v="807" actId="20577"/>
-          <ac:spMkLst>
-            <pc:docMk/>
-            <pc:sldMk cId="1111107165" sldId="263"/>
-            <ac:spMk id="3" creationId="{DE3E18F3-CBA2-4749-A22C-66CC458D344C}"/>
-          </ac:spMkLst>
-        </pc:spChg>
-      </pc:sldChg>
-      <pc:sldChg chg="modSp">
-        <pc:chgData name="Harsha Ky" userId="51654b9f203ea89d" providerId="Windows Live" clId="Web-{CD649366-30A7-412D-8605-5CBD1A566ADE}" dt="2020-02-26T08:54:31.788" v="61" actId="20577"/>
-        <pc:sldMkLst>
-          <pc:docMk/>
-          <pc:sldMk cId="4224461443" sldId="264"/>
-        </pc:sldMkLst>
-        <pc:spChg chg="mod">
-          <ac:chgData name="Harsha Ky" userId="51654b9f203ea89d" providerId="Windows Live" clId="Web-{CD649366-30A7-412D-8605-5CBD1A566ADE}" dt="2020-02-26T08:54:31.788" v="61" actId="20577"/>
-          <ac:spMkLst>
-            <pc:docMk/>
-            <pc:sldMk cId="4224461443" sldId="264"/>
-            <ac:spMk id="3" creationId="{082142D9-7288-44D9-B983-9EC873349898}"/>
-          </ac:spMkLst>
-        </pc:spChg>
-      </pc:sldChg>
-      <pc:sldChg chg="modSp">
-        <pc:chgData name="Harsha Ky" userId="51654b9f203ea89d" providerId="Windows Live" clId="Web-{CD649366-30A7-412D-8605-5CBD1A566ADE}" dt="2020-02-26T08:54:54.897" v="70" actId="20577"/>
-        <pc:sldMkLst>
-          <pc:docMk/>
-          <pc:sldMk cId="2983497765" sldId="265"/>
-        </pc:sldMkLst>
-        <pc:spChg chg="mod">
-          <ac:chgData name="Harsha Ky" userId="51654b9f203ea89d" providerId="Windows Live" clId="Web-{CD649366-30A7-412D-8605-5CBD1A566ADE}" dt="2020-02-26T08:54:54.897" v="70" actId="20577"/>
-          <ac:spMkLst>
-            <pc:docMk/>
-            <pc:sldMk cId="2983497765" sldId="265"/>
-            <ac:spMk id="3" creationId="{6992825B-62A6-4488-8566-CC0944726E6A}"/>
-          </ac:spMkLst>
-        </pc:spChg>
-      </pc:sldChg>
-      <pc:sldChg chg="modSp">
-        <pc:chgData name="Harsha Ky" userId="51654b9f203ea89d" providerId="Windows Live" clId="Web-{CD649366-30A7-412D-8605-5CBD1A566ADE}" dt="2020-02-26T10:18:53.776" v="837" actId="20577"/>
-        <pc:sldMkLst>
-          <pc:docMk/>
-          <pc:sldMk cId="4109507159" sldId="266"/>
-        </pc:sldMkLst>
-        <pc:spChg chg="mod">
-          <ac:chgData name="Harsha Ky" userId="51654b9f203ea89d" providerId="Windows Live" clId="Web-{CD649366-30A7-412D-8605-5CBD1A566ADE}" dt="2020-02-26T10:18:53.776" v="837" actId="20577"/>
-          <ac:spMkLst>
-            <pc:docMk/>
-            <pc:sldMk cId="4109507159" sldId="266"/>
-            <ac:spMk id="3" creationId="{829A0375-0F36-4FC5-94C5-2BD1EF3C4534}"/>
-          </ac:spMkLst>
-        </pc:spChg>
-      </pc:sldChg>
-      <pc:sldChg chg="modSp">
-        <pc:chgData name="Harsha Ky" userId="51654b9f203ea89d" providerId="Windows Live" clId="Web-{CD649366-30A7-412D-8605-5CBD1A566ADE}" dt="2020-02-26T10:17:42.588" v="829" actId="20577"/>
-        <pc:sldMkLst>
-          <pc:docMk/>
-          <pc:sldMk cId="1853761156" sldId="267"/>
-        </pc:sldMkLst>
-        <pc:spChg chg="mod">
-          <ac:chgData name="Harsha Ky" userId="51654b9f203ea89d" providerId="Windows Live" clId="Web-{CD649366-30A7-412D-8605-5CBD1A566ADE}" dt="2020-02-26T10:17:42.588" v="829" actId="20577"/>
-          <ac:spMkLst>
-            <pc:docMk/>
-            <pc:sldMk cId="1853761156" sldId="267"/>
-            <ac:spMk id="3" creationId="{7015AAE9-DED0-4583-93D7-F25216D9058F}"/>
-          </ac:spMkLst>
-        </pc:spChg>
-      </pc:sldChg>
-      <pc:sldChg chg="modSp new">
-        <pc:chgData name="Harsha Ky" userId="51654b9f203ea89d" providerId="Windows Live" clId="Web-{CD649366-30A7-412D-8605-5CBD1A566ADE}" dt="2020-02-26T10:22:40.230" v="1070" actId="20577"/>
-        <pc:sldMkLst>
-          <pc:docMk/>
-          <pc:sldMk cId="682909928" sldId="268"/>
-        </pc:sldMkLst>
-        <pc:spChg chg="mod">
-          <ac:chgData name="Harsha Ky" userId="51654b9f203ea89d" providerId="Windows Live" clId="Web-{CD649366-30A7-412D-8605-5CBD1A566ADE}" dt="2020-02-26T10:19:50.432" v="851" actId="20577"/>
-          <ac:spMkLst>
-            <pc:docMk/>
-            <pc:sldMk cId="682909928" sldId="268"/>
-            <ac:spMk id="2" creationId="{021CCEDC-8866-4ED2-9B81-72694EDB3841}"/>
-          </ac:spMkLst>
-        </pc:spChg>
-        <pc:spChg chg="mod">
-          <ac:chgData name="Harsha Ky" userId="51654b9f203ea89d" providerId="Windows Live" clId="Web-{CD649366-30A7-412D-8605-5CBD1A566ADE}" dt="2020-02-26T10:22:40.230" v="1070" actId="20577"/>
-          <ac:spMkLst>
-            <pc:docMk/>
-            <pc:sldMk cId="682909928" sldId="268"/>
-            <ac:spMk id="3" creationId="{CAEDD0D8-A3C3-480E-873E-2C1BC04CA086}"/>
-          </ac:spMkLst>
-        </pc:spChg>
-      </pc:sldChg>
-    </pc:docChg>
-  </pc:docChgLst>
-  <pc:docChgLst>
-    <pc:chgData name="Harsha Ky" userId="51654b9f203ea89d" providerId="Windows Live" clId="Web-{D0024680-6A6C-4C2C-9317-51B80E01B98A}"/>
-    <pc:docChg chg="addSld modSld">
-      <pc:chgData name="Harsha Ky" userId="51654b9f203ea89d" providerId="Windows Live" clId="Web-{D0024680-6A6C-4C2C-9317-51B80E01B98A}" dt="2020-02-14T15:52:35.637" v="2857" actId="20577"/>
-      <pc:docMkLst>
-        <pc:docMk/>
-      </pc:docMkLst>
-      <pc:sldChg chg="modSp">
-        <pc:chgData name="Harsha Ky" userId="51654b9f203ea89d" providerId="Windows Live" clId="Web-{D0024680-6A6C-4C2C-9317-51B80E01B98A}" dt="2020-02-14T15:13:57.647" v="701" actId="20577"/>
-        <pc:sldMkLst>
-          <pc:docMk/>
-          <pc:sldMk cId="2775838959" sldId="258"/>
-        </pc:sldMkLst>
-        <pc:spChg chg="mod">
-          <ac:chgData name="Harsha Ky" userId="51654b9f203ea89d" providerId="Windows Live" clId="Web-{D0024680-6A6C-4C2C-9317-51B80E01B98A}" dt="2020-02-14T15:13:57.647" v="701" actId="20577"/>
-          <ac:spMkLst>
-            <pc:docMk/>
-            <pc:sldMk cId="2775838959" sldId="258"/>
-            <ac:spMk id="2" creationId="{0EB23F6D-AF81-4C6E-A900-63024BF2F910}"/>
-          </ac:spMkLst>
-        </pc:spChg>
-      </pc:sldChg>
-      <pc:sldChg chg="modSp new">
-        <pc:chgData name="Harsha Ky" userId="51654b9f203ea89d" providerId="Windows Live" clId="Web-{D0024680-6A6C-4C2C-9317-51B80E01B98A}" dt="2020-02-14T15:13:45.490" v="678" actId="20577"/>
-        <pc:sldMkLst>
-          <pc:docMk/>
-          <pc:sldMk cId="4070865485" sldId="262"/>
-        </pc:sldMkLst>
-        <pc:spChg chg="mod">
-          <ac:chgData name="Harsha Ky" userId="51654b9f203ea89d" providerId="Windows Live" clId="Web-{D0024680-6A6C-4C2C-9317-51B80E01B98A}" dt="2020-02-14T14:49:46.488" v="33" actId="20577"/>
-          <ac:spMkLst>
-            <pc:docMk/>
-            <pc:sldMk cId="4070865485" sldId="262"/>
-            <ac:spMk id="2" creationId="{5010472A-8ECF-4004-8EDA-CF5F0590ACA5}"/>
-          </ac:spMkLst>
-        </pc:spChg>
-        <pc:spChg chg="mod">
-          <ac:chgData name="Harsha Ky" userId="51654b9f203ea89d" providerId="Windows Live" clId="Web-{D0024680-6A6C-4C2C-9317-51B80E01B98A}" dt="2020-02-14T15:13:45.490" v="678" actId="20577"/>
-          <ac:spMkLst>
-            <pc:docMk/>
-            <pc:sldMk cId="4070865485" sldId="262"/>
-            <ac:spMk id="3" creationId="{65640DC7-3A11-4AAD-A7EA-E95CE584DCCC}"/>
-          </ac:spMkLst>
-        </pc:spChg>
-      </pc:sldChg>
-      <pc:sldChg chg="modSp new">
-        <pc:chgData name="Harsha Ky" userId="51654b9f203ea89d" providerId="Windows Live" clId="Web-{D0024680-6A6C-4C2C-9317-51B80E01B98A}" dt="2020-02-14T15:19:17.323" v="1580" actId="20577"/>
-        <pc:sldMkLst>
-          <pc:docMk/>
-          <pc:sldMk cId="1111107165" sldId="263"/>
-        </pc:sldMkLst>
-        <pc:spChg chg="mod">
-          <ac:chgData name="Harsha Ky" userId="51654b9f203ea89d" providerId="Windows Live" clId="Web-{D0024680-6A6C-4C2C-9317-51B80E01B98A}" dt="2020-02-14T15:15:00.351" v="724" actId="20577"/>
-          <ac:spMkLst>
-            <pc:docMk/>
-            <pc:sldMk cId="1111107165" sldId="263"/>
-            <ac:spMk id="2" creationId="{BEA02F87-4406-4AE7-80D8-B38B389B8AF2}"/>
-          </ac:spMkLst>
-        </pc:spChg>
-        <pc:spChg chg="mod">
-          <ac:chgData name="Harsha Ky" userId="51654b9f203ea89d" providerId="Windows Live" clId="Web-{D0024680-6A6C-4C2C-9317-51B80E01B98A}" dt="2020-02-14T15:19:17.323" v="1580" actId="20577"/>
-          <ac:spMkLst>
-            <pc:docMk/>
-            <pc:sldMk cId="1111107165" sldId="263"/>
-            <ac:spMk id="3" creationId="{DE3E18F3-CBA2-4749-A22C-66CC458D344C}"/>
-          </ac:spMkLst>
-        </pc:spChg>
-      </pc:sldChg>
-      <pc:sldChg chg="modSp new">
-        <pc:chgData name="Harsha Ky" userId="51654b9f203ea89d" providerId="Windows Live" clId="Web-{D0024680-6A6C-4C2C-9317-51B80E01B98A}" dt="2020-02-14T15:35:49.506" v="1605" actId="20577"/>
-        <pc:sldMkLst>
-          <pc:docMk/>
-          <pc:sldMk cId="4224461443" sldId="264"/>
-        </pc:sldMkLst>
-        <pc:spChg chg="mod">
-          <ac:chgData name="Harsha Ky" userId="51654b9f203ea89d" providerId="Windows Live" clId="Web-{D0024680-6A6C-4C2C-9317-51B80E01B98A}" dt="2020-02-14T15:35:49.506" v="1605" actId="20577"/>
-          <ac:spMkLst>
-            <pc:docMk/>
-            <pc:sldMk cId="4224461443" sldId="264"/>
-            <ac:spMk id="2" creationId="{C603E5F4-7E03-4E91-9A58-BA2D31F6C255}"/>
-          </ac:spMkLst>
-        </pc:spChg>
-      </pc:sldChg>
-      <pc:sldChg chg="modSp new">
-        <pc:chgData name="Harsha Ky" userId="51654b9f203ea89d" providerId="Windows Live" clId="Web-{D0024680-6A6C-4C2C-9317-51B80E01B98A}" dt="2020-02-14T15:50:58.074" v="2806" actId="20577"/>
-        <pc:sldMkLst>
-          <pc:docMk/>
-          <pc:sldMk cId="2983497765" sldId="265"/>
-        </pc:sldMkLst>
-        <pc:spChg chg="mod">
-          <ac:chgData name="Harsha Ky" userId="51654b9f203ea89d" providerId="Windows Live" clId="Web-{D0024680-6A6C-4C2C-9317-51B80E01B98A}" dt="2020-02-14T15:37:21.101" v="1627" actId="20577"/>
-          <ac:spMkLst>
-            <pc:docMk/>
-            <pc:sldMk cId="2983497765" sldId="265"/>
-            <ac:spMk id="2" creationId="{0A0A8516-F7DA-4EBC-AED9-C26542E6F857}"/>
-          </ac:spMkLst>
-        </pc:spChg>
-        <pc:spChg chg="mod">
-          <ac:chgData name="Harsha Ky" userId="51654b9f203ea89d" providerId="Windows Live" clId="Web-{D0024680-6A6C-4C2C-9317-51B80E01B98A}" dt="2020-02-14T15:50:58.074" v="2806" actId="20577"/>
-          <ac:spMkLst>
-            <pc:docMk/>
-            <pc:sldMk cId="2983497765" sldId="265"/>
-            <ac:spMk id="3" creationId="{6992825B-62A6-4488-8566-CC0944726E6A}"/>
-          </ac:spMkLst>
-        </pc:spChg>
-      </pc:sldChg>
-      <pc:sldChg chg="modSp new">
-        <pc:chgData name="Harsha Ky" userId="51654b9f203ea89d" providerId="Windows Live" clId="Web-{D0024680-6A6C-4C2C-9317-51B80E01B98A}" dt="2020-02-14T15:52:33.731" v="2855" actId="20577"/>
-        <pc:sldMkLst>
-          <pc:docMk/>
-          <pc:sldMk cId="4109507159" sldId="266"/>
-        </pc:sldMkLst>
-        <pc:spChg chg="mod">
-          <ac:chgData name="Harsha Ky" userId="51654b9f203ea89d" providerId="Windows Live" clId="Web-{D0024680-6A6C-4C2C-9317-51B80E01B98A}" dt="2020-02-14T15:51:55.059" v="2828" actId="20577"/>
-          <ac:spMkLst>
-            <pc:docMk/>
-            <pc:sldMk cId="4109507159" sldId="266"/>
-            <ac:spMk id="2" creationId="{EF06EA2A-5335-41A7-B88A-5440702D3A5C}"/>
-          </ac:spMkLst>
-        </pc:spChg>
-        <pc:spChg chg="mod">
-          <ac:chgData name="Harsha Ky" userId="51654b9f203ea89d" providerId="Windows Live" clId="Web-{D0024680-6A6C-4C2C-9317-51B80E01B98A}" dt="2020-02-14T15:52:33.731" v="2855" actId="20577"/>
-          <ac:spMkLst>
-            <pc:docMk/>
-            <pc:sldMk cId="4109507159" sldId="266"/>
-            <ac:spMk id="3" creationId="{829A0375-0F36-4FC5-94C5-2BD1EF3C4534}"/>
-          </ac:spMkLst>
-        </pc:spChg>
-      </pc:sldChg>
-    </pc:docChg>
-  </pc:docChgLst>
-  <pc:docChgLst>
-    <pc:chgData name="Harsha Ky" userId="51654b9f203ea89d" providerId="Windows Live" clId="Web-{88AEB5F3-CAE5-4B99-AE53-89C14A09FB99}"/>
-    <pc:docChg chg="modSld">
-      <pc:chgData name="Harsha Ky" userId="51654b9f203ea89d" providerId="Windows Live" clId="Web-{88AEB5F3-CAE5-4B99-AE53-89C14A09FB99}" dt="2020-02-01T09:01:49.276" v="1026" actId="20577"/>
-      <pc:docMkLst>
-        <pc:docMk/>
-      </pc:docMkLst>
-      <pc:sldChg chg="delSp modSp">
-        <pc:chgData name="Harsha Ky" userId="51654b9f203ea89d" providerId="Windows Live" clId="Web-{88AEB5F3-CAE5-4B99-AE53-89C14A09FB99}" dt="2020-02-01T08:08:39.178" v="128" actId="20577"/>
-        <pc:sldMkLst>
-          <pc:docMk/>
-          <pc:sldMk cId="109857222" sldId="256"/>
-        </pc:sldMkLst>
-        <pc:spChg chg="mod">
-          <ac:chgData name="Harsha Ky" userId="51654b9f203ea89d" providerId="Windows Live" clId="Web-{88AEB5F3-CAE5-4B99-AE53-89C14A09FB99}" dt="2020-02-01T08:08:39.178" v="128" actId="20577"/>
-          <ac:spMkLst>
-            <pc:docMk/>
-            <pc:sldMk cId="109857222" sldId="256"/>
-            <ac:spMk id="2" creationId="{00000000-0000-0000-0000-000000000000}"/>
-          </ac:spMkLst>
-        </pc:spChg>
-        <pc:spChg chg="del">
-          <ac:chgData name="Harsha Ky" userId="51654b9f203ea89d" providerId="Windows Live" clId="Web-{88AEB5F3-CAE5-4B99-AE53-89C14A09FB99}" dt="2020-02-01T06:57:38.199" v="0"/>
-          <ac:spMkLst>
-            <pc:docMk/>
-            <pc:sldMk cId="109857222" sldId="256"/>
-            <ac:spMk id="3" creationId="{00000000-0000-0000-0000-000000000000}"/>
-          </ac:spMkLst>
-        </pc:spChg>
-        <pc:spChg chg="mod">
-          <ac:chgData name="Harsha Ky" userId="51654b9f203ea89d" providerId="Windows Live" clId="Web-{88AEB5F3-CAE5-4B99-AE53-89C14A09FB99}" dt="2020-02-01T06:58:53.465" v="5" actId="20577"/>
-          <ac:spMkLst>
-            <pc:docMk/>
-            <pc:sldMk cId="109857222" sldId="256"/>
-            <ac:spMk id="5" creationId="{E7B050E4-25DD-49C7-90D1-B3BD6ED1656F}"/>
-          </ac:spMkLst>
-        </pc:spChg>
-      </pc:sldChg>
-      <pc:sldChg chg="modSp">
-        <pc:chgData name="Harsha Ky" userId="51654b9f203ea89d" providerId="Windows Live" clId="Web-{88AEB5F3-CAE5-4B99-AE53-89C14A09FB99}" dt="2020-02-01T08:13:50.775" v="680" actId="20577"/>
-        <pc:sldMkLst>
-          <pc:docMk/>
-          <pc:sldMk cId="3085881011" sldId="257"/>
-        </pc:sldMkLst>
-        <pc:spChg chg="mod">
-          <ac:chgData name="Harsha Ky" userId="51654b9f203ea89d" providerId="Windows Live" clId="Web-{88AEB5F3-CAE5-4B99-AE53-89C14A09FB99}" dt="2020-02-01T08:13:50.775" v="680" actId="20577"/>
-          <ac:spMkLst>
-            <pc:docMk/>
-            <pc:sldMk cId="3085881011" sldId="257"/>
-            <ac:spMk id="3" creationId="{E87AB376-CC3B-4787-B404-735EBF109E79}"/>
-          </ac:spMkLst>
-        </pc:spChg>
-      </pc:sldChg>
-      <pc:sldChg chg="modSp">
-        <pc:chgData name="Harsha Ky" userId="51654b9f203ea89d" providerId="Windows Live" clId="Web-{88AEB5F3-CAE5-4B99-AE53-89C14A09FB99}" dt="2020-02-01T09:01:46.229" v="1024" actId="20577"/>
-        <pc:sldMkLst>
-          <pc:docMk/>
-          <pc:sldMk cId="2775838959" sldId="258"/>
-        </pc:sldMkLst>
-        <pc:spChg chg="mod">
-          <ac:chgData name="Harsha Ky" userId="51654b9f203ea89d" providerId="Windows Live" clId="Web-{88AEB5F3-CAE5-4B99-AE53-89C14A09FB99}" dt="2020-02-01T09:01:46.229" v="1024" actId="20577"/>
-          <ac:spMkLst>
-            <pc:docMk/>
-            <pc:sldMk cId="2775838959" sldId="258"/>
-            <ac:spMk id="2" creationId="{0EB23F6D-AF81-4C6E-A900-63024BF2F910}"/>
-          </ac:spMkLst>
-        </pc:spChg>
-      </pc:sldChg>
-      <pc:sldChg chg="modSp">
-        <pc:chgData name="Harsha Ky" userId="51654b9f203ea89d" providerId="Windows Live" clId="Web-{88AEB5F3-CAE5-4B99-AE53-89C14A09FB99}" dt="2020-02-01T08:18:25.450" v="897" actId="20577"/>
-        <pc:sldMkLst>
-          <pc:docMk/>
-          <pc:sldMk cId="4183685459" sldId="259"/>
-        </pc:sldMkLst>
-        <pc:spChg chg="mod">
-          <ac:chgData name="Harsha Ky" userId="51654b9f203ea89d" providerId="Windows Live" clId="Web-{88AEB5F3-CAE5-4B99-AE53-89C14A09FB99}" dt="2020-02-01T08:18:25.450" v="897" actId="20577"/>
-          <ac:spMkLst>
-            <pc:docMk/>
-            <pc:sldMk cId="4183685459" sldId="259"/>
-            <ac:spMk id="3" creationId="{F99C5E96-510A-4259-A1A2-129A3D5AA8B7}"/>
-          </ac:spMkLst>
-        </pc:spChg>
-      </pc:sldChg>
-      <pc:sldChg chg="modSp">
-        <pc:chgData name="Harsha Ky" userId="51654b9f203ea89d" providerId="Windows Live" clId="Web-{88AEB5F3-CAE5-4B99-AE53-89C14A09FB99}" dt="2020-02-01T08:19:45.664" v="998" actId="20577"/>
-        <pc:sldMkLst>
-          <pc:docMk/>
-          <pc:sldMk cId="3897002874" sldId="260"/>
-        </pc:sldMkLst>
-        <pc:spChg chg="mod">
-          <ac:chgData name="Harsha Ky" userId="51654b9f203ea89d" providerId="Windows Live" clId="Web-{88AEB5F3-CAE5-4B99-AE53-89C14A09FB99}" dt="2020-02-01T08:19:45.664" v="998" actId="20577"/>
-          <ac:spMkLst>
-            <pc:docMk/>
-            <pc:sldMk cId="3897002874" sldId="260"/>
-            <ac:spMk id="3" creationId="{36354896-F079-4D93-8F1C-7A9B390A1B48}"/>
-          </ac:spMkLst>
-        </pc:spChg>
-      </pc:sldChg>
-    </pc:docChg>
-  </pc:docChgLst>
-</pc:chgInfo>
 </file>
 
 <file path=ppt/slideLayouts/slideLayout1.xml><?xml version="1.0" encoding="utf-8"?>
@@ -1942,7 +300,7 @@
           <a:p>
             <a:fld id="{846CE7D5-CF57-46EF-B807-FDD0502418D4}" type="datetimeFigureOut">
               <a:rPr lang="en-US" smtClean="0"/>
-              <a:t>5/19/2020</a:t>
+              <a:t>5/26/2020</a:t>
             </a:fld>
             <a:endParaRPr lang="en-US"/>
           </a:p>
@@ -2112,7 +470,7 @@
           <a:p>
             <a:fld id="{846CE7D5-CF57-46EF-B807-FDD0502418D4}" type="datetimeFigureOut">
               <a:rPr lang="en-US" smtClean="0"/>
-              <a:t>5/19/2020</a:t>
+              <a:t>5/26/2020</a:t>
             </a:fld>
             <a:endParaRPr lang="en-US"/>
           </a:p>
@@ -2292,7 +650,7 @@
           <a:p>
             <a:fld id="{846CE7D5-CF57-46EF-B807-FDD0502418D4}" type="datetimeFigureOut">
               <a:rPr lang="en-US" smtClean="0"/>
-              <a:t>5/19/2020</a:t>
+              <a:t>5/26/2020</a:t>
             </a:fld>
             <a:endParaRPr lang="en-US"/>
           </a:p>
@@ -2462,7 +820,7 @@
           <a:p>
             <a:fld id="{846CE7D5-CF57-46EF-B807-FDD0502418D4}" type="datetimeFigureOut">
               <a:rPr lang="en-US" smtClean="0"/>
-              <a:t>5/19/2020</a:t>
+              <a:t>5/26/2020</a:t>
             </a:fld>
             <a:endParaRPr lang="en-US"/>
           </a:p>
@@ -2708,7 +1066,7 @@
           <a:p>
             <a:fld id="{846CE7D5-CF57-46EF-B807-FDD0502418D4}" type="datetimeFigureOut">
               <a:rPr lang="en-US" smtClean="0"/>
-              <a:t>5/19/2020</a:t>
+              <a:t>5/26/2020</a:t>
             </a:fld>
             <a:endParaRPr lang="en-US"/>
           </a:p>
@@ -2940,7 +1298,7 @@
           <a:p>
             <a:fld id="{846CE7D5-CF57-46EF-B807-FDD0502418D4}" type="datetimeFigureOut">
               <a:rPr lang="en-US" smtClean="0"/>
-              <a:t>5/19/2020</a:t>
+              <a:t>5/26/2020</a:t>
             </a:fld>
             <a:endParaRPr lang="en-US"/>
           </a:p>
@@ -3307,7 +1665,7 @@
           <a:p>
             <a:fld id="{846CE7D5-CF57-46EF-B807-FDD0502418D4}" type="datetimeFigureOut">
               <a:rPr lang="en-US" smtClean="0"/>
-              <a:t>5/19/2020</a:t>
+              <a:t>5/26/2020</a:t>
             </a:fld>
             <a:endParaRPr lang="en-US"/>
           </a:p>
@@ -3425,7 +1783,7 @@
           <a:p>
             <a:fld id="{846CE7D5-CF57-46EF-B807-FDD0502418D4}" type="datetimeFigureOut">
               <a:rPr lang="en-US" smtClean="0"/>
-              <a:t>5/19/2020</a:t>
+              <a:t>5/26/2020</a:t>
             </a:fld>
             <a:endParaRPr lang="en-US"/>
           </a:p>
@@ -3520,7 +1878,7 @@
           <a:p>
             <a:fld id="{846CE7D5-CF57-46EF-B807-FDD0502418D4}" type="datetimeFigureOut">
               <a:rPr lang="en-US" smtClean="0"/>
-              <a:t>5/19/2020</a:t>
+              <a:t>5/26/2020</a:t>
             </a:fld>
             <a:endParaRPr lang="en-US"/>
           </a:p>
@@ -3797,7 +2155,7 @@
           <a:p>
             <a:fld id="{846CE7D5-CF57-46EF-B807-FDD0502418D4}" type="datetimeFigureOut">
               <a:rPr lang="en-US" smtClean="0"/>
-              <a:t>5/19/2020</a:t>
+              <a:t>5/26/2020</a:t>
             </a:fld>
             <a:endParaRPr lang="en-US"/>
           </a:p>
@@ -4054,7 +2412,7 @@
           <a:p>
             <a:fld id="{846CE7D5-CF57-46EF-B807-FDD0502418D4}" type="datetimeFigureOut">
               <a:rPr lang="en-US" smtClean="0"/>
-              <a:t>5/19/2020</a:t>
+              <a:t>5/26/2020</a:t>
             </a:fld>
             <a:endParaRPr lang="en-US"/>
           </a:p>
@@ -4267,7 +2625,7 @@
           <a:p>
             <a:fld id="{846CE7D5-CF57-46EF-B807-FDD0502418D4}" type="datetimeFigureOut">
               <a:rPr lang="en-US" smtClean="0"/>
-              <a:t>5/19/2020</a:t>
+              <a:t>5/26/2020</a:t>
             </a:fld>
             <a:endParaRPr lang="en-US"/>
           </a:p>
@@ -4916,7 +3274,7 @@
           <p:cNvPr id="2" name="Title 1">
             <a:extLst>
               <a:ext uri="{FF2B5EF4-FFF2-40B4-BE49-F238E27FC236}">
-                <a16:creationId xmlns:a16="http://schemas.microsoft.com/office/drawing/2014/main" id="{0A0A8516-F7DA-4EBC-AED9-C26542E6F857}"/>
+                <a16:creationId xmlns:a16="http://schemas.microsoft.com/office/drawing/2014/main" id="{7D2587DE-427D-4B25-9F1A-1D64CF46C1B8}"/>
               </a:ext>
             </a:extLst>
           </p:cNvPr>
@@ -4934,14 +3292,11 @@
           <a:p>
             <a:pPr algn="ctr"/>
             <a:r>
-              <a:rPr lang="en-US">
-                <a:cs typeface="Calibri Light"/>
-              </a:rPr>
-              <a:t>Functional Requirements</a:t>
-            </a:r>
-            <a:endParaRPr lang="en-US" dirty="0">
-              <a:cs typeface="Calibri Light"/>
-            </a:endParaRPr>
+              <a:rPr lang="en-US" dirty="0">
+                <a:cs typeface="Calibri Light" panose="020F0302020204030204"/>
+              </a:rPr>
+              <a:t>Proposed System</a:t>
+            </a:r>
           </a:p>
         </p:txBody>
       </p:sp>
@@ -4950,7 +3305,7 @@
           <p:cNvPr id="3" name="Content Placeholder 2">
             <a:extLst>
               <a:ext uri="{FF2B5EF4-FFF2-40B4-BE49-F238E27FC236}">
-                <a16:creationId xmlns:a16="http://schemas.microsoft.com/office/drawing/2014/main" id="{6992825B-62A6-4488-8566-CC0944726E6A}"/>
+                <a16:creationId xmlns:a16="http://schemas.microsoft.com/office/drawing/2014/main" id="{03919BFE-08C0-48E6-B11C-B514520763C0}"/>
               </a:ext>
             </a:extLst>
           </p:cNvPr>
@@ -4964,7 +3319,7 @@
         <p:spPr/>
         <p:txBody>
           <a:bodyPr vert="horz" lIns="91440" tIns="45720" rIns="91440" bIns="45720" rtlCol="0" anchor="t">
-            <a:normAutofit fontScale="92500" lnSpcReduction="20000"/>
+            <a:normAutofit lnSpcReduction="10000"/>
           </a:bodyPr>
           <a:lstStyle/>
           <a:p>
@@ -4973,18 +3328,7 @@
               <a:rPr lang="en-US" dirty="0">
                 <a:cs typeface="Calibri"/>
               </a:rPr>
-              <a:t>Pre-Processing</a:t>
-            </a:r>
-            <a:endParaRPr lang="en-US" dirty="0"/>
-          </a:p>
-          <a:p>
-            <a:pPr lvl="1" algn="just"/>
-            <a:r>
-              <a:rPr lang="en-US" dirty="0">
-                <a:ea typeface="+mn-lt"/>
-                <a:cs typeface="+mn-lt"/>
-              </a:rPr>
-              <a:t>Clean the input data. Tokenize the data to turn it into a single Tensor.</a:t>
+              <a:t>The application consists of three different models; all built using CNNs</a:t>
             </a:r>
           </a:p>
           <a:p>
@@ -4993,28 +3337,19 @@
               <a:rPr lang="en-US" dirty="0">
                 <a:cs typeface="Calibri"/>
               </a:rPr>
-              <a:t>Train the model using the pre-processed dataset</a:t>
-            </a:r>
-          </a:p>
-          <a:p>
-            <a:pPr lvl="1" algn="just"/>
-            <a:r>
-              <a:rPr lang="en-US" dirty="0">
-                <a:cs typeface="Calibri"/>
-              </a:rPr>
-              <a:t>Train </a:t>
+              <a:t>The three models are trained on IMDB reviews dataset, </a:t>
             </a:r>
             <a:r>
               <a:rPr lang="en-US" dirty="0" err="1">
                 <a:cs typeface="Calibri"/>
               </a:rPr>
-              <a:t>Keras</a:t>
-            </a:r>
-            <a:r>
-              <a:rPr lang="en-US" dirty="0">
-                <a:cs typeface="Calibri"/>
-              </a:rPr>
-              <a:t> sequential model using appropriate parameters.</a:t>
+              <a:t>huffPost</a:t>
+            </a:r>
+            <a:r>
+              <a:rPr lang="en-US" dirty="0">
+                <a:cs typeface="Calibri"/>
+              </a:rPr>
+              <a:t> news dataset, and SMS spam dataset</a:t>
             </a:r>
           </a:p>
           <a:p>
@@ -5023,16 +3358,7 @@
               <a:rPr lang="en-US" dirty="0">
                 <a:cs typeface="Calibri"/>
               </a:rPr>
-              <a:t>Test the model for accuracy scores</a:t>
-            </a:r>
-          </a:p>
-          <a:p>
-            <a:pPr lvl="1" algn="just"/>
-            <a:r>
-              <a:rPr lang="en-US" dirty="0">
-                <a:cs typeface="Calibri"/>
-              </a:rPr>
-              <a:t>The trained model is used to make predictions. The predictions are used to calculate accuracy scores.</a:t>
+              <a:t>The models are going to be used for sentiment analysis, category prediction, and spam detection respectively</a:t>
             </a:r>
           </a:p>
           <a:p>
@@ -5041,16 +3367,7 @@
               <a:rPr lang="en-US" dirty="0">
                 <a:cs typeface="Calibri"/>
               </a:rPr>
-              <a:t>Server side preprocessing</a:t>
-            </a:r>
-          </a:p>
-          <a:p>
-            <a:pPr lvl="1" algn="just"/>
-            <a:r>
-              <a:rPr lang="en-US" dirty="0">
-                <a:cs typeface="Calibri"/>
-              </a:rPr>
-              <a:t>The user inputs text data that has to be converted to a tensor. This needs the same pre-processing techniques.</a:t>
+              <a:t>To provide these services as APIs, Node.js, along with its integration of Tensorflow.js-node will be used</a:t>
             </a:r>
           </a:p>
           <a:p>
@@ -5059,16 +3376,16 @@
               <a:rPr lang="en-US" dirty="0">
                 <a:cs typeface="Calibri"/>
               </a:rPr>
-              <a:t>Probability score output to human readable class</a:t>
-            </a:r>
-          </a:p>
-          <a:p>
-            <a:pPr lvl="1" algn="just"/>
-            <a:r>
-              <a:rPr lang="en-US" dirty="0">
-                <a:cs typeface="Calibri"/>
-              </a:rPr>
-              <a:t>The model returns a probability score as output that has to be shown as human readable class.</a:t>
+              <a:t>This means most of the tasks will be done on the browser itself</a:t>
+            </a:r>
+          </a:p>
+          <a:p>
+            <a:pPr algn="just"/>
+            <a:r>
+              <a:rPr lang="en-US" dirty="0">
+                <a:cs typeface="Calibri"/>
+              </a:rPr>
+              <a:t>The web-app also provides a UI for the above mentioned tasks. This UI can be used by one time users</a:t>
             </a:r>
           </a:p>
         </p:txBody>
@@ -5076,7 +3393,7 @@
     </p:spTree>
     <p:extLst>
       <p:ext uri="{BB962C8B-B14F-4D97-AF65-F5344CB8AC3E}">
-        <p14:creationId xmlns:p14="http://schemas.microsoft.com/office/powerpoint/2010/main" val="2983497765"/>
+        <p14:creationId xmlns:p14="http://schemas.microsoft.com/office/powerpoint/2010/main" val="1452805377"/>
       </p:ext>
     </p:extLst>
   </p:cSld>
@@ -5108,7 +3425,7 @@
           <p:cNvPr id="2" name="Title 1">
             <a:extLst>
               <a:ext uri="{FF2B5EF4-FFF2-40B4-BE49-F238E27FC236}">
-                <a16:creationId xmlns:a16="http://schemas.microsoft.com/office/drawing/2014/main" id="{EF06EA2A-5335-41A7-B88A-5440702D3A5C}"/>
+                <a16:creationId xmlns:a16="http://schemas.microsoft.com/office/drawing/2014/main" id="{43A314C0-77B3-4A77-B8FE-74F30F1D1AC3}"/>
               </a:ext>
             </a:extLst>
           </p:cNvPr>
@@ -5126,10 +3443,10 @@
           <a:p>
             <a:pPr algn="ctr"/>
             <a:r>
-              <a:rPr lang="en-US">
+              <a:rPr lang="en-US" dirty="0">
                 <a:cs typeface="Calibri Light" panose="020F0302020204030204"/>
               </a:rPr>
-              <a:t>Non-functional Requirements</a:t>
+              <a:t>Tools and Technologies</a:t>
             </a:r>
           </a:p>
         </p:txBody>
@@ -5139,7 +3456,7 @@
           <p:cNvPr id="3" name="Content Placeholder 2">
             <a:extLst>
               <a:ext uri="{FF2B5EF4-FFF2-40B4-BE49-F238E27FC236}">
-                <a16:creationId xmlns:a16="http://schemas.microsoft.com/office/drawing/2014/main" id="{829A0375-0F36-4FC5-94C5-2BD1EF3C4534}"/>
+                <a16:creationId xmlns:a16="http://schemas.microsoft.com/office/drawing/2014/main" id="{F99C5E96-510A-4259-A1A2-129A3D5AA8B7}"/>
               </a:ext>
             </a:extLst>
           </p:cNvPr>
@@ -5158,58 +3475,76 @@
           <a:lstStyle/>
           <a:p>
             <a:r>
-              <a:rPr lang="en-US" b="1" dirty="0">
-                <a:cs typeface="Calibri"/>
-              </a:rPr>
-              <a:t>Scaling</a:t>
-            </a:r>
-            <a:r>
-              <a:rPr lang="en-US" dirty="0">
-                <a:cs typeface="Calibri"/>
-              </a:rPr>
-              <a:t>: To be able to build more NLP APIs for different tasks.</a:t>
-            </a:r>
-          </a:p>
-          <a:p>
-            <a:r>
-              <a:rPr lang="en-US" b="1" dirty="0">
-                <a:cs typeface="Calibri"/>
-              </a:rPr>
-              <a:t>Performance</a:t>
-            </a:r>
-            <a:r>
-              <a:rPr lang="en-US" dirty="0">
-                <a:cs typeface="Calibri"/>
-              </a:rPr>
-              <a:t>: Increase accuracy of the predictions.</a:t>
-            </a:r>
-          </a:p>
-          <a:p>
-            <a:r>
-              <a:rPr lang="en-US" b="1" dirty="0">
-                <a:cs typeface="Calibri"/>
-              </a:rPr>
-              <a:t>Availability</a:t>
-            </a:r>
-            <a:r>
-              <a:rPr lang="en-US" dirty="0">
-                <a:cs typeface="Calibri"/>
-              </a:rPr>
-              <a:t>: To make sure that the web-app is always functioning properly and available to its users.</a:t>
-            </a:r>
-          </a:p>
-          <a:p>
-            <a:r>
-              <a:rPr lang="en-US" b="1" dirty="0">
-                <a:cs typeface="Calibri"/>
-              </a:rPr>
-              <a:t>Maintenance</a:t>
-            </a:r>
-            <a:r>
-              <a:rPr lang="en-US" dirty="0">
-                <a:cs typeface="Calibri"/>
-              </a:rPr>
-              <a:t>: Future updates must be smooth. Should work well with future versions of the technologies used.</a:t>
+              <a:rPr lang="en-US" dirty="0">
+                <a:cs typeface="Calibri"/>
+              </a:rPr>
+              <a:t>Front-end</a:t>
+            </a:r>
+            <a:endParaRPr lang="en-US"/>
+          </a:p>
+          <a:p>
+            <a:pPr lvl="1"/>
+            <a:r>
+              <a:rPr lang="en-US" dirty="0">
+                <a:ea typeface="+mn-lt"/>
+                <a:cs typeface="+mn-lt"/>
+              </a:rPr>
+              <a:t>HTML5, CSS3, Handlebars.js v4.1.x</a:t>
+            </a:r>
+            <a:endParaRPr lang="en-US" dirty="0">
+              <a:cs typeface="Calibri"/>
+            </a:endParaRPr>
+          </a:p>
+          <a:p>
+            <a:r>
+              <a:rPr lang="en-US" dirty="0">
+                <a:cs typeface="Calibri"/>
+              </a:rPr>
+              <a:t>Back-end</a:t>
+            </a:r>
+          </a:p>
+          <a:p>
+            <a:pPr lvl="1"/>
+            <a:r>
+              <a:rPr lang="en-US" dirty="0">
+                <a:cs typeface="Calibri"/>
+              </a:rPr>
+              <a:t>Node.js v13 or higher, Express.js v4.17.x</a:t>
+            </a:r>
+          </a:p>
+          <a:p>
+            <a:r>
+              <a:rPr lang="en-US" dirty="0">
+                <a:cs typeface="Calibri"/>
+              </a:rPr>
+              <a:t>Languages and Libraries</a:t>
+            </a:r>
+            <a:endParaRPr lang="en-US"/>
+          </a:p>
+          <a:p>
+            <a:pPr lvl="1"/>
+            <a:r>
+              <a:rPr lang="en-US" dirty="0">
+                <a:cs typeface="Calibri"/>
+              </a:rPr>
+              <a:t>Python 3.6, Tensorflow.js-node v1.7.x</a:t>
+            </a:r>
+          </a:p>
+          <a:p>
+            <a:r>
+              <a:rPr lang="en-US" dirty="0">
+                <a:cs typeface="Calibri"/>
+              </a:rPr>
+              <a:t>Code Editor</a:t>
+            </a:r>
+          </a:p>
+          <a:p>
+            <a:pPr lvl="1"/>
+            <a:r>
+              <a:rPr lang="en-US" dirty="0">
+                <a:cs typeface="Calibri"/>
+              </a:rPr>
+              <a:t>Visual Studio Code</a:t>
             </a:r>
           </a:p>
         </p:txBody>
@@ -5217,7 +3552,7 @@
     </p:spTree>
     <p:extLst>
       <p:ext uri="{BB962C8B-B14F-4D97-AF65-F5344CB8AC3E}">
-        <p14:creationId xmlns:p14="http://schemas.microsoft.com/office/powerpoint/2010/main" val="4109507159"/>
+        <p14:creationId xmlns:p14="http://schemas.microsoft.com/office/powerpoint/2010/main" val="4183685459"/>
       </p:ext>
     </p:extLst>
   </p:cSld>
@@ -5244,36 +3579,388 @@
           <a:chExt cx="0" cy="0"/>
         </a:xfrm>
       </p:grpSpPr>
-      <p:pic>
-        <p:nvPicPr>
-          <p:cNvPr id="2" name="Picture 2" descr="A screenshot of a cell phone&#10;&#10;Description generated with very high confidence">
+      <p:sp>
+        <p:nvSpPr>
+          <p:cNvPr id="2" name="Title 1">
             <a:extLst>
               <a:ext uri="{FF2B5EF4-FFF2-40B4-BE49-F238E27FC236}">
-                <a16:creationId xmlns:a16="http://schemas.microsoft.com/office/drawing/2014/main" id="{254E2AA7-AD54-4183-B5E7-AA9CBC44E2AD}"/>
+                <a16:creationId xmlns:a16="http://schemas.microsoft.com/office/drawing/2014/main" id="{0A0A8516-F7DA-4EBC-AED9-C26542E6F857}"/>
               </a:ext>
             </a:extLst>
           </p:cNvPr>
-          <p:cNvPicPr>
-            <a:picLocks noChangeAspect="1"/>
-          </p:cNvPicPr>
-          <p:nvPr/>
-        </p:nvPicPr>
-        <p:blipFill>
-          <a:blip r:embed="rId2"/>
-          <a:stretch>
-            <a:fillRect/>
-          </a:stretch>
-        </p:blipFill>
-        <p:spPr>
-          <a:xfrm>
-            <a:off x="5050155" y="-3717"/>
-            <a:ext cx="3356791" cy="6865433"/>
-          </a:xfrm>
-          <a:prstGeom prst="rect">
-            <a:avLst/>
-          </a:prstGeom>
-        </p:spPr>
-      </p:pic>
+          <p:cNvSpPr>
+            <a:spLocks noGrp="1"/>
+          </p:cNvSpPr>
+          <p:nvPr>
+            <p:ph type="title"/>
+          </p:nvPr>
+        </p:nvSpPr>
+        <p:spPr/>
+        <p:txBody>
+          <a:bodyPr/>
+          <a:lstStyle/>
+          <a:p>
+            <a:pPr algn="ctr"/>
+            <a:r>
+              <a:rPr lang="en-US">
+                <a:cs typeface="Calibri Light"/>
+              </a:rPr>
+              <a:t>Functional Requirements</a:t>
+            </a:r>
+            <a:endParaRPr lang="en-US" dirty="0">
+              <a:cs typeface="Calibri Light"/>
+            </a:endParaRPr>
+          </a:p>
+        </p:txBody>
+      </p:sp>
+      <p:sp>
+        <p:nvSpPr>
+          <p:cNvPr id="3" name="Content Placeholder 2">
+            <a:extLst>
+              <a:ext uri="{FF2B5EF4-FFF2-40B4-BE49-F238E27FC236}">
+                <a16:creationId xmlns:a16="http://schemas.microsoft.com/office/drawing/2014/main" id="{6992825B-62A6-4488-8566-CC0944726E6A}"/>
+              </a:ext>
+            </a:extLst>
+          </p:cNvPr>
+          <p:cNvSpPr>
+            <a:spLocks noGrp="1"/>
+          </p:cNvSpPr>
+          <p:nvPr>
+            <p:ph idx="1"/>
+          </p:nvPr>
+        </p:nvSpPr>
+        <p:spPr/>
+        <p:txBody>
+          <a:bodyPr vert="horz" lIns="91440" tIns="45720" rIns="91440" bIns="45720" rtlCol="0" anchor="t">
+            <a:normAutofit fontScale="77500" lnSpcReduction="20000"/>
+          </a:bodyPr>
+          <a:lstStyle/>
+          <a:p>
+            <a:pPr algn="just"/>
+            <a:r>
+              <a:rPr lang="en-US" dirty="0">
+                <a:cs typeface="Calibri"/>
+              </a:rPr>
+              <a:t>Data Collection</a:t>
+            </a:r>
+          </a:p>
+          <a:p>
+            <a:pPr lvl="1" algn="just"/>
+            <a:r>
+              <a:rPr lang="en-US" dirty="0">
+                <a:ea typeface="+mn-lt"/>
+                <a:cs typeface="+mn-lt"/>
+              </a:rPr>
+              <a:t>Get the BBC News, </a:t>
+            </a:r>
+            <a:r>
+              <a:rPr lang="en-US" dirty="0" err="1">
+                <a:ea typeface="+mn-lt"/>
+                <a:cs typeface="+mn-lt"/>
+              </a:rPr>
+              <a:t>imdb</a:t>
+            </a:r>
+            <a:r>
+              <a:rPr lang="en-US" dirty="0">
+                <a:ea typeface="+mn-lt"/>
+                <a:cs typeface="+mn-lt"/>
+              </a:rPr>
+              <a:t> reviews, </a:t>
+            </a:r>
+            <a:r>
+              <a:rPr lang="en-US" dirty="0" err="1">
+                <a:ea typeface="+mn-lt"/>
+                <a:cs typeface="+mn-lt"/>
+              </a:rPr>
+              <a:t>sms</a:t>
+            </a:r>
+            <a:r>
+              <a:rPr lang="en-US" dirty="0">
+                <a:ea typeface="+mn-lt"/>
+                <a:cs typeface="+mn-lt"/>
+              </a:rPr>
+              <a:t> spam datasets </a:t>
+            </a:r>
+            <a:endParaRPr lang="en-US" dirty="0">
+              <a:cs typeface="Calibri"/>
+            </a:endParaRPr>
+          </a:p>
+          <a:p>
+            <a:pPr algn="just"/>
+            <a:r>
+              <a:rPr lang="en-US" dirty="0">
+                <a:cs typeface="Calibri"/>
+              </a:rPr>
+              <a:t>Pre-Processing</a:t>
+            </a:r>
+          </a:p>
+          <a:p>
+            <a:pPr lvl="1" algn="just"/>
+            <a:r>
+              <a:rPr lang="en-US" dirty="0">
+                <a:ea typeface="+mn-lt"/>
+                <a:cs typeface="+mn-lt"/>
+              </a:rPr>
+              <a:t>Clean the input data. Tokenize the data to turn it into a single Tensor.</a:t>
+            </a:r>
+          </a:p>
+          <a:p>
+            <a:pPr algn="just"/>
+            <a:r>
+              <a:rPr lang="en-US" dirty="0">
+                <a:cs typeface="Calibri"/>
+              </a:rPr>
+              <a:t>Train the model using the pre-processed dataset</a:t>
+            </a:r>
+          </a:p>
+          <a:p>
+            <a:pPr lvl="1" algn="just"/>
+            <a:r>
+              <a:rPr lang="en-US" dirty="0">
+                <a:cs typeface="Calibri"/>
+              </a:rPr>
+              <a:t>Train </a:t>
+            </a:r>
+            <a:r>
+              <a:rPr lang="en-US" dirty="0" err="1">
+                <a:cs typeface="Calibri"/>
+              </a:rPr>
+              <a:t>Keras</a:t>
+            </a:r>
+            <a:r>
+              <a:rPr lang="en-US" dirty="0">
+                <a:cs typeface="Calibri"/>
+              </a:rPr>
+              <a:t> sequential model using appropriate parameters.</a:t>
+            </a:r>
+          </a:p>
+          <a:p>
+            <a:pPr algn="just"/>
+            <a:r>
+              <a:rPr lang="en-US" dirty="0">
+                <a:cs typeface="Calibri"/>
+              </a:rPr>
+              <a:t>Test the model for accuracy scores</a:t>
+            </a:r>
+          </a:p>
+          <a:p>
+            <a:pPr lvl="1" algn="just"/>
+            <a:r>
+              <a:rPr lang="en-US" dirty="0">
+                <a:cs typeface="Calibri"/>
+              </a:rPr>
+              <a:t>The trained model is used to make predictions. The predictions are used to calculate accuracy scores.</a:t>
+            </a:r>
+          </a:p>
+          <a:p>
+            <a:pPr algn="just"/>
+            <a:r>
+              <a:rPr lang="en-US" dirty="0">
+                <a:cs typeface="Calibri"/>
+              </a:rPr>
+              <a:t>Server side preprocessing</a:t>
+            </a:r>
+          </a:p>
+          <a:p>
+            <a:pPr lvl="1" algn="just"/>
+            <a:r>
+              <a:rPr lang="en-US" dirty="0">
+                <a:cs typeface="Calibri"/>
+              </a:rPr>
+              <a:t>The user inputs text data that has to be converted to a tensor. This needs the same pre-processing techniques.</a:t>
+            </a:r>
+          </a:p>
+          <a:p>
+            <a:pPr algn="just"/>
+            <a:r>
+              <a:rPr lang="en-US" dirty="0">
+                <a:cs typeface="Calibri"/>
+              </a:rPr>
+              <a:t>Probability score output to human readable class</a:t>
+            </a:r>
+          </a:p>
+          <a:p>
+            <a:pPr lvl="1" algn="just"/>
+            <a:r>
+              <a:rPr lang="en-US" dirty="0">
+                <a:cs typeface="Calibri"/>
+              </a:rPr>
+              <a:t>The model returns a probability score as output that has to be shown as human readable class.</a:t>
+            </a:r>
+          </a:p>
+        </p:txBody>
+      </p:sp>
+    </p:spTree>
+    <p:extLst>
+      <p:ext uri="{BB962C8B-B14F-4D97-AF65-F5344CB8AC3E}">
+        <p14:creationId xmlns:p14="http://schemas.microsoft.com/office/powerpoint/2010/main" val="2983497765"/>
+      </p:ext>
+    </p:extLst>
+  </p:cSld>
+  <p:clrMapOvr>
+    <a:masterClrMapping/>
+  </p:clrMapOvr>
+</p:sld>
+</file>
+
+<file path=ppt/slides/slide13.xml><?xml version="1.0" encoding="utf-8"?>
+<p:sld xmlns:a="http://schemas.openxmlformats.org/drawingml/2006/main" xmlns:r="http://schemas.openxmlformats.org/officeDocument/2006/relationships" xmlns:p="http://schemas.openxmlformats.org/presentationml/2006/main">
+  <p:cSld>
+    <p:spTree>
+      <p:nvGrpSpPr>
+        <p:cNvPr id="1" name=""/>
+        <p:cNvGrpSpPr/>
+        <p:nvPr/>
+      </p:nvGrpSpPr>
+      <p:grpSpPr>
+        <a:xfrm>
+          <a:off x="0" y="0"/>
+          <a:ext cx="0" cy="0"/>
+          <a:chOff x="0" y="0"/>
+          <a:chExt cx="0" cy="0"/>
+        </a:xfrm>
+      </p:grpSpPr>
+      <p:sp>
+        <p:nvSpPr>
+          <p:cNvPr id="2" name="Title 1">
+            <a:extLst>
+              <a:ext uri="{FF2B5EF4-FFF2-40B4-BE49-F238E27FC236}">
+                <a16:creationId xmlns:a16="http://schemas.microsoft.com/office/drawing/2014/main" id="{EF06EA2A-5335-41A7-B88A-5440702D3A5C}"/>
+              </a:ext>
+            </a:extLst>
+          </p:cNvPr>
+          <p:cNvSpPr>
+            <a:spLocks noGrp="1"/>
+          </p:cNvSpPr>
+          <p:nvPr>
+            <p:ph type="title"/>
+          </p:nvPr>
+        </p:nvSpPr>
+        <p:spPr/>
+        <p:txBody>
+          <a:bodyPr/>
+          <a:lstStyle/>
+          <a:p>
+            <a:pPr algn="ctr"/>
+            <a:r>
+              <a:rPr lang="en-US">
+                <a:cs typeface="Calibri Light" panose="020F0302020204030204"/>
+              </a:rPr>
+              <a:t>Non-functional Requirements</a:t>
+            </a:r>
+          </a:p>
+        </p:txBody>
+      </p:sp>
+      <p:sp>
+        <p:nvSpPr>
+          <p:cNvPr id="3" name="Content Placeholder 2">
+            <a:extLst>
+              <a:ext uri="{FF2B5EF4-FFF2-40B4-BE49-F238E27FC236}">
+                <a16:creationId xmlns:a16="http://schemas.microsoft.com/office/drawing/2014/main" id="{829A0375-0F36-4FC5-94C5-2BD1EF3C4534}"/>
+              </a:ext>
+            </a:extLst>
+          </p:cNvPr>
+          <p:cNvSpPr>
+            <a:spLocks noGrp="1"/>
+          </p:cNvSpPr>
+          <p:nvPr>
+            <p:ph idx="1"/>
+          </p:nvPr>
+        </p:nvSpPr>
+        <p:spPr/>
+        <p:txBody>
+          <a:bodyPr vert="horz" lIns="91440" tIns="45720" rIns="91440" bIns="45720" rtlCol="0" anchor="t">
+            <a:normAutofit/>
+          </a:bodyPr>
+          <a:lstStyle/>
+          <a:p>
+            <a:r>
+              <a:rPr lang="en-US" b="1" dirty="0">
+                <a:cs typeface="Calibri"/>
+              </a:rPr>
+              <a:t>Scaling</a:t>
+            </a:r>
+            <a:r>
+              <a:rPr lang="en-US" dirty="0">
+                <a:cs typeface="Calibri"/>
+              </a:rPr>
+              <a:t>: To be able to build more NLP APIs for different tasks.</a:t>
+            </a:r>
+          </a:p>
+          <a:p>
+            <a:r>
+              <a:rPr lang="en-US" b="1" dirty="0">
+                <a:cs typeface="Calibri"/>
+              </a:rPr>
+              <a:t>Performance</a:t>
+            </a:r>
+            <a:r>
+              <a:rPr lang="en-US" dirty="0">
+                <a:cs typeface="Calibri"/>
+              </a:rPr>
+              <a:t>: Increase accuracy of the predictions.</a:t>
+            </a:r>
+          </a:p>
+          <a:p>
+            <a:r>
+              <a:rPr lang="en-US" b="1" dirty="0">
+                <a:cs typeface="Calibri"/>
+              </a:rPr>
+              <a:t>Availability</a:t>
+            </a:r>
+            <a:r>
+              <a:rPr lang="en-US" dirty="0">
+                <a:cs typeface="Calibri"/>
+              </a:rPr>
+              <a:t>: To make sure that the web-app is always functioning properly and available to its users.</a:t>
+            </a:r>
+          </a:p>
+          <a:p>
+            <a:r>
+              <a:rPr lang="en-US" b="1" dirty="0">
+                <a:cs typeface="Calibri"/>
+              </a:rPr>
+              <a:t>Maintenance</a:t>
+            </a:r>
+            <a:r>
+              <a:rPr lang="en-US" dirty="0">
+                <a:cs typeface="Calibri"/>
+              </a:rPr>
+              <a:t>: Future updates must be smooth. Should work well with future versions of the technologies used.</a:t>
+            </a:r>
+          </a:p>
+        </p:txBody>
+      </p:sp>
+    </p:spTree>
+    <p:extLst>
+      <p:ext uri="{BB962C8B-B14F-4D97-AF65-F5344CB8AC3E}">
+        <p14:creationId xmlns:p14="http://schemas.microsoft.com/office/powerpoint/2010/main" val="4109507159"/>
+      </p:ext>
+    </p:extLst>
+  </p:cSld>
+  <p:clrMapOvr>
+    <a:masterClrMapping/>
+  </p:clrMapOvr>
+</p:sld>
+</file>
+
+<file path=ppt/slides/slide14.xml><?xml version="1.0" encoding="utf-8"?>
+<p:sld xmlns:a="http://schemas.openxmlformats.org/drawingml/2006/main" xmlns:r="http://schemas.openxmlformats.org/officeDocument/2006/relationships" xmlns:p="http://schemas.openxmlformats.org/presentationml/2006/main">
+  <p:cSld>
+    <p:spTree>
+      <p:nvGrpSpPr>
+        <p:cNvPr id="1" name=""/>
+        <p:cNvGrpSpPr/>
+        <p:nvPr/>
+      </p:nvGrpSpPr>
+      <p:grpSpPr>
+        <a:xfrm>
+          <a:off x="0" y="0"/>
+          <a:ext cx="0" cy="0"/>
+          <a:chOff x="0" y="0"/>
+          <a:chExt cx="0" cy="0"/>
+        </a:xfrm>
+      </p:grpSpPr>
       <p:sp>
         <p:nvSpPr>
           <p:cNvPr id="4" name="TextBox 1">
@@ -5406,6 +4093,36 @@
           </a:p>
         </p:txBody>
       </p:sp>
+      <p:pic>
+        <p:nvPicPr>
+          <p:cNvPr id="3" name="Picture 4" descr="A screenshot of a cell phone&#10;&#10;Description generated with very high confidence">
+            <a:extLst>
+              <a:ext uri="{FF2B5EF4-FFF2-40B4-BE49-F238E27FC236}">
+                <a16:creationId xmlns:a16="http://schemas.microsoft.com/office/drawing/2014/main" id="{92EDB45C-58D5-413F-B8D0-62DE1592048D}"/>
+              </a:ext>
+            </a:extLst>
+          </p:cNvPr>
+          <p:cNvPicPr>
+            <a:picLocks noChangeAspect="1"/>
+          </p:cNvPicPr>
+          <p:nvPr/>
+        </p:nvPicPr>
+        <p:blipFill>
+          <a:blip r:embed="rId2"/>
+          <a:stretch>
+            <a:fillRect/>
+          </a:stretch>
+        </p:blipFill>
+        <p:spPr>
+          <a:xfrm>
+            <a:off x="4502908" y="96863"/>
+            <a:ext cx="3186185" cy="6660775"/>
+          </a:xfrm>
+          <a:prstGeom prst="rect">
+            <a:avLst/>
+          </a:prstGeom>
+        </p:spPr>
+      </p:pic>
     </p:spTree>
     <p:extLst>
       <p:ext uri="{BB962C8B-B14F-4D97-AF65-F5344CB8AC3E}">
@@ -5419,7 +4136,7 @@
 </p:sld>
 </file>
 
-<file path=ppt/slides/slide13.xml><?xml version="1.0" encoding="utf-8"?>
+<file path=ppt/slides/slide15.xml><?xml version="1.0" encoding="utf-8"?>
 <p:sld xmlns:a="http://schemas.openxmlformats.org/drawingml/2006/main" xmlns:r="http://schemas.openxmlformats.org/officeDocument/2006/relationships" xmlns:p="http://schemas.openxmlformats.org/presentationml/2006/main">
   <p:cSld>
     <p:spTree>
@@ -5450,8 +4167,8 @@
         </p:nvSpPr>
         <p:spPr>
           <a:xfrm>
-            <a:off x="1330842" y="985284"/>
-            <a:ext cx="3062176" cy="369332"/>
+            <a:off x="694349" y="985284"/>
+            <a:ext cx="3698669" cy="369332"/>
           </a:xfrm>
           <a:prstGeom prst="rect">
             <a:avLst/>
@@ -5562,18 +4279,22 @@
           </a:lstStyle>
           <a:p>
             <a:r>
+              <a:rPr lang="en-US"/>
+              <a:t>Data Flow Diagram – Web App </a:t>
+            </a:r>
+            <a:r>
               <a:rPr lang="en-US" dirty="0"/>
-              <a:t>Flow Diagram – Web App View</a:t>
+              <a:t>View</a:t>
             </a:r>
           </a:p>
         </p:txBody>
       </p:sp>
       <p:pic>
         <p:nvPicPr>
-          <p:cNvPr id="3" name="Picture 3" descr="A screenshot of a cell phone&#10;&#10;Description generated with very high confidence">
+          <p:cNvPr id="4" name="Picture 4" descr="A screenshot of a cell phone&#10;&#10;Description generated with very high confidence">
             <a:extLst>
               <a:ext uri="{FF2B5EF4-FFF2-40B4-BE49-F238E27FC236}">
-                <a16:creationId xmlns:a16="http://schemas.microsoft.com/office/drawing/2014/main" id="{C0471691-9AE0-41BB-8F24-BF13A248E70D}"/>
+                <a16:creationId xmlns:a16="http://schemas.microsoft.com/office/drawing/2014/main" id="{0E677743-0B62-49DC-9C85-ACB9DC942BD4}"/>
               </a:ext>
             </a:extLst>
           </p:cNvPr>
@@ -5590,8 +4311,8 @@
         </p:blipFill>
         <p:spPr>
           <a:xfrm>
-            <a:off x="4724400" y="983325"/>
-            <a:ext cx="6125736" cy="5123666"/>
+            <a:off x="1816009" y="1181617"/>
+            <a:ext cx="9377191" cy="4501652"/>
           </a:xfrm>
           <a:prstGeom prst="rect">
             <a:avLst/>
@@ -5602,268 +4323,6 @@
     <p:extLst>
       <p:ext uri="{BB962C8B-B14F-4D97-AF65-F5344CB8AC3E}">
         <p14:creationId xmlns:p14="http://schemas.microsoft.com/office/powerpoint/2010/main" val="309574019"/>
-      </p:ext>
-    </p:extLst>
-  </p:cSld>
-  <p:clrMapOvr>
-    <a:masterClrMapping/>
-  </p:clrMapOvr>
-</p:sld>
-</file>
-
-<file path=ppt/slides/slide14.xml><?xml version="1.0" encoding="utf-8"?>
-<p:sld xmlns:a="http://schemas.openxmlformats.org/drawingml/2006/main" xmlns:r="http://schemas.openxmlformats.org/officeDocument/2006/relationships" xmlns:p="http://schemas.openxmlformats.org/presentationml/2006/main">
-  <p:cSld>
-    <p:spTree>
-      <p:nvGrpSpPr>
-        <p:cNvPr id="1" name=""/>
-        <p:cNvGrpSpPr/>
-        <p:nvPr/>
-      </p:nvGrpSpPr>
-      <p:grpSpPr>
-        <a:xfrm>
-          <a:off x="0" y="0"/>
-          <a:ext cx="0" cy="0"/>
-          <a:chOff x="0" y="0"/>
-          <a:chExt cx="0" cy="0"/>
-        </a:xfrm>
-      </p:grpSpPr>
-      <p:sp>
-        <p:nvSpPr>
-          <p:cNvPr id="2" name="Title 1">
-            <a:extLst>
-              <a:ext uri="{FF2B5EF4-FFF2-40B4-BE49-F238E27FC236}">
-                <a16:creationId xmlns:a16="http://schemas.microsoft.com/office/drawing/2014/main" id="{21797F86-3438-47FD-B5D2-6D9FE8A47798}"/>
-              </a:ext>
-            </a:extLst>
-          </p:cNvPr>
-          <p:cNvSpPr>
-            <a:spLocks noGrp="1"/>
-          </p:cNvSpPr>
-          <p:nvPr>
-            <p:ph type="title"/>
-          </p:nvPr>
-        </p:nvSpPr>
-        <p:spPr/>
-        <p:txBody>
-          <a:bodyPr/>
-          <a:lstStyle/>
-          <a:p>
-            <a:pPr algn="ctr"/>
-            <a:r>
-              <a:rPr lang="en-US" dirty="0">
-                <a:cs typeface="Calibri Light" panose="020F0302020204030204"/>
-              </a:rPr>
-              <a:t>Detailed Methodology</a:t>
-            </a:r>
-          </a:p>
-        </p:txBody>
-      </p:sp>
-      <p:sp>
-        <p:nvSpPr>
-          <p:cNvPr id="3" name="Content Placeholder 2">
-            <a:extLst>
-              <a:ext uri="{FF2B5EF4-FFF2-40B4-BE49-F238E27FC236}">
-                <a16:creationId xmlns:a16="http://schemas.microsoft.com/office/drawing/2014/main" id="{A6B7715D-E06D-4D95-B469-78B00FEE1280}"/>
-              </a:ext>
-            </a:extLst>
-          </p:cNvPr>
-          <p:cNvSpPr>
-            <a:spLocks noGrp="1"/>
-          </p:cNvSpPr>
-          <p:nvPr>
-            <p:ph idx="1"/>
-          </p:nvPr>
-        </p:nvSpPr>
-        <p:spPr/>
-        <p:txBody>
-          <a:bodyPr vert="horz" lIns="91440" tIns="45720" rIns="91440" bIns="45720" rtlCol="0" anchor="t">
-            <a:normAutofit fontScale="92500"/>
-          </a:bodyPr>
-          <a:lstStyle/>
-          <a:p>
-            <a:pPr algn="just"/>
-            <a:r>
-              <a:rPr lang="en-US" dirty="0">
-                <a:cs typeface="Calibri"/>
-              </a:rPr>
-              <a:t>How the text is pre-processed</a:t>
-            </a:r>
-            <a:endParaRPr lang="en-US">
-              <a:cs typeface="Calibri" panose="020F0502020204030204"/>
-            </a:endParaRPr>
-          </a:p>
-          <a:p>
-            <a:pPr lvl="1" algn="just"/>
-            <a:r>
-              <a:rPr lang="en-US" dirty="0">
-                <a:cs typeface="Calibri"/>
-              </a:rPr>
-              <a:t>The datasets contain text data that need some pre-processing. The neural network does not take in raw text data as input, so we need to convert this text data into a sequence of numbers (or a tensor) which is the appropriate input for the neural network.</a:t>
-            </a:r>
-          </a:p>
-          <a:p>
-            <a:pPr lvl="1" algn="just"/>
-            <a:r>
-              <a:rPr lang="en-US" dirty="0">
-                <a:cs typeface="Calibri"/>
-              </a:rPr>
-              <a:t>A dictionary of words in the datasets are built first. If the dictionary is not built, new text inputs will be stored as [0, 0, 1, 2, 3, 4, etc.]. This leads to wrongful predictions.</a:t>
-            </a:r>
-          </a:p>
-          <a:p>
-            <a:pPr lvl="1" algn="just"/>
-            <a:r>
-              <a:rPr lang="en-US" dirty="0">
-                <a:cs typeface="Calibri"/>
-              </a:rPr>
-              <a:t>The text data is then passed to another function which does lemmatization. Lemmatization is removing connectors in sentences like and, it, there and simplifies words like "do, done, doing, did" into "do".</a:t>
-            </a:r>
-          </a:p>
-          <a:p>
-            <a:pPr lvl="1" algn="just"/>
-            <a:r>
-              <a:rPr lang="en-US" dirty="0">
-                <a:cs typeface="Calibri"/>
-              </a:rPr>
-              <a:t>This list of words is then passed to another function that tokenizes it. Tokenizing is converting the list of words into sequences of numbers so that they can be used as input to the neural network.</a:t>
-            </a:r>
-          </a:p>
-        </p:txBody>
-      </p:sp>
-    </p:spTree>
-    <p:extLst>
-      <p:ext uri="{BB962C8B-B14F-4D97-AF65-F5344CB8AC3E}">
-        <p14:creationId xmlns:p14="http://schemas.microsoft.com/office/powerpoint/2010/main" val="956708869"/>
-      </p:ext>
-    </p:extLst>
-  </p:cSld>
-  <p:clrMapOvr>
-    <a:masterClrMapping/>
-  </p:clrMapOvr>
-</p:sld>
-</file>
-
-<file path=ppt/slides/slide15.xml><?xml version="1.0" encoding="utf-8"?>
-<p:sld xmlns:a="http://schemas.openxmlformats.org/drawingml/2006/main" xmlns:r="http://schemas.openxmlformats.org/officeDocument/2006/relationships" xmlns:p="http://schemas.openxmlformats.org/presentationml/2006/main">
-  <p:cSld>
-    <p:spTree>
-      <p:nvGrpSpPr>
-        <p:cNvPr id="1" name=""/>
-        <p:cNvGrpSpPr/>
-        <p:nvPr/>
-      </p:nvGrpSpPr>
-      <p:grpSpPr>
-        <a:xfrm>
-          <a:off x="0" y="0"/>
-          <a:ext cx="0" cy="0"/>
-          <a:chOff x="0" y="0"/>
-          <a:chExt cx="0" cy="0"/>
-        </a:xfrm>
-      </p:grpSpPr>
-      <p:sp>
-        <p:nvSpPr>
-          <p:cNvPr id="2" name="Title 1">
-            <a:extLst>
-              <a:ext uri="{FF2B5EF4-FFF2-40B4-BE49-F238E27FC236}">
-                <a16:creationId xmlns:a16="http://schemas.microsoft.com/office/drawing/2014/main" id="{62700633-8410-42C7-8E8C-D0A31453D838}"/>
-              </a:ext>
-            </a:extLst>
-          </p:cNvPr>
-          <p:cNvSpPr>
-            <a:spLocks noGrp="1"/>
-          </p:cNvSpPr>
-          <p:nvPr>
-            <p:ph type="title"/>
-          </p:nvPr>
-        </p:nvSpPr>
-        <p:spPr/>
-        <p:txBody>
-          <a:bodyPr/>
-          <a:lstStyle/>
-          <a:p>
-            <a:pPr algn="ctr"/>
-            <a:r>
-              <a:rPr lang="en-US" dirty="0">
-                <a:cs typeface="Calibri Light" panose="020F0302020204030204"/>
-              </a:rPr>
-              <a:t>Detailed Methodology</a:t>
-            </a:r>
-          </a:p>
-        </p:txBody>
-      </p:sp>
-      <p:sp>
-        <p:nvSpPr>
-          <p:cNvPr id="3" name="Content Placeholder 2">
-            <a:extLst>
-              <a:ext uri="{FF2B5EF4-FFF2-40B4-BE49-F238E27FC236}">
-                <a16:creationId xmlns:a16="http://schemas.microsoft.com/office/drawing/2014/main" id="{D26B32AC-8E2D-4BEA-A55D-D382D388926E}"/>
-              </a:ext>
-            </a:extLst>
-          </p:cNvPr>
-          <p:cNvSpPr>
-            <a:spLocks noGrp="1"/>
-          </p:cNvSpPr>
-          <p:nvPr>
-            <p:ph idx="1"/>
-          </p:nvPr>
-        </p:nvSpPr>
-        <p:spPr/>
-        <p:txBody>
-          <a:bodyPr vert="horz" lIns="91440" tIns="45720" rIns="91440" bIns="45720" rtlCol="0" anchor="t">
-            <a:normAutofit/>
-          </a:bodyPr>
-          <a:lstStyle/>
-          <a:p>
-            <a:r>
-              <a:rPr lang="en-US" dirty="0">
-                <a:cs typeface="Calibri"/>
-              </a:rPr>
-              <a:t>How the text is pre-processed</a:t>
-            </a:r>
-          </a:p>
-          <a:p>
-            <a:pPr lvl="1"/>
-            <a:endParaRPr lang="en-US" dirty="0">
-              <a:cs typeface="Calibri"/>
-            </a:endParaRPr>
-          </a:p>
-        </p:txBody>
-      </p:sp>
-      <p:pic>
-        <p:nvPicPr>
-          <p:cNvPr id="4" name="Picture 4" descr="A screenshot of a cell phone&#10;&#10;Description generated with very high confidence">
-            <a:extLst>
-              <a:ext uri="{FF2B5EF4-FFF2-40B4-BE49-F238E27FC236}">
-                <a16:creationId xmlns:a16="http://schemas.microsoft.com/office/drawing/2014/main" id="{6A55683E-5C9F-4C72-8B61-97DBEB66F59B}"/>
-              </a:ext>
-            </a:extLst>
-          </p:cNvPr>
-          <p:cNvPicPr>
-            <a:picLocks noChangeAspect="1"/>
-          </p:cNvPicPr>
-          <p:nvPr/>
-        </p:nvPicPr>
-        <p:blipFill>
-          <a:blip r:embed="rId2"/>
-          <a:stretch>
-            <a:fillRect/>
-          </a:stretch>
-        </p:blipFill>
-        <p:spPr>
-          <a:xfrm>
-            <a:off x="1156010" y="2319175"/>
-            <a:ext cx="8328102" cy="4124650"/>
-          </a:xfrm>
-          <a:prstGeom prst="rect">
-            <a:avLst/>
-          </a:prstGeom>
-        </p:spPr>
-      </p:pic>
-    </p:spTree>
-    <p:extLst>
-      <p:ext uri="{BB962C8B-B14F-4D97-AF65-F5344CB8AC3E}">
-        <p14:creationId xmlns:p14="http://schemas.microsoft.com/office/powerpoint/2010/main" val="2452716225"/>
       </p:ext>
     </p:extLst>
   </p:cSld>
@@ -5895,6 +4354,271 @@
           <p:cNvPr id="2" name="Title 1">
             <a:extLst>
               <a:ext uri="{FF2B5EF4-FFF2-40B4-BE49-F238E27FC236}">
+                <a16:creationId xmlns:a16="http://schemas.microsoft.com/office/drawing/2014/main" id="{21797F86-3438-47FD-B5D2-6D9FE8A47798}"/>
+              </a:ext>
+            </a:extLst>
+          </p:cNvPr>
+          <p:cNvSpPr>
+            <a:spLocks noGrp="1"/>
+          </p:cNvSpPr>
+          <p:nvPr>
+            <p:ph type="title"/>
+          </p:nvPr>
+        </p:nvSpPr>
+        <p:spPr/>
+        <p:txBody>
+          <a:bodyPr/>
+          <a:lstStyle/>
+          <a:p>
+            <a:pPr algn="ctr"/>
+            <a:r>
+              <a:rPr lang="en-US" dirty="0">
+                <a:cs typeface="Calibri Light" panose="020F0302020204030204"/>
+              </a:rPr>
+              <a:t>Detailed Methodology</a:t>
+            </a:r>
+          </a:p>
+        </p:txBody>
+      </p:sp>
+      <p:sp>
+        <p:nvSpPr>
+          <p:cNvPr id="3" name="Content Placeholder 2">
+            <a:extLst>
+              <a:ext uri="{FF2B5EF4-FFF2-40B4-BE49-F238E27FC236}">
+                <a16:creationId xmlns:a16="http://schemas.microsoft.com/office/drawing/2014/main" id="{A6B7715D-E06D-4D95-B469-78B00FEE1280}"/>
+              </a:ext>
+            </a:extLst>
+          </p:cNvPr>
+          <p:cNvSpPr>
+            <a:spLocks noGrp="1"/>
+          </p:cNvSpPr>
+          <p:nvPr>
+            <p:ph idx="1"/>
+          </p:nvPr>
+        </p:nvSpPr>
+        <p:spPr/>
+        <p:txBody>
+          <a:bodyPr vert="horz" lIns="91440" tIns="45720" rIns="91440" bIns="45720" rtlCol="0" anchor="t">
+            <a:normAutofit/>
+          </a:bodyPr>
+          <a:lstStyle/>
+          <a:p>
+            <a:pPr algn="just"/>
+            <a:r>
+              <a:rPr lang="en-US" dirty="0">
+                <a:cs typeface="Calibri"/>
+              </a:rPr>
+              <a:t>How the text is pre-processed</a:t>
+            </a:r>
+            <a:endParaRPr lang="en-US">
+              <a:cs typeface="Calibri" panose="020F0502020204030204"/>
+            </a:endParaRPr>
+          </a:p>
+          <a:p>
+            <a:pPr lvl="1" algn="just"/>
+            <a:r>
+              <a:rPr lang="en-US" dirty="0">
+                <a:cs typeface="Calibri"/>
+              </a:rPr>
+              <a:t>The datasets contain text data that need some pre-processing. The neural network does not take in raw text data as input, so we need to convert this text data into a sequence of numbers (or a tensor) which is the appropriate input for the neural network.</a:t>
+            </a:r>
+          </a:p>
+          <a:p>
+            <a:pPr lvl="1" algn="just"/>
+            <a:r>
+              <a:rPr lang="en-US" dirty="0">
+                <a:cs typeface="Calibri"/>
+              </a:rPr>
+              <a:t>A dictionary of words in the datasets are built first. If the dictionary is not built, new text inputs will be stored as [0, 0, 1, 2, 3, 4, etc.]. This leads to </a:t>
+            </a:r>
+            <a:r>
+              <a:rPr lang="en-US">
+                <a:cs typeface="Calibri"/>
+              </a:rPr>
+              <a:t>wrongful predictions.</a:t>
+            </a:r>
+          </a:p>
+          <a:p>
+            <a:pPr lvl="1" algn="just"/>
+            <a:r>
+              <a:rPr lang="en-US">
+                <a:cs typeface="Calibri"/>
+              </a:rPr>
+              <a:t>The list of words is then passed to a function that tokenizes it. </a:t>
+            </a:r>
+            <a:r>
+              <a:rPr lang="en-US" dirty="0">
+                <a:cs typeface="Calibri"/>
+              </a:rPr>
+              <a:t>Tokenizing is converting the list of words into sequences of numbers so that they can be used as input to the neural network.</a:t>
+            </a:r>
+          </a:p>
+        </p:txBody>
+      </p:sp>
+    </p:spTree>
+    <p:extLst>
+      <p:ext uri="{BB962C8B-B14F-4D97-AF65-F5344CB8AC3E}">
+        <p14:creationId xmlns:p14="http://schemas.microsoft.com/office/powerpoint/2010/main" val="956708869"/>
+      </p:ext>
+    </p:extLst>
+  </p:cSld>
+  <p:clrMapOvr>
+    <a:masterClrMapping/>
+  </p:clrMapOvr>
+</p:sld>
+</file>
+
+<file path=ppt/slides/slide17.xml><?xml version="1.0" encoding="utf-8"?>
+<p:sld xmlns:a="http://schemas.openxmlformats.org/drawingml/2006/main" xmlns:r="http://schemas.openxmlformats.org/officeDocument/2006/relationships" xmlns:p="http://schemas.openxmlformats.org/presentationml/2006/main">
+  <p:cSld>
+    <p:spTree>
+      <p:nvGrpSpPr>
+        <p:cNvPr id="1" name=""/>
+        <p:cNvGrpSpPr/>
+        <p:nvPr/>
+      </p:nvGrpSpPr>
+      <p:grpSpPr>
+        <a:xfrm>
+          <a:off x="0" y="0"/>
+          <a:ext cx="0" cy="0"/>
+          <a:chOff x="0" y="0"/>
+          <a:chExt cx="0" cy="0"/>
+        </a:xfrm>
+      </p:grpSpPr>
+      <p:sp>
+        <p:nvSpPr>
+          <p:cNvPr id="2" name="Title 1">
+            <a:extLst>
+              <a:ext uri="{FF2B5EF4-FFF2-40B4-BE49-F238E27FC236}">
+                <a16:creationId xmlns:a16="http://schemas.microsoft.com/office/drawing/2014/main" id="{62700633-8410-42C7-8E8C-D0A31453D838}"/>
+              </a:ext>
+            </a:extLst>
+          </p:cNvPr>
+          <p:cNvSpPr>
+            <a:spLocks noGrp="1"/>
+          </p:cNvSpPr>
+          <p:nvPr>
+            <p:ph type="title"/>
+          </p:nvPr>
+        </p:nvSpPr>
+        <p:spPr/>
+        <p:txBody>
+          <a:bodyPr/>
+          <a:lstStyle/>
+          <a:p>
+            <a:pPr algn="ctr"/>
+            <a:r>
+              <a:rPr lang="en-US" dirty="0">
+                <a:cs typeface="Calibri Light" panose="020F0302020204030204"/>
+              </a:rPr>
+              <a:t>Detailed Methodology</a:t>
+            </a:r>
+          </a:p>
+        </p:txBody>
+      </p:sp>
+      <p:sp>
+        <p:nvSpPr>
+          <p:cNvPr id="3" name="Content Placeholder 2">
+            <a:extLst>
+              <a:ext uri="{FF2B5EF4-FFF2-40B4-BE49-F238E27FC236}">
+                <a16:creationId xmlns:a16="http://schemas.microsoft.com/office/drawing/2014/main" id="{D26B32AC-8E2D-4BEA-A55D-D382D388926E}"/>
+              </a:ext>
+            </a:extLst>
+          </p:cNvPr>
+          <p:cNvSpPr>
+            <a:spLocks noGrp="1"/>
+          </p:cNvSpPr>
+          <p:nvPr>
+            <p:ph idx="1"/>
+          </p:nvPr>
+        </p:nvSpPr>
+        <p:spPr/>
+        <p:txBody>
+          <a:bodyPr vert="horz" lIns="91440" tIns="45720" rIns="91440" bIns="45720" rtlCol="0" anchor="t">
+            <a:normAutofit/>
+          </a:bodyPr>
+          <a:lstStyle/>
+          <a:p>
+            <a:r>
+              <a:rPr lang="en-US" dirty="0">
+                <a:cs typeface="Calibri"/>
+              </a:rPr>
+              <a:t>How the text is pre-processed</a:t>
+            </a:r>
+          </a:p>
+          <a:p>
+            <a:pPr lvl="1"/>
+            <a:endParaRPr lang="en-US" dirty="0">
+              <a:cs typeface="Calibri"/>
+            </a:endParaRPr>
+          </a:p>
+        </p:txBody>
+      </p:sp>
+      <p:pic>
+        <p:nvPicPr>
+          <p:cNvPr id="5" name="Picture 5" descr="A screenshot of a cell phone&#10;&#10;Description generated with very high confidence">
+            <a:extLst>
+              <a:ext uri="{FF2B5EF4-FFF2-40B4-BE49-F238E27FC236}">
+                <a16:creationId xmlns:a16="http://schemas.microsoft.com/office/drawing/2014/main" id="{4E200E3F-A9EC-48AB-A5ED-00E27F516918}"/>
+              </a:ext>
+            </a:extLst>
+          </p:cNvPr>
+          <p:cNvPicPr>
+            <a:picLocks noChangeAspect="1"/>
+          </p:cNvPicPr>
+          <p:nvPr/>
+        </p:nvPicPr>
+        <p:blipFill>
+          <a:blip r:embed="rId2"/>
+          <a:stretch>
+            <a:fillRect/>
+          </a:stretch>
+        </p:blipFill>
+        <p:spPr>
+          <a:xfrm>
+            <a:off x="837235" y="2379963"/>
+            <a:ext cx="6013048" cy="2310277"/>
+          </a:xfrm>
+          <a:prstGeom prst="rect">
+            <a:avLst/>
+          </a:prstGeom>
+        </p:spPr>
+      </p:pic>
+    </p:spTree>
+    <p:extLst>
+      <p:ext uri="{BB962C8B-B14F-4D97-AF65-F5344CB8AC3E}">
+        <p14:creationId xmlns:p14="http://schemas.microsoft.com/office/powerpoint/2010/main" val="2452716225"/>
+      </p:ext>
+    </p:extLst>
+  </p:cSld>
+  <p:clrMapOvr>
+    <a:masterClrMapping/>
+  </p:clrMapOvr>
+</p:sld>
+</file>
+
+<file path=ppt/slides/slide18.xml><?xml version="1.0" encoding="utf-8"?>
+<p:sld xmlns:a="http://schemas.openxmlformats.org/drawingml/2006/main" xmlns:r="http://schemas.openxmlformats.org/officeDocument/2006/relationships" xmlns:p="http://schemas.openxmlformats.org/presentationml/2006/main">
+  <p:cSld>
+    <p:spTree>
+      <p:nvGrpSpPr>
+        <p:cNvPr id="1" name=""/>
+        <p:cNvGrpSpPr/>
+        <p:nvPr/>
+      </p:nvGrpSpPr>
+      <p:grpSpPr>
+        <a:xfrm>
+          <a:off x="0" y="0"/>
+          <a:ext cx="0" cy="0"/>
+          <a:chOff x="0" y="0"/>
+          <a:chExt cx="0" cy="0"/>
+        </a:xfrm>
+      </p:grpSpPr>
+      <p:sp>
+        <p:nvSpPr>
+          <p:cNvPr id="2" name="Title 1">
+            <a:extLst>
+              <a:ext uri="{FF2B5EF4-FFF2-40B4-BE49-F238E27FC236}">
                 <a16:creationId xmlns:a16="http://schemas.microsoft.com/office/drawing/2014/main" id="{48C7C7BF-D634-46B5-BC7D-E71F3F3A95A8}"/>
               </a:ext>
             </a:extLst>
@@ -5946,10 +4670,10 @@
           <a:p>
             <a:pPr algn="just"/>
             <a:r>
-              <a:rPr lang="en-US" dirty="0">
-                <a:cs typeface="Calibri"/>
-              </a:rPr>
-              <a:t>The Neural Network</a:t>
+              <a:rPr lang="en-US">
+                <a:cs typeface="Calibri"/>
+              </a:rPr>
+              <a:t>Convolutional Neural Network</a:t>
             </a:r>
             <a:endParaRPr lang="en-US"/>
           </a:p>
@@ -6023,7 +4747,7 @@
 </p:sld>
 </file>
 
-<file path=ppt/slides/slide17.xml><?xml version="1.0" encoding="utf-8"?>
+<file path=ppt/slides/slide19.xml><?xml version="1.0" encoding="utf-8"?>
 <p:sld xmlns:a="http://schemas.openxmlformats.org/drawingml/2006/main" xmlns:r="http://schemas.openxmlformats.org/officeDocument/2006/relationships" xmlns:p="http://schemas.openxmlformats.org/presentationml/2006/main">
   <p:cSld>
     <p:spTree>
@@ -6169,7 +4893,7 @@
 </p:sld>
 </file>
 
-<file path=ppt/slides/slide18.xml><?xml version="1.0" encoding="utf-8"?>
+<file path=ppt/slides/slide2.xml><?xml version="1.0" encoding="utf-8"?>
 <p:sld xmlns:a="http://schemas.openxmlformats.org/drawingml/2006/main" xmlns:r="http://schemas.openxmlformats.org/officeDocument/2006/relationships" xmlns:p="http://schemas.openxmlformats.org/presentationml/2006/main">
   <p:cSld>
     <p:spTree>
@@ -6191,6 +4915,148 @@
           <p:cNvPr id="2" name="Title 1">
             <a:extLst>
               <a:ext uri="{FF2B5EF4-FFF2-40B4-BE49-F238E27FC236}">
+                <a16:creationId xmlns:a16="http://schemas.microsoft.com/office/drawing/2014/main" id="{8E4F941D-56C2-4C7C-9FB3-63D044E24749}"/>
+              </a:ext>
+            </a:extLst>
+          </p:cNvPr>
+          <p:cNvSpPr>
+            <a:spLocks noGrp="1"/>
+          </p:cNvSpPr>
+          <p:nvPr>
+            <p:ph type="title"/>
+          </p:nvPr>
+        </p:nvSpPr>
+        <p:spPr/>
+        <p:txBody>
+          <a:bodyPr/>
+          <a:lstStyle/>
+          <a:p>
+            <a:pPr algn="ctr"/>
+            <a:r>
+              <a:rPr lang="en-US" dirty="0">
+                <a:cs typeface="Calibri Light"/>
+              </a:rPr>
+              <a:t>Abstract</a:t>
+            </a:r>
+          </a:p>
+        </p:txBody>
+      </p:sp>
+      <p:sp>
+        <p:nvSpPr>
+          <p:cNvPr id="3" name="Content Placeholder 2">
+            <a:extLst>
+              <a:ext uri="{FF2B5EF4-FFF2-40B4-BE49-F238E27FC236}">
+                <a16:creationId xmlns:a16="http://schemas.microsoft.com/office/drawing/2014/main" id="{E87AB376-CC3B-4787-B404-735EBF109E79}"/>
+              </a:ext>
+            </a:extLst>
+          </p:cNvPr>
+          <p:cNvSpPr>
+            <a:spLocks noGrp="1"/>
+          </p:cNvSpPr>
+          <p:nvPr>
+            <p:ph idx="1"/>
+          </p:nvPr>
+        </p:nvSpPr>
+        <p:spPr/>
+        <p:txBody>
+          <a:bodyPr vert="horz" lIns="91440" tIns="45720" rIns="91440" bIns="45720" rtlCol="0" anchor="t">
+            <a:normAutofit fontScale="92500"/>
+          </a:bodyPr>
+          <a:lstStyle/>
+          <a:p>
+            <a:pPr algn="just"/>
+            <a:r>
+              <a:rPr lang="en-US" dirty="0">
+                <a:cs typeface="Calibri"/>
+              </a:rPr>
+              <a:t>Context Analyzer is a text classification application used to perform sentiment analysis, classify text into genres like Sports, Business, Technology, Politics, etc., and detect spam.</a:t>
+            </a:r>
+          </a:p>
+          <a:p>
+            <a:pPr algn="just"/>
+            <a:r>
+              <a:rPr lang="en-US" dirty="0">
+                <a:cs typeface="Calibri"/>
+              </a:rPr>
+              <a:t>It provides APIs for text classification. </a:t>
+            </a:r>
+          </a:p>
+          <a:p>
+            <a:pPr algn="just"/>
+            <a:r>
+              <a:rPr lang="en-US" dirty="0">
+                <a:cs typeface="Calibri"/>
+              </a:rPr>
+              <a:t>The user inputs some text through the UI or using the API. The trained model is then used to sort the text into appropriate classes.</a:t>
+            </a:r>
+            <a:endParaRPr lang="en-US"/>
+          </a:p>
+          <a:p>
+            <a:pPr algn="just">
+              <a:buFont typeface="Arial"/>
+            </a:pPr>
+            <a:r>
+              <a:rPr lang="en-US" dirty="0">
+                <a:cs typeface="Calibri"/>
+              </a:rPr>
+              <a:t>For example, sentiment analysis API can be used to analyze tweets, reviews, and categorize them into positive, negative.</a:t>
+            </a:r>
+          </a:p>
+          <a:p>
+            <a:pPr algn="just"/>
+            <a:r>
+              <a:rPr lang="en-US" dirty="0">
+                <a:cs typeface="Calibri"/>
+              </a:rPr>
+              <a:t>A lot of data being generated today consists of unstructured text data.</a:t>
+            </a:r>
+          </a:p>
+          <a:p>
+            <a:pPr algn="just"/>
+            <a:r>
+              <a:rPr lang="en-US" dirty="0">
+                <a:cs typeface="Calibri"/>
+              </a:rPr>
+              <a:t>NLP helps us build models that lets computers make sense of the text data.</a:t>
+            </a:r>
+          </a:p>
+        </p:txBody>
+      </p:sp>
+    </p:spTree>
+    <p:extLst>
+      <p:ext uri="{BB962C8B-B14F-4D97-AF65-F5344CB8AC3E}">
+        <p14:creationId xmlns:p14="http://schemas.microsoft.com/office/powerpoint/2010/main" val="3085881011"/>
+      </p:ext>
+    </p:extLst>
+  </p:cSld>
+  <p:clrMapOvr>
+    <a:masterClrMapping/>
+  </p:clrMapOvr>
+</p:sld>
+</file>
+
+<file path=ppt/slides/slide20.xml><?xml version="1.0" encoding="utf-8"?>
+<p:sld xmlns:a="http://schemas.openxmlformats.org/drawingml/2006/main" xmlns:r="http://schemas.openxmlformats.org/officeDocument/2006/relationships" xmlns:p="http://schemas.openxmlformats.org/presentationml/2006/main">
+  <p:cSld>
+    <p:spTree>
+      <p:nvGrpSpPr>
+        <p:cNvPr id="1" name=""/>
+        <p:cNvGrpSpPr/>
+        <p:nvPr/>
+      </p:nvGrpSpPr>
+      <p:grpSpPr>
+        <a:xfrm>
+          <a:off x="0" y="0"/>
+          <a:ext cx="0" cy="0"/>
+          <a:chOff x="0" y="0"/>
+          <a:chExt cx="0" cy="0"/>
+        </a:xfrm>
+      </p:grpSpPr>
+      <p:sp>
+        <p:nvSpPr>
+          <p:cNvPr id="2" name="Title 1">
+            <a:extLst>
+              <a:ext uri="{FF2B5EF4-FFF2-40B4-BE49-F238E27FC236}">
                 <a16:creationId xmlns:a16="http://schemas.microsoft.com/office/drawing/2014/main" id="{1758B9CA-6DA7-4C56-B38D-2F52987D4CE2}"/>
               </a:ext>
             </a:extLst>
@@ -6327,7 +5193,7 @@
 </p:sld>
 </file>
 
-<file path=ppt/slides/slide19.xml><?xml version="1.0" encoding="utf-8"?>
+<file path=ppt/slides/slide21.xml><?xml version="1.0" encoding="utf-8"?>
 <p:sld xmlns:a="http://schemas.openxmlformats.org/drawingml/2006/main" xmlns:r="http://schemas.openxmlformats.org/officeDocument/2006/relationships" xmlns:p="http://schemas.openxmlformats.org/presentationml/2006/main">
   <p:cSld>
     <p:spTree>
@@ -6466,149 +5332,7 @@
 </p:sld>
 </file>
 
-<file path=ppt/slides/slide2.xml><?xml version="1.0" encoding="utf-8"?>
-<p:sld xmlns:a="http://schemas.openxmlformats.org/drawingml/2006/main" xmlns:r="http://schemas.openxmlformats.org/officeDocument/2006/relationships" xmlns:p="http://schemas.openxmlformats.org/presentationml/2006/main">
-  <p:cSld>
-    <p:spTree>
-      <p:nvGrpSpPr>
-        <p:cNvPr id="1" name=""/>
-        <p:cNvGrpSpPr/>
-        <p:nvPr/>
-      </p:nvGrpSpPr>
-      <p:grpSpPr>
-        <a:xfrm>
-          <a:off x="0" y="0"/>
-          <a:ext cx="0" cy="0"/>
-          <a:chOff x="0" y="0"/>
-          <a:chExt cx="0" cy="0"/>
-        </a:xfrm>
-      </p:grpSpPr>
-      <p:sp>
-        <p:nvSpPr>
-          <p:cNvPr id="2" name="Title 1">
-            <a:extLst>
-              <a:ext uri="{FF2B5EF4-FFF2-40B4-BE49-F238E27FC236}">
-                <a16:creationId xmlns:a16="http://schemas.microsoft.com/office/drawing/2014/main" id="{8E4F941D-56C2-4C7C-9FB3-63D044E24749}"/>
-              </a:ext>
-            </a:extLst>
-          </p:cNvPr>
-          <p:cNvSpPr>
-            <a:spLocks noGrp="1"/>
-          </p:cNvSpPr>
-          <p:nvPr>
-            <p:ph type="title"/>
-          </p:nvPr>
-        </p:nvSpPr>
-        <p:spPr/>
-        <p:txBody>
-          <a:bodyPr/>
-          <a:lstStyle/>
-          <a:p>
-            <a:pPr algn="ctr"/>
-            <a:r>
-              <a:rPr lang="en-US" dirty="0">
-                <a:cs typeface="Calibri Light"/>
-              </a:rPr>
-              <a:t>Abstract</a:t>
-            </a:r>
-          </a:p>
-        </p:txBody>
-      </p:sp>
-      <p:sp>
-        <p:nvSpPr>
-          <p:cNvPr id="3" name="Content Placeholder 2">
-            <a:extLst>
-              <a:ext uri="{FF2B5EF4-FFF2-40B4-BE49-F238E27FC236}">
-                <a16:creationId xmlns:a16="http://schemas.microsoft.com/office/drawing/2014/main" id="{E87AB376-CC3B-4787-B404-735EBF109E79}"/>
-              </a:ext>
-            </a:extLst>
-          </p:cNvPr>
-          <p:cNvSpPr>
-            <a:spLocks noGrp="1"/>
-          </p:cNvSpPr>
-          <p:nvPr>
-            <p:ph idx="1"/>
-          </p:nvPr>
-        </p:nvSpPr>
-        <p:spPr/>
-        <p:txBody>
-          <a:bodyPr vert="horz" lIns="91440" tIns="45720" rIns="91440" bIns="45720" rtlCol="0" anchor="t">
-            <a:normAutofit lnSpcReduction="10000"/>
-          </a:bodyPr>
-          <a:lstStyle/>
-          <a:p>
-            <a:pPr algn="just"/>
-            <a:r>
-              <a:rPr lang="en-US" dirty="0">
-                <a:cs typeface="Calibri"/>
-              </a:rPr>
-              <a:t>Context Analyzer is a text classification application used to classify text into genres like Sports, Business, Technology, Politics, etc..</a:t>
-            </a:r>
-          </a:p>
-          <a:p>
-            <a:pPr algn="just"/>
-            <a:r>
-              <a:rPr lang="en-US" dirty="0">
-                <a:cs typeface="Calibri"/>
-              </a:rPr>
-              <a:t>It provides APIs for text classification. </a:t>
-            </a:r>
-          </a:p>
-          <a:p>
-            <a:pPr algn="just"/>
-            <a:r>
-              <a:rPr lang="en-US" dirty="0">
-                <a:cs typeface="Calibri"/>
-              </a:rPr>
-              <a:t>Input can be a pdf, txt document or a piece of text. The trained model is then used to sort the text into appropriate classes.</a:t>
-            </a:r>
-            <a:endParaRPr lang="en-US"/>
-          </a:p>
-          <a:p>
-            <a:pPr algn="just">
-              <a:buFont typeface="Arial"/>
-            </a:pPr>
-            <a:r>
-              <a:rPr lang="en-US" dirty="0">
-                <a:cs typeface="Calibri"/>
-              </a:rPr>
-              <a:t>Sentiment analysis API can be used to analyze tweets, reviews, and categorize them into positive, negative, neutral.</a:t>
-            </a:r>
-          </a:p>
-          <a:p>
-            <a:pPr algn="just"/>
-            <a:r>
-              <a:rPr lang="en-US" dirty="0">
-                <a:cs typeface="Calibri"/>
-              </a:rPr>
-              <a:t>A lot of data being generated today consists of unstructured text data.</a:t>
-            </a:r>
-          </a:p>
-          <a:p>
-            <a:pPr algn="just"/>
-            <a:r>
-              <a:rPr lang="en-US" dirty="0">
-                <a:cs typeface="Calibri"/>
-              </a:rPr>
-              <a:t>NLP helps us build models that lets computers make sense of the text data.</a:t>
-            </a:r>
-          </a:p>
-        </p:txBody>
-      </p:sp>
-    </p:spTree>
-    <p:extLst>
-      <p:ext uri="{BB962C8B-B14F-4D97-AF65-F5344CB8AC3E}">
-        <p14:creationId xmlns:p14="http://schemas.microsoft.com/office/powerpoint/2010/main" val="3085881011"/>
-      </p:ext>
-    </p:extLst>
-  </p:cSld>
-  <p:clrMapOvr>
-    <a:masterClrMapping/>
-  </p:clrMapOvr>
-</p:sld>
-</file>
-
-<file path=ppt/slides/slide20.xml><?xml version="1.0" encoding="utf-8"?>
+<file path=ppt/slides/slide22.xml><?xml version="1.0" encoding="utf-8"?>
 <p:sld xmlns:a="http://schemas.openxmlformats.org/drawingml/2006/main" xmlns:r="http://schemas.openxmlformats.org/officeDocument/2006/relationships" xmlns:p="http://schemas.openxmlformats.org/presentationml/2006/main">
   <p:cSld>
     <p:spTree>
@@ -6804,7 +5528,7 @@
         </p:nvSpPr>
         <p:spPr>
           <a:xfrm>
-            <a:off x="8884166" y="128034"/>
+            <a:off x="7838631" y="128034"/>
             <a:ext cx="2957401" cy="369332"/>
           </a:xfrm>
           <a:prstGeom prst="rect">
@@ -6968,206 +5692,7 @@
 </p:sld>
 </file>
 
-<file path=ppt/slides/slide21.xml><?xml version="1.0" encoding="utf-8"?>
-<p:sld xmlns:a="http://schemas.openxmlformats.org/drawingml/2006/main" xmlns:r="http://schemas.openxmlformats.org/officeDocument/2006/relationships" xmlns:p="http://schemas.openxmlformats.org/presentationml/2006/main">
-  <p:cSld>
-    <p:spTree>
-      <p:nvGrpSpPr>
-        <p:cNvPr id="1" name=""/>
-        <p:cNvGrpSpPr/>
-        <p:nvPr/>
-      </p:nvGrpSpPr>
-      <p:grpSpPr>
-        <a:xfrm>
-          <a:off x="0" y="0"/>
-          <a:ext cx="0" cy="0"/>
-          <a:chOff x="0" y="0"/>
-          <a:chExt cx="0" cy="0"/>
-        </a:xfrm>
-      </p:grpSpPr>
-      <p:sp>
-        <p:nvSpPr>
-          <p:cNvPr id="2" name="Title 1">
-            <a:extLst>
-              <a:ext uri="{FF2B5EF4-FFF2-40B4-BE49-F238E27FC236}">
-                <a16:creationId xmlns:a16="http://schemas.microsoft.com/office/drawing/2014/main" id="{350DDB70-5B17-4513-8494-85E398FE04B8}"/>
-              </a:ext>
-            </a:extLst>
-          </p:cNvPr>
-          <p:cNvSpPr>
-            <a:spLocks noGrp="1"/>
-          </p:cNvSpPr>
-          <p:nvPr>
-            <p:ph type="title"/>
-          </p:nvPr>
-        </p:nvSpPr>
-        <p:spPr/>
-        <p:txBody>
-          <a:bodyPr/>
-          <a:lstStyle/>
-          <a:p>
-            <a:pPr algn="ctr"/>
-            <a:r>
-              <a:rPr lang="en-US" dirty="0">
-                <a:cs typeface="Calibri Light"/>
-              </a:rPr>
-              <a:t>Modules</a:t>
-            </a:r>
-          </a:p>
-        </p:txBody>
-      </p:sp>
-      <p:sp>
-        <p:nvSpPr>
-          <p:cNvPr id="3" name="Content Placeholder 2">
-            <a:extLst>
-              <a:ext uri="{FF2B5EF4-FFF2-40B4-BE49-F238E27FC236}">
-                <a16:creationId xmlns:a16="http://schemas.microsoft.com/office/drawing/2014/main" id="{36354896-F079-4D93-8F1C-7A9B390A1B48}"/>
-              </a:ext>
-            </a:extLst>
-          </p:cNvPr>
-          <p:cNvSpPr>
-            <a:spLocks noGrp="1"/>
-          </p:cNvSpPr>
-          <p:nvPr>
-            <p:ph idx="1"/>
-          </p:nvPr>
-        </p:nvSpPr>
-        <p:spPr/>
-        <p:txBody>
-          <a:bodyPr vert="horz" lIns="91440" tIns="45720" rIns="91440" bIns="45720" rtlCol="0" anchor="t">
-            <a:normAutofit fontScale="92500" lnSpcReduction="20000"/>
-          </a:bodyPr>
-          <a:lstStyle/>
-          <a:p>
-            <a:r>
-              <a:rPr lang="en-US" dirty="0">
-                <a:cs typeface="Calibri"/>
-              </a:rPr>
-              <a:t>Data Gathering</a:t>
-            </a:r>
-          </a:p>
-          <a:p>
-            <a:pPr lvl="1"/>
-            <a:r>
-              <a:rPr lang="en-US" dirty="0">
-                <a:cs typeface="Calibri"/>
-              </a:rPr>
-              <a:t>Get the BBC News, </a:t>
-            </a:r>
-            <a:r>
-              <a:rPr lang="en-US" dirty="0" err="1">
-                <a:cs typeface="Calibri"/>
-              </a:rPr>
-              <a:t>imdb</a:t>
-            </a:r>
-            <a:r>
-              <a:rPr lang="en-US" dirty="0">
-                <a:cs typeface="Calibri"/>
-              </a:rPr>
-              <a:t> reviews datasets </a:t>
-            </a:r>
-          </a:p>
-          <a:p>
-            <a:r>
-              <a:rPr lang="en-US" dirty="0">
-                <a:cs typeface="Calibri"/>
-              </a:rPr>
-              <a:t>Data Cleaning/Pre-processing</a:t>
-            </a:r>
-          </a:p>
-          <a:p>
-            <a:pPr lvl="1"/>
-            <a:r>
-              <a:rPr lang="en-US" dirty="0">
-                <a:cs typeface="Calibri"/>
-              </a:rPr>
-              <a:t>Preparing the dataset using NLTK and split it for training and testing</a:t>
-            </a:r>
-          </a:p>
-          <a:p>
-            <a:r>
-              <a:rPr lang="en-US" dirty="0">
-                <a:cs typeface="Calibri"/>
-              </a:rPr>
-              <a:t>Initialize Model</a:t>
-            </a:r>
-          </a:p>
-          <a:p>
-            <a:pPr lvl="1"/>
-            <a:r>
-              <a:rPr lang="en-US" dirty="0">
-                <a:cs typeface="Calibri"/>
-              </a:rPr>
-              <a:t>Select the best model for the task at hand</a:t>
-            </a:r>
-          </a:p>
-          <a:p>
-            <a:r>
-              <a:rPr lang="en-US" dirty="0">
-                <a:cs typeface="Calibri"/>
-              </a:rPr>
-              <a:t>Training the Model</a:t>
-            </a:r>
-          </a:p>
-          <a:p>
-            <a:pPr lvl="1"/>
-            <a:r>
-              <a:rPr lang="en-US" dirty="0">
-                <a:cs typeface="Calibri"/>
-              </a:rPr>
-              <a:t>Feed the train data to the model</a:t>
-            </a:r>
-          </a:p>
-          <a:p>
-            <a:r>
-              <a:rPr lang="en-US" dirty="0">
-                <a:cs typeface="Calibri"/>
-              </a:rPr>
-              <a:t>Model Evaluation</a:t>
-            </a:r>
-          </a:p>
-          <a:p>
-            <a:pPr lvl="1"/>
-            <a:r>
-              <a:rPr lang="en-US" dirty="0">
-                <a:cs typeface="Calibri"/>
-              </a:rPr>
-              <a:t>Measure the accuracy of the trained model</a:t>
-            </a:r>
-          </a:p>
-          <a:p>
-            <a:r>
-              <a:rPr lang="en-US" dirty="0">
-                <a:cs typeface="Calibri"/>
-              </a:rPr>
-              <a:t>Make Predictions</a:t>
-            </a:r>
-          </a:p>
-          <a:p>
-            <a:pPr lvl="1"/>
-            <a:r>
-              <a:rPr lang="en-US" dirty="0">
-                <a:cs typeface="Calibri"/>
-              </a:rPr>
-              <a:t>Use the trained model to make predictions</a:t>
-            </a:r>
-          </a:p>
-        </p:txBody>
-      </p:sp>
-    </p:spTree>
-    <p:extLst>
-      <p:ext uri="{BB962C8B-B14F-4D97-AF65-F5344CB8AC3E}">
-        <p14:creationId xmlns:p14="http://schemas.microsoft.com/office/powerpoint/2010/main" val="3897002874"/>
-      </p:ext>
-    </p:extLst>
-  </p:cSld>
-  <p:clrMapOvr>
-    <a:masterClrMapping/>
-  </p:clrMapOvr>
-</p:sld>
-</file>
-
-<file path=ppt/slides/slide22.xml><?xml version="1.0" encoding="utf-8"?>
+<file path=ppt/slides/slide23.xml><?xml version="1.0" encoding="utf-8"?>
 <p:sld xmlns:a="http://schemas.openxmlformats.org/drawingml/2006/main" xmlns:r="http://schemas.openxmlformats.org/officeDocument/2006/relationships" xmlns:p="http://schemas.openxmlformats.org/presentationml/2006/main">
   <p:cSld>
     <p:spTree>
@@ -7295,7 +5820,7 @@
 </p:sld>
 </file>
 
-<file path=ppt/slides/slide23.xml><?xml version="1.0" encoding="utf-8"?>
+<file path=ppt/slides/slide24.xml><?xml version="1.0" encoding="utf-8"?>
 <p:sld xmlns:a="http://schemas.openxmlformats.org/drawingml/2006/main" xmlns:r="http://schemas.openxmlformats.org/officeDocument/2006/relationships" xmlns:p="http://schemas.openxmlformats.org/presentationml/2006/main">
   <p:cSld>
     <p:spTree>
@@ -7423,7 +5948,7 @@
 </p:sld>
 </file>
 
-<file path=ppt/slides/slide24.xml><?xml version="1.0" encoding="utf-8"?>
+<file path=ppt/slides/slide25.xml><?xml version="1.0" encoding="utf-8"?>
 <p:sld xmlns:a="http://schemas.openxmlformats.org/drawingml/2006/main" xmlns:r="http://schemas.openxmlformats.org/officeDocument/2006/relationships" xmlns:p="http://schemas.openxmlformats.org/presentationml/2006/main">
   <p:cSld>
     <p:spTree>
@@ -7551,7 +6076,7 @@
 </p:sld>
 </file>
 
-<file path=ppt/slides/slide25.xml><?xml version="1.0" encoding="utf-8"?>
+<file path=ppt/slides/slide26.xml><?xml version="1.0" encoding="utf-8"?>
 <p:sld xmlns:a="http://schemas.openxmlformats.org/drawingml/2006/main" xmlns:r="http://schemas.openxmlformats.org/officeDocument/2006/relationships" xmlns:p="http://schemas.openxmlformats.org/presentationml/2006/main">
   <p:cSld>
     <p:spTree>
@@ -7679,7 +6204,7 @@
 </p:sld>
 </file>
 
-<file path=ppt/slides/slide26.xml><?xml version="1.0" encoding="utf-8"?>
+<file path=ppt/slides/slide27.xml><?xml version="1.0" encoding="utf-8"?>
 <p:sld xmlns:a="http://schemas.openxmlformats.org/drawingml/2006/main" xmlns:r="http://schemas.openxmlformats.org/officeDocument/2006/relationships" xmlns:p="http://schemas.openxmlformats.org/presentationml/2006/main">
   <p:cSld>
     <p:spTree>
@@ -7789,7 +6314,7 @@
 </p:sld>
 </file>
 
-<file path=ppt/slides/slide27.xml><?xml version="1.0" encoding="utf-8"?>
+<file path=ppt/slides/slide28.xml><?xml version="1.0" encoding="utf-8"?>
 <p:sld xmlns:a="http://schemas.openxmlformats.org/drawingml/2006/main" xmlns:r="http://schemas.openxmlformats.org/officeDocument/2006/relationships" xmlns:p="http://schemas.openxmlformats.org/presentationml/2006/main">
   <p:cSld>
     <p:spTree>
@@ -7917,7 +6442,7 @@
 </p:sld>
 </file>
 
-<file path=ppt/slides/slide28.xml><?xml version="1.0" encoding="utf-8"?>
+<file path=ppt/slides/slide29.xml><?xml version="1.0" encoding="utf-8"?>
 <p:sld xmlns:a="http://schemas.openxmlformats.org/drawingml/2006/main" xmlns:r="http://schemas.openxmlformats.org/officeDocument/2006/relationships" xmlns:p="http://schemas.openxmlformats.org/presentationml/2006/main">
   <p:cSld>
     <p:spTree>
@@ -8045,7 +6570,151 @@
 </p:sld>
 </file>
 
-<file path=ppt/slides/slide29.xml><?xml version="1.0" encoding="utf-8"?>
+<file path=ppt/slides/slide3.xml><?xml version="1.0" encoding="utf-8"?>
+<p:sld xmlns:a="http://schemas.openxmlformats.org/drawingml/2006/main" xmlns:r="http://schemas.openxmlformats.org/officeDocument/2006/relationships" xmlns:p="http://schemas.openxmlformats.org/presentationml/2006/main">
+  <p:cSld>
+    <p:spTree>
+      <p:nvGrpSpPr>
+        <p:cNvPr id="1" name=""/>
+        <p:cNvGrpSpPr/>
+        <p:nvPr/>
+      </p:nvGrpSpPr>
+      <p:grpSpPr>
+        <a:xfrm>
+          <a:off x="0" y="0"/>
+          <a:ext cx="0" cy="0"/>
+          <a:chOff x="0" y="0"/>
+          <a:chExt cx="0" cy="0"/>
+        </a:xfrm>
+      </p:grpSpPr>
+      <p:sp>
+        <p:nvSpPr>
+          <p:cNvPr id="2" name="Title 1">
+            <a:extLst>
+              <a:ext uri="{FF2B5EF4-FFF2-40B4-BE49-F238E27FC236}">
+                <a16:creationId xmlns:a16="http://schemas.microsoft.com/office/drawing/2014/main" id="{0EB23F6D-AF81-4C6E-A900-63024BF2F910}"/>
+              </a:ext>
+            </a:extLst>
+          </p:cNvPr>
+          <p:cNvSpPr>
+            <a:spLocks noGrp="1"/>
+          </p:cNvSpPr>
+          <p:nvPr>
+            <p:ph type="title"/>
+          </p:nvPr>
+        </p:nvSpPr>
+        <p:spPr/>
+        <p:txBody>
+          <a:bodyPr/>
+          <a:lstStyle/>
+          <a:p>
+            <a:pPr algn="ctr"/>
+            <a:r>
+              <a:rPr lang="en-US" dirty="0">
+                <a:cs typeface="Calibri Light"/>
+              </a:rPr>
+              <a:t>Introduction</a:t>
+            </a:r>
+            <a:endParaRPr lang="en-US" dirty="0"/>
+          </a:p>
+        </p:txBody>
+      </p:sp>
+      <p:pic>
+        <p:nvPicPr>
+          <p:cNvPr id="4" name="Picture 4" descr="A picture containing computer&#10;&#10;Description generated with very high confidence">
+            <a:extLst>
+              <a:ext uri="{FF2B5EF4-FFF2-40B4-BE49-F238E27FC236}">
+                <a16:creationId xmlns:a16="http://schemas.microsoft.com/office/drawing/2014/main" id="{23FE1FAB-6242-43C9-B77F-0C55C77E2B17}"/>
+              </a:ext>
+            </a:extLst>
+          </p:cNvPr>
+          <p:cNvPicPr>
+            <a:picLocks noGrp="1" noChangeAspect="1"/>
+          </p:cNvPicPr>
+          <p:nvPr>
+            <p:ph idx="1"/>
+          </p:nvPr>
+        </p:nvPicPr>
+        <p:blipFill>
+          <a:blip r:embed="rId2"/>
+          <a:stretch>
+            <a:fillRect/>
+          </a:stretch>
+        </p:blipFill>
+        <p:spPr>
+          <a:xfrm>
+            <a:off x="839529" y="1950096"/>
+            <a:ext cx="6667500" cy="3429000"/>
+          </a:xfrm>
+        </p:spPr>
+      </p:pic>
+      <p:sp>
+        <p:nvSpPr>
+          <p:cNvPr id="6" name="TextBox 5">
+            <a:extLst>
+              <a:ext uri="{FF2B5EF4-FFF2-40B4-BE49-F238E27FC236}">
+                <a16:creationId xmlns:a16="http://schemas.microsoft.com/office/drawing/2014/main" id="{89FF2F55-F978-44B3-A7F8-A4CEAE32E85C}"/>
+              </a:ext>
+            </a:extLst>
+          </p:cNvPr>
+          <p:cNvSpPr txBox="1"/>
+          <p:nvPr/>
+        </p:nvSpPr>
+        <p:spPr>
+          <a:xfrm>
+            <a:off x="7577470" y="1951075"/>
+            <a:ext cx="2743200" cy="3139321"/>
+          </a:xfrm>
+          <a:prstGeom prst="rect">
+            <a:avLst/>
+          </a:prstGeom>
+          <a:noFill/>
+        </p:spPr>
+        <p:txBody>
+          <a:bodyPr rot="0" spcFirstLastPara="0" vertOverflow="overflow" horzOverflow="overflow" vert="horz" wrap="square" lIns="91440" tIns="45720" rIns="91440" bIns="45720" numCol="1" spcCol="0" rtlCol="0" fromWordArt="0" anchor="t" anchorCtr="0" forceAA="0" compatLnSpc="1">
+            <a:prstTxWarp prst="textNoShape">
+              <a:avLst/>
+            </a:prstTxWarp>
+            <a:spAutoFit/>
+          </a:bodyPr>
+          <a:lstStyle/>
+          <a:p>
+            <a:r>
+              <a:rPr lang="en-US" dirty="0">
+                <a:cs typeface="Calibri"/>
+              </a:rPr>
+              <a:t>Using a Machine Learning model to classify text data/documents online will save a lot of time and resources. </a:t>
+            </a:r>
+          </a:p>
+          <a:p>
+            <a:endParaRPr lang="en-US" dirty="0">
+              <a:cs typeface="Calibri"/>
+            </a:endParaRPr>
+          </a:p>
+          <a:p>
+            <a:r>
+              <a:rPr lang="en-US" dirty="0">
+                <a:cs typeface="Calibri"/>
+              </a:rPr>
+              <a:t>Classification tasks that would take humans weeks to complete can be done in hours by a computer with a good ML model.</a:t>
+            </a:r>
+          </a:p>
+        </p:txBody>
+      </p:sp>
+    </p:spTree>
+    <p:extLst>
+      <p:ext uri="{BB962C8B-B14F-4D97-AF65-F5344CB8AC3E}">
+        <p14:creationId xmlns:p14="http://schemas.microsoft.com/office/powerpoint/2010/main" val="2775838959"/>
+      </p:ext>
+    </p:extLst>
+  </p:cSld>
+  <p:clrMapOvr>
+    <a:masterClrMapping/>
+  </p:clrMapOvr>
+</p:sld>
+</file>
+
+<file path=ppt/slides/slide30.xml><?xml version="1.0" encoding="utf-8"?>
 <p:sld xmlns:a="http://schemas.openxmlformats.org/drawingml/2006/main" xmlns:r="http://schemas.openxmlformats.org/officeDocument/2006/relationships" xmlns:p="http://schemas.openxmlformats.org/presentationml/2006/main">
   <p:cSld>
     <p:spTree>
@@ -8173,151 +6842,7 @@
 </p:sld>
 </file>
 
-<file path=ppt/slides/slide3.xml><?xml version="1.0" encoding="utf-8"?>
-<p:sld xmlns:a="http://schemas.openxmlformats.org/drawingml/2006/main" xmlns:r="http://schemas.openxmlformats.org/officeDocument/2006/relationships" xmlns:p="http://schemas.openxmlformats.org/presentationml/2006/main">
-  <p:cSld>
-    <p:spTree>
-      <p:nvGrpSpPr>
-        <p:cNvPr id="1" name=""/>
-        <p:cNvGrpSpPr/>
-        <p:nvPr/>
-      </p:nvGrpSpPr>
-      <p:grpSpPr>
-        <a:xfrm>
-          <a:off x="0" y="0"/>
-          <a:ext cx="0" cy="0"/>
-          <a:chOff x="0" y="0"/>
-          <a:chExt cx="0" cy="0"/>
-        </a:xfrm>
-      </p:grpSpPr>
-      <p:sp>
-        <p:nvSpPr>
-          <p:cNvPr id="2" name="Title 1">
-            <a:extLst>
-              <a:ext uri="{FF2B5EF4-FFF2-40B4-BE49-F238E27FC236}">
-                <a16:creationId xmlns:a16="http://schemas.microsoft.com/office/drawing/2014/main" id="{0EB23F6D-AF81-4C6E-A900-63024BF2F910}"/>
-              </a:ext>
-            </a:extLst>
-          </p:cNvPr>
-          <p:cNvSpPr>
-            <a:spLocks noGrp="1"/>
-          </p:cNvSpPr>
-          <p:nvPr>
-            <p:ph type="title"/>
-          </p:nvPr>
-        </p:nvSpPr>
-        <p:spPr/>
-        <p:txBody>
-          <a:bodyPr/>
-          <a:lstStyle/>
-          <a:p>
-            <a:pPr algn="ctr"/>
-            <a:r>
-              <a:rPr lang="en-US" dirty="0">
-                <a:cs typeface="Calibri Light"/>
-              </a:rPr>
-              <a:t>Introduction</a:t>
-            </a:r>
-            <a:endParaRPr lang="en-US" dirty="0"/>
-          </a:p>
-        </p:txBody>
-      </p:sp>
-      <p:pic>
-        <p:nvPicPr>
-          <p:cNvPr id="4" name="Picture 4" descr="A picture containing computer&#10;&#10;Description generated with very high confidence">
-            <a:extLst>
-              <a:ext uri="{FF2B5EF4-FFF2-40B4-BE49-F238E27FC236}">
-                <a16:creationId xmlns:a16="http://schemas.microsoft.com/office/drawing/2014/main" id="{23FE1FAB-6242-43C9-B77F-0C55C77E2B17}"/>
-              </a:ext>
-            </a:extLst>
-          </p:cNvPr>
-          <p:cNvPicPr>
-            <a:picLocks noGrp="1" noChangeAspect="1"/>
-          </p:cNvPicPr>
-          <p:nvPr>
-            <p:ph idx="1"/>
-          </p:nvPr>
-        </p:nvPicPr>
-        <p:blipFill>
-          <a:blip r:embed="rId2"/>
-          <a:stretch>
-            <a:fillRect/>
-          </a:stretch>
-        </p:blipFill>
-        <p:spPr>
-          <a:xfrm>
-            <a:off x="839529" y="1950096"/>
-            <a:ext cx="6667500" cy="3429000"/>
-          </a:xfrm>
-        </p:spPr>
-      </p:pic>
-      <p:sp>
-        <p:nvSpPr>
-          <p:cNvPr id="6" name="TextBox 5">
-            <a:extLst>
-              <a:ext uri="{FF2B5EF4-FFF2-40B4-BE49-F238E27FC236}">
-                <a16:creationId xmlns:a16="http://schemas.microsoft.com/office/drawing/2014/main" id="{89FF2F55-F978-44B3-A7F8-A4CEAE32E85C}"/>
-              </a:ext>
-            </a:extLst>
-          </p:cNvPr>
-          <p:cNvSpPr txBox="1"/>
-          <p:nvPr/>
-        </p:nvSpPr>
-        <p:spPr>
-          <a:xfrm>
-            <a:off x="7577470" y="1951075"/>
-            <a:ext cx="2743200" cy="3139321"/>
-          </a:xfrm>
-          <a:prstGeom prst="rect">
-            <a:avLst/>
-          </a:prstGeom>
-          <a:noFill/>
-        </p:spPr>
-        <p:txBody>
-          <a:bodyPr rot="0" spcFirstLastPara="0" vertOverflow="overflow" horzOverflow="overflow" vert="horz" wrap="square" lIns="91440" tIns="45720" rIns="91440" bIns="45720" numCol="1" spcCol="0" rtlCol="0" fromWordArt="0" anchor="t" anchorCtr="0" forceAA="0" compatLnSpc="1">
-            <a:prstTxWarp prst="textNoShape">
-              <a:avLst/>
-            </a:prstTxWarp>
-            <a:spAutoFit/>
-          </a:bodyPr>
-          <a:lstStyle/>
-          <a:p>
-            <a:r>
-              <a:rPr lang="en-US" dirty="0">
-                <a:cs typeface="Calibri"/>
-              </a:rPr>
-              <a:t>Using a Machine Learning model to classify text data/documents online will save a lot of time and resources. </a:t>
-            </a:r>
-          </a:p>
-          <a:p>
-            <a:endParaRPr lang="en-US" dirty="0">
-              <a:cs typeface="Calibri"/>
-            </a:endParaRPr>
-          </a:p>
-          <a:p>
-            <a:r>
-              <a:rPr lang="en-US" dirty="0">
-                <a:cs typeface="Calibri"/>
-              </a:rPr>
-              <a:t>Classification tasks that would take humans weeks to complete can be done in hours by a computer with a good ML model.</a:t>
-            </a:r>
-          </a:p>
-        </p:txBody>
-      </p:sp>
-    </p:spTree>
-    <p:extLst>
-      <p:ext uri="{BB962C8B-B14F-4D97-AF65-F5344CB8AC3E}">
-        <p14:creationId xmlns:p14="http://schemas.microsoft.com/office/powerpoint/2010/main" val="2775838959"/>
-      </p:ext>
-    </p:extLst>
-  </p:cSld>
-  <p:clrMapOvr>
-    <a:masterClrMapping/>
-  </p:clrMapOvr>
-</p:sld>
-</file>
-
-<file path=ppt/slides/slide30.xml><?xml version="1.0" encoding="utf-8"?>
+<file path=ppt/slides/slide31.xml><?xml version="1.0" encoding="utf-8"?>
 <p:sld xmlns:a="http://schemas.openxmlformats.org/drawingml/2006/main" xmlns:r="http://schemas.openxmlformats.org/officeDocument/2006/relationships" xmlns:p="http://schemas.openxmlformats.org/presentationml/2006/main">
   <p:cSld>
     <p:spTree>
@@ -8445,179 +6970,6 @@
 </p:sld>
 </file>
 
-<file path=ppt/slides/slide31.xml><?xml version="1.0" encoding="utf-8"?>
-<p:sld xmlns:a="http://schemas.openxmlformats.org/drawingml/2006/main" xmlns:r="http://schemas.openxmlformats.org/officeDocument/2006/relationships" xmlns:p="http://schemas.openxmlformats.org/presentationml/2006/main">
-  <p:cSld>
-    <p:spTree>
-      <p:nvGrpSpPr>
-        <p:cNvPr id="1" name=""/>
-        <p:cNvGrpSpPr/>
-        <p:nvPr/>
-      </p:nvGrpSpPr>
-      <p:grpSpPr>
-        <a:xfrm>
-          <a:off x="0" y="0"/>
-          <a:ext cx="0" cy="0"/>
-          <a:chOff x="0" y="0"/>
-          <a:chExt cx="0" cy="0"/>
-        </a:xfrm>
-      </p:grpSpPr>
-      <p:sp>
-        <p:nvSpPr>
-          <p:cNvPr id="2" name="Title 1">
-            <a:extLst>
-              <a:ext uri="{FF2B5EF4-FFF2-40B4-BE49-F238E27FC236}">
-                <a16:creationId xmlns:a16="http://schemas.microsoft.com/office/drawing/2014/main" id="{0746B8CE-D3CE-4655-B832-46145C4AC50E}"/>
-              </a:ext>
-            </a:extLst>
-          </p:cNvPr>
-          <p:cNvSpPr>
-            <a:spLocks noGrp="1"/>
-          </p:cNvSpPr>
-          <p:nvPr>
-            <p:ph type="title"/>
-          </p:nvPr>
-        </p:nvSpPr>
-        <p:spPr/>
-        <p:txBody>
-          <a:bodyPr/>
-          <a:lstStyle/>
-          <a:p>
-            <a:pPr algn="ctr"/>
-            <a:r>
-              <a:rPr lang="en-US" dirty="0">
-                <a:cs typeface="Calibri Light" panose="020F0302020204030204"/>
-              </a:rPr>
-              <a:t>Conclusion</a:t>
-            </a:r>
-          </a:p>
-        </p:txBody>
-      </p:sp>
-      <p:sp>
-        <p:nvSpPr>
-          <p:cNvPr id="3" name="Content Placeholder 2">
-            <a:extLst>
-              <a:ext uri="{FF2B5EF4-FFF2-40B4-BE49-F238E27FC236}">
-                <a16:creationId xmlns:a16="http://schemas.microsoft.com/office/drawing/2014/main" id="{30C5F410-AD01-4316-948C-1CAE91ABEB09}"/>
-              </a:ext>
-            </a:extLst>
-          </p:cNvPr>
-          <p:cNvSpPr>
-            <a:spLocks noGrp="1"/>
-          </p:cNvSpPr>
-          <p:nvPr>
-            <p:ph idx="1"/>
-          </p:nvPr>
-        </p:nvSpPr>
-        <p:spPr/>
-        <p:txBody>
-          <a:bodyPr vert="horz" lIns="91440" tIns="45720" rIns="91440" bIns="45720" rtlCol="0" anchor="t">
-            <a:normAutofit fontScale="85000" lnSpcReduction="20000"/>
-          </a:bodyPr>
-          <a:lstStyle/>
-          <a:p>
-            <a:pPr algn="just"/>
-            <a:r>
-              <a:rPr lang="en-US" dirty="0">
-                <a:latin typeface="Calibri"/>
-                <a:cs typeface="Times New Roman"/>
-              </a:rPr>
-              <a:t>The goal of this project from the start was to build reliable, accurate APIs for NLP tasks. </a:t>
-            </a:r>
-            <a:endParaRPr lang="en-US">
-              <a:latin typeface="Calibri"/>
-              <a:cs typeface="Calibri" panose="020F0502020204030204"/>
-            </a:endParaRPr>
-          </a:p>
-          <a:p>
-            <a:pPr algn="just"/>
-            <a:r>
-              <a:rPr lang="en-US" dirty="0">
-                <a:latin typeface="Calibri"/>
-                <a:cs typeface="Times New Roman"/>
-              </a:rPr>
-              <a:t>Having achieved that for 3 different tasks; Sentiment Analysis, Category Prediction, Spam Detection, it is safe to say that ML APIs are going to dominate in the near future. </a:t>
-            </a:r>
-            <a:endParaRPr lang="en-US">
-              <a:latin typeface="Calibri"/>
-              <a:cs typeface="Calibri Light"/>
-            </a:endParaRPr>
-          </a:p>
-          <a:p>
-            <a:pPr algn="just"/>
-            <a:r>
-              <a:rPr lang="en-US" dirty="0">
-                <a:latin typeface="Calibri"/>
-                <a:cs typeface="Times New Roman"/>
-              </a:rPr>
-              <a:t>It is very easy for users to just integrate APIs for NLP tasks than build them from scratch. </a:t>
-            </a:r>
-            <a:endParaRPr lang="en-US">
-              <a:latin typeface="Calibri"/>
-              <a:cs typeface="Calibri Light"/>
-            </a:endParaRPr>
-          </a:p>
-          <a:p>
-            <a:pPr algn="just"/>
-            <a:r>
-              <a:rPr lang="en-US" dirty="0">
-                <a:latin typeface="Calibri"/>
-                <a:cs typeface="Times New Roman"/>
-              </a:rPr>
-              <a:t>The tools and technologies used to build this application allow for easy integration of new features and new APIs. </a:t>
-            </a:r>
-            <a:endParaRPr lang="en-US">
-              <a:latin typeface="Calibri"/>
-              <a:cs typeface="Calibri Light"/>
-            </a:endParaRPr>
-          </a:p>
-          <a:p>
-            <a:pPr algn="just"/>
-            <a:r>
-              <a:rPr lang="en-US" dirty="0">
-                <a:latin typeface="Calibri"/>
-                <a:cs typeface="Times New Roman"/>
-              </a:rPr>
-              <a:t>Having provided a page with documentation for the API, users are going to find it easy to make use of my APIs. </a:t>
-            </a:r>
-            <a:endParaRPr lang="en-US">
-              <a:latin typeface="Calibri"/>
-              <a:cs typeface="Calibri Light"/>
-            </a:endParaRPr>
-          </a:p>
-          <a:p>
-            <a:pPr algn="just"/>
-            <a:r>
-              <a:rPr lang="en-US" dirty="0">
-                <a:latin typeface="Calibri"/>
-                <a:cs typeface="Times New Roman"/>
-              </a:rPr>
-              <a:t>Since most of the tasks are done on the browser itself, it requires very less computation power. This means that the APIs can be easily used for predictions on mobile devices as well. </a:t>
-            </a:r>
-            <a:endParaRPr lang="en-US">
-              <a:latin typeface="Calibri"/>
-            </a:endParaRPr>
-          </a:p>
-          <a:p>
-            <a:endParaRPr lang="en-US" dirty="0">
-              <a:cs typeface="Calibri"/>
-            </a:endParaRPr>
-          </a:p>
-        </p:txBody>
-      </p:sp>
-    </p:spTree>
-    <p:extLst>
-      <p:ext uri="{BB962C8B-B14F-4D97-AF65-F5344CB8AC3E}">
-        <p14:creationId xmlns:p14="http://schemas.microsoft.com/office/powerpoint/2010/main" val="1170440983"/>
-      </p:ext>
-    </p:extLst>
-  </p:cSld>
-  <p:clrMapOvr>
-    <a:masterClrMapping/>
-  </p:clrMapOvr>
-</p:sld>
-</file>
-
 <file path=ppt/slides/slide32.xml><?xml version="1.0" encoding="utf-8"?>
 <p:sld xmlns:a="http://schemas.openxmlformats.org/drawingml/2006/main" xmlns:r="http://schemas.openxmlformats.org/officeDocument/2006/relationships" xmlns:p="http://schemas.openxmlformats.org/presentationml/2006/main">
   <p:cSld>
@@ -8640,7 +6992,7 @@
           <p:cNvPr id="2" name="Title 1">
             <a:extLst>
               <a:ext uri="{FF2B5EF4-FFF2-40B4-BE49-F238E27FC236}">
-                <a16:creationId xmlns:a16="http://schemas.microsoft.com/office/drawing/2014/main" id="{105B9AAB-9AF3-4A5C-B615-44D9356B7E1C}"/>
+                <a16:creationId xmlns:a16="http://schemas.microsoft.com/office/drawing/2014/main" id="{0746B8CE-D3CE-4655-B832-46145C4AC50E}"/>
               </a:ext>
             </a:extLst>
           </p:cNvPr>
@@ -8661,7 +7013,7 @@
               <a:rPr lang="en-US" dirty="0">
                 <a:cs typeface="Calibri Light" panose="020F0302020204030204"/>
               </a:rPr>
-              <a:t>Future Enhancements</a:t>
+              <a:t>Conclusion</a:t>
             </a:r>
           </a:p>
         </p:txBody>
@@ -8671,7 +7023,7 @@
           <p:cNvPr id="3" name="Content Placeholder 2">
             <a:extLst>
               <a:ext uri="{FF2B5EF4-FFF2-40B4-BE49-F238E27FC236}">
-                <a16:creationId xmlns:a16="http://schemas.microsoft.com/office/drawing/2014/main" id="{9F84C259-CDDB-4904-B5AD-52B589A552F4}"/>
+                <a16:creationId xmlns:a16="http://schemas.microsoft.com/office/drawing/2014/main" id="{30C5F410-AD01-4316-948C-1CAE91ABEB09}"/>
               </a:ext>
             </a:extLst>
           </p:cNvPr>
@@ -8685,7 +7037,7 @@
         <p:spPr/>
         <p:txBody>
           <a:bodyPr vert="horz" lIns="91440" tIns="45720" rIns="91440" bIns="45720" rtlCol="0" anchor="t">
-            <a:normAutofit/>
+            <a:normAutofit fontScale="85000" lnSpcReduction="20000"/>
           </a:bodyPr>
           <a:lstStyle/>
           <a:p>
@@ -8695,9 +7047,10 @@
                 <a:latin typeface="Calibri"/>
                 <a:cs typeface="Times New Roman"/>
               </a:rPr>
-              <a:t>There is a lot of potential still left for the project to fulfill. </a:t>
+              <a:t>The goal of this project from the start was to build reliable, accurate APIs for NLP tasks. </a:t>
             </a:r>
             <a:endParaRPr lang="en-US">
+              <a:latin typeface="Calibri"/>
               <a:cs typeface="Calibri" panose="020F0502020204030204"/>
             </a:endParaRPr>
           </a:p>
@@ -8708,9 +7061,12 @@
                 <a:latin typeface="Calibri"/>
                 <a:cs typeface="Times New Roman"/>
               </a:rPr>
-              <a:t>The accuracy can and should increase. </a:t>
-            </a:r>
-            <a:endParaRPr lang="en-US"/>
+              <a:t>Having achieved that for 3 different tasks; Sentiment Analysis, Category Prediction, Spam Detection, it is safe to say that ML APIs are going to dominate in the near future. </a:t>
+            </a:r>
+            <a:endParaRPr lang="en-US">
+              <a:latin typeface="Calibri"/>
+              <a:cs typeface="Calibri Light"/>
+            </a:endParaRPr>
           </a:p>
           <a:p>
             <a:pPr algn="just"/>
@@ -8719,9 +7075,12 @@
                 <a:latin typeface="Calibri"/>
                 <a:cs typeface="Times New Roman"/>
               </a:rPr>
-              <a:t>The API itself should provide more features. Features like text labeling, summary generation, etc. should be implemented. </a:t>
-            </a:r>
-            <a:endParaRPr lang="en-US"/>
+              <a:t>It is very easy for users to just integrate APIs for NLP tasks than build them from scratch. </a:t>
+            </a:r>
+            <a:endParaRPr lang="en-US">
+              <a:latin typeface="Calibri"/>
+              <a:cs typeface="Calibri Light"/>
+            </a:endParaRPr>
           </a:p>
           <a:p>
             <a:pPr algn="just"/>
@@ -8730,9 +7089,12 @@
                 <a:latin typeface="Calibri"/>
                 <a:cs typeface="Times New Roman"/>
               </a:rPr>
-              <a:t>Users and API keys specific to the user must be set up. As of now, the APIs are free for all and not specific to the users. </a:t>
-            </a:r>
-            <a:endParaRPr lang="en-US"/>
+              <a:t>The tools and technologies used to build this application allow for easy integration of new features and new APIs. </a:t>
+            </a:r>
+            <a:endParaRPr lang="en-US">
+              <a:latin typeface="Calibri"/>
+              <a:cs typeface="Calibri Light"/>
+            </a:endParaRPr>
           </a:p>
           <a:p>
             <a:pPr algn="just"/>
@@ -8741,9 +7103,25 @@
                 <a:latin typeface="Calibri"/>
                 <a:cs typeface="Times New Roman"/>
               </a:rPr>
-              <a:t>Develop APIs for more NLP tasks. </a:t>
-            </a:r>
-            <a:endParaRPr lang="en-US"/>
+              <a:t>Having provided a page with documentation for the API, users are going to find it easy to make use of my APIs. </a:t>
+            </a:r>
+            <a:endParaRPr lang="en-US">
+              <a:latin typeface="Calibri"/>
+              <a:cs typeface="Calibri Light"/>
+            </a:endParaRPr>
+          </a:p>
+          <a:p>
+            <a:pPr algn="just"/>
+            <a:r>
+              <a:rPr lang="en-US" dirty="0">
+                <a:latin typeface="Calibri"/>
+                <a:cs typeface="Times New Roman"/>
+              </a:rPr>
+              <a:t>Since most of the tasks are done on the browser itself, it requires very less computation power. This means that the APIs can be easily used for predictions on mobile devices as well. </a:t>
+            </a:r>
+            <a:endParaRPr lang="en-US">
+              <a:latin typeface="Calibri"/>
+            </a:endParaRPr>
           </a:p>
           <a:p>
             <a:endParaRPr lang="en-US" dirty="0">
@@ -8755,7 +7133,7 @@
     </p:spTree>
     <p:extLst>
       <p:ext uri="{BB962C8B-B14F-4D97-AF65-F5344CB8AC3E}">
-        <p14:creationId xmlns:p14="http://schemas.microsoft.com/office/powerpoint/2010/main" val="1236051365"/>
+        <p14:creationId xmlns:p14="http://schemas.microsoft.com/office/powerpoint/2010/main" val="1170440983"/>
       </p:ext>
     </p:extLst>
   </p:cSld>
@@ -8787,6 +7165,153 @@
           <p:cNvPr id="2" name="Title 1">
             <a:extLst>
               <a:ext uri="{FF2B5EF4-FFF2-40B4-BE49-F238E27FC236}">
+                <a16:creationId xmlns:a16="http://schemas.microsoft.com/office/drawing/2014/main" id="{105B9AAB-9AF3-4A5C-B615-44D9356B7E1C}"/>
+              </a:ext>
+            </a:extLst>
+          </p:cNvPr>
+          <p:cNvSpPr>
+            <a:spLocks noGrp="1"/>
+          </p:cNvSpPr>
+          <p:nvPr>
+            <p:ph type="title"/>
+          </p:nvPr>
+        </p:nvSpPr>
+        <p:spPr/>
+        <p:txBody>
+          <a:bodyPr/>
+          <a:lstStyle/>
+          <a:p>
+            <a:pPr algn="ctr"/>
+            <a:r>
+              <a:rPr lang="en-US" dirty="0">
+                <a:cs typeface="Calibri Light" panose="020F0302020204030204"/>
+              </a:rPr>
+              <a:t>Future Enhancements</a:t>
+            </a:r>
+          </a:p>
+        </p:txBody>
+      </p:sp>
+      <p:sp>
+        <p:nvSpPr>
+          <p:cNvPr id="3" name="Content Placeholder 2">
+            <a:extLst>
+              <a:ext uri="{FF2B5EF4-FFF2-40B4-BE49-F238E27FC236}">
+                <a16:creationId xmlns:a16="http://schemas.microsoft.com/office/drawing/2014/main" id="{9F84C259-CDDB-4904-B5AD-52B589A552F4}"/>
+              </a:ext>
+            </a:extLst>
+          </p:cNvPr>
+          <p:cNvSpPr>
+            <a:spLocks noGrp="1"/>
+          </p:cNvSpPr>
+          <p:nvPr>
+            <p:ph idx="1"/>
+          </p:nvPr>
+        </p:nvSpPr>
+        <p:spPr/>
+        <p:txBody>
+          <a:bodyPr vert="horz" lIns="91440" tIns="45720" rIns="91440" bIns="45720" rtlCol="0" anchor="t">
+            <a:normAutofit/>
+          </a:bodyPr>
+          <a:lstStyle/>
+          <a:p>
+            <a:pPr algn="just"/>
+            <a:r>
+              <a:rPr lang="en-US" dirty="0">
+                <a:latin typeface="Calibri"/>
+                <a:cs typeface="Times New Roman"/>
+              </a:rPr>
+              <a:t>There is a lot of potential still left for the project to fulfill. </a:t>
+            </a:r>
+            <a:endParaRPr lang="en-US">
+              <a:cs typeface="Calibri" panose="020F0502020204030204"/>
+            </a:endParaRPr>
+          </a:p>
+          <a:p>
+            <a:pPr algn="just"/>
+            <a:r>
+              <a:rPr lang="en-US" dirty="0">
+                <a:latin typeface="Calibri"/>
+                <a:cs typeface="Times New Roman"/>
+              </a:rPr>
+              <a:t>The accuracy can and should increase. </a:t>
+            </a:r>
+            <a:endParaRPr lang="en-US"/>
+          </a:p>
+          <a:p>
+            <a:pPr algn="just"/>
+            <a:r>
+              <a:rPr lang="en-US" dirty="0">
+                <a:latin typeface="Calibri"/>
+                <a:cs typeface="Times New Roman"/>
+              </a:rPr>
+              <a:t>The API itself should provide more features. Features like text labeling, summary generation, etc. should be implemented. </a:t>
+            </a:r>
+            <a:endParaRPr lang="en-US"/>
+          </a:p>
+          <a:p>
+            <a:pPr algn="just"/>
+            <a:r>
+              <a:rPr lang="en-US" dirty="0">
+                <a:latin typeface="Calibri"/>
+                <a:cs typeface="Times New Roman"/>
+              </a:rPr>
+              <a:t>Users and API keys specific to the user must be set up. As of now, the APIs are free for all and not specific to the users. </a:t>
+            </a:r>
+            <a:endParaRPr lang="en-US"/>
+          </a:p>
+          <a:p>
+            <a:pPr algn="just"/>
+            <a:r>
+              <a:rPr lang="en-US" dirty="0">
+                <a:latin typeface="Calibri"/>
+                <a:cs typeface="Times New Roman"/>
+              </a:rPr>
+              <a:t>Develop APIs for more NLP tasks. </a:t>
+            </a:r>
+            <a:endParaRPr lang="en-US"/>
+          </a:p>
+          <a:p>
+            <a:endParaRPr lang="en-US" dirty="0">
+              <a:cs typeface="Calibri"/>
+            </a:endParaRPr>
+          </a:p>
+        </p:txBody>
+      </p:sp>
+    </p:spTree>
+    <p:extLst>
+      <p:ext uri="{BB962C8B-B14F-4D97-AF65-F5344CB8AC3E}">
+        <p14:creationId xmlns:p14="http://schemas.microsoft.com/office/powerpoint/2010/main" val="1236051365"/>
+      </p:ext>
+    </p:extLst>
+  </p:cSld>
+  <p:clrMapOvr>
+    <a:masterClrMapping/>
+  </p:clrMapOvr>
+</p:sld>
+</file>
+
+<file path=ppt/slides/slide34.xml><?xml version="1.0" encoding="utf-8"?>
+<p:sld xmlns:a="http://schemas.openxmlformats.org/drawingml/2006/main" xmlns:r="http://schemas.openxmlformats.org/officeDocument/2006/relationships" xmlns:p="http://schemas.openxmlformats.org/presentationml/2006/main">
+  <p:cSld>
+    <p:spTree>
+      <p:nvGrpSpPr>
+        <p:cNvPr id="1" name=""/>
+        <p:cNvGrpSpPr/>
+        <p:nvPr/>
+      </p:nvGrpSpPr>
+      <p:grpSpPr>
+        <a:xfrm>
+          <a:off x="0" y="0"/>
+          <a:ext cx="0" cy="0"/>
+          <a:chOff x="0" y="0"/>
+          <a:chExt cx="0" cy="0"/>
+        </a:xfrm>
+      </p:grpSpPr>
+      <p:sp>
+        <p:nvSpPr>
+          <p:cNvPr id="2" name="Title 1">
+            <a:extLst>
+              <a:ext uri="{FF2B5EF4-FFF2-40B4-BE49-F238E27FC236}">
                 <a16:creationId xmlns:a16="http://schemas.microsoft.com/office/drawing/2014/main" id="{1A970131-8497-42DE-9EE0-F6BC0E0A2521}"/>
               </a:ext>
             </a:extLst>
@@ -8832,7 +7357,7 @@
         <p:spPr/>
         <p:txBody>
           <a:bodyPr vert="horz" lIns="91440" tIns="45720" rIns="91440" bIns="45720" rtlCol="0" anchor="t">
-            <a:normAutofit fontScale="70000" lnSpcReduction="20000"/>
+            <a:normAutofit fontScale="62500" lnSpcReduction="20000"/>
           </a:bodyPr>
           <a:lstStyle/>
           <a:p>
@@ -8845,46 +7370,54 @@
               <a:t>Marc Moreno Lopez, Jugal </a:t>
             </a:r>
             <a:r>
-              <a:rPr lang="en-US" dirty="0" err="1">
+              <a:rPr lang="en-US">
                 <a:latin typeface="Calibri"/>
                 <a:cs typeface="Times New Roman"/>
               </a:rPr>
-              <a:t>Kalita</a:t>
+              <a:t>Kalita,</a:t>
             </a:r>
             <a:r>
               <a:rPr lang="en-US" dirty="0">
                 <a:latin typeface="Calibri"/>
                 <a:cs typeface="Times New Roman"/>
               </a:rPr>
-              <a:t> – </a:t>
-            </a:r>
-            <a:r>
-              <a:rPr lang="en-US" b="1" dirty="0">
+              <a:t> </a:t>
+            </a:r>
+            <a:r>
+              <a:rPr lang="en-US" b="1">
                 <a:latin typeface="Calibri"/>
                 <a:cs typeface="Times New Roman"/>
               </a:rPr>
-              <a:t>Deep Learning Applied to NLP</a:t>
-            </a:r>
-            <a:r>
-              <a:rPr lang="en-US" dirty="0">
-                <a:latin typeface="Calibri"/>
-                <a:cs typeface="Times New Roman"/>
-              </a:rPr>
-              <a:t> – </a:t>
-            </a:r>
-            <a:r>
-              <a:rPr lang="en-US" dirty="0" err="1">
-                <a:latin typeface="Calibri"/>
-                <a:cs typeface="Times New Roman"/>
-              </a:rPr>
-              <a:t>ArXiv</a:t>
-            </a:r>
-            <a:r>
-              <a:rPr lang="en-US" dirty="0">
-                <a:latin typeface="Calibri"/>
-                <a:cs typeface="Times New Roman"/>
-              </a:rPr>
-              <a:t> 2017</a:t>
+              <a:t>Deep Learning Applied to NLP, </a:t>
+            </a:r>
+            <a:r>
+              <a:rPr lang="en-US" dirty="0">
+                <a:ea typeface="+mn-lt"/>
+                <a:cs typeface="+mn-lt"/>
+              </a:rPr>
+              <a:t>  </a:t>
+            </a:r>
+            <a:r>
+              <a:rPr lang="en-US" dirty="0">
+                <a:ea typeface="+mn-lt"/>
+                <a:cs typeface="+mn-lt"/>
+                <a:hlinkClick r:id="rId2"/>
+              </a:rPr>
+              <a:t>arXiv:1703.03091v1</a:t>
+            </a:r>
+            <a:r>
+              <a:rPr lang="en-US" b="1" dirty="0">
+                <a:ea typeface="+mn-lt"/>
+                <a:cs typeface="+mn-lt"/>
+              </a:rPr>
+              <a:t> </a:t>
+            </a:r>
+            <a:r>
+              <a:rPr lang="en-US">
+                <a:ea typeface="+mn-lt"/>
+                <a:cs typeface="+mn-lt"/>
+              </a:rPr>
+              <a:t>[cs.CL] 2017</a:t>
             </a:r>
             <a:endParaRPr lang="en-US" dirty="0">
               <a:latin typeface="Calibri"/>
@@ -8936,32 +7469,48 @@
               <a:t>Xuanjing</a:t>
             </a:r>
             <a:r>
-              <a:rPr lang="en-US" dirty="0">
+              <a:rPr lang="en-US">
                 <a:latin typeface="Calibri"/>
                 <a:cs typeface="Times New Roman"/>
               </a:rPr>
-              <a:t> Huang - </a:t>
-            </a:r>
-            <a:r>
-              <a:rPr lang="en-US" b="1" dirty="0">
+              <a:t> Huang, </a:t>
+            </a:r>
+            <a:r>
+              <a:rPr lang="en-US" b="1">
                 <a:latin typeface="Calibri"/>
                 <a:cs typeface="Times New Roman"/>
               </a:rPr>
-              <a:t>Recurrent Neural Network for Text Classification with Multi-Task Learning – </a:t>
-            </a:r>
-            <a:r>
-              <a:rPr lang="en-US" err="1">
+              <a:t>Recurrent Neural Network for Text Classification with Multi-Task Learning, </a:t>
+            </a:r>
+            <a:r>
+              <a:rPr lang="en-US" dirty="0">
                 <a:latin typeface="Calibri"/>
-                <a:cs typeface="Times New Roman"/>
-              </a:rPr>
-              <a:t>ArXiv</a:t>
-            </a:r>
-            <a:r>
-              <a:rPr lang="en-US" dirty="0">
-                <a:latin typeface="Calibri"/>
-                <a:cs typeface="Times New Roman"/>
-              </a:rPr>
-              <a:t> 2016</a:t>
+                <a:cs typeface="Calibri"/>
+                <a:hlinkClick r:id="rId3"/>
+              </a:rPr>
+              <a:t>arXiv</a:t>
+            </a:r>
+            <a:r>
+              <a:rPr lang="en-US" dirty="0">
+                <a:ea typeface="+mn-lt"/>
+                <a:cs typeface="+mn-lt"/>
+                <a:hlinkClick r:id="rId3"/>
+              </a:rPr>
+              <a:t>:1605.05101</a:t>
+            </a:r>
+            <a:r>
+              <a:rPr lang="en-US" b="1" dirty="0">
+                <a:ea typeface="+mn-lt"/>
+                <a:cs typeface="+mn-lt"/>
+              </a:rPr>
+              <a:t> </a:t>
+            </a:r>
+            <a:r>
+              <a:rPr lang="en-US">
+                <a:ea typeface="+mn-lt"/>
+                <a:cs typeface="+mn-lt"/>
+              </a:rPr>
+              <a:t>[cs.CL] 2016</a:t>
             </a:r>
             <a:endParaRPr lang="en-US" dirty="0">
               <a:latin typeface="Calibri"/>
@@ -8970,81 +7519,46 @@
           <a:p>
             <a:pPr algn="just"/>
             <a:r>
+              <a:rPr lang="en-US">
+                <a:latin typeface="Calibri"/>
+                <a:cs typeface="Calibri"/>
+              </a:rPr>
+              <a:t>Sepp Hochreiter, Jurgen Schmidhuber</a:t>
+            </a:r>
+            <a:r>
+              <a:rPr lang="en-US" b="1">
+                <a:latin typeface="Calibri"/>
+                <a:cs typeface="Calibri"/>
+              </a:rPr>
+              <a:t>, Long Short Term Memory</a:t>
+            </a:r>
+            <a:r>
+              <a:rPr lang="en-US">
+                <a:latin typeface="Calibri"/>
+                <a:cs typeface="Calibri"/>
+              </a:rPr>
+              <a:t>, </a:t>
+            </a:r>
+            <a:r>
+              <a:rPr lang="en-US">
+                <a:ea typeface="+mn-lt"/>
+                <a:cs typeface="+mn-lt"/>
+              </a:rPr>
+              <a:t>Neural Computation 9(8):1735-1780, 1997</a:t>
+            </a:r>
+            <a:endParaRPr lang="en-US">
+              <a:latin typeface="Calibri"/>
+              <a:cs typeface="Calibri"/>
+            </a:endParaRPr>
+          </a:p>
+          <a:p>
+            <a:pPr algn="just"/>
+            <a:r>
               <a:rPr lang="en-US" dirty="0">
                 <a:latin typeface="Calibri"/>
                 <a:cs typeface="Times New Roman"/>
               </a:rPr>
               <a:t>Tensorflow.js - </a:t>
-            </a:r>
-            <a:r>
-              <a:rPr lang="en-US" u="sng" dirty="0">
-                <a:latin typeface="Calibri"/>
-                <a:cs typeface="Times New Roman"/>
-                <a:hlinkClick r:id="rId2"/>
-              </a:rPr>
-              <a:t>https://www.tensorflow.org/js</a:t>
-            </a:r>
-            <a:endParaRPr lang="en-US">
-              <a:latin typeface="Calibri"/>
-            </a:endParaRPr>
-          </a:p>
-          <a:p>
-            <a:pPr algn="just"/>
-            <a:r>
-              <a:rPr lang="en-US" dirty="0">
-                <a:latin typeface="Calibri"/>
-                <a:cs typeface="Times New Roman"/>
-              </a:rPr>
-              <a:t>Node.js - </a:t>
-            </a:r>
-            <a:r>
-              <a:rPr lang="en-US" u="sng" dirty="0">
-                <a:latin typeface="Calibri"/>
-                <a:cs typeface="Times New Roman"/>
-                <a:hlinkClick r:id="rId3"/>
-              </a:rPr>
-              <a:t>https://nodejs.org/en/docs/</a:t>
-            </a:r>
-            <a:endParaRPr lang="en-US">
-              <a:latin typeface="Calibri"/>
-            </a:endParaRPr>
-          </a:p>
-          <a:p>
-            <a:pPr algn="just"/>
-            <a:r>
-              <a:rPr lang="en-US" err="1">
-                <a:latin typeface="Calibri"/>
-                <a:cs typeface="Times New Roman"/>
-              </a:rPr>
-              <a:t>hbs</a:t>
-            </a:r>
-            <a:r>
-              <a:rPr lang="en-US" dirty="0">
-                <a:latin typeface="Calibri"/>
-                <a:cs typeface="Times New Roman"/>
-              </a:rPr>
-              <a:t> - </a:t>
-            </a:r>
-            <a:r>
-              <a:rPr lang="en-US" u="sng" dirty="0">
-                <a:latin typeface="Calibri"/>
-                <a:cs typeface="Times New Roman"/>
-                <a:hlinkClick r:id="rId3"/>
-              </a:rPr>
-              <a:t>https://nodejs.org/en/docs/</a:t>
-            </a:r>
-            <a:endParaRPr lang="en-US">
-              <a:latin typeface="Calibri"/>
-            </a:endParaRPr>
-          </a:p>
-          <a:p>
-            <a:pPr algn="just"/>
-            <a:r>
-              <a:rPr lang="en-US" dirty="0">
-                <a:latin typeface="Calibri"/>
-                <a:cs typeface="Times New Roman"/>
-              </a:rPr>
-              <a:t>Express.js - </a:t>
             </a:r>
             <a:r>
               <a:rPr lang="en-US" u="sng" dirty="0">
@@ -9052,7 +7566,7 @@
                 <a:cs typeface="Times New Roman"/>
                 <a:hlinkClick r:id="rId4"/>
               </a:rPr>
-              <a:t>https://expressjs.com/en/5x/api.html</a:t>
+              <a:t>https://www.tensorflow.org/js</a:t>
             </a:r>
             <a:endParaRPr lang="en-US">
               <a:latin typeface="Calibri"/>
@@ -9061,18 +7575,11 @@
           <a:p>
             <a:pPr algn="just"/>
             <a:r>
-              <a:rPr lang="en-US" err="1">
+              <a:rPr lang="en-US" dirty="0">
                 <a:latin typeface="Calibri"/>
                 <a:cs typeface="Times New Roman"/>
               </a:rPr>
-              <a:t>Keras</a:t>
-            </a:r>
-            <a:r>
-              <a:rPr lang="en-US" dirty="0">
-                <a:latin typeface="Calibri"/>
-                <a:cs typeface="Times New Roman"/>
-              </a:rPr>
-              <a:t> - </a:t>
+              <a:t>Node.js - </a:t>
             </a:r>
             <a:r>
               <a:rPr lang="en-US" u="sng" dirty="0">
@@ -9080,7 +7587,7 @@
                 <a:cs typeface="Times New Roman"/>
                 <a:hlinkClick r:id="rId5"/>
               </a:rPr>
-              <a:t>https://keras.io/api/</a:t>
+              <a:t>https://nodejs.org/en/docs/</a:t>
             </a:r>
             <a:endParaRPr lang="en-US">
               <a:latin typeface="Calibri"/>
@@ -9093,7 +7600,7 @@
                 <a:latin typeface="Calibri"/>
                 <a:cs typeface="Times New Roman"/>
               </a:rPr>
-              <a:t>Gensim</a:t>
+              <a:t>hbs</a:t>
             </a:r>
             <a:r>
               <a:rPr lang="en-US" dirty="0">
@@ -9101,6 +7608,27 @@
                 <a:cs typeface="Times New Roman"/>
               </a:rPr>
               <a:t> - </a:t>
+            </a:r>
+            <a:r>
+              <a:rPr lang="en-US" u="sng" dirty="0">
+                <a:latin typeface="Calibri"/>
+                <a:cs typeface="Times New Roman"/>
+                <a:hlinkClick r:id="rId5"/>
+              </a:rPr>
+              <a:t>https://nodejs.org/en/docs/</a:t>
+            </a:r>
+            <a:endParaRPr lang="en-US">
+              <a:latin typeface="Calibri"/>
+            </a:endParaRPr>
+          </a:p>
+          <a:p>
+            <a:pPr algn="just"/>
+            <a:r>
+              <a:rPr lang="en-US" dirty="0">
+                <a:latin typeface="Calibri"/>
+                <a:cs typeface="Times New Roman"/>
+              </a:rPr>
+              <a:t>Express.js - </a:t>
             </a:r>
             <a:r>
               <a:rPr lang="en-US" u="sng" dirty="0">
@@ -9108,7 +7636,7 @@
                 <a:cs typeface="Times New Roman"/>
                 <a:hlinkClick r:id="rId6"/>
               </a:rPr>
-              <a:t>https://radimrehurek.com/gensim/auto_examples/index.html</a:t>
+              <a:t>https://expressjs.com/en/5x/api.html</a:t>
             </a:r>
             <a:endParaRPr lang="en-US">
               <a:latin typeface="Calibri"/>
@@ -9117,25 +7645,18 @@
           <a:p>
             <a:pPr algn="just"/>
             <a:r>
-              <a:rPr lang="en-US" dirty="0">
-                <a:latin typeface="Calibri"/>
-                <a:cs typeface="Times New Roman"/>
-              </a:rPr>
-              <a:t>The </a:t>
-            </a:r>
-            <a:r>
               <a:rPr lang="en-US" err="1">
                 <a:latin typeface="Calibri"/>
                 <a:cs typeface="Times New Roman"/>
               </a:rPr>
-              <a:t>imdb</a:t>
+              <a:t>Keras</a:t>
             </a:r>
             <a:r>
               <a:rPr lang="en-US" dirty="0">
                 <a:latin typeface="Calibri"/>
                 <a:cs typeface="Times New Roman"/>
               </a:rPr>
-              <a:t> reviews dataset - </a:t>
+              <a:t> - </a:t>
             </a:r>
             <a:r>
               <a:rPr lang="en-US" u="sng" dirty="0">
@@ -9143,7 +7664,7 @@
                 <a:cs typeface="Times New Roman"/>
                 <a:hlinkClick r:id="rId7"/>
               </a:rPr>
-              <a:t>https://www.kaggle.com/lakshmi25npathi/imdb-dataset-of-50k-movie-reviews</a:t>
+              <a:t>https://keras.io/api/</a:t>
             </a:r>
             <a:endParaRPr lang="en-US">
               <a:latin typeface="Calibri"/>
@@ -9152,11 +7673,18 @@
           <a:p>
             <a:pPr algn="just"/>
             <a:r>
-              <a:rPr lang="en-US" dirty="0">
+              <a:rPr lang="en-US" err="1">
                 <a:latin typeface="Calibri"/>
                 <a:cs typeface="Times New Roman"/>
               </a:rPr>
-              <a:t>The news dataset - </a:t>
+              <a:t>Gensim</a:t>
+            </a:r>
+            <a:r>
+              <a:rPr lang="en-US" dirty="0">
+                <a:latin typeface="Calibri"/>
+                <a:cs typeface="Times New Roman"/>
+              </a:rPr>
+              <a:t> - </a:t>
             </a:r>
             <a:r>
               <a:rPr lang="en-US" u="sng" dirty="0">
@@ -9164,7 +7692,7 @@
                 <a:cs typeface="Times New Roman"/>
                 <a:hlinkClick r:id="rId8"/>
               </a:rPr>
-              <a:t>https://www.kaggle.com/rmisra/news-category-dataset</a:t>
+              <a:t>https://radimrehurek.com/gensim/auto_examples/index.html</a:t>
             </a:r>
             <a:endParaRPr lang="en-US">
               <a:latin typeface="Calibri"/>
@@ -9177,13 +7705,69 @@
                 <a:latin typeface="Calibri"/>
                 <a:cs typeface="Times New Roman"/>
               </a:rPr>
-              <a:t>The spam detection dataset - </a:t>
+              <a:t>The </a:t>
+            </a:r>
+            <a:r>
+              <a:rPr lang="en-US" err="1">
+                <a:latin typeface="Calibri"/>
+                <a:cs typeface="Times New Roman"/>
+              </a:rPr>
+              <a:t>imdb</a:t>
+            </a:r>
+            <a:r>
+              <a:rPr lang="en-US" dirty="0">
+                <a:latin typeface="Calibri"/>
+                <a:cs typeface="Times New Roman"/>
+              </a:rPr>
+              <a:t> reviews dataset - </a:t>
             </a:r>
             <a:r>
               <a:rPr lang="en-US" u="sng" dirty="0">
                 <a:latin typeface="Calibri"/>
                 <a:cs typeface="Times New Roman"/>
                 <a:hlinkClick r:id="rId9"/>
+              </a:rPr>
+              <a:t>https://www.kaggle.com/lakshmi25npathi/imdb-dataset-of-50k-movie-reviews</a:t>
+            </a:r>
+            <a:endParaRPr lang="en-US">
+              <a:latin typeface="Calibri"/>
+            </a:endParaRPr>
+          </a:p>
+          <a:p>
+            <a:pPr algn="just"/>
+            <a:r>
+              <a:rPr lang="en-US" dirty="0">
+                <a:latin typeface="Calibri"/>
+                <a:cs typeface="Times New Roman"/>
+              </a:rPr>
+              <a:t>The news dataset - </a:t>
+            </a:r>
+            <a:r>
+              <a:rPr lang="en-US" u="sng" dirty="0">
+                <a:latin typeface="Calibri"/>
+                <a:cs typeface="Times New Roman"/>
+                <a:hlinkClick r:id="rId10"/>
+              </a:rPr>
+              <a:t>https://www.kaggle.com/rmisra/news-category-dataset</a:t>
+            </a:r>
+            <a:endParaRPr lang="en-US">
+              <a:latin typeface="Calibri"/>
+            </a:endParaRPr>
+          </a:p>
+          <a:p>
+            <a:pPr algn="just"/>
+            <a:r>
+              <a:rPr lang="en-US" dirty="0">
+                <a:latin typeface="Calibri"/>
+                <a:cs typeface="Times New Roman"/>
+              </a:rPr>
+              <a:t>The spam detection dataset - </a:t>
+            </a:r>
+            <a:r>
+              <a:rPr lang="en-US" u="sng" dirty="0">
+                <a:latin typeface="Calibri"/>
+                <a:cs typeface="Times New Roman"/>
+                <a:hlinkClick r:id="rId11"/>
               </a:rPr>
               <a:t>https://www.kaggle.com/uciml/sms-spam-collection-dataset</a:t>
             </a:r>
@@ -9206,7 +7790,7 @@
 </p:sld>
 </file>
 
-<file path=ppt/slides/slide34.xml><?xml version="1.0" encoding="utf-8"?>
+<file path=ppt/slides/slide35.xml><?xml version="1.0" encoding="utf-8"?>
 <p:sld xmlns:a="http://schemas.openxmlformats.org/drawingml/2006/main" xmlns:r="http://schemas.openxmlformats.org/officeDocument/2006/relationships" xmlns:p="http://schemas.openxmlformats.org/presentationml/2006/main">
   <p:cSld>
     <p:spTree>
@@ -9339,7 +7923,7 @@
         <p:spPr/>
         <p:txBody>
           <a:bodyPr vert="horz" lIns="91440" tIns="45720" rIns="91440" bIns="45720" rtlCol="0" anchor="t">
-            <a:normAutofit fontScale="92500" lnSpcReduction="10000"/>
+            <a:normAutofit/>
           </a:bodyPr>
           <a:lstStyle/>
           <a:p>
@@ -9358,49 +7942,18 @@
               <a:rPr lang="en-US" dirty="0">
                 <a:cs typeface="Calibri"/>
               </a:rPr>
-              <a:t>Text classification is a very important task in supervised machine learning.</a:t>
+              <a:t>If an organization or an individual wants to integrate text classification tasks into their product or application, they would have to start collecting data, hire skilled ML engineers, spend a lot of money and time building out an effective and accurate model</a:t>
             </a:r>
           </a:p>
           <a:p>
             <a:pPr lvl="1" algn="just"/>
             <a:r>
               <a:rPr lang="en-US" dirty="0">
-                <a:cs typeface="Calibri"/>
-              </a:rPr>
-              <a:t>A piece of text is assigned to one or more classes or categories. This can be done either manually or using ML algorithms.</a:t>
-            </a:r>
-          </a:p>
-          <a:p>
-            <a:pPr lvl="1" algn="just"/>
-            <a:r>
-              <a:rPr lang="en-US" dirty="0">
-                <a:cs typeface="Calibri"/>
-              </a:rPr>
-              <a:t>Context Analyzer uses one such ML algorithm so solve this classification problem.</a:t>
-            </a:r>
-          </a:p>
-          <a:p>
-            <a:pPr lvl="1" algn="just"/>
-            <a:r>
-              <a:rPr lang="en-US" dirty="0">
-                <a:cs typeface="Calibri"/>
-              </a:rPr>
-              <a:t>The best way to build APIs currently is to use an efficient language like JavaScript with its Node.js runtime. The integration of Tensorflow.js with Node.js allows us to build highly scalable and robust APIs.</a:t>
-            </a:r>
-          </a:p>
-          <a:p>
-            <a:pPr algn="just"/>
-            <a:r>
-              <a:rPr lang="en-US" u="sng" dirty="0">
                 <a:ea typeface="+mn-lt"/>
                 <a:cs typeface="+mn-lt"/>
               </a:rPr>
-              <a:t>Scope:</a:t>
-            </a:r>
-            <a:endParaRPr lang="en-US">
-              <a:ea typeface="+mn-lt"/>
-              <a:cs typeface="+mn-lt"/>
-            </a:endParaRPr>
+              <a:t>All of that can be avoided when companies just use the APIs provided by Context Analyzer</a:t>
+            </a:r>
           </a:p>
           <a:p>
             <a:pPr lvl="1" algn="just"/>
@@ -9409,7 +7962,7 @@
                 <a:ea typeface="+mn-lt"/>
                 <a:cs typeface="+mn-lt"/>
               </a:rPr>
-              <a:t>The application provides text classification services through APIs.</a:t>
+              <a:t>The purpose of this project was to automate certain NLP tasks and also provide them as services through APIs</a:t>
             </a:r>
           </a:p>
           <a:p>
@@ -9419,19 +7972,8 @@
                 <a:ea typeface="+mn-lt"/>
                 <a:cs typeface="+mn-lt"/>
               </a:rPr>
-              <a:t>Sentiment analysis can be done on data from social media platforms, reviews on things like movies, food, productions on an online store etc..</a:t>
-            </a:r>
-          </a:p>
-          <a:p>
-            <a:pPr lvl="1" algn="just"/>
-            <a:r>
-              <a:rPr lang="en-US" dirty="0">
-                <a:ea typeface="+mn-lt"/>
-                <a:cs typeface="+mn-lt"/>
-              </a:rPr>
-              <a:t>Multi-class classification can be done on news articles, articles related to technology.</a:t>
-            </a:r>
-            <a:endParaRPr lang="en-US"/>
+              <a:t>Integrating APIs is much cheaper and faster than building an entire team to carry out these tasks</a:t>
+            </a:r>
           </a:p>
         </p:txBody>
       </p:sp>
@@ -9470,7 +8012,7 @@
           <p:cNvPr id="2" name="Title 1">
             <a:extLst>
               <a:ext uri="{FF2B5EF4-FFF2-40B4-BE49-F238E27FC236}">
-                <a16:creationId xmlns:a16="http://schemas.microsoft.com/office/drawing/2014/main" id="{C603E5F4-7E03-4E91-9A58-BA2D31F6C255}"/>
+                <a16:creationId xmlns:a16="http://schemas.microsoft.com/office/drawing/2014/main" id="{5010472A-8ECF-4004-8EDA-CF5F0590ACA5}"/>
               </a:ext>
             </a:extLst>
           </p:cNvPr>
@@ -9488,10 +8030,10 @@
           <a:p>
             <a:pPr algn="ctr"/>
             <a:r>
-              <a:rPr lang="en-US">
+              <a:rPr lang="en-US" dirty="0">
                 <a:cs typeface="Calibri Light" panose="020F0302020204030204"/>
               </a:rPr>
-              <a:t>Literature Survey</a:t>
+              <a:t>Introduction</a:t>
             </a:r>
           </a:p>
         </p:txBody>
@@ -9501,7 +8043,7 @@
           <p:cNvPr id="3" name="Content Placeholder 2">
             <a:extLst>
               <a:ext uri="{FF2B5EF4-FFF2-40B4-BE49-F238E27FC236}">
-                <a16:creationId xmlns:a16="http://schemas.microsoft.com/office/drawing/2014/main" id="{082142D9-7288-44D9-B983-9EC873349898}"/>
+                <a16:creationId xmlns:a16="http://schemas.microsoft.com/office/drawing/2014/main" id="{65640DC7-3A11-4AAD-A7EA-E95CE584DCCC}"/>
               </a:ext>
             </a:extLst>
           </p:cNvPr>
@@ -9515,44 +8057,56 @@
         <p:spPr/>
         <p:txBody>
           <a:bodyPr vert="horz" lIns="91440" tIns="45720" rIns="91440" bIns="45720" rtlCol="0" anchor="t">
-            <a:normAutofit/>
+            <a:normAutofit lnSpcReduction="10000"/>
           </a:bodyPr>
           <a:lstStyle/>
           <a:p>
             <a:pPr algn="just"/>
             <a:r>
-              <a:rPr lang="en-US" dirty="0">
-                <a:cs typeface="Calibri"/>
-              </a:rPr>
-              <a:t>A lot of research is being done every day in NLP. Providing NLP APIs is a complex task.</a:t>
-            </a:r>
-            <a:endParaRPr lang="en-US"/>
-          </a:p>
-          <a:p>
-            <a:pPr algn="just"/>
-            <a:r>
-              <a:rPr lang="en-US" dirty="0">
-                <a:cs typeface="Calibri"/>
-              </a:rPr>
-              <a:t>Tensorflow.js with Node.js can be used to build such APIs.</a:t>
-            </a:r>
-          </a:p>
-          <a:p>
-            <a:pPr algn="just"/>
-            <a:r>
-              <a:rPr lang="en-US" dirty="0">
-                <a:cs typeface="Calibri"/>
-              </a:rPr>
-              <a:t>Tensorflow.js allows us to interact with ML models directly from the browser. This is what makes it currently the best library for building NLP APIs.</a:t>
-            </a:r>
-          </a:p>
-          <a:p>
-            <a:pPr algn="just"/>
-            <a:r>
-              <a:rPr lang="en-US" dirty="0">
-                <a:cs typeface="Calibri"/>
-              </a:rPr>
-              <a:t>Since Tensorflow.js still only runs on experimental Node.js. Currently only Google provides NLP APIs built on Tensorflow.js.</a:t>
+              <a:rPr lang="en-US" u="sng" dirty="0">
+                <a:cs typeface="Calibri"/>
+              </a:rPr>
+              <a:t>Scope:</a:t>
+            </a:r>
+            <a:endParaRPr lang="en-US" dirty="0">
+              <a:ea typeface="+mn-lt"/>
+              <a:cs typeface="+mn-lt"/>
+            </a:endParaRPr>
+          </a:p>
+          <a:p>
+            <a:pPr lvl="1" algn="just"/>
+            <a:r>
+              <a:rPr lang="en-US" sz="2800" dirty="0">
+                <a:cs typeface="Calibri"/>
+              </a:rPr>
+              <a:t>The main users of this project will be those looking to integrate NLP tasks into their application with very little effort or resources</a:t>
+            </a:r>
+          </a:p>
+          <a:p>
+            <a:pPr lvl="1" algn="just"/>
+            <a:r>
+              <a:rPr lang="en-US" sz="2800" dirty="0">
+                <a:cs typeface="Calibri"/>
+              </a:rPr>
+              <a:t>The sentiment analysis API can be used for predicting sentiments from the data that you get from social media platforms, reviews on products, etc.</a:t>
+            </a:r>
+          </a:p>
+          <a:p>
+            <a:pPr lvl="1" algn="just"/>
+            <a:r>
+              <a:rPr lang="en-US" sz="2800" dirty="0">
+                <a:cs typeface="Calibri"/>
+              </a:rPr>
+              <a:t>Category prediction is a multi-class classification task that can be used on news articles or blogs to classify them into different categories like politics, entertainment, sports, health etc.</a:t>
+            </a:r>
+          </a:p>
+          <a:p>
+            <a:pPr lvl="1" algn="just"/>
+            <a:r>
+              <a:rPr lang="en-US" sz="2800" dirty="0">
+                <a:cs typeface="Calibri"/>
+              </a:rPr>
+              <a:t>The spam detection API allows users to determine whether a message is spam</a:t>
             </a:r>
           </a:p>
         </p:txBody>
@@ -9560,7 +8114,7 @@
     </p:spTree>
     <p:extLst>
       <p:ext uri="{BB962C8B-B14F-4D97-AF65-F5344CB8AC3E}">
-        <p14:creationId xmlns:p14="http://schemas.microsoft.com/office/powerpoint/2010/main" val="4224461443"/>
+        <p14:creationId xmlns:p14="http://schemas.microsoft.com/office/powerpoint/2010/main" val="3899916149"/>
       </p:ext>
     </p:extLst>
   </p:cSld>
@@ -9592,7 +8146,7 @@
           <p:cNvPr id="2" name="Title 1">
             <a:extLst>
               <a:ext uri="{FF2B5EF4-FFF2-40B4-BE49-F238E27FC236}">
-                <a16:creationId xmlns:a16="http://schemas.microsoft.com/office/drawing/2014/main" id="{74FD4279-7E5C-4DB3-A420-E6C1EA8F4AB8}"/>
+                <a16:creationId xmlns:a16="http://schemas.microsoft.com/office/drawing/2014/main" id="{C603E5F4-7E03-4E91-9A58-BA2D31F6C255}"/>
               </a:ext>
             </a:extLst>
           </p:cNvPr>
@@ -9610,7 +8164,7 @@
           <a:p>
             <a:pPr algn="ctr"/>
             <a:r>
-              <a:rPr lang="en-US" dirty="0">
+              <a:rPr lang="en-US">
                 <a:cs typeface="Calibri Light" panose="020F0302020204030204"/>
               </a:rPr>
               <a:t>Literature Survey</a:t>
@@ -9623,7 +8177,7 @@
           <p:cNvPr id="3" name="Content Placeholder 2">
             <a:extLst>
               <a:ext uri="{FF2B5EF4-FFF2-40B4-BE49-F238E27FC236}">
-                <a16:creationId xmlns:a16="http://schemas.microsoft.com/office/drawing/2014/main" id="{36E3F302-050D-49A8-BBF6-0528D7A171B1}"/>
+                <a16:creationId xmlns:a16="http://schemas.microsoft.com/office/drawing/2014/main" id="{082142D9-7288-44D9-B983-9EC873349898}"/>
               </a:ext>
             </a:extLst>
           </p:cNvPr>
@@ -9637,118 +8191,44 @@
         <p:spPr/>
         <p:txBody>
           <a:bodyPr vert="horz" lIns="91440" tIns="45720" rIns="91440" bIns="45720" rtlCol="0" anchor="t">
-            <a:normAutofit fontScale="92500"/>
+            <a:normAutofit/>
           </a:bodyPr>
           <a:lstStyle/>
           <a:p>
-            <a:pPr marL="0" indent="0" algn="just">
-              <a:buNone/>
-            </a:pPr>
-            <a:r>
-              <a:rPr lang="en-US" b="1" dirty="0">
-                <a:ea typeface="+mn-lt"/>
-                <a:cs typeface="+mn-lt"/>
-              </a:rPr>
-              <a:t>Papers</a:t>
+            <a:pPr algn="just"/>
+            <a:r>
+              <a:rPr lang="en-US" dirty="0">
+                <a:cs typeface="Calibri"/>
+              </a:rPr>
+              <a:t>A lot of research is being done every day in NLP. Providing NLP APIs is a complex task.</a:t>
             </a:r>
             <a:endParaRPr lang="en-US"/>
           </a:p>
           <a:p>
-            <a:pPr lvl="1" algn="just"/>
-            <a:r>
-              <a:rPr lang="en-US" b="1" dirty="0">
-                <a:ea typeface="+mn-lt"/>
-                <a:cs typeface="+mn-lt"/>
-              </a:rPr>
-              <a:t>Title</a:t>
-            </a:r>
-            <a:r>
-              <a:rPr lang="en-US" dirty="0">
-                <a:ea typeface="+mn-lt"/>
-                <a:cs typeface="+mn-lt"/>
-              </a:rPr>
-              <a:t>: Recurrent Neural Network for Text Classification with Multi-Task Learning</a:t>
-            </a:r>
-          </a:p>
-          <a:p>
-            <a:pPr lvl="1" algn="just"/>
-            <a:r>
-              <a:rPr lang="en-US" b="1" dirty="0">
-                <a:cs typeface="Calibri"/>
-              </a:rPr>
-              <a:t>Authors</a:t>
-            </a:r>
-            <a:r>
-              <a:rPr lang="en-US" dirty="0">
-                <a:cs typeface="Calibri"/>
-              </a:rPr>
-              <a:t>: </a:t>
-            </a:r>
-            <a:r>
-              <a:rPr lang="en-US" dirty="0">
-                <a:ea typeface="+mn-lt"/>
-                <a:cs typeface="+mn-lt"/>
-              </a:rPr>
-              <a:t>Pengfei Liu, </a:t>
-            </a:r>
-            <a:r>
-              <a:rPr lang="en-US" err="1">
-                <a:ea typeface="+mn-lt"/>
-                <a:cs typeface="+mn-lt"/>
-              </a:rPr>
-              <a:t>Xipeng</a:t>
-            </a:r>
-            <a:r>
-              <a:rPr lang="en-US" dirty="0">
-                <a:ea typeface="+mn-lt"/>
-                <a:cs typeface="+mn-lt"/>
-              </a:rPr>
-              <a:t> </a:t>
-            </a:r>
-            <a:r>
-              <a:rPr lang="en-US" err="1">
-                <a:ea typeface="+mn-lt"/>
-                <a:cs typeface="+mn-lt"/>
-              </a:rPr>
-              <a:t>Qiu</a:t>
-            </a:r>
-            <a:r>
-              <a:rPr lang="en-US" dirty="0">
-                <a:ea typeface="+mn-lt"/>
-                <a:cs typeface="+mn-lt"/>
-              </a:rPr>
-              <a:t>, </a:t>
-            </a:r>
-            <a:r>
-              <a:rPr lang="en-US" err="1">
-                <a:ea typeface="+mn-lt"/>
-                <a:cs typeface="+mn-lt"/>
-              </a:rPr>
-              <a:t>Xuanjing</a:t>
-            </a:r>
-            <a:r>
-              <a:rPr lang="en-US" dirty="0">
-                <a:ea typeface="+mn-lt"/>
-                <a:cs typeface="+mn-lt"/>
-              </a:rPr>
-              <a:t> Huang</a:t>
-            </a:r>
-          </a:p>
-          <a:p>
-            <a:pPr lvl="1" algn="just"/>
-            <a:r>
-              <a:rPr lang="en-US" b="1" dirty="0">
-                <a:ea typeface="+mn-lt"/>
-                <a:cs typeface="+mn-lt"/>
-              </a:rPr>
-              <a:t>Summary</a:t>
-            </a:r>
-            <a:r>
-              <a:rPr lang="en-US" dirty="0">
-                <a:ea typeface="+mn-lt"/>
-                <a:cs typeface="+mn-lt"/>
-              </a:rPr>
-              <a:t>: Neural network based methods have obtained great progress on a variety of natural language processing tasks. However, in most previous works, the models are learned based on single-task supervised objectives, which often suffer from insufficient training data. In this paper, we use the multitask learning framework to jointly learn across multiple related tasks. Based on recurrent neural network, we propose three different mechanisms of sharing information to model text with task-specific and shared layers. The entire network is trained jointly on all these tasks. Experiments on four benchmark text classification tasks show that our proposed models can improve the performance of a task with the help of other related tasks.</a:t>
+            <a:pPr algn="just"/>
+            <a:r>
+              <a:rPr lang="en-US" dirty="0">
+                <a:cs typeface="Calibri"/>
+              </a:rPr>
+              <a:t>Tensorflow.js with Node.js can be used to build such APIs.</a:t>
+            </a:r>
+          </a:p>
+          <a:p>
+            <a:pPr algn="just"/>
+            <a:r>
+              <a:rPr lang="en-US" dirty="0">
+                <a:cs typeface="Calibri"/>
+              </a:rPr>
+              <a:t>Tensorflow.js allows us to interact with ML models directly from the browser.</a:t>
+            </a:r>
+          </a:p>
+          <a:p>
+            <a:pPr algn="just"/>
+            <a:r>
+              <a:rPr lang="en-US" dirty="0">
+                <a:cs typeface="Calibri"/>
+              </a:rPr>
+              <a:t>Tensorflow.js was only running on experimental Node.js for a long time. Currently only Google provides NLP APIs built on Tensorflow.js.</a:t>
             </a:r>
           </a:p>
         </p:txBody>
@@ -9756,7 +8236,7 @@
     </p:spTree>
     <p:extLst>
       <p:ext uri="{BB962C8B-B14F-4D97-AF65-F5344CB8AC3E}">
-        <p14:creationId xmlns:p14="http://schemas.microsoft.com/office/powerpoint/2010/main" val="2846483295"/>
+        <p14:creationId xmlns:p14="http://schemas.microsoft.com/office/powerpoint/2010/main" val="4224461443"/>
       </p:ext>
     </p:extLst>
   </p:cSld>
@@ -9788,7 +8268,7 @@
           <p:cNvPr id="2" name="Title 1">
             <a:extLst>
               <a:ext uri="{FF2B5EF4-FFF2-40B4-BE49-F238E27FC236}">
-                <a16:creationId xmlns:a16="http://schemas.microsoft.com/office/drawing/2014/main" id="{E6483948-4089-4AD3-8C97-90E9C69E8D31}"/>
+                <a16:creationId xmlns:a16="http://schemas.microsoft.com/office/drawing/2014/main" id="{74FD4279-7E5C-4DB3-A420-E6C1EA8F4AB8}"/>
               </a:ext>
             </a:extLst>
           </p:cNvPr>
@@ -9807,7 +8287,7 @@
             <a:pPr algn="ctr"/>
             <a:r>
               <a:rPr lang="en-US" dirty="0">
-                <a:cs typeface="Calibri Light"/>
+                <a:cs typeface="Calibri Light" panose="020F0302020204030204"/>
               </a:rPr>
               <a:t>Literature Survey</a:t>
             </a:r>
@@ -9819,7 +8299,7 @@
           <p:cNvPr id="3" name="Content Placeholder 2">
             <a:extLst>
               <a:ext uri="{FF2B5EF4-FFF2-40B4-BE49-F238E27FC236}">
-                <a16:creationId xmlns:a16="http://schemas.microsoft.com/office/drawing/2014/main" id="{2D53A7E2-773C-4AE0-83F0-737E07E893DC}"/>
+                <a16:creationId xmlns:a16="http://schemas.microsoft.com/office/drawing/2014/main" id="{36E3F302-050D-49A8-BBF6-0528D7A171B1}"/>
               </a:ext>
             </a:extLst>
           </p:cNvPr>
@@ -9833,53 +8313,101 @@
         <p:spPr/>
         <p:txBody>
           <a:bodyPr vert="horz" lIns="91440" tIns="45720" rIns="91440" bIns="45720" rtlCol="0" anchor="t">
-            <a:normAutofit fontScale="92500" lnSpcReduction="20000"/>
+            <a:normAutofit/>
           </a:bodyPr>
           <a:lstStyle/>
           <a:p>
-            <a:pPr lvl="1" algn="just"/>
+            <a:pPr marL="0" indent="0" algn="just">
+              <a:buNone/>
+            </a:pPr>
             <a:r>
               <a:rPr lang="en-US" b="1" dirty="0">
-                <a:cs typeface="Calibri"/>
-              </a:rPr>
-              <a:t>Title: </a:t>
-            </a:r>
-            <a:r>
-              <a:rPr lang="en-US" dirty="0">
-                <a:cs typeface="Calibri"/>
-              </a:rPr>
-              <a:t>Long Short-Term Memory</a:t>
-            </a:r>
-            <a:endParaRPr lang="en-US" dirty="0"/>
-          </a:p>
-          <a:p>
-            <a:pPr lvl="1" algn="just"/>
-            <a:r>
-              <a:rPr lang="en-US" b="1" dirty="0">
-                <a:cs typeface="Calibri"/>
-              </a:rPr>
-              <a:t>Authors: </a:t>
-            </a:r>
-            <a:r>
-              <a:rPr lang="en-US" dirty="0">
                 <a:ea typeface="+mn-lt"/>
                 <a:cs typeface="+mn-lt"/>
               </a:rPr>
-              <a:t>Sepp </a:t>
+              <a:t>Papers</a:t>
+            </a:r>
+            <a:endParaRPr lang="en-US"/>
+          </a:p>
+          <a:p>
+            <a:pPr lvl="1" algn="just"/>
+            <a:r>
+              <a:rPr lang="en-US" b="1" dirty="0">
+                <a:ea typeface="+mn-lt"/>
+                <a:cs typeface="+mn-lt"/>
+              </a:rPr>
+              <a:t>Title</a:t>
+            </a:r>
+            <a:r>
+              <a:rPr lang="en-US" dirty="0">
+                <a:ea typeface="+mn-lt"/>
+                <a:cs typeface="+mn-lt"/>
+              </a:rPr>
+              <a:t>: Recurrent Neural Network for Text Classification with Multi-Task Learning</a:t>
+            </a:r>
+          </a:p>
+          <a:p>
+            <a:pPr lvl="1" algn="just"/>
+            <a:r>
+              <a:rPr lang="en-US" b="1" dirty="0">
+                <a:cs typeface="Calibri"/>
+              </a:rPr>
+              <a:t>Authors</a:t>
+            </a:r>
+            <a:r>
+              <a:rPr lang="en-US" dirty="0">
+                <a:cs typeface="Calibri"/>
+              </a:rPr>
+              <a:t>: </a:t>
+            </a:r>
+            <a:r>
+              <a:rPr lang="en-US" dirty="0">
+                <a:ea typeface="+mn-lt"/>
+                <a:cs typeface="+mn-lt"/>
+              </a:rPr>
+              <a:t>Pengfei Liu, </a:t>
             </a:r>
             <a:r>
               <a:rPr lang="en-US" dirty="0" err="1">
                 <a:ea typeface="+mn-lt"/>
                 <a:cs typeface="+mn-lt"/>
               </a:rPr>
-              <a:t>Hochreiter</a:t>
+              <a:t>Xipeng</a:t>
             </a:r>
             <a:r>
               <a:rPr lang="en-US" dirty="0">
                 <a:ea typeface="+mn-lt"/>
                 <a:cs typeface="+mn-lt"/>
               </a:rPr>
-              <a:t>, Jurgen Schmidhuber</a:t>
+              <a:t> </a:t>
+            </a:r>
+            <a:r>
+              <a:rPr lang="en-US" dirty="0" err="1">
+                <a:ea typeface="+mn-lt"/>
+                <a:cs typeface="+mn-lt"/>
+              </a:rPr>
+              <a:t>Qiu</a:t>
+            </a:r>
+            <a:r>
+              <a:rPr lang="en-US" dirty="0">
+                <a:ea typeface="+mn-lt"/>
+                <a:cs typeface="+mn-lt"/>
+              </a:rPr>
+              <a:t>, </a:t>
+            </a:r>
+            <a:r>
+              <a:rPr lang="en-US" dirty="0" err="1">
+                <a:ea typeface="+mn-lt"/>
+                <a:cs typeface="+mn-lt"/>
+              </a:rPr>
+              <a:t>Xuanjing</a:t>
+            </a:r>
+            <a:r>
+              <a:rPr lang="en-US" dirty="0">
+                <a:ea typeface="+mn-lt"/>
+                <a:cs typeface="+mn-lt"/>
+              </a:rPr>
+              <a:t> Huang</a:t>
             </a:r>
           </a:p>
           <a:p>
@@ -9889,40 +8417,39 @@
                 <a:ea typeface="+mn-lt"/>
                 <a:cs typeface="+mn-lt"/>
               </a:rPr>
-              <a:t>Summary: </a:t>
+              <a:t>Publication: </a:t>
             </a:r>
             <a:r>
               <a:rPr lang="en-US" dirty="0">
                 <a:ea typeface="+mn-lt"/>
                 <a:cs typeface="+mn-lt"/>
               </a:rPr>
-              <a:t>Learning to store information over extended time intervals via recurrent backpropagation takes a very long time, mostly due to insufficient, decaying error back flow. We briefly review </a:t>
-            </a:r>
-            <a:r>
-              <a:rPr lang="en-US" dirty="0" err="1">
+              <a:t>arXiv:1605.05101 [cs.CL] 2016</a:t>
+            </a:r>
+          </a:p>
+          <a:p>
+            <a:pPr lvl="1" algn="just"/>
+            <a:r>
+              <a:rPr lang="en-US" b="1" dirty="0">
                 <a:ea typeface="+mn-lt"/>
                 <a:cs typeface="+mn-lt"/>
               </a:rPr>
-              <a:t>Hochreiter's</a:t>
+              <a:t>Summary</a:t>
             </a:r>
             <a:r>
               <a:rPr lang="en-US" dirty="0">
                 <a:ea typeface="+mn-lt"/>
                 <a:cs typeface="+mn-lt"/>
               </a:rPr>
-              <a:t> 1991 analysis of this problem, then address it by introducing a novel, efficient, gradient-based method called "Long Short-Term Memory" (LSTM). Truncating the gradient where this does not do harm, LSTM can learn to bridge minimal time lags in excess of 1000 discrete time steps by enforcing constant error flow through "constant error carrousels" within special units. Multiplicative gate units learn to open and close access to the constant error flow. LSTM is local in space and time; its computational complexity per time step and weight is O(1). Our experiments with artificial data involve local, distributed, real-valued, and noisy pattern representations. In comparisons with RTRL, BPTT, Recurrent Cascade-Correlation, Elman nets, and Neural Sequence Chunking, LSTM leads to many more successful runs, and learns much faster. LSTM also solves complex, artificial long time lag tasks that have never been solved by previous recurrent network algorithms.</a:t>
-            </a:r>
-            <a:endParaRPr lang="en-US" b="1" dirty="0">
-              <a:ea typeface="+mn-lt"/>
-              <a:cs typeface="+mn-lt"/>
-            </a:endParaRPr>
+              <a:t>: The paper mainly talks about using a multi-task learning framework to jointly learn across multiple related tasks. The goal is to prove that their proposed model can improve the performance of a task with the help of other related tasks. They achieve this by introducing three RNN based architectures. The differences among them are only the mechanisms of sharing information among several tasks.</a:t>
+            </a:r>
           </a:p>
         </p:txBody>
       </p:sp>
     </p:spTree>
     <p:extLst>
       <p:ext uri="{BB962C8B-B14F-4D97-AF65-F5344CB8AC3E}">
-        <p14:creationId xmlns:p14="http://schemas.microsoft.com/office/powerpoint/2010/main" val="2136355373"/>
+        <p14:creationId xmlns:p14="http://schemas.microsoft.com/office/powerpoint/2010/main" val="2846483295"/>
       </p:ext>
     </p:extLst>
   </p:cSld>
@@ -9954,7 +8481,7 @@
           <p:cNvPr id="2" name="Title 1">
             <a:extLst>
               <a:ext uri="{FF2B5EF4-FFF2-40B4-BE49-F238E27FC236}">
-                <a16:creationId xmlns:a16="http://schemas.microsoft.com/office/drawing/2014/main" id="{CAC2C6F0-F013-47F9-9A65-7E7EDACF829C}"/>
+                <a16:creationId xmlns:a16="http://schemas.microsoft.com/office/drawing/2014/main" id="{E6483948-4089-4AD3-8C97-90E9C69E8D31}"/>
               </a:ext>
             </a:extLst>
           </p:cNvPr>
@@ -9973,7 +8500,7 @@
             <a:pPr algn="ctr"/>
             <a:r>
               <a:rPr lang="en-US" dirty="0">
-                <a:cs typeface="Calibri Light" panose="020F0302020204030204"/>
+                <a:cs typeface="Calibri Light"/>
               </a:rPr>
               <a:t>Literature Survey</a:t>
             </a:r>
@@ -9985,7 +8512,7 @@
           <p:cNvPr id="3" name="Content Placeholder 2">
             <a:extLst>
               <a:ext uri="{FF2B5EF4-FFF2-40B4-BE49-F238E27FC236}">
-                <a16:creationId xmlns:a16="http://schemas.microsoft.com/office/drawing/2014/main" id="{7015AAE9-DED0-4583-93D7-F25216D9058F}"/>
+                <a16:creationId xmlns:a16="http://schemas.microsoft.com/office/drawing/2014/main" id="{2D53A7E2-773C-4AE0-83F0-737E07E893DC}"/>
               </a:ext>
             </a:extLst>
           </p:cNvPr>
@@ -9999,18 +8526,54 @@
         <p:spPr/>
         <p:txBody>
           <a:bodyPr vert="horz" lIns="91440" tIns="45720" rIns="91440" bIns="45720" rtlCol="0" anchor="t">
-            <a:normAutofit fontScale="92500" lnSpcReduction="10000"/>
+            <a:normAutofit/>
           </a:bodyPr>
           <a:lstStyle/>
           <a:p>
-            <a:pPr algn="just"/>
-            <a:r>
-              <a:rPr lang="en-US" u="sng" dirty="0">
-                <a:cs typeface="Calibri"/>
-              </a:rPr>
-              <a:t>Existing Systems:</a:t>
-            </a:r>
-            <a:endParaRPr lang="en-US"/>
+            <a:pPr lvl="1" algn="just"/>
+            <a:r>
+              <a:rPr lang="en-US" b="1" dirty="0">
+                <a:cs typeface="Calibri"/>
+              </a:rPr>
+              <a:t>Title: </a:t>
+            </a:r>
+            <a:r>
+              <a:rPr lang="en-US" dirty="0">
+                <a:cs typeface="Calibri"/>
+              </a:rPr>
+              <a:t>Long Short-Term Memory</a:t>
+            </a:r>
+            <a:endParaRPr lang="en-US" dirty="0"/>
+          </a:p>
+          <a:p>
+            <a:pPr lvl="1" algn="just"/>
+            <a:r>
+              <a:rPr lang="en-US" b="1" dirty="0">
+                <a:cs typeface="Calibri"/>
+              </a:rPr>
+              <a:t>Authors: </a:t>
+            </a:r>
+            <a:r>
+              <a:rPr lang="en-US" dirty="0">
+                <a:ea typeface="+mn-lt"/>
+                <a:cs typeface="+mn-lt"/>
+              </a:rPr>
+              <a:t>Sepp </a:t>
+            </a:r>
+            <a:r>
+              <a:rPr lang="en-US" dirty="0" err="1">
+                <a:ea typeface="+mn-lt"/>
+                <a:cs typeface="+mn-lt"/>
+              </a:rPr>
+              <a:t>Hochreiter</a:t>
+            </a:r>
+            <a:r>
+              <a:rPr lang="en-US" dirty="0">
+                <a:ea typeface="+mn-lt"/>
+                <a:cs typeface="+mn-lt"/>
+              </a:rPr>
+              <a:t>, Jurgen Schmidhuber</a:t>
+            </a:r>
           </a:p>
           <a:p>
             <a:pPr lvl="1" algn="just"/>
@@ -10019,150 +8582,39 @@
                 <a:ea typeface="+mn-lt"/>
                 <a:cs typeface="+mn-lt"/>
               </a:rPr>
-              <a:t>Google Cloud Natural Language</a:t>
+              <a:t>Publication: </a:t>
             </a:r>
             <a:r>
               <a:rPr lang="en-US" dirty="0">
                 <a:ea typeface="+mn-lt"/>
                 <a:cs typeface="+mn-lt"/>
               </a:rPr>
-              <a:t> API makes use of Tensorflow.js with Node.js to provide NLP services.</a:t>
+              <a:t>Neural Computation 9(8):1735-1780, 1997</a:t>
             </a:r>
           </a:p>
           <a:p>
             <a:pPr lvl="1" algn="just"/>
             <a:r>
-              <a:rPr lang="en-US" b="1" err="1">
+              <a:rPr lang="en-US" b="1" dirty="0">
                 <a:ea typeface="+mn-lt"/>
                 <a:cs typeface="+mn-lt"/>
               </a:rPr>
-              <a:t>OpenNLP</a:t>
+              <a:t>Summary: </a:t>
             </a:r>
             <a:r>
               <a:rPr lang="en-US" dirty="0">
                 <a:ea typeface="+mn-lt"/>
                 <a:cs typeface="+mn-lt"/>
               </a:rPr>
-              <a:t>, </a:t>
-            </a:r>
-            <a:r>
-              <a:rPr lang="en-US" b="1" dirty="0">
-                <a:cs typeface="Calibri"/>
-              </a:rPr>
-              <a:t>Stanford NLP</a:t>
-            </a:r>
-            <a:r>
-              <a:rPr lang="en-US" dirty="0">
-                <a:cs typeface="Calibri"/>
-              </a:rPr>
-              <a:t> provide NLP libraries that can be integrated with a given language.</a:t>
-            </a:r>
-            <a:endParaRPr lang="en-US" dirty="0">
-              <a:ea typeface="+mn-lt"/>
-              <a:cs typeface="+mn-lt"/>
-            </a:endParaRPr>
-          </a:p>
-          <a:p>
-            <a:pPr lvl="1" algn="just"/>
-            <a:r>
-              <a:rPr lang="en-US" b="1" dirty="0" err="1">
-                <a:cs typeface="Calibri"/>
-              </a:rPr>
-              <a:t>TextRazor</a:t>
-            </a:r>
-            <a:r>
-              <a:rPr lang="en-US" b="1" dirty="0">
-                <a:cs typeface="Calibri"/>
-              </a:rPr>
-              <a:t> </a:t>
-            </a:r>
-            <a:r>
-              <a:rPr lang="en-US" dirty="0">
-                <a:cs typeface="Calibri"/>
-              </a:rPr>
-              <a:t>provides NLP APIs but it is not built using Tensorflow.js.</a:t>
-            </a:r>
-          </a:p>
-          <a:p>
-            <a:pPr algn="just"/>
-            <a:r>
-              <a:rPr lang="en-US" u="sng" dirty="0">
-                <a:cs typeface="Calibri"/>
-              </a:rPr>
-              <a:t>Proposed System:</a:t>
-            </a:r>
-          </a:p>
-          <a:p>
-            <a:pPr lvl="1" algn="just"/>
-            <a:r>
-              <a:rPr lang="en-US" dirty="0">
-                <a:ea typeface="+mn-lt"/>
-                <a:cs typeface="+mn-lt"/>
-              </a:rPr>
-              <a:t>Context Analyzer makes use of </a:t>
-            </a:r>
-            <a:r>
-              <a:rPr lang="en-US" dirty="0" err="1">
-                <a:ea typeface="+mn-lt"/>
-                <a:cs typeface="+mn-lt"/>
-              </a:rPr>
-              <a:t>tfjs</a:t>
-            </a:r>
-            <a:r>
-              <a:rPr lang="en-US" dirty="0">
-                <a:ea typeface="+mn-lt"/>
-                <a:cs typeface="+mn-lt"/>
-              </a:rPr>
-              <a:t> with Node.js. Meaning, it does not depend on running python microservices for importing model and preprocessing.</a:t>
-            </a:r>
-          </a:p>
-          <a:p>
-            <a:pPr lvl="1" algn="just"/>
-            <a:r>
-              <a:rPr lang="en-US" dirty="0">
-                <a:ea typeface="+mn-lt"/>
-                <a:cs typeface="+mn-lt"/>
-              </a:rPr>
-              <a:t>All that is required is a cloud service to host the </a:t>
-            </a:r>
-            <a:r>
-              <a:rPr lang="en-US" dirty="0" err="1">
-                <a:ea typeface="+mn-lt"/>
-                <a:cs typeface="+mn-lt"/>
-              </a:rPr>
-              <a:t>model.json</a:t>
-            </a:r>
-            <a:r>
-              <a:rPr lang="en-US" dirty="0">
-                <a:ea typeface="+mn-lt"/>
-                <a:cs typeface="+mn-lt"/>
-              </a:rPr>
-              <a:t> file and the rest is taken care of by the APIs.</a:t>
-            </a:r>
-          </a:p>
-          <a:p>
-            <a:pPr lvl="1" algn="just"/>
-            <a:r>
-              <a:rPr lang="en-US" dirty="0">
-                <a:ea typeface="+mn-lt"/>
-                <a:cs typeface="+mn-lt"/>
-              </a:rPr>
-              <a:t>This is better than providing libraries as there is no need to import anything. The only requirement is to make API calls.</a:t>
-            </a:r>
-          </a:p>
-          <a:p>
-            <a:pPr lvl="1"/>
-            <a:endParaRPr lang="en-US" dirty="0">
-              <a:ea typeface="+mn-lt"/>
-              <a:cs typeface="+mn-lt"/>
-            </a:endParaRPr>
+              <a:t>This paper introduces Long Short Term Memory for the first time. It aims to solve the problems with back propagation over time, and it does. The authors have given a detailed architecture and conducted experiments to prove that LSTM is better than traditional RNNs. Their experiments showed that LSTM also leads to more successful runs and learns much faster. </a:t>
+            </a:r>
           </a:p>
         </p:txBody>
       </p:sp>
     </p:spTree>
     <p:extLst>
       <p:ext uri="{BB962C8B-B14F-4D97-AF65-F5344CB8AC3E}">
-        <p14:creationId xmlns:p14="http://schemas.microsoft.com/office/powerpoint/2010/main" val="1853761156"/>
+        <p14:creationId xmlns:p14="http://schemas.microsoft.com/office/powerpoint/2010/main" val="2136355373"/>
       </p:ext>
     </p:extLst>
   </p:cSld>
@@ -10194,7 +8646,7 @@
           <p:cNvPr id="2" name="Title 1">
             <a:extLst>
               <a:ext uri="{FF2B5EF4-FFF2-40B4-BE49-F238E27FC236}">
-                <a16:creationId xmlns:a16="http://schemas.microsoft.com/office/drawing/2014/main" id="{43A314C0-77B3-4A77-B8FE-74F30F1D1AC3}"/>
+                <a16:creationId xmlns:a16="http://schemas.microsoft.com/office/drawing/2014/main" id="{CAC2C6F0-F013-47F9-9A65-7E7EDACF829C}"/>
               </a:ext>
             </a:extLst>
           </p:cNvPr>
@@ -10215,7 +8667,7 @@
               <a:rPr lang="en-US" dirty="0">
                 <a:cs typeface="Calibri Light" panose="020F0302020204030204"/>
               </a:rPr>
-              <a:t>Tools and Technologies</a:t>
+              <a:t>Literature Survey</a:t>
             </a:r>
           </a:p>
         </p:txBody>
@@ -10225,7 +8677,7 @@
           <p:cNvPr id="3" name="Content Placeholder 2">
             <a:extLst>
               <a:ext uri="{FF2B5EF4-FFF2-40B4-BE49-F238E27FC236}">
-                <a16:creationId xmlns:a16="http://schemas.microsoft.com/office/drawing/2014/main" id="{F99C5E96-510A-4259-A1A2-129A3D5AA8B7}"/>
+                <a16:creationId xmlns:a16="http://schemas.microsoft.com/office/drawing/2014/main" id="{7015AAE9-DED0-4583-93D7-F25216D9058F}"/>
               </a:ext>
             </a:extLst>
           </p:cNvPr>
@@ -10243,85 +8695,99 @@
           </a:bodyPr>
           <a:lstStyle/>
           <a:p>
-            <a:r>
-              <a:rPr lang="en-US" dirty="0">
-                <a:cs typeface="Calibri"/>
-              </a:rPr>
-              <a:t>Front-end</a:t>
-            </a:r>
-            <a:endParaRPr lang="en-US"/>
-          </a:p>
-          <a:p>
-            <a:pPr lvl="1"/>
-            <a:r>
-              <a:rPr lang="en-US" dirty="0">
+            <a:pPr algn="just"/>
+            <a:r>
+              <a:rPr lang="en-US" u="sng" dirty="0">
+                <a:cs typeface="Calibri"/>
+              </a:rPr>
+              <a:t>Existing APIs / Libraries:</a:t>
+            </a:r>
+            <a:endParaRPr lang="en-US" dirty="0"/>
+          </a:p>
+          <a:p>
+            <a:pPr lvl="1" algn="just"/>
+            <a:r>
+              <a:rPr lang="en-US" b="1" dirty="0">
                 <a:ea typeface="+mn-lt"/>
                 <a:cs typeface="+mn-lt"/>
               </a:rPr>
-              <a:t>HTML, CSS, Handlebars.js</a:t>
-            </a:r>
-            <a:endParaRPr lang="en-US">
-              <a:cs typeface="Calibri"/>
+              <a:t>Google Cloud Natural Language</a:t>
+            </a:r>
+            <a:r>
+              <a:rPr lang="en-US" dirty="0">
+                <a:ea typeface="+mn-lt"/>
+                <a:cs typeface="+mn-lt"/>
+              </a:rPr>
+              <a:t> API makes use of Tensorflow.js with Node.js to provide NLP services.</a:t>
+            </a:r>
+          </a:p>
+          <a:p>
+            <a:pPr lvl="1" algn="just"/>
+            <a:r>
+              <a:rPr lang="en-US" b="1" err="1">
+                <a:ea typeface="+mn-lt"/>
+                <a:cs typeface="+mn-lt"/>
+              </a:rPr>
+              <a:t>OpenNLP</a:t>
+            </a:r>
+            <a:r>
+              <a:rPr lang="en-US" dirty="0">
+                <a:ea typeface="+mn-lt"/>
+                <a:cs typeface="+mn-lt"/>
+              </a:rPr>
+              <a:t>, </a:t>
+            </a:r>
+            <a:r>
+              <a:rPr lang="en-US" b="1" dirty="0">
+                <a:cs typeface="Calibri"/>
+              </a:rPr>
+              <a:t>Stanford NLP</a:t>
+            </a:r>
+            <a:r>
+              <a:rPr lang="en-US" dirty="0">
+                <a:cs typeface="Calibri"/>
+              </a:rPr>
+              <a:t> provide NLP libraries that can be integrated with a given language.</a:t>
+            </a:r>
+            <a:endParaRPr lang="en-US" dirty="0">
+              <a:ea typeface="+mn-lt"/>
+              <a:cs typeface="+mn-lt"/>
             </a:endParaRPr>
           </a:p>
           <a:p>
-            <a:r>
-              <a:rPr lang="en-US" dirty="0">
-                <a:cs typeface="Calibri"/>
-              </a:rPr>
-              <a:t>Back-end</a:t>
+            <a:pPr lvl="1" algn="just"/>
+            <a:r>
+              <a:rPr lang="en-US" b="1" dirty="0" err="1">
+                <a:cs typeface="Calibri"/>
+              </a:rPr>
+              <a:t>TextRazor</a:t>
+            </a:r>
+            <a:r>
+              <a:rPr lang="en-US" b="1" dirty="0">
+                <a:cs typeface="Calibri"/>
+              </a:rPr>
+              <a:t> </a:t>
+            </a:r>
+            <a:r>
+              <a:rPr lang="en-US" dirty="0">
+                <a:cs typeface="Calibri"/>
+              </a:rPr>
+              <a:t>provides NLP APIs but it is not built using Tensorflow.js.</a:t>
             </a:r>
           </a:p>
           <a:p>
             <a:pPr lvl="1"/>
-            <a:r>
-              <a:rPr lang="en-US" dirty="0">
-                <a:cs typeface="Calibri"/>
-              </a:rPr>
-              <a:t>Node.js, Express.js</a:t>
-            </a:r>
-          </a:p>
-          <a:p>
-            <a:r>
-              <a:rPr lang="en-US" dirty="0">
-                <a:cs typeface="Calibri"/>
-              </a:rPr>
-              <a:t>Languages and Libraries</a:t>
-            </a:r>
-            <a:endParaRPr lang="en-US"/>
-          </a:p>
-          <a:p>
-            <a:pPr lvl="1"/>
-            <a:r>
-              <a:rPr lang="en-US" dirty="0">
-                <a:cs typeface="Calibri"/>
-              </a:rPr>
-              <a:t>Python 3, Tensorflow.js</a:t>
-            </a:r>
-          </a:p>
-          <a:p>
-            <a:r>
-              <a:rPr lang="en-US" dirty="0">
-                <a:cs typeface="Calibri"/>
-              </a:rPr>
-              <a:t>Code Editor</a:t>
-            </a:r>
-          </a:p>
-          <a:p>
-            <a:pPr lvl="1"/>
-            <a:r>
-              <a:rPr lang="en-US" dirty="0">
-                <a:cs typeface="Calibri"/>
-              </a:rPr>
-              <a:t>Visual Studio Code</a:t>
-            </a:r>
+            <a:endParaRPr lang="en-US" dirty="0">
+              <a:ea typeface="+mn-lt"/>
+              <a:cs typeface="+mn-lt"/>
+            </a:endParaRPr>
           </a:p>
         </p:txBody>
       </p:sp>
     </p:spTree>
     <p:extLst>
       <p:ext uri="{BB962C8B-B14F-4D97-AF65-F5344CB8AC3E}">
-        <p14:creationId xmlns:p14="http://schemas.microsoft.com/office/powerpoint/2010/main" val="4183685459"/>
+        <p14:creationId xmlns:p14="http://schemas.microsoft.com/office/powerpoint/2010/main" val="1853761156"/>
       </p:ext>
     </p:extLst>
   </p:cSld>

--- a/docs/presentation/Presentation.pptx
+++ b/docs/presentation/Presentation.pptx
@@ -20,8 +20,8 @@
     <p:sldId id="266" r:id="rId14"/>
     <p:sldId id="269" r:id="rId15"/>
     <p:sldId id="270" r:id="rId16"/>
-    <p:sldId id="271" r:id="rId17"/>
-    <p:sldId id="272" r:id="rId18"/>
+    <p:sldId id="272" r:id="rId17"/>
+    <p:sldId id="271" r:id="rId18"/>
     <p:sldId id="273" r:id="rId19"/>
     <p:sldId id="274" r:id="rId20"/>
     <p:sldId id="277" r:id="rId21"/>
@@ -150,6 +150,7 @@
 <p1510:revInfo xmlns:a="http://schemas.openxmlformats.org/drawingml/2006/main" xmlns:r="http://schemas.openxmlformats.org/officeDocument/2006/relationships" xmlns:p1510="http://schemas.microsoft.com/office/powerpoint/2015/10/main">
   <p1510:revLst>
     <p1510:client id="{011DFB8F-CD22-4A71-985B-928F94C1CE07}" v="425" dt="2020-04-04T09:16:59.742"/>
+    <p1510:client id="{08654468-1844-4926-AE63-CFA1C5C1A94E}" v="3" dt="2020-06-14T13:44:49.345"/>
     <p1510:client id="{1160FAA9-F999-4E44-9E74-425A0C1DC568}" v="1223" dt="2020-02-17T14:44:16.976"/>
     <p1510:client id="{1AA8C00A-21E9-487B-9FFB-3B0D252F9148}" v="1706" dt="2020-02-24T16:31:04.614"/>
     <p1510:client id="{1B8E6F05-A6C7-4A3E-9D70-E310C1F97B8F}" v="636" dt="2020-05-20T06:38:57.965"/>
@@ -162,6 +163,7 @@
     <p1510:client id="{970F2756-6D48-4F87-AD03-74F0E83451BF}" v="40" dt="2020-02-01T05:49:26.211"/>
     <p1510:client id="{9E95AE69-D439-4F7B-9DC9-FDF50A79AC93}" v="36" dt="2020-03-29T08:24:21.112"/>
     <p1510:client id="{AD41C4CF-FCBC-4BD4-853A-6697B6FC4064}" v="3736" dt="2020-05-26T14:00:59.146"/>
+    <p1510:client id="{BBDEE34C-2F4F-44C9-B8D7-E432DE6044AC}" v="131" dt="2020-05-26T15:42:19.139"/>
     <p1510:client id="{CD649366-30A7-412D-8605-5CBD1A566ADE}" v="1079" dt="2020-02-26T10:22:40.245"/>
     <p1510:client id="{D0024680-6A6C-4C2C-9317-51B80E01B98A}" v="2863" dt="2020-02-14T15:52:35.637"/>
     <p1510:client id="{F01D4FF1-80D1-4260-9F7B-3F248C09A08D}" v="10" dt="2020-05-05T15:17:51.602"/>
@@ -300,7 +302,7 @@
           <a:p>
             <a:fld id="{846CE7D5-CF57-46EF-B807-FDD0502418D4}" type="datetimeFigureOut">
               <a:rPr lang="en-US" smtClean="0"/>
-              <a:t>5/26/2020</a:t>
+              <a:t>6/14/2020</a:t>
             </a:fld>
             <a:endParaRPr lang="en-US"/>
           </a:p>
@@ -470,7 +472,7 @@
           <a:p>
             <a:fld id="{846CE7D5-CF57-46EF-B807-FDD0502418D4}" type="datetimeFigureOut">
               <a:rPr lang="en-US" smtClean="0"/>
-              <a:t>5/26/2020</a:t>
+              <a:t>6/14/2020</a:t>
             </a:fld>
             <a:endParaRPr lang="en-US"/>
           </a:p>
@@ -650,7 +652,7 @@
           <a:p>
             <a:fld id="{846CE7D5-CF57-46EF-B807-FDD0502418D4}" type="datetimeFigureOut">
               <a:rPr lang="en-US" smtClean="0"/>
-              <a:t>5/26/2020</a:t>
+              <a:t>6/14/2020</a:t>
             </a:fld>
             <a:endParaRPr lang="en-US"/>
           </a:p>
@@ -820,7 +822,7 @@
           <a:p>
             <a:fld id="{846CE7D5-CF57-46EF-B807-FDD0502418D4}" type="datetimeFigureOut">
               <a:rPr lang="en-US" smtClean="0"/>
-              <a:t>5/26/2020</a:t>
+              <a:t>6/14/2020</a:t>
             </a:fld>
             <a:endParaRPr lang="en-US"/>
           </a:p>
@@ -1066,7 +1068,7 @@
           <a:p>
             <a:fld id="{846CE7D5-CF57-46EF-B807-FDD0502418D4}" type="datetimeFigureOut">
               <a:rPr lang="en-US" smtClean="0"/>
-              <a:t>5/26/2020</a:t>
+              <a:t>6/14/2020</a:t>
             </a:fld>
             <a:endParaRPr lang="en-US"/>
           </a:p>
@@ -1298,7 +1300,7 @@
           <a:p>
             <a:fld id="{846CE7D5-CF57-46EF-B807-FDD0502418D4}" type="datetimeFigureOut">
               <a:rPr lang="en-US" smtClean="0"/>
-              <a:t>5/26/2020</a:t>
+              <a:t>6/14/2020</a:t>
             </a:fld>
             <a:endParaRPr lang="en-US"/>
           </a:p>
@@ -1665,7 +1667,7 @@
           <a:p>
             <a:fld id="{846CE7D5-CF57-46EF-B807-FDD0502418D4}" type="datetimeFigureOut">
               <a:rPr lang="en-US" smtClean="0"/>
-              <a:t>5/26/2020</a:t>
+              <a:t>6/14/2020</a:t>
             </a:fld>
             <a:endParaRPr lang="en-US"/>
           </a:p>
@@ -1783,7 +1785,7 @@
           <a:p>
             <a:fld id="{846CE7D5-CF57-46EF-B807-FDD0502418D4}" type="datetimeFigureOut">
               <a:rPr lang="en-US" smtClean="0"/>
-              <a:t>5/26/2020</a:t>
+              <a:t>6/14/2020</a:t>
             </a:fld>
             <a:endParaRPr lang="en-US"/>
           </a:p>
@@ -1878,7 +1880,7 @@
           <a:p>
             <a:fld id="{846CE7D5-CF57-46EF-B807-FDD0502418D4}" type="datetimeFigureOut">
               <a:rPr lang="en-US" smtClean="0"/>
-              <a:t>5/26/2020</a:t>
+              <a:t>6/14/2020</a:t>
             </a:fld>
             <a:endParaRPr lang="en-US"/>
           </a:p>
@@ -2155,7 +2157,7 @@
           <a:p>
             <a:fld id="{846CE7D5-CF57-46EF-B807-FDD0502418D4}" type="datetimeFigureOut">
               <a:rPr lang="en-US" smtClean="0"/>
-              <a:t>5/26/2020</a:t>
+              <a:t>6/14/2020</a:t>
             </a:fld>
             <a:endParaRPr lang="en-US"/>
           </a:p>
@@ -2412,7 +2414,7 @@
           <a:p>
             <a:fld id="{846CE7D5-CF57-46EF-B807-FDD0502418D4}" type="datetimeFigureOut">
               <a:rPr lang="en-US" smtClean="0"/>
-              <a:t>5/26/2020</a:t>
+              <a:t>6/14/2020</a:t>
             </a:fld>
             <a:endParaRPr lang="en-US"/>
           </a:p>
@@ -2625,7 +2627,7 @@
           <a:p>
             <a:fld id="{846CE7D5-CF57-46EF-B807-FDD0502418D4}" type="datetimeFigureOut">
               <a:rPr lang="en-US" smtClean="0"/>
-              <a:t>5/26/2020</a:t>
+              <a:t>6/14/2020</a:t>
             </a:fld>
             <a:endParaRPr lang="en-US"/>
           </a:p>
@@ -3319,7 +3321,7 @@
         <p:spPr/>
         <p:txBody>
           <a:bodyPr vert="horz" lIns="91440" tIns="45720" rIns="91440" bIns="45720" rtlCol="0" anchor="t">
-            <a:normAutofit lnSpcReduction="10000"/>
+            <a:normAutofit fontScale="92500"/>
           </a:bodyPr>
           <a:lstStyle/>
           <a:p>
@@ -3328,7 +3330,7 @@
               <a:rPr lang="en-US" dirty="0">
                 <a:cs typeface="Calibri"/>
               </a:rPr>
-              <a:t>The application consists of three different models; all built using CNNs</a:t>
+              <a:t>The application consists of three different models; all built using CNNs.</a:t>
             </a:r>
           </a:p>
           <a:p>
@@ -3349,7 +3351,7 @@
               <a:rPr lang="en-US" dirty="0">
                 <a:cs typeface="Calibri"/>
               </a:rPr>
-              <a:t> news dataset, and SMS spam dataset</a:t>
+              <a:t> news dataset, and SMS spam dataset.</a:t>
             </a:r>
           </a:p>
           <a:p>
@@ -3358,7 +3360,7 @@
               <a:rPr lang="en-US" dirty="0">
                 <a:cs typeface="Calibri"/>
               </a:rPr>
-              <a:t>The models are going to be used for sentiment analysis, category prediction, and spam detection respectively</a:t>
+              <a:t>The models are going to be used for sentiment analysis, category prediction, and spam detection respectively.</a:t>
             </a:r>
           </a:p>
           <a:p>
@@ -3367,7 +3369,7 @@
               <a:rPr lang="en-US" dirty="0">
                 <a:cs typeface="Calibri"/>
               </a:rPr>
-              <a:t>To provide these services as APIs, Node.js, along with its integration of Tensorflow.js-node will be used</a:t>
+              <a:t>To provide these services as APIs, Node.js, along with its integration of Tensorflow.js-node will be used.</a:t>
             </a:r>
           </a:p>
           <a:p>
@@ -3376,7 +3378,7 @@
               <a:rPr lang="en-US" dirty="0">
                 <a:cs typeface="Calibri"/>
               </a:rPr>
-              <a:t>This means most of the tasks will be done on the browser itself</a:t>
+              <a:t>This means most of the tasks will be done on the browser itself.</a:t>
             </a:r>
           </a:p>
           <a:p>
@@ -3385,7 +3387,7 @@
               <a:rPr lang="en-US" dirty="0">
                 <a:cs typeface="Calibri"/>
               </a:rPr>
-              <a:t>The web-app also provides a UI for the above mentioned tasks. This UI can be used by one time users</a:t>
+              <a:t>The web-app also provides a UI for the above mentioned tasks. This UI can be used by one time users.</a:t>
             </a:r>
           </a:p>
         </p:txBody>
@@ -3651,7 +3653,7 @@
                 <a:ea typeface="+mn-lt"/>
                 <a:cs typeface="+mn-lt"/>
               </a:rPr>
-              <a:t>Get the BBC News, </a:t>
+              <a:t>Download the BBC News, </a:t>
             </a:r>
             <a:r>
               <a:rPr lang="en-US" dirty="0" err="1">
@@ -3679,7 +3681,7 @@
                 <a:ea typeface="+mn-lt"/>
                 <a:cs typeface="+mn-lt"/>
               </a:rPr>
-              <a:t> spam datasets </a:t>
+              <a:t> spam datasets.</a:t>
             </a:r>
             <a:endParaRPr lang="en-US" dirty="0">
               <a:cs typeface="Calibri"/>
@@ -4354,142 +4356,6 @@
           <p:cNvPr id="2" name="Title 1">
             <a:extLst>
               <a:ext uri="{FF2B5EF4-FFF2-40B4-BE49-F238E27FC236}">
-                <a16:creationId xmlns:a16="http://schemas.microsoft.com/office/drawing/2014/main" id="{21797F86-3438-47FD-B5D2-6D9FE8A47798}"/>
-              </a:ext>
-            </a:extLst>
-          </p:cNvPr>
-          <p:cNvSpPr>
-            <a:spLocks noGrp="1"/>
-          </p:cNvSpPr>
-          <p:nvPr>
-            <p:ph type="title"/>
-          </p:nvPr>
-        </p:nvSpPr>
-        <p:spPr/>
-        <p:txBody>
-          <a:bodyPr/>
-          <a:lstStyle/>
-          <a:p>
-            <a:pPr algn="ctr"/>
-            <a:r>
-              <a:rPr lang="en-US" dirty="0">
-                <a:cs typeface="Calibri Light" panose="020F0302020204030204"/>
-              </a:rPr>
-              <a:t>Detailed Methodology</a:t>
-            </a:r>
-          </a:p>
-        </p:txBody>
-      </p:sp>
-      <p:sp>
-        <p:nvSpPr>
-          <p:cNvPr id="3" name="Content Placeholder 2">
-            <a:extLst>
-              <a:ext uri="{FF2B5EF4-FFF2-40B4-BE49-F238E27FC236}">
-                <a16:creationId xmlns:a16="http://schemas.microsoft.com/office/drawing/2014/main" id="{A6B7715D-E06D-4D95-B469-78B00FEE1280}"/>
-              </a:ext>
-            </a:extLst>
-          </p:cNvPr>
-          <p:cNvSpPr>
-            <a:spLocks noGrp="1"/>
-          </p:cNvSpPr>
-          <p:nvPr>
-            <p:ph idx="1"/>
-          </p:nvPr>
-        </p:nvSpPr>
-        <p:spPr/>
-        <p:txBody>
-          <a:bodyPr vert="horz" lIns="91440" tIns="45720" rIns="91440" bIns="45720" rtlCol="0" anchor="t">
-            <a:normAutofit/>
-          </a:bodyPr>
-          <a:lstStyle/>
-          <a:p>
-            <a:pPr algn="just"/>
-            <a:r>
-              <a:rPr lang="en-US" dirty="0">
-                <a:cs typeface="Calibri"/>
-              </a:rPr>
-              <a:t>How the text is pre-processed</a:t>
-            </a:r>
-            <a:endParaRPr lang="en-US">
-              <a:cs typeface="Calibri" panose="020F0502020204030204"/>
-            </a:endParaRPr>
-          </a:p>
-          <a:p>
-            <a:pPr lvl="1" algn="just"/>
-            <a:r>
-              <a:rPr lang="en-US" dirty="0">
-                <a:cs typeface="Calibri"/>
-              </a:rPr>
-              <a:t>The datasets contain text data that need some pre-processing. The neural network does not take in raw text data as input, so we need to convert this text data into a sequence of numbers (or a tensor) which is the appropriate input for the neural network.</a:t>
-            </a:r>
-          </a:p>
-          <a:p>
-            <a:pPr lvl="1" algn="just"/>
-            <a:r>
-              <a:rPr lang="en-US" dirty="0">
-                <a:cs typeface="Calibri"/>
-              </a:rPr>
-              <a:t>A dictionary of words in the datasets are built first. If the dictionary is not built, new text inputs will be stored as [0, 0, 1, 2, 3, 4, etc.]. This leads to </a:t>
-            </a:r>
-            <a:r>
-              <a:rPr lang="en-US">
-                <a:cs typeface="Calibri"/>
-              </a:rPr>
-              <a:t>wrongful predictions.</a:t>
-            </a:r>
-          </a:p>
-          <a:p>
-            <a:pPr lvl="1" algn="just"/>
-            <a:r>
-              <a:rPr lang="en-US">
-                <a:cs typeface="Calibri"/>
-              </a:rPr>
-              <a:t>The list of words is then passed to a function that tokenizes it. </a:t>
-            </a:r>
-            <a:r>
-              <a:rPr lang="en-US" dirty="0">
-                <a:cs typeface="Calibri"/>
-              </a:rPr>
-              <a:t>Tokenizing is converting the list of words into sequences of numbers so that they can be used as input to the neural network.</a:t>
-            </a:r>
-          </a:p>
-        </p:txBody>
-      </p:sp>
-    </p:spTree>
-    <p:extLst>
-      <p:ext uri="{BB962C8B-B14F-4D97-AF65-F5344CB8AC3E}">
-        <p14:creationId xmlns:p14="http://schemas.microsoft.com/office/powerpoint/2010/main" val="956708869"/>
-      </p:ext>
-    </p:extLst>
-  </p:cSld>
-  <p:clrMapOvr>
-    <a:masterClrMapping/>
-  </p:clrMapOvr>
-</p:sld>
-</file>
-
-<file path=ppt/slides/slide17.xml><?xml version="1.0" encoding="utf-8"?>
-<p:sld xmlns:a="http://schemas.openxmlformats.org/drawingml/2006/main" xmlns:r="http://schemas.openxmlformats.org/officeDocument/2006/relationships" xmlns:p="http://schemas.openxmlformats.org/presentationml/2006/main">
-  <p:cSld>
-    <p:spTree>
-      <p:nvGrpSpPr>
-        <p:cNvPr id="1" name=""/>
-        <p:cNvGrpSpPr/>
-        <p:nvPr/>
-      </p:nvGrpSpPr>
-      <p:grpSpPr>
-        <a:xfrm>
-          <a:off x="0" y="0"/>
-          <a:ext cx="0" cy="0"/>
-          <a:chOff x="0" y="0"/>
-          <a:chExt cx="0" cy="0"/>
-        </a:xfrm>
-      </p:grpSpPr>
-      <p:sp>
-        <p:nvSpPr>
-          <p:cNvPr id="2" name="Title 1">
-            <a:extLst>
-              <a:ext uri="{FF2B5EF4-FFF2-40B4-BE49-F238E27FC236}">
                 <a16:creationId xmlns:a16="http://schemas.microsoft.com/office/drawing/2014/main" id="{62700633-8410-42C7-8E8C-D0A31453D838}"/>
               </a:ext>
             </a:extLst>
@@ -4588,6 +4454,142 @@
     <p:extLst>
       <p:ext uri="{BB962C8B-B14F-4D97-AF65-F5344CB8AC3E}">
         <p14:creationId xmlns:p14="http://schemas.microsoft.com/office/powerpoint/2010/main" val="2452716225"/>
+      </p:ext>
+    </p:extLst>
+  </p:cSld>
+  <p:clrMapOvr>
+    <a:masterClrMapping/>
+  </p:clrMapOvr>
+</p:sld>
+</file>
+
+<file path=ppt/slides/slide17.xml><?xml version="1.0" encoding="utf-8"?>
+<p:sld xmlns:a="http://schemas.openxmlformats.org/drawingml/2006/main" xmlns:r="http://schemas.openxmlformats.org/officeDocument/2006/relationships" xmlns:p="http://schemas.openxmlformats.org/presentationml/2006/main">
+  <p:cSld>
+    <p:spTree>
+      <p:nvGrpSpPr>
+        <p:cNvPr id="1" name=""/>
+        <p:cNvGrpSpPr/>
+        <p:nvPr/>
+      </p:nvGrpSpPr>
+      <p:grpSpPr>
+        <a:xfrm>
+          <a:off x="0" y="0"/>
+          <a:ext cx="0" cy="0"/>
+          <a:chOff x="0" y="0"/>
+          <a:chExt cx="0" cy="0"/>
+        </a:xfrm>
+      </p:grpSpPr>
+      <p:sp>
+        <p:nvSpPr>
+          <p:cNvPr id="2" name="Title 1">
+            <a:extLst>
+              <a:ext uri="{FF2B5EF4-FFF2-40B4-BE49-F238E27FC236}">
+                <a16:creationId xmlns:a16="http://schemas.microsoft.com/office/drawing/2014/main" id="{21797F86-3438-47FD-B5D2-6D9FE8A47798}"/>
+              </a:ext>
+            </a:extLst>
+          </p:cNvPr>
+          <p:cNvSpPr>
+            <a:spLocks noGrp="1"/>
+          </p:cNvSpPr>
+          <p:nvPr>
+            <p:ph type="title"/>
+          </p:nvPr>
+        </p:nvSpPr>
+        <p:spPr/>
+        <p:txBody>
+          <a:bodyPr/>
+          <a:lstStyle/>
+          <a:p>
+            <a:pPr algn="ctr"/>
+            <a:r>
+              <a:rPr lang="en-US" dirty="0">
+                <a:cs typeface="Calibri Light" panose="020F0302020204030204"/>
+              </a:rPr>
+              <a:t>Detailed Methodology</a:t>
+            </a:r>
+          </a:p>
+        </p:txBody>
+      </p:sp>
+      <p:sp>
+        <p:nvSpPr>
+          <p:cNvPr id="3" name="Content Placeholder 2">
+            <a:extLst>
+              <a:ext uri="{FF2B5EF4-FFF2-40B4-BE49-F238E27FC236}">
+                <a16:creationId xmlns:a16="http://schemas.microsoft.com/office/drawing/2014/main" id="{A6B7715D-E06D-4D95-B469-78B00FEE1280}"/>
+              </a:ext>
+            </a:extLst>
+          </p:cNvPr>
+          <p:cNvSpPr>
+            <a:spLocks noGrp="1"/>
+          </p:cNvSpPr>
+          <p:nvPr>
+            <p:ph idx="1"/>
+          </p:nvPr>
+        </p:nvSpPr>
+        <p:spPr/>
+        <p:txBody>
+          <a:bodyPr vert="horz" lIns="91440" tIns="45720" rIns="91440" bIns="45720" rtlCol="0" anchor="t">
+            <a:normAutofit/>
+          </a:bodyPr>
+          <a:lstStyle/>
+          <a:p>
+            <a:pPr algn="just"/>
+            <a:r>
+              <a:rPr lang="en-US" dirty="0">
+                <a:cs typeface="Calibri"/>
+              </a:rPr>
+              <a:t>How the text is pre-processed</a:t>
+            </a:r>
+            <a:endParaRPr lang="en-US">
+              <a:cs typeface="Calibri" panose="020F0502020204030204"/>
+            </a:endParaRPr>
+          </a:p>
+          <a:p>
+            <a:pPr lvl="1" algn="just"/>
+            <a:r>
+              <a:rPr lang="en-US" dirty="0">
+                <a:cs typeface="Calibri"/>
+              </a:rPr>
+              <a:t>The datasets contain text data that need some pre-processing. The neural network does not take in raw text data as input, so we need to convert this text data into a sequence of numbers (or a tensor) which is the appropriate input for the neural network.</a:t>
+            </a:r>
+          </a:p>
+          <a:p>
+            <a:pPr lvl="1" algn="just"/>
+            <a:r>
+              <a:rPr lang="en-US" dirty="0">
+                <a:cs typeface="Calibri"/>
+              </a:rPr>
+              <a:t>A dictionary of words in the datasets are built first. If the dictionary is not built, new text inputs will be stored as [0, 0, 1, 2, 3, 4, etc.]. This leads to </a:t>
+            </a:r>
+            <a:r>
+              <a:rPr lang="en-US">
+                <a:cs typeface="Calibri"/>
+              </a:rPr>
+              <a:t>wrongful predictions.</a:t>
+            </a:r>
+          </a:p>
+          <a:p>
+            <a:pPr lvl="1" algn="just"/>
+            <a:r>
+              <a:rPr lang="en-US">
+                <a:cs typeface="Calibri"/>
+              </a:rPr>
+              <a:t>The list of words is then passed to a function that tokenizes it. </a:t>
+            </a:r>
+            <a:r>
+              <a:rPr lang="en-US" dirty="0">
+                <a:cs typeface="Calibri"/>
+              </a:rPr>
+              <a:t>Tokenizing is converting the list of words into sequences of numbers so that they can be used as input to the neural network.</a:t>
+            </a:r>
+          </a:p>
+        </p:txBody>
+      </p:sp>
+    </p:spTree>
+    <p:extLst>
+      <p:ext uri="{BB962C8B-B14F-4D97-AF65-F5344CB8AC3E}">
+        <p14:creationId xmlns:p14="http://schemas.microsoft.com/office/powerpoint/2010/main" val="956708869"/>
       </p:ext>
     </p:extLst>
   </p:cSld>
@@ -4834,7 +4836,7 @@
                 <a:ea typeface="+mn-lt"/>
                 <a:cs typeface="+mn-lt"/>
               </a:rPr>
-              <a:t>Sometimes, we only need to look at recent information to perform the present task. </a:t>
+              <a:t>For certain tasks, we only need to look at recent information to perform the present task. </a:t>
             </a:r>
           </a:p>
           <a:p>
@@ -5109,20 +5111,20 @@
             <a:pPr algn="just"/>
             <a:r>
               <a:rPr lang="en-US" dirty="0">
-                <a:cs typeface="Calibri"/>
-              </a:rPr>
-              <a:t>LSTM</a:t>
-            </a:r>
-            <a:endParaRPr lang="en-US"/>
-          </a:p>
-          <a:p>
-            <a:pPr lvl="1" algn="just"/>
-            <a:r>
-              <a:rPr lang="en-US" dirty="0">
                 <a:ea typeface="+mn-lt"/>
                 <a:cs typeface="+mn-lt"/>
               </a:rPr>
-              <a:t>But there are also cases where we need more context. </a:t>
+              <a:t>LSTM (Long Short Term Memory)</a:t>
+            </a:r>
+          </a:p>
+          <a:p>
+            <a:pPr lvl="1" algn="just"/>
+            <a:r>
+              <a:rPr lang="en-US" dirty="0">
+                <a:ea typeface="+mn-lt"/>
+                <a:cs typeface="+mn-lt"/>
+              </a:rPr>
+              <a:t>There are also cases where we need more context. </a:t>
             </a:r>
           </a:p>
           <a:p>
@@ -6279,7 +6281,7 @@
               <a:rPr lang="en-US" dirty="0">
                 <a:cs typeface="Calibri"/>
               </a:rPr>
-              <a:t>Did API testing on all the routes in the application</a:t>
+              <a:t>Performed API testing on all the routes in the application</a:t>
             </a:r>
             <a:endParaRPr lang="en-US" dirty="0"/>
           </a:p>
@@ -7061,7 +7063,7 @@
                 <a:latin typeface="Calibri"/>
                 <a:cs typeface="Times New Roman"/>
               </a:rPr>
-              <a:t>Having achieved that for 3 different tasks; Sentiment Analysis, Category Prediction, Spam Detection, it is safe to say that ML APIs are going to dominate in the near future. </a:t>
+              <a:t>After achieving that for 3 different tasks; Sentiment Analysis, Category Prediction, Spam Detection, it is safe to say that ML APIs are going to dominate in the near future. </a:t>
             </a:r>
             <a:endParaRPr lang="en-US">
               <a:latin typeface="Calibri"/>
@@ -7103,7 +7105,7 @@
                 <a:latin typeface="Calibri"/>
                 <a:cs typeface="Times New Roman"/>
               </a:rPr>
-              <a:t>Having provided a page with documentation for the API, users are going to find it easy to make use of my APIs. </a:t>
+              <a:t>I have also provided a page with documentation for the API, users are going to find it easy to make use of my APIs. </a:t>
             </a:r>
             <a:endParaRPr lang="en-US">
               <a:latin typeface="Calibri"/>
@@ -7220,19 +7222,6 @@
                 <a:latin typeface="Calibri"/>
                 <a:cs typeface="Times New Roman"/>
               </a:rPr>
-              <a:t>There is a lot of potential still left for the project to fulfill. </a:t>
-            </a:r>
-            <a:endParaRPr lang="en-US">
-              <a:cs typeface="Calibri" panose="020F0502020204030204"/>
-            </a:endParaRPr>
-          </a:p>
-          <a:p>
-            <a:pPr algn="just"/>
-            <a:r>
-              <a:rPr lang="en-US" dirty="0">
-                <a:latin typeface="Calibri"/>
-                <a:cs typeface="Times New Roman"/>
-              </a:rPr>
               <a:t>The accuracy can and should increase. </a:t>
             </a:r>
             <a:endParaRPr lang="en-US"/>
@@ -7942,7 +7931,7 @@
               <a:rPr lang="en-US" dirty="0">
                 <a:cs typeface="Calibri"/>
               </a:rPr>
-              <a:t>If an organization or an individual wants to integrate text classification tasks into their product or application, they would have to start collecting data, hire skilled ML engineers, spend a lot of money and time building out an effective and accurate model</a:t>
+              <a:t>If an organization or an individual wants to integrate text classification tasks into their product or application, they would have to start collecting data, hire skilled ML engineers, spend a lot of money and time building out an effective and accurate model.</a:t>
             </a:r>
           </a:p>
           <a:p>
@@ -7952,7 +7941,7 @@
                 <a:ea typeface="+mn-lt"/>
                 <a:cs typeface="+mn-lt"/>
               </a:rPr>
-              <a:t>All of that can be avoided when companies just use the APIs provided by Context Analyzer</a:t>
+              <a:t>All of that can be avoided when companies just use the APIs provided by Context Analyzer.</a:t>
             </a:r>
           </a:p>
           <a:p>
@@ -7962,7 +7951,7 @@
                 <a:ea typeface="+mn-lt"/>
                 <a:cs typeface="+mn-lt"/>
               </a:rPr>
-              <a:t>The purpose of this project was to automate certain NLP tasks and also provide them as services through APIs</a:t>
+              <a:t>The purpose of this project was to automate certain NLP tasks and also provide them as services through APIs.</a:t>
             </a:r>
           </a:p>
           <a:p>
@@ -7972,7 +7961,7 @@
                 <a:ea typeface="+mn-lt"/>
                 <a:cs typeface="+mn-lt"/>
               </a:rPr>
-              <a:t>Integrating APIs is much cheaper and faster than building an entire team to carry out these tasks</a:t>
+              <a:t>Integrating APIs is much cheaper and faster than building an entire team to carry out these tasks.</a:t>
             </a:r>
           </a:p>
         </p:txBody>
@@ -8313,7 +8302,7 @@
         <p:spPr/>
         <p:txBody>
           <a:bodyPr vert="horz" lIns="91440" tIns="45720" rIns="91440" bIns="45720" rtlCol="0" anchor="t">
-            <a:normAutofit/>
+            <a:normAutofit lnSpcReduction="10000"/>
           </a:bodyPr>
           <a:lstStyle/>
           <a:p>
@@ -8426,6 +8415,13 @@
               </a:rPr>
               <a:t>arXiv:1605.05101 [cs.CL] 2016</a:t>
             </a:r>
+          </a:p>
+          <a:p>
+            <a:pPr lvl="1" algn="just"/>
+            <a:endParaRPr lang="en-US" dirty="0">
+              <a:ea typeface="+mn-lt"/>
+              <a:cs typeface="+mn-lt"/>
+            </a:endParaRPr>
           </a:p>
           <a:p>
             <a:pPr lvl="1" algn="just"/>
@@ -8591,6 +8587,13 @@
               </a:rPr>
               <a:t>Neural Computation 9(8):1735-1780, 1997</a:t>
             </a:r>
+          </a:p>
+          <a:p>
+            <a:pPr lvl="1" algn="just"/>
+            <a:endParaRPr lang="en-US" dirty="0">
+              <a:ea typeface="+mn-lt"/>
+              <a:cs typeface="+mn-lt"/>
+            </a:endParaRPr>
           </a:p>
           <a:p>
             <a:pPr lvl="1" algn="just"/>

--- a/docs/presentation/Presentation.pptx
+++ b/docs/presentation/Presentation.pptx
@@ -151,6 +151,7 @@
   <p1510:revLst>
     <p1510:client id="{011DFB8F-CD22-4A71-985B-928F94C1CE07}" v="425" dt="2020-04-04T09:16:59.742"/>
     <p1510:client id="{08654468-1844-4926-AE63-CFA1C5C1A94E}" v="3" dt="2020-06-14T13:44:49.345"/>
+    <p1510:client id="{0C41DDF6-69BD-41B5-96C6-ADF9B3D78509}" v="39" dt="2020-06-22T13:03:19.605"/>
     <p1510:client id="{1160FAA9-F999-4E44-9E74-425A0C1DC568}" v="1223" dt="2020-02-17T14:44:16.976"/>
     <p1510:client id="{1AA8C00A-21E9-487B-9FFB-3B0D252F9148}" v="1706" dt="2020-02-24T16:31:04.614"/>
     <p1510:client id="{1B8E6F05-A6C7-4A3E-9D70-E310C1F97B8F}" v="636" dt="2020-05-20T06:38:57.965"/>
@@ -302,7 +303,7 @@
           <a:p>
             <a:fld id="{846CE7D5-CF57-46EF-B807-FDD0502418D4}" type="datetimeFigureOut">
               <a:rPr lang="en-US" smtClean="0"/>
-              <a:t>6/14/2020</a:t>
+              <a:t>6/22/2020</a:t>
             </a:fld>
             <a:endParaRPr lang="en-US"/>
           </a:p>
@@ -472,7 +473,7 @@
           <a:p>
             <a:fld id="{846CE7D5-CF57-46EF-B807-FDD0502418D4}" type="datetimeFigureOut">
               <a:rPr lang="en-US" smtClean="0"/>
-              <a:t>6/14/2020</a:t>
+              <a:t>6/22/2020</a:t>
             </a:fld>
             <a:endParaRPr lang="en-US"/>
           </a:p>
@@ -652,7 +653,7 @@
           <a:p>
             <a:fld id="{846CE7D5-CF57-46EF-B807-FDD0502418D4}" type="datetimeFigureOut">
               <a:rPr lang="en-US" smtClean="0"/>
-              <a:t>6/14/2020</a:t>
+              <a:t>6/22/2020</a:t>
             </a:fld>
             <a:endParaRPr lang="en-US"/>
           </a:p>
@@ -822,7 +823,7 @@
           <a:p>
             <a:fld id="{846CE7D5-CF57-46EF-B807-FDD0502418D4}" type="datetimeFigureOut">
               <a:rPr lang="en-US" smtClean="0"/>
-              <a:t>6/14/2020</a:t>
+              <a:t>6/22/2020</a:t>
             </a:fld>
             <a:endParaRPr lang="en-US"/>
           </a:p>
@@ -1068,7 +1069,7 @@
           <a:p>
             <a:fld id="{846CE7D5-CF57-46EF-B807-FDD0502418D4}" type="datetimeFigureOut">
               <a:rPr lang="en-US" smtClean="0"/>
-              <a:t>6/14/2020</a:t>
+              <a:t>6/22/2020</a:t>
             </a:fld>
             <a:endParaRPr lang="en-US"/>
           </a:p>
@@ -1300,7 +1301,7 @@
           <a:p>
             <a:fld id="{846CE7D5-CF57-46EF-B807-FDD0502418D4}" type="datetimeFigureOut">
               <a:rPr lang="en-US" smtClean="0"/>
-              <a:t>6/14/2020</a:t>
+              <a:t>6/22/2020</a:t>
             </a:fld>
             <a:endParaRPr lang="en-US"/>
           </a:p>
@@ -1667,7 +1668,7 @@
           <a:p>
             <a:fld id="{846CE7D5-CF57-46EF-B807-FDD0502418D4}" type="datetimeFigureOut">
               <a:rPr lang="en-US" smtClean="0"/>
-              <a:t>6/14/2020</a:t>
+              <a:t>6/22/2020</a:t>
             </a:fld>
             <a:endParaRPr lang="en-US"/>
           </a:p>
@@ -1785,7 +1786,7 @@
           <a:p>
             <a:fld id="{846CE7D5-CF57-46EF-B807-FDD0502418D4}" type="datetimeFigureOut">
               <a:rPr lang="en-US" smtClean="0"/>
-              <a:t>6/14/2020</a:t>
+              <a:t>6/22/2020</a:t>
             </a:fld>
             <a:endParaRPr lang="en-US"/>
           </a:p>
@@ -1880,7 +1881,7 @@
           <a:p>
             <a:fld id="{846CE7D5-CF57-46EF-B807-FDD0502418D4}" type="datetimeFigureOut">
               <a:rPr lang="en-US" smtClean="0"/>
-              <a:t>6/14/2020</a:t>
+              <a:t>6/22/2020</a:t>
             </a:fld>
             <a:endParaRPr lang="en-US"/>
           </a:p>
@@ -2157,7 +2158,7 @@
           <a:p>
             <a:fld id="{846CE7D5-CF57-46EF-B807-FDD0502418D4}" type="datetimeFigureOut">
               <a:rPr lang="en-US" smtClean="0"/>
-              <a:t>6/14/2020</a:t>
+              <a:t>6/22/2020</a:t>
             </a:fld>
             <a:endParaRPr lang="en-US"/>
           </a:p>
@@ -2414,7 +2415,7 @@
           <a:p>
             <a:fld id="{846CE7D5-CF57-46EF-B807-FDD0502418D4}" type="datetimeFigureOut">
               <a:rPr lang="en-US" smtClean="0"/>
-              <a:t>6/14/2020</a:t>
+              <a:t>6/22/2020</a:t>
             </a:fld>
             <a:endParaRPr lang="en-US"/>
           </a:p>
@@ -2627,7 +2628,7 @@
           <a:p>
             <a:fld id="{846CE7D5-CF57-46EF-B807-FDD0502418D4}" type="datetimeFigureOut">
               <a:rPr lang="en-US" smtClean="0"/>
-              <a:t>6/14/2020</a:t>
+              <a:t>6/22/2020</a:t>
             </a:fld>
             <a:endParaRPr lang="en-US"/>
           </a:p>
@@ -3872,7 +3873,7 @@
         <p:spPr/>
         <p:txBody>
           <a:bodyPr vert="horz" lIns="91440" tIns="45720" rIns="91440" bIns="45720" rtlCol="0" anchor="t">
-            <a:normAutofit/>
+            <a:normAutofit fontScale="92500" lnSpcReduction="10000"/>
           </a:bodyPr>
           <a:lstStyle/>
           <a:p>
@@ -3886,8 +3887,18 @@
               <a:rPr lang="en-US" dirty="0">
                 <a:cs typeface="Calibri"/>
               </a:rPr>
-              <a:t>: To be able to build more NLP APIs for different tasks.</a:t>
-            </a:r>
+              <a:t>: </a:t>
+            </a:r>
+            <a:r>
+              <a:rPr lang="en-US" dirty="0">
+                <a:ea typeface="+mn-lt"/>
+                <a:cs typeface="+mn-lt"/>
+              </a:rPr>
+              <a:t>Using technologies like Node.js with Tensorflow.js which allows for the web application to be scaled easily.</a:t>
+            </a:r>
+            <a:endParaRPr lang="en-US" dirty="0">
+              <a:cs typeface="Calibri"/>
+            </a:endParaRPr>
           </a:p>
           <a:p>
             <a:r>
@@ -3900,7 +3911,28 @@
               <a:rPr lang="en-US" dirty="0">
                 <a:cs typeface="Calibri"/>
               </a:rPr>
-              <a:t>: Increase accuracy of the predictions.</a:t>
+              <a:t>: </a:t>
+            </a:r>
+            <a:r>
+              <a:rPr lang="en-US" dirty="0">
+                <a:ea typeface="+mn-lt"/>
+                <a:cs typeface="+mn-lt"/>
+              </a:rPr>
+              <a:t>Increase accuracy of predictions by tuning hyper-parameters. Use the ability to run things faster with </a:t>
+            </a:r>
+            <a:r>
+              <a:rPr lang="en-US" dirty="0" err="1">
+                <a:ea typeface="+mn-lt"/>
+                <a:cs typeface="+mn-lt"/>
+              </a:rPr>
+              <a:t>asyncrhronous</a:t>
+            </a:r>
+            <a:r>
+              <a:rPr lang="en-US" dirty="0">
+                <a:ea typeface="+mn-lt"/>
+                <a:cs typeface="+mn-lt"/>
+              </a:rPr>
+              <a:t> programming.</a:t>
             </a:r>
           </a:p>
           <a:p>
@@ -3914,8 +3946,18 @@
               <a:rPr lang="en-US" dirty="0">
                 <a:cs typeface="Calibri"/>
               </a:rPr>
-              <a:t>: To make sure that the web-app is always functioning properly and available to its users.</a:t>
-            </a:r>
+              <a:t>: </a:t>
+            </a:r>
+            <a:r>
+              <a:rPr lang="en-US" dirty="0">
+                <a:ea typeface="+mn-lt"/>
+                <a:cs typeface="+mn-lt"/>
+              </a:rPr>
+              <a:t>Ensure that the web-app is always functional and available to use for the users. The server handling the API requests must always be up. Any sort of downtime will cause inconvenience to users.</a:t>
+            </a:r>
+            <a:endParaRPr lang="en-US" dirty="0">
+              <a:cs typeface="Calibri"/>
+            </a:endParaRPr>
           </a:p>
           <a:p>
             <a:r>
@@ -3928,7 +3970,14 @@
               <a:rPr lang="en-US" dirty="0">
                 <a:cs typeface="Calibri"/>
               </a:rPr>
-              <a:t>: Future updates must be smooth. Should work well with future versions of the technologies used.</a:t>
+              <a:t>: </a:t>
+            </a:r>
+            <a:r>
+              <a:rPr lang="en-US" dirty="0">
+                <a:ea typeface="+mn-lt"/>
+                <a:cs typeface="+mn-lt"/>
+              </a:rPr>
+              <a:t>Checking the functionality of the application from time to time to ensure it is working properly. Updating deprecated functions in various libraries.</a:t>
             </a:r>
           </a:p>
         </p:txBody>
